--- a/Documentacion/Presentacion/Presentacion Sirius.pptx
+++ b/Documentacion/Presentacion/Presentacion Sirius.pptx
@@ -16,40 +16,41 @@
     <p:sldId id="265" r:id="rId10"/>
     <p:sldId id="264" r:id="rId11"/>
     <p:sldId id="266" r:id="rId12"/>
-    <p:sldId id="267" r:id="rId13"/>
-    <p:sldId id="268" r:id="rId14"/>
-    <p:sldId id="269" r:id="rId15"/>
-    <p:sldId id="270" r:id="rId16"/>
-    <p:sldId id="298" r:id="rId17"/>
-    <p:sldId id="299" r:id="rId18"/>
-    <p:sldId id="301" r:id="rId19"/>
-    <p:sldId id="300" r:id="rId20"/>
-    <p:sldId id="271" r:id="rId21"/>
-    <p:sldId id="272" r:id="rId22"/>
-    <p:sldId id="273" r:id="rId23"/>
-    <p:sldId id="274" r:id="rId24"/>
-    <p:sldId id="275" r:id="rId25"/>
-    <p:sldId id="276" r:id="rId26"/>
-    <p:sldId id="277" r:id="rId27"/>
-    <p:sldId id="278" r:id="rId28"/>
-    <p:sldId id="279" r:id="rId29"/>
-    <p:sldId id="280" r:id="rId30"/>
-    <p:sldId id="281" r:id="rId31"/>
-    <p:sldId id="282" r:id="rId32"/>
-    <p:sldId id="283" r:id="rId33"/>
-    <p:sldId id="284" r:id="rId34"/>
-    <p:sldId id="285" r:id="rId35"/>
-    <p:sldId id="286" r:id="rId36"/>
-    <p:sldId id="287" r:id="rId37"/>
-    <p:sldId id="288" r:id="rId38"/>
-    <p:sldId id="289" r:id="rId39"/>
-    <p:sldId id="290" r:id="rId40"/>
-    <p:sldId id="291" r:id="rId41"/>
-    <p:sldId id="292" r:id="rId42"/>
-    <p:sldId id="293" r:id="rId43"/>
-    <p:sldId id="294" r:id="rId44"/>
-    <p:sldId id="295" r:id="rId45"/>
-    <p:sldId id="296" r:id="rId46"/>
+    <p:sldId id="302" r:id="rId13"/>
+    <p:sldId id="267" r:id="rId14"/>
+    <p:sldId id="268" r:id="rId15"/>
+    <p:sldId id="269" r:id="rId16"/>
+    <p:sldId id="270" r:id="rId17"/>
+    <p:sldId id="298" r:id="rId18"/>
+    <p:sldId id="299" r:id="rId19"/>
+    <p:sldId id="301" r:id="rId20"/>
+    <p:sldId id="300" r:id="rId21"/>
+    <p:sldId id="271" r:id="rId22"/>
+    <p:sldId id="272" r:id="rId23"/>
+    <p:sldId id="273" r:id="rId24"/>
+    <p:sldId id="274" r:id="rId25"/>
+    <p:sldId id="275" r:id="rId26"/>
+    <p:sldId id="276" r:id="rId27"/>
+    <p:sldId id="277" r:id="rId28"/>
+    <p:sldId id="278" r:id="rId29"/>
+    <p:sldId id="279" r:id="rId30"/>
+    <p:sldId id="280" r:id="rId31"/>
+    <p:sldId id="281" r:id="rId32"/>
+    <p:sldId id="282" r:id="rId33"/>
+    <p:sldId id="283" r:id="rId34"/>
+    <p:sldId id="284" r:id="rId35"/>
+    <p:sldId id="285" r:id="rId36"/>
+    <p:sldId id="286" r:id="rId37"/>
+    <p:sldId id="287" r:id="rId38"/>
+    <p:sldId id="288" r:id="rId39"/>
+    <p:sldId id="289" r:id="rId40"/>
+    <p:sldId id="290" r:id="rId41"/>
+    <p:sldId id="291" r:id="rId42"/>
+    <p:sldId id="292" r:id="rId43"/>
+    <p:sldId id="293" r:id="rId44"/>
+    <p:sldId id="294" r:id="rId45"/>
+    <p:sldId id="295" r:id="rId46"/>
+    <p:sldId id="296" r:id="rId47"/>
   </p:sldIdLst>
   <p:sldSz cx="9144000" cy="6858000" type="screen4x3"/>
   <p:notesSz cx="6858000" cy="9144000"/>
@@ -335,7 +336,7 @@
               <a:pPr/>
               <a:t>10/10/2011</a:t>
             </a:fld>
-            <a:endParaRPr lang="es-ES"/>
+            <a:endParaRPr lang="es-ES" dirty="0"/>
           </a:p>
         </p:txBody>
       </p:sp>
@@ -354,7 +355,7 @@
           <a:bodyPr/>
           <a:lstStyle/>
           <a:p>
-            <a:endParaRPr lang="es-ES"/>
+            <a:endParaRPr lang="es-ES" dirty="0"/>
           </a:p>
         </p:txBody>
       </p:sp>
@@ -378,7 +379,7 @@
               <a:pPr/>
               <a:t>‹Nº›</a:t>
             </a:fld>
-            <a:endParaRPr lang="es-ES"/>
+            <a:endParaRPr lang="es-ES" dirty="0"/>
           </a:p>
         </p:txBody>
       </p:sp>
@@ -502,7 +503,7 @@
               <a:pPr/>
               <a:t>10/10/2011</a:t>
             </a:fld>
-            <a:endParaRPr lang="es-ES"/>
+            <a:endParaRPr lang="es-ES" dirty="0"/>
           </a:p>
         </p:txBody>
       </p:sp>
@@ -521,7 +522,7 @@
           <a:bodyPr/>
           <a:lstStyle/>
           <a:p>
-            <a:endParaRPr lang="es-ES"/>
+            <a:endParaRPr lang="es-ES" dirty="0"/>
           </a:p>
         </p:txBody>
       </p:sp>
@@ -545,7 +546,7 @@
               <a:pPr/>
               <a:t>‹Nº›</a:t>
             </a:fld>
-            <a:endParaRPr lang="es-ES"/>
+            <a:endParaRPr lang="es-ES" dirty="0"/>
           </a:p>
         </p:txBody>
       </p:sp>
@@ -679,7 +680,7 @@
               <a:pPr/>
               <a:t>10/10/2011</a:t>
             </a:fld>
-            <a:endParaRPr lang="es-ES"/>
+            <a:endParaRPr lang="es-ES" dirty="0"/>
           </a:p>
         </p:txBody>
       </p:sp>
@@ -698,7 +699,7 @@
           <a:bodyPr/>
           <a:lstStyle/>
           <a:p>
-            <a:endParaRPr lang="es-ES"/>
+            <a:endParaRPr lang="es-ES" dirty="0"/>
           </a:p>
         </p:txBody>
       </p:sp>
@@ -722,7 +723,7 @@
               <a:pPr/>
               <a:t>‹Nº›</a:t>
             </a:fld>
-            <a:endParaRPr lang="es-ES"/>
+            <a:endParaRPr lang="es-ES" dirty="0"/>
           </a:p>
         </p:txBody>
       </p:sp>
@@ -846,7 +847,7 @@
               <a:pPr/>
               <a:t>10/10/2011</a:t>
             </a:fld>
-            <a:endParaRPr lang="es-ES"/>
+            <a:endParaRPr lang="es-ES" dirty="0"/>
           </a:p>
         </p:txBody>
       </p:sp>
@@ -865,7 +866,7 @@
           <a:bodyPr/>
           <a:lstStyle/>
           <a:p>
-            <a:endParaRPr lang="es-ES"/>
+            <a:endParaRPr lang="es-ES" dirty="0"/>
           </a:p>
         </p:txBody>
       </p:sp>
@@ -889,7 +890,7 @@
               <a:pPr/>
               <a:t>‹Nº›</a:t>
             </a:fld>
-            <a:endParaRPr lang="es-ES"/>
+            <a:endParaRPr lang="es-ES" dirty="0"/>
           </a:p>
         </p:txBody>
       </p:sp>
@@ -1089,7 +1090,7 @@
               <a:pPr/>
               <a:t>10/10/2011</a:t>
             </a:fld>
-            <a:endParaRPr lang="es-ES"/>
+            <a:endParaRPr lang="es-ES" dirty="0"/>
           </a:p>
         </p:txBody>
       </p:sp>
@@ -1108,7 +1109,7 @@
           <a:bodyPr/>
           <a:lstStyle/>
           <a:p>
-            <a:endParaRPr lang="es-ES"/>
+            <a:endParaRPr lang="es-ES" dirty="0"/>
           </a:p>
         </p:txBody>
       </p:sp>
@@ -1132,7 +1133,7 @@
               <a:pPr/>
               <a:t>‹Nº›</a:t>
             </a:fld>
-            <a:endParaRPr lang="es-ES"/>
+            <a:endParaRPr lang="es-ES" dirty="0"/>
           </a:p>
         </p:txBody>
       </p:sp>
@@ -1374,7 +1375,7 @@
               <a:pPr/>
               <a:t>10/10/2011</a:t>
             </a:fld>
-            <a:endParaRPr lang="es-ES"/>
+            <a:endParaRPr lang="es-ES" dirty="0"/>
           </a:p>
         </p:txBody>
       </p:sp>
@@ -1393,7 +1394,7 @@
           <a:bodyPr/>
           <a:lstStyle/>
           <a:p>
-            <a:endParaRPr lang="es-ES"/>
+            <a:endParaRPr lang="es-ES" dirty="0"/>
           </a:p>
         </p:txBody>
       </p:sp>
@@ -1417,7 +1418,7 @@
               <a:pPr/>
               <a:t>‹Nº›</a:t>
             </a:fld>
-            <a:endParaRPr lang="es-ES"/>
+            <a:endParaRPr lang="es-ES" dirty="0"/>
           </a:p>
         </p:txBody>
       </p:sp>
@@ -1793,7 +1794,7 @@
               <a:pPr/>
               <a:t>10/10/2011</a:t>
             </a:fld>
-            <a:endParaRPr lang="es-ES"/>
+            <a:endParaRPr lang="es-ES" dirty="0"/>
           </a:p>
         </p:txBody>
       </p:sp>
@@ -1812,7 +1813,7 @@
           <a:bodyPr/>
           <a:lstStyle/>
           <a:p>
-            <a:endParaRPr lang="es-ES"/>
+            <a:endParaRPr lang="es-ES" dirty="0"/>
           </a:p>
         </p:txBody>
       </p:sp>
@@ -1836,7 +1837,7 @@
               <a:pPr/>
               <a:t>‹Nº›</a:t>
             </a:fld>
-            <a:endParaRPr lang="es-ES"/>
+            <a:endParaRPr lang="es-ES" dirty="0"/>
           </a:p>
         </p:txBody>
       </p:sp>
@@ -1908,7 +1909,7 @@
               <a:pPr/>
               <a:t>10/10/2011</a:t>
             </a:fld>
-            <a:endParaRPr lang="es-ES"/>
+            <a:endParaRPr lang="es-ES" dirty="0"/>
           </a:p>
         </p:txBody>
       </p:sp>
@@ -1927,7 +1928,7 @@
           <a:bodyPr/>
           <a:lstStyle/>
           <a:p>
-            <a:endParaRPr lang="es-ES"/>
+            <a:endParaRPr lang="es-ES" dirty="0"/>
           </a:p>
         </p:txBody>
       </p:sp>
@@ -1951,7 +1952,7 @@
               <a:pPr/>
               <a:t>‹Nº›</a:t>
             </a:fld>
-            <a:endParaRPr lang="es-ES"/>
+            <a:endParaRPr lang="es-ES" dirty="0"/>
           </a:p>
         </p:txBody>
       </p:sp>
@@ -2000,7 +2001,7 @@
               <a:pPr/>
               <a:t>10/10/2011</a:t>
             </a:fld>
-            <a:endParaRPr lang="es-ES"/>
+            <a:endParaRPr lang="es-ES" dirty="0"/>
           </a:p>
         </p:txBody>
       </p:sp>
@@ -2019,7 +2020,7 @@
           <a:bodyPr/>
           <a:lstStyle/>
           <a:p>
-            <a:endParaRPr lang="es-ES"/>
+            <a:endParaRPr lang="es-ES" dirty="0"/>
           </a:p>
         </p:txBody>
       </p:sp>
@@ -2043,7 +2044,7 @@
               <a:pPr/>
               <a:t>‹Nº›</a:t>
             </a:fld>
-            <a:endParaRPr lang="es-ES"/>
+            <a:endParaRPr lang="es-ES" dirty="0"/>
           </a:p>
         </p:txBody>
       </p:sp>
@@ -2274,7 +2275,7 @@
               <a:pPr/>
               <a:t>10/10/2011</a:t>
             </a:fld>
-            <a:endParaRPr lang="es-ES"/>
+            <a:endParaRPr lang="es-ES" dirty="0"/>
           </a:p>
         </p:txBody>
       </p:sp>
@@ -2293,7 +2294,7 @@
           <a:bodyPr/>
           <a:lstStyle/>
           <a:p>
-            <a:endParaRPr lang="es-ES"/>
+            <a:endParaRPr lang="es-ES" dirty="0"/>
           </a:p>
         </p:txBody>
       </p:sp>
@@ -2317,7 +2318,7 @@
               <a:pPr/>
               <a:t>‹Nº›</a:t>
             </a:fld>
-            <a:endParaRPr lang="es-ES"/>
+            <a:endParaRPr lang="es-ES" dirty="0"/>
           </a:p>
         </p:txBody>
       </p:sp>
@@ -2435,7 +2436,7 @@
             </a:lvl9pPr>
           </a:lstStyle>
           <a:p>
-            <a:endParaRPr lang="es-ES"/>
+            <a:endParaRPr lang="es-ES" dirty="0"/>
           </a:p>
         </p:txBody>
       </p:sp>
@@ -2524,7 +2525,7 @@
               <a:pPr/>
               <a:t>10/10/2011</a:t>
             </a:fld>
-            <a:endParaRPr lang="es-ES"/>
+            <a:endParaRPr lang="es-ES" dirty="0"/>
           </a:p>
         </p:txBody>
       </p:sp>
@@ -2543,7 +2544,7 @@
           <a:bodyPr/>
           <a:lstStyle/>
           <a:p>
-            <a:endParaRPr lang="es-ES"/>
+            <a:endParaRPr lang="es-ES" dirty="0"/>
           </a:p>
         </p:txBody>
       </p:sp>
@@ -2567,7 +2568,7 @@
               <a:pPr/>
               <a:t>‹Nº›</a:t>
             </a:fld>
-            <a:endParaRPr lang="es-ES"/>
+            <a:endParaRPr lang="es-ES" dirty="0"/>
           </a:p>
         </p:txBody>
       </p:sp>
@@ -2743,7 +2744,7 @@
               <a:pPr/>
               <a:t>10/10/2011</a:t>
             </a:fld>
-            <a:endParaRPr lang="es-ES"/>
+            <a:endParaRPr lang="es-ES" dirty="0"/>
           </a:p>
         </p:txBody>
       </p:sp>
@@ -2780,7 +2781,7 @@
             </a:lvl1pPr>
           </a:lstStyle>
           <a:p>
-            <a:endParaRPr lang="es-ES"/>
+            <a:endParaRPr lang="es-ES" dirty="0"/>
           </a:p>
         </p:txBody>
       </p:sp>
@@ -2822,7 +2823,7 @@
               <a:pPr/>
               <a:t>‹Nº›</a:t>
             </a:fld>
-            <a:endParaRPr lang="es-ES"/>
+            <a:endParaRPr lang="es-ES" dirty="0"/>
           </a:p>
         </p:txBody>
       </p:sp>
@@ -3131,6 +3132,13 @@
   <p:clrMapOvr>
     <a:masterClrMapping/>
   </p:clrMapOvr>
+  <p:timing>
+    <p:tnLst>
+      <p:par>
+        <p:cTn id="1" dur="indefinite" restart="never" nodeType="tmRoot"/>
+      </p:par>
+    </p:tnLst>
+  </p:timing>
 </p:sld>
 </file>
 
@@ -3246,6 +3254,13 @@
   <p:clrMapOvr>
     <a:masterClrMapping/>
   </p:clrMapOvr>
+  <p:timing>
+    <p:tnLst>
+      <p:par>
+        <p:cTn id="1" dur="indefinite" restart="never" nodeType="tmRoot"/>
+      </p:par>
+    </p:tnLst>
+  </p:timing>
 </p:sld>
 </file>
 
@@ -3388,10 +3403,70 @@
   <p:clrMapOvr>
     <a:masterClrMapping/>
   </p:clrMapOvr>
+  <p:timing>
+    <p:tnLst>
+      <p:par>
+        <p:cTn id="1" dur="indefinite" restart="never" nodeType="tmRoot"/>
+      </p:par>
+    </p:tnLst>
+  </p:timing>
 </p:sld>
 </file>
 
 <file path=ppt/slides/slide12.xml><?xml version="1.0" encoding="utf-8"?>
+<p:sld xmlns:a="http://schemas.openxmlformats.org/drawingml/2006/main" xmlns:r="http://schemas.openxmlformats.org/officeDocument/2006/relationships" xmlns:p="http://schemas.openxmlformats.org/presentationml/2006/main">
+  <p:cSld>
+    <p:spTree>
+      <p:nvGrpSpPr>
+        <p:cNvPr id="1" name=""/>
+        <p:cNvGrpSpPr/>
+        <p:nvPr/>
+      </p:nvGrpSpPr>
+      <p:grpSpPr>
+        <a:xfrm>
+          <a:off x="0" y="0"/>
+          <a:ext cx="0" cy="0"/>
+          <a:chOff x="0" y="0"/>
+          <a:chExt cx="0" cy="0"/>
+        </a:xfrm>
+      </p:grpSpPr>
+      <p:sp>
+        <p:nvSpPr>
+          <p:cNvPr id="2" name="1 Título"/>
+          <p:cNvSpPr>
+            <a:spLocks noGrp="1"/>
+          </p:cNvSpPr>
+          <p:nvPr>
+            <p:ph type="title"/>
+          </p:nvPr>
+        </p:nvSpPr>
+        <p:spPr>
+          <a:xfrm>
+            <a:off x="467544" y="2852936"/>
+            <a:ext cx="8229600" cy="1143000"/>
+          </a:xfrm>
+        </p:spPr>
+        <p:txBody>
+          <a:bodyPr/>
+          <a:lstStyle/>
+          <a:p>
+            <a:r>
+              <a:rPr lang="es-ES_tradnl" dirty="0" smtClean="0"/>
+              <a:t>Presentación de Funcionalidad</a:t>
+            </a:r>
+            <a:endParaRPr lang="es-AR" dirty="0"/>
+          </a:p>
+        </p:txBody>
+      </p:sp>
+    </p:spTree>
+  </p:cSld>
+  <p:clrMapOvr>
+    <a:masterClrMapping/>
+  </p:clrMapOvr>
+</p:sld>
+</file>
+
+<file path=ppt/slides/slide13.xml><?xml version="1.0" encoding="utf-8"?>
 <p:sld xmlns:a="http://schemas.openxmlformats.org/drawingml/2006/main" xmlns:r="http://schemas.openxmlformats.org/officeDocument/2006/relationships" xmlns:p="http://schemas.openxmlformats.org/presentationml/2006/main">
   <p:cSld>
     <p:bg>
@@ -3427,136 +3502,13 @@
   <p:clrMapOvr>
     <a:masterClrMapping/>
   </p:clrMapOvr>
-</p:sld>
-</file>
-
-<file path=ppt/slides/slide13.xml><?xml version="1.0" encoding="utf-8"?>
-<p:sld xmlns:a="http://schemas.openxmlformats.org/drawingml/2006/main" xmlns:r="http://schemas.openxmlformats.org/officeDocument/2006/relationships" xmlns:p="http://schemas.openxmlformats.org/presentationml/2006/main">
-  <p:cSld>
-    <p:spTree>
-      <p:nvGrpSpPr>
-        <p:cNvPr id="1" name=""/>
-        <p:cNvGrpSpPr/>
-        <p:nvPr/>
-      </p:nvGrpSpPr>
-      <p:grpSpPr>
-        <a:xfrm>
-          <a:off x="0" y="0"/>
-          <a:ext cx="0" cy="0"/>
-          <a:chOff x="0" y="0"/>
-          <a:chExt cx="0" cy="0"/>
-        </a:xfrm>
-      </p:grpSpPr>
-      <p:sp>
-        <p:nvSpPr>
-          <p:cNvPr id="2" name="1 Título"/>
-          <p:cNvSpPr>
-            <a:spLocks noGrp="1"/>
-          </p:cNvSpPr>
-          <p:nvPr>
-            <p:ph type="title"/>
-          </p:nvPr>
-        </p:nvSpPr>
-        <p:spPr>
-          <a:xfrm>
-            <a:off x="457200" y="1196752"/>
-            <a:ext cx="8229600" cy="504056"/>
-          </a:xfrm>
-        </p:spPr>
-        <p:txBody>
-          <a:bodyPr>
-            <a:normAutofit fontScale="90000"/>
-          </a:bodyPr>
-          <a:lstStyle/>
-          <a:p>
-            <a:r>
-              <a:rPr lang="es-AR" smtClean="0"/>
-              <a:t>Agenda</a:t>
-            </a:r>
-            <a:endParaRPr lang="es-AR"/>
-          </a:p>
-        </p:txBody>
-      </p:sp>
-      <p:sp>
-        <p:nvSpPr>
-          <p:cNvPr id="3" name="2 Marcador de contenido"/>
-          <p:cNvSpPr>
-            <a:spLocks noGrp="1"/>
-          </p:cNvSpPr>
-          <p:nvPr>
-            <p:ph idx="1"/>
-          </p:nvPr>
-        </p:nvSpPr>
-        <p:spPr>
-          <a:xfrm>
-            <a:off x="457200" y="2060848"/>
-            <a:ext cx="8229600" cy="4392488"/>
-          </a:xfrm>
-        </p:spPr>
-        <p:txBody>
-          <a:bodyPr>
-            <a:normAutofit lnSpcReduction="10000"/>
-          </a:bodyPr>
-          <a:lstStyle/>
-          <a:p>
-            <a:r>
-              <a:rPr lang="es-AR" dirty="0" smtClean="0"/>
-              <a:t>Inicio del Proyecto</a:t>
-            </a:r>
-          </a:p>
-          <a:p>
-            <a:r>
-              <a:rPr lang="es-AR" dirty="0" smtClean="0"/>
-              <a:t>Organización del Equipo</a:t>
-            </a:r>
-          </a:p>
-          <a:p>
-            <a:r>
-              <a:rPr lang="es-AR" dirty="0" smtClean="0"/>
-              <a:t>Análisis</a:t>
-            </a:r>
-          </a:p>
-          <a:p>
-            <a:r>
-              <a:rPr lang="es-AR" dirty="0" smtClean="0"/>
-              <a:t>Elección de Tecnología</a:t>
-            </a:r>
-          </a:p>
-          <a:p>
-            <a:r>
-              <a:rPr lang="es-AR" dirty="0" smtClean="0"/>
-              <a:t>Esfuerzo</a:t>
-            </a:r>
-          </a:p>
-          <a:p>
-            <a:r>
-              <a:rPr lang="es-AR" dirty="0" err="1" smtClean="0"/>
-              <a:t>Testing</a:t>
-            </a:r>
-            <a:endParaRPr lang="es-AR" dirty="0" smtClean="0"/>
-          </a:p>
-          <a:p>
-            <a:r>
-              <a:rPr lang="es-AR" dirty="0" smtClean="0"/>
-              <a:t>Costos</a:t>
-            </a:r>
-          </a:p>
-          <a:p>
-            <a:r>
-              <a:rPr lang="es-AR" dirty="0" smtClean="0"/>
-              <a:t>Conclusiones</a:t>
-            </a:r>
-          </a:p>
-          <a:p>
-            <a:endParaRPr lang="es-AR" dirty="0" smtClean="0"/>
-          </a:p>
-        </p:txBody>
-      </p:sp>
-    </p:spTree>
-  </p:cSld>
-  <p:clrMapOvr>
-    <a:masterClrMapping/>
-  </p:clrMapOvr>
+  <p:timing>
+    <p:tnLst>
+      <p:par>
+        <p:cTn id="1" dur="indefinite" restart="never" nodeType="tmRoot"/>
+      </p:par>
+    </p:tnLst>
+  </p:timing>
 </p:sld>
 </file>
 
@@ -3600,10 +3552,10 @@
           <a:lstStyle/>
           <a:p>
             <a:r>
-              <a:rPr lang="es-ES_tradnl" dirty="0" smtClean="0"/>
-              <a:t>Inicio del Proyecto</a:t>
-            </a:r>
-            <a:endParaRPr lang="es-AR" dirty="0"/>
+              <a:rPr lang="es-AR" smtClean="0"/>
+              <a:t>Agenda</a:t>
+            </a:r>
+            <a:endParaRPr lang="es-AR"/>
           </a:p>
         </p:txBody>
       </p:sp>
@@ -3624,35 +3576,60 @@
           </a:xfrm>
         </p:spPr>
         <p:txBody>
-          <a:bodyPr/>
-          <a:lstStyle/>
+          <a:bodyPr>
+            <a:normAutofit lnSpcReduction="10000"/>
+          </a:bodyPr>
+          <a:lstStyle/>
+          <a:p>
+            <a:r>
+              <a:rPr lang="es-AR" dirty="0" smtClean="0"/>
+              <a:t>Inicio del Proyecto</a:t>
+            </a:r>
+          </a:p>
+          <a:p>
+            <a:r>
+              <a:rPr lang="es-AR" dirty="0" smtClean="0"/>
+              <a:t>Organización del Equipo</a:t>
+            </a:r>
+          </a:p>
+          <a:p>
+            <a:r>
+              <a:rPr lang="es-AR" dirty="0" smtClean="0"/>
+              <a:t>Análisis</a:t>
+            </a:r>
+          </a:p>
+          <a:p>
+            <a:r>
+              <a:rPr lang="es-AR" dirty="0" smtClean="0"/>
+              <a:t>Elección de Tecnología</a:t>
+            </a:r>
+          </a:p>
+          <a:p>
+            <a:r>
+              <a:rPr lang="es-AR" dirty="0" smtClean="0"/>
+              <a:t>Esfuerzo</a:t>
+            </a:r>
+          </a:p>
+          <a:p>
+            <a:r>
+              <a:rPr lang="es-AR" dirty="0" smtClean="0"/>
+              <a:t>Testing</a:t>
+            </a:r>
+          </a:p>
+          <a:p>
+            <a:r>
+              <a:rPr lang="es-AR" dirty="0" smtClean="0"/>
+              <a:t>Costos</a:t>
+            </a:r>
+          </a:p>
+          <a:p>
+            <a:r>
+              <a:rPr lang="es-AR" dirty="0" smtClean="0"/>
+              <a:t>Conclusiones</a:t>
+            </a:r>
+          </a:p>
           <a:p>
             <a:endParaRPr lang="es-AR" dirty="0" smtClean="0"/>
-          </a:p>
-          <a:p>
-            <a:r>
-              <a:rPr lang="es-AR" dirty="0" smtClean="0"/>
-              <a:t>Fecha de Inicio: 18/08/2010</a:t>
-            </a:r>
-          </a:p>
-          <a:p>
-            <a:endParaRPr lang="es-AR" dirty="0" smtClean="0"/>
-          </a:p>
-          <a:p>
-            <a:r>
-              <a:rPr lang="es-AR" dirty="0" smtClean="0"/>
-              <a:t>Relevamiento junto al cliente (SAHDES)</a:t>
-            </a:r>
-          </a:p>
-          <a:p>
-            <a:endParaRPr lang="es-AR" dirty="0" smtClean="0"/>
-          </a:p>
-          <a:p>
-            <a:r>
-              <a:rPr lang="es-AR" dirty="0" smtClean="0"/>
-              <a:t>Entrevistas abiertas </a:t>
-            </a:r>
-            <a:endParaRPr lang="es-AR" dirty="0"/>
           </a:p>
         </p:txBody>
       </p:sp>
@@ -3661,10 +3638,128 @@
   <p:clrMapOvr>
     <a:masterClrMapping/>
   </p:clrMapOvr>
+  <p:timing>
+    <p:tnLst>
+      <p:par>
+        <p:cTn id="1" dur="indefinite" restart="never" nodeType="tmRoot"/>
+      </p:par>
+    </p:tnLst>
+  </p:timing>
 </p:sld>
 </file>
 
 <file path=ppt/slides/slide15.xml><?xml version="1.0" encoding="utf-8"?>
+<p:sld xmlns:a="http://schemas.openxmlformats.org/drawingml/2006/main" xmlns:r="http://schemas.openxmlformats.org/officeDocument/2006/relationships" xmlns:p="http://schemas.openxmlformats.org/presentationml/2006/main">
+  <p:cSld>
+    <p:spTree>
+      <p:nvGrpSpPr>
+        <p:cNvPr id="1" name=""/>
+        <p:cNvGrpSpPr/>
+        <p:nvPr/>
+      </p:nvGrpSpPr>
+      <p:grpSpPr>
+        <a:xfrm>
+          <a:off x="0" y="0"/>
+          <a:ext cx="0" cy="0"/>
+          <a:chOff x="0" y="0"/>
+          <a:chExt cx="0" cy="0"/>
+        </a:xfrm>
+      </p:grpSpPr>
+      <p:sp>
+        <p:nvSpPr>
+          <p:cNvPr id="2" name="1 Título"/>
+          <p:cNvSpPr>
+            <a:spLocks noGrp="1"/>
+          </p:cNvSpPr>
+          <p:nvPr>
+            <p:ph type="title"/>
+          </p:nvPr>
+        </p:nvSpPr>
+        <p:spPr>
+          <a:xfrm>
+            <a:off x="457200" y="1196752"/>
+            <a:ext cx="8229600" cy="504056"/>
+          </a:xfrm>
+        </p:spPr>
+        <p:txBody>
+          <a:bodyPr>
+            <a:normAutofit fontScale="90000"/>
+          </a:bodyPr>
+          <a:lstStyle/>
+          <a:p>
+            <a:r>
+              <a:rPr lang="es-ES_tradnl" dirty="0" smtClean="0"/>
+              <a:t>Inicio del Proyecto</a:t>
+            </a:r>
+            <a:endParaRPr lang="es-AR" dirty="0"/>
+          </a:p>
+        </p:txBody>
+      </p:sp>
+      <p:sp>
+        <p:nvSpPr>
+          <p:cNvPr id="3" name="2 Marcador de contenido"/>
+          <p:cNvSpPr>
+            <a:spLocks noGrp="1"/>
+          </p:cNvSpPr>
+          <p:nvPr>
+            <p:ph idx="1"/>
+          </p:nvPr>
+        </p:nvSpPr>
+        <p:spPr>
+          <a:xfrm>
+            <a:off x="457200" y="2060848"/>
+            <a:ext cx="8229600" cy="4392488"/>
+          </a:xfrm>
+        </p:spPr>
+        <p:txBody>
+          <a:bodyPr/>
+          <a:lstStyle/>
+          <a:p>
+            <a:endParaRPr lang="es-AR" dirty="0" smtClean="0"/>
+          </a:p>
+          <a:p>
+            <a:r>
+              <a:rPr lang="es-AR" dirty="0" smtClean="0"/>
+              <a:t>Fecha de Inicio: 18/08/2010</a:t>
+            </a:r>
+          </a:p>
+          <a:p>
+            <a:endParaRPr lang="es-AR" dirty="0" smtClean="0"/>
+          </a:p>
+          <a:p>
+            <a:r>
+              <a:rPr lang="es-AR" dirty="0" smtClean="0"/>
+              <a:t>Relevamiento junto al cliente (SAHDES)</a:t>
+            </a:r>
+          </a:p>
+          <a:p>
+            <a:endParaRPr lang="es-AR" dirty="0" smtClean="0"/>
+          </a:p>
+          <a:p>
+            <a:r>
+              <a:rPr lang="es-AR" dirty="0" smtClean="0"/>
+              <a:t>Entrevistas abiertas </a:t>
+            </a:r>
+            <a:endParaRPr lang="es-AR" dirty="0"/>
+          </a:p>
+        </p:txBody>
+      </p:sp>
+    </p:spTree>
+  </p:cSld>
+  <p:clrMapOvr>
+    <a:masterClrMapping/>
+  </p:clrMapOvr>
+  <p:timing>
+    <p:tnLst>
+      <p:par>
+        <p:cTn id="1" dur="indefinite" restart="never" nodeType="tmRoot"/>
+      </p:par>
+    </p:tnLst>
+  </p:timing>
+</p:sld>
+</file>
+
+<file path=ppt/slides/slide16.xml><?xml version="1.0" encoding="utf-8"?>
 <p:sld xmlns:a="http://schemas.openxmlformats.org/drawingml/2006/main" xmlns:r="http://schemas.openxmlformats.org/officeDocument/2006/relationships" xmlns:p="http://schemas.openxmlformats.org/presentationml/2006/main">
   <p:cSld>
     <p:spTree>
@@ -4202,7 +4297,7 @@
                         </a:spcAft>
                       </a:pPr>
                       <a:r>
-                        <a:rPr lang="es-AR" sz="1200">
+                        <a:rPr lang="es-AR" sz="1200" dirty="0">
                           <a:latin typeface="Times New Roman"/>
                           <a:ea typeface="Batang"/>
                         </a:rPr>
@@ -6640,200 +6735,13 @@
   <p:clrMapOvr>
     <a:masterClrMapping/>
   </p:clrMapOvr>
-</p:sld>
-</file>
-
-<file path=ppt/slides/slide16.xml><?xml version="1.0" encoding="utf-8"?>
-<p:sld xmlns:a="http://schemas.openxmlformats.org/drawingml/2006/main" xmlns:r="http://schemas.openxmlformats.org/officeDocument/2006/relationships" xmlns:p="http://schemas.openxmlformats.org/presentationml/2006/main">
-  <p:cSld>
-    <p:spTree>
-      <p:nvGrpSpPr>
-        <p:cNvPr id="1" name=""/>
-        <p:cNvGrpSpPr/>
-        <p:nvPr/>
-      </p:nvGrpSpPr>
-      <p:grpSpPr>
-        <a:xfrm>
-          <a:off x="0" y="0"/>
-          <a:ext cx="0" cy="0"/>
-          <a:chOff x="0" y="0"/>
-          <a:chExt cx="0" cy="0"/>
-        </a:xfrm>
-      </p:grpSpPr>
-      <p:sp>
-        <p:nvSpPr>
-          <p:cNvPr id="2" name="1 Título"/>
-          <p:cNvSpPr>
-            <a:spLocks noGrp="1"/>
-          </p:cNvSpPr>
-          <p:nvPr>
-            <p:ph type="title"/>
-          </p:nvPr>
-        </p:nvSpPr>
-        <p:spPr>
-          <a:xfrm>
-            <a:off x="457200" y="1196752"/>
-            <a:ext cx="8229600" cy="504056"/>
-          </a:xfrm>
-        </p:spPr>
-        <p:txBody>
-          <a:bodyPr>
-            <a:normAutofit fontScale="90000"/>
-          </a:bodyPr>
-          <a:lstStyle/>
-          <a:p>
-            <a:r>
-              <a:rPr lang="es-ES_tradnl" dirty="0" smtClean="0"/>
-              <a:t>Coordinación del Trabajo</a:t>
-            </a:r>
-            <a:endParaRPr lang="es-AR" dirty="0"/>
-          </a:p>
-        </p:txBody>
-      </p:sp>
-      <p:sp>
-        <p:nvSpPr>
-          <p:cNvPr id="3" name="2 Marcador de contenido"/>
-          <p:cNvSpPr>
-            <a:spLocks noGrp="1"/>
-          </p:cNvSpPr>
-          <p:nvPr>
-            <p:ph idx="1"/>
-          </p:nvPr>
-        </p:nvSpPr>
-        <p:spPr>
-          <a:xfrm>
-            <a:off x="457200" y="2060848"/>
-            <a:ext cx="8229600" cy="4392488"/>
-          </a:xfrm>
-        </p:spPr>
-        <p:txBody>
-          <a:bodyPr/>
-          <a:lstStyle/>
-          <a:p>
-            <a:r>
-              <a:rPr lang="es-AR" dirty="0" smtClean="0">
-                <a:solidFill>
-                  <a:srgbClr val="595959"/>
-                </a:solidFill>
-              </a:rPr>
-              <a:t>Comunicación del Equipo:</a:t>
-            </a:r>
-          </a:p>
-          <a:p>
-            <a:pPr lvl="1"/>
-            <a:r>
-              <a:rPr lang="es-AR" dirty="0" smtClean="0">
-                <a:solidFill>
-                  <a:srgbClr val="595959"/>
-                </a:solidFill>
-              </a:rPr>
-              <a:t>Reuniones semanales presenciales</a:t>
-            </a:r>
-          </a:p>
-          <a:p>
-            <a:pPr lvl="1"/>
-            <a:r>
-              <a:rPr lang="es-ES_tradnl" dirty="0" smtClean="0">
-                <a:solidFill>
-                  <a:srgbClr val="595959"/>
-                </a:solidFill>
-              </a:rPr>
-              <a:t>Reuniones vía </a:t>
-            </a:r>
-            <a:r>
-              <a:rPr lang="es-ES_tradnl" dirty="0" err="1" smtClean="0">
-                <a:solidFill>
-                  <a:srgbClr val="595959"/>
-                </a:solidFill>
-              </a:rPr>
-              <a:t>Skype</a:t>
-            </a:r>
-            <a:r>
-              <a:rPr lang="es-ES_tradnl" dirty="0" smtClean="0">
-                <a:solidFill>
-                  <a:srgbClr val="595959"/>
-                </a:solidFill>
-              </a:rPr>
-              <a:t> / </a:t>
-            </a:r>
-            <a:r>
-              <a:rPr lang="es-ES_tradnl" dirty="0" err="1" smtClean="0">
-                <a:solidFill>
-                  <a:srgbClr val="595959"/>
-                </a:solidFill>
-              </a:rPr>
-              <a:t>FaceTime</a:t>
-            </a:r>
-            <a:endParaRPr lang="es-AR" dirty="0" smtClean="0">
-              <a:solidFill>
-                <a:srgbClr val="595959"/>
-              </a:solidFill>
-            </a:endParaRPr>
-          </a:p>
-          <a:p>
-            <a:pPr lvl="1"/>
-            <a:r>
-              <a:rPr lang="es-AR" dirty="0" smtClean="0">
-                <a:solidFill>
-                  <a:srgbClr val="595959"/>
-                </a:solidFill>
-              </a:rPr>
-              <a:t>Grupo de Mail (</a:t>
-            </a:r>
-            <a:r>
-              <a:rPr lang="es-AR" dirty="0" err="1" smtClean="0">
-                <a:solidFill>
-                  <a:srgbClr val="595959"/>
-                </a:solidFill>
-              </a:rPr>
-              <a:t>Gmail</a:t>
-            </a:r>
-            <a:r>
-              <a:rPr lang="es-AR" dirty="0" smtClean="0">
-                <a:solidFill>
-                  <a:srgbClr val="595959"/>
-                </a:solidFill>
-              </a:rPr>
-              <a:t>)</a:t>
-            </a:r>
-          </a:p>
-          <a:p>
-            <a:pPr lvl="1"/>
-            <a:r>
-              <a:rPr lang="es-AR" dirty="0" smtClean="0">
-                <a:solidFill>
-                  <a:srgbClr val="595959"/>
-                </a:solidFill>
-              </a:rPr>
-              <a:t>Coordinación de documentos y fuentes vía SVN (Google </a:t>
-            </a:r>
-            <a:r>
-              <a:rPr lang="es-AR" dirty="0" err="1" smtClean="0">
-                <a:solidFill>
-                  <a:srgbClr val="595959"/>
-                </a:solidFill>
-              </a:rPr>
-              <a:t>Code</a:t>
-            </a:r>
-            <a:r>
-              <a:rPr lang="es-AR" dirty="0" smtClean="0">
-                <a:solidFill>
-                  <a:srgbClr val="595959"/>
-                </a:solidFill>
-              </a:rPr>
-              <a:t>).</a:t>
-            </a:r>
-          </a:p>
-          <a:p>
-            <a:endParaRPr lang="es-AR" dirty="0"/>
-          </a:p>
-        </p:txBody>
-      </p:sp>
-    </p:spTree>
-  </p:cSld>
-  <p:clrMapOvr>
-    <a:masterClrMapping/>
-  </p:clrMapOvr>
+  <p:timing>
+    <p:tnLst>
+      <p:par>
+        <p:cTn id="1" dur="indefinite" restart="never" nodeType="tmRoot"/>
+      </p:par>
+    </p:tnLst>
+  </p:timing>
 </p:sld>
 </file>
 
@@ -6878,7 +6786,7 @@
           <a:p>
             <a:r>
               <a:rPr lang="es-ES_tradnl" dirty="0" smtClean="0"/>
-              <a:t>Elección de Tecnología</a:t>
+              <a:t>Coordinación del Trabajo</a:t>
             </a:r>
             <a:endParaRPr lang="es-AR" dirty="0"/>
           </a:p>
@@ -6901,160 +6809,69 @@
           </a:xfrm>
         </p:spPr>
         <p:txBody>
-          <a:bodyPr>
-            <a:normAutofit fontScale="92500" lnSpcReduction="10000"/>
-          </a:bodyPr>
-          <a:lstStyle/>
-          <a:p>
-            <a:r>
-              <a:rPr lang="es-AR" dirty="0" smtClean="0">
-                <a:solidFill>
-                  <a:srgbClr val="595959"/>
-                </a:solidFill>
-              </a:rPr>
-              <a:t>Desarrollo en base a conocimientos del equipo y tecnologías probadas:</a:t>
+          <a:bodyPr/>
+          <a:lstStyle/>
+          <a:p>
+            <a:r>
+              <a:rPr lang="es-AR" dirty="0" smtClean="0"/>
+              <a:t>Comunicación del Equipo:</a:t>
             </a:r>
           </a:p>
           <a:p>
             <a:pPr lvl="1"/>
             <a:r>
-              <a:rPr lang="es-AR" dirty="0" smtClean="0">
-                <a:solidFill>
-                  <a:srgbClr val="595959"/>
-                </a:solidFill>
-              </a:rPr>
-              <a:t>Java</a:t>
+              <a:rPr lang="es-AR" dirty="0" smtClean="0"/>
+              <a:t>Reuniones semanales presenciales</a:t>
             </a:r>
           </a:p>
           <a:p>
             <a:pPr lvl="1"/>
             <a:r>
-              <a:rPr lang="es-AR" dirty="0" err="1" smtClean="0">
-                <a:solidFill>
-                  <a:srgbClr val="595959"/>
-                </a:solidFill>
-              </a:rPr>
-              <a:t>Struts</a:t>
-            </a:r>
-            <a:r>
-              <a:rPr lang="es-AR" dirty="0" smtClean="0">
-                <a:solidFill>
-                  <a:srgbClr val="595959"/>
-                </a:solidFill>
-              </a:rPr>
-              <a:t>, Spring, </a:t>
-            </a:r>
-            <a:r>
-              <a:rPr lang="es-AR" dirty="0" err="1" smtClean="0">
-                <a:solidFill>
-                  <a:srgbClr val="595959"/>
-                </a:solidFill>
-              </a:rPr>
-              <a:t>JQuery</a:t>
-            </a:r>
-            <a:r>
-              <a:rPr lang="es-AR" dirty="0" smtClean="0">
-                <a:solidFill>
-                  <a:srgbClr val="595959"/>
-                </a:solidFill>
-              </a:rPr>
-              <a:t>, </a:t>
-            </a:r>
-            <a:r>
-              <a:rPr lang="es-AR" dirty="0" err="1" smtClean="0">
-                <a:solidFill>
-                  <a:srgbClr val="595959"/>
-                </a:solidFill>
-              </a:rPr>
-              <a:t>Hibernate</a:t>
-            </a:r>
-            <a:r>
-              <a:rPr lang="es-AR" dirty="0" smtClean="0">
-                <a:solidFill>
-                  <a:srgbClr val="595959"/>
-                </a:solidFill>
-              </a:rPr>
-              <a:t>, </a:t>
-            </a:r>
-            <a:r>
-              <a:rPr lang="es-AR" dirty="0" err="1" smtClean="0">
-                <a:solidFill>
-                  <a:srgbClr val="595959"/>
-                </a:solidFill>
-              </a:rPr>
-              <a:t>DynamicJasper</a:t>
-            </a:r>
-            <a:endParaRPr lang="es-AR" dirty="0" smtClean="0">
-              <a:solidFill>
-                <a:srgbClr val="595959"/>
-              </a:solidFill>
-            </a:endParaRPr>
+              <a:rPr lang="es-ES_tradnl" dirty="0" smtClean="0"/>
+              <a:t>Reuniones vía </a:t>
+            </a:r>
+            <a:r>
+              <a:rPr lang="es-ES_tradnl" dirty="0" err="1" smtClean="0"/>
+              <a:t>Skype</a:t>
+            </a:r>
+            <a:r>
+              <a:rPr lang="es-ES_tradnl" dirty="0" smtClean="0"/>
+              <a:t> / </a:t>
+            </a:r>
+            <a:r>
+              <a:rPr lang="es-ES_tradnl" dirty="0" err="1" smtClean="0"/>
+              <a:t>FaceTime</a:t>
+            </a:r>
+            <a:endParaRPr lang="es-AR" dirty="0" smtClean="0"/>
           </a:p>
           <a:p>
             <a:pPr lvl="1"/>
             <a:r>
-              <a:rPr lang="es-AR" dirty="0" err="1" smtClean="0">
-                <a:solidFill>
-                  <a:srgbClr val="595959"/>
-                </a:solidFill>
-              </a:rPr>
-              <a:t>MySQL</a:t>
-            </a:r>
-            <a:endParaRPr lang="es-AR" dirty="0" smtClean="0">
-              <a:solidFill>
-                <a:srgbClr val="595959"/>
-              </a:solidFill>
-            </a:endParaRPr>
+              <a:rPr lang="es-AR" dirty="0" smtClean="0"/>
+              <a:t>Grupo de Mail (</a:t>
+            </a:r>
+            <a:r>
+              <a:rPr lang="es-AR" dirty="0" err="1" smtClean="0"/>
+              <a:t>Gmail</a:t>
+            </a:r>
+            <a:r>
+              <a:rPr lang="es-AR" dirty="0" smtClean="0"/>
+              <a:t>)</a:t>
+            </a:r>
           </a:p>
           <a:p>
             <a:pPr lvl="1"/>
-            <a:endParaRPr lang="es-AR" sz="1500" dirty="0" smtClean="0">
-              <a:solidFill>
-                <a:srgbClr val="595959"/>
-              </a:solidFill>
-            </a:endParaRPr>
-          </a:p>
-          <a:p>
-            <a:r>
-              <a:rPr lang="es-AR" dirty="0" smtClean="0">
-                <a:solidFill>
-                  <a:srgbClr val="595959"/>
-                </a:solidFill>
-              </a:rPr>
-              <a:t>Arquitectura:</a:t>
-            </a:r>
-          </a:p>
-          <a:p>
-            <a:pPr lvl="1"/>
-            <a:r>
-              <a:rPr lang="es-AR" dirty="0" smtClean="0">
-                <a:solidFill>
-                  <a:srgbClr val="595959"/>
-                </a:solidFill>
-              </a:rPr>
-              <a:t>MVC</a:t>
-            </a:r>
-          </a:p>
-          <a:p>
-            <a:pPr lvl="1"/>
-            <a:r>
-              <a:rPr lang="es-AR" dirty="0" smtClean="0">
-                <a:solidFill>
-                  <a:srgbClr val="595959"/>
-                </a:solidFill>
-              </a:rPr>
-              <a:t>Modelo de 3 Capas</a:t>
-            </a:r>
-          </a:p>
-          <a:p>
-            <a:pPr lvl="1"/>
-            <a:r>
-              <a:rPr lang="es-AR" dirty="0" smtClean="0">
-                <a:solidFill>
-                  <a:srgbClr val="595959"/>
-                </a:solidFill>
-              </a:rPr>
-              <a:t>AOP</a:t>
+            <a:r>
+              <a:rPr lang="es-AR" dirty="0" smtClean="0"/>
+              <a:t>Coordinación de documentos y fuentes vía SVN (Google </a:t>
+            </a:r>
+            <a:r>
+              <a:rPr lang="es-AR" dirty="0" err="1" smtClean="0"/>
+              <a:t>Code</a:t>
+            </a:r>
+            <a:r>
+              <a:rPr lang="es-AR" dirty="0" smtClean="0"/>
+              <a:t>).</a:t>
             </a:r>
           </a:p>
           <a:p>
@@ -7111,7 +6928,7 @@
           <a:p>
             <a:r>
               <a:rPr lang="es-ES_tradnl" dirty="0" smtClean="0"/>
-              <a:t>Elección de las Herramientas</a:t>
+              <a:t>Elección de Tecnología</a:t>
             </a:r>
             <a:endParaRPr lang="es-AR" dirty="0"/>
           </a:p>
@@ -7135,108 +6952,90 @@
         </p:spPr>
         <p:txBody>
           <a:bodyPr>
-            <a:normAutofit/>
+            <a:normAutofit fontScale="92500" lnSpcReduction="10000"/>
           </a:bodyPr>
           <a:lstStyle/>
           <a:p>
             <a:r>
-              <a:rPr lang="es-AR" dirty="0" smtClean="0">
-                <a:solidFill>
-                  <a:srgbClr val="595959"/>
-                </a:solidFill>
-              </a:rPr>
-              <a:t>Eclipse</a:t>
-            </a:r>
-          </a:p>
-          <a:p>
-            <a:r>
-              <a:rPr lang="es-ES_tradnl" dirty="0" err="1" smtClean="0">
-                <a:solidFill>
-                  <a:srgbClr val="595959"/>
-                </a:solidFill>
-              </a:rPr>
-              <a:t>Tortoisse</a:t>
-            </a:r>
-            <a:r>
-              <a:rPr lang="es-ES_tradnl" dirty="0" smtClean="0">
-                <a:solidFill>
-                  <a:srgbClr val="595959"/>
-                </a:solidFill>
-              </a:rPr>
-              <a:t> SVN</a:t>
-            </a:r>
-          </a:p>
-          <a:p>
-            <a:r>
-              <a:rPr lang="es-ES_tradnl" dirty="0" smtClean="0">
-                <a:solidFill>
-                  <a:srgbClr val="595959"/>
-                </a:solidFill>
-              </a:rPr>
-              <a:t>SQL </a:t>
-            </a:r>
-            <a:r>
-              <a:rPr lang="es-ES_tradnl" dirty="0" err="1" smtClean="0">
-                <a:solidFill>
-                  <a:srgbClr val="595959"/>
-                </a:solidFill>
-              </a:rPr>
-              <a:t>Manajer</a:t>
-            </a:r>
-            <a:endParaRPr lang="es-AR" dirty="0" smtClean="0">
-              <a:solidFill>
-                <a:srgbClr val="595959"/>
-              </a:solidFill>
-            </a:endParaRPr>
+              <a:rPr lang="es-AR" dirty="0" smtClean="0"/>
+              <a:t>Desarrollo en base a conocimientos del equipo y tecnologías probadas:</a:t>
+            </a:r>
           </a:p>
           <a:p>
             <a:pPr lvl="1"/>
-            <a:endParaRPr lang="es-AR" sz="1500" dirty="0" smtClean="0">
-              <a:solidFill>
-                <a:srgbClr val="595959"/>
-              </a:solidFill>
-            </a:endParaRPr>
-          </a:p>
-          <a:p>
-            <a:r>
-              <a:rPr lang="es-AR" dirty="0" smtClean="0">
-                <a:solidFill>
-                  <a:srgbClr val="595959"/>
-                </a:solidFill>
-              </a:rPr>
+            <a:r>
+              <a:rPr lang="es-AR" dirty="0" smtClean="0"/>
+              <a:t>Java</a:t>
+            </a:r>
+          </a:p>
+          <a:p>
+            <a:pPr lvl="1"/>
+            <a:r>
+              <a:rPr lang="es-AR" dirty="0" err="1" smtClean="0"/>
+              <a:t>Struts</a:t>
+            </a:r>
+            <a:r>
+              <a:rPr lang="es-AR" dirty="0" smtClean="0"/>
+              <a:t>, Spring, </a:t>
+            </a:r>
+            <a:r>
+              <a:rPr lang="es-AR" dirty="0" err="1" smtClean="0"/>
+              <a:t>JQuery</a:t>
+            </a:r>
+            <a:r>
+              <a:rPr lang="es-AR" dirty="0" smtClean="0"/>
+              <a:t>, </a:t>
+            </a:r>
+            <a:r>
+              <a:rPr lang="es-AR" dirty="0" err="1" smtClean="0"/>
+              <a:t>Hibernate</a:t>
+            </a:r>
+            <a:r>
+              <a:rPr lang="es-AR" dirty="0" smtClean="0"/>
+              <a:t>, </a:t>
+            </a:r>
+            <a:r>
+              <a:rPr lang="es-AR" dirty="0" err="1" smtClean="0"/>
+              <a:t>DynamicJasper</a:t>
+            </a:r>
+            <a:endParaRPr lang="es-AR" dirty="0" smtClean="0"/>
+          </a:p>
+          <a:p>
+            <a:pPr lvl="1"/>
+            <a:r>
+              <a:rPr lang="es-AR" dirty="0" err="1" smtClean="0"/>
+              <a:t>MySQL</a:t>
+            </a:r>
+            <a:endParaRPr lang="es-AR" dirty="0" smtClean="0"/>
+          </a:p>
+          <a:p>
+            <a:pPr lvl="1"/>
+            <a:endParaRPr lang="es-AR" sz="1500" dirty="0" smtClean="0"/>
+          </a:p>
+          <a:p>
+            <a:r>
+              <a:rPr lang="es-AR" dirty="0" smtClean="0"/>
               <a:t>Arquitectura:</a:t>
             </a:r>
           </a:p>
           <a:p>
             <a:pPr lvl="1"/>
             <a:r>
-              <a:rPr lang="es-AR" dirty="0" smtClean="0">
-                <a:solidFill>
-                  <a:srgbClr val="595959"/>
-                </a:solidFill>
-              </a:rPr>
+              <a:rPr lang="es-AR" dirty="0" smtClean="0"/>
               <a:t>MVC</a:t>
             </a:r>
           </a:p>
           <a:p>
             <a:pPr lvl="1"/>
             <a:r>
-              <a:rPr lang="es-AR" dirty="0" smtClean="0">
-                <a:solidFill>
-                  <a:srgbClr val="595959"/>
-                </a:solidFill>
-              </a:rPr>
+              <a:rPr lang="es-AR" dirty="0" smtClean="0"/>
               <a:t>Modelo de 3 Capas</a:t>
             </a:r>
           </a:p>
           <a:p>
             <a:pPr lvl="1"/>
             <a:r>
-              <a:rPr lang="es-AR" dirty="0" smtClean="0">
-                <a:solidFill>
-                  <a:srgbClr val="595959"/>
-                </a:solidFill>
-              </a:rPr>
+              <a:rPr lang="es-AR" dirty="0" smtClean="0"/>
               <a:t>AOP</a:t>
             </a:r>
           </a:p>
@@ -7294,7 +7093,7 @@
           <a:p>
             <a:r>
               <a:rPr lang="es-ES_tradnl" dirty="0" smtClean="0"/>
-              <a:t>Análisis</a:t>
+              <a:t>Elección de las Herramientas</a:t>
             </a:r>
             <a:endParaRPr lang="es-AR" dirty="0"/>
           </a:p>
@@ -7317,12 +7116,62 @@
           </a:xfrm>
         </p:spPr>
         <p:txBody>
-          <a:bodyPr/>
-          <a:lstStyle/>
-          <a:p>
+          <a:bodyPr>
+            <a:normAutofit/>
+          </a:bodyPr>
+          <a:lstStyle/>
+          <a:p>
+            <a:r>
+              <a:rPr lang="es-AR" dirty="0" smtClean="0"/>
+              <a:t>Eclipse</a:t>
+            </a:r>
+          </a:p>
+          <a:p>
+            <a:r>
+              <a:rPr lang="es-ES_tradnl" dirty="0" err="1" smtClean="0"/>
+              <a:t>Tortoisse</a:t>
+            </a:r>
             <a:r>
               <a:rPr lang="es-ES_tradnl" dirty="0" smtClean="0"/>
-              <a:t>Relevamiento inicial</a:t>
+              <a:t> SVN</a:t>
+            </a:r>
+          </a:p>
+          <a:p>
+            <a:r>
+              <a:rPr lang="es-ES_tradnl" dirty="0" smtClean="0"/>
+              <a:t>SQL Manager</a:t>
+            </a:r>
+            <a:endParaRPr lang="es-AR" dirty="0" smtClean="0"/>
+          </a:p>
+          <a:p>
+            <a:r>
+              <a:rPr lang="es-ES_tradnl" dirty="0" smtClean="0"/>
+              <a:t>Enterprise </a:t>
+            </a:r>
+            <a:r>
+              <a:rPr lang="es-ES_tradnl" dirty="0" err="1" smtClean="0"/>
+              <a:t>Architect</a:t>
+            </a:r>
+            <a:endParaRPr lang="es-ES_tradnl" dirty="0" smtClean="0"/>
+          </a:p>
+          <a:p>
+            <a:r>
+              <a:rPr lang="es-ES_tradnl" dirty="0" smtClean="0"/>
+              <a:t>Trac</a:t>
+            </a:r>
+          </a:p>
+          <a:p>
+            <a:r>
+              <a:rPr lang="es-ES_tradnl" dirty="0" err="1" smtClean="0"/>
+              <a:t>Balsamiq</a:t>
+            </a:r>
+            <a:r>
+              <a:rPr lang="es-ES_tradnl" dirty="0" smtClean="0"/>
+              <a:t> </a:t>
+            </a:r>
+            <a:r>
+              <a:rPr lang="es-ES_tradnl" dirty="0" err="1" smtClean="0"/>
+              <a:t>Mockups</a:t>
             </a:r>
             <a:endParaRPr lang="es-AR" dirty="0"/>
           </a:p>
@@ -7434,6 +7283,13 @@
   <p:clrMapOvr>
     <a:masterClrMapping/>
   </p:clrMapOvr>
+  <p:timing>
+    <p:tnLst>
+      <p:par>
+        <p:cTn id="1" dur="indefinite" restart="never" nodeType="tmRoot"/>
+      </p:par>
+    </p:tnLst>
+  </p:timing>
 </p:sld>
 </file>
 
@@ -7478,7 +7334,7 @@
           <a:p>
             <a:r>
               <a:rPr lang="es-ES_tradnl" dirty="0" smtClean="0"/>
-              <a:t>¿Qué es Sirius?</a:t>
+              <a:t>Elección de Metodología</a:t>
             </a:r>
             <a:endParaRPr lang="es-AR" dirty="0"/>
           </a:p>
@@ -7504,18 +7360,37 @@
           <a:bodyPr/>
           <a:lstStyle/>
           <a:p>
-            <a:r>
-              <a:rPr lang="es-AR" dirty="0" smtClean="0"/>
-              <a:t>Sirius </a:t>
-            </a:r>
-            <a:r>
-              <a:rPr lang="es-AR" dirty="0" smtClean="0"/>
-              <a:t>es una solución de software destinada a brindar soporte a la gestión integral de Proyectos de Organismos No Gubernamentales. </a:t>
+            <a:pPr algn="ctr">
+              <a:buNone/>
+            </a:pPr>
+            <a:r>
+              <a:rPr lang="es-ES_tradnl" dirty="0" smtClean="0"/>
+              <a:t>Metodología de desarrollo en cascada</a:t>
             </a:r>
             <a:endParaRPr lang="es-AR" dirty="0"/>
           </a:p>
         </p:txBody>
       </p:sp>
+      <p:graphicFrame>
+        <p:nvGraphicFramePr>
+          <p:cNvPr id="56322" name="Object 9"/>
+          <p:cNvGraphicFramePr>
+            <a:graphicFrameLocks noChangeAspect="1"/>
+          </p:cNvGraphicFramePr>
+          <p:nvPr/>
+        </p:nvGraphicFramePr>
+        <p:xfrm>
+          <a:off x="2411760" y="2996952"/>
+          <a:ext cx="4724400" cy="3268663"/>
+        </p:xfrm>
+        <a:graphic>
+          <a:graphicData uri="http://schemas.openxmlformats.org/presentationml/2006/ole">
+            <p:oleObj spid="_x0000_s56322" name="Imagen de mapa de bits" r:id="rId3" imgW="4142857" imgH="2866667" progId="PBrush">
+              <p:embed/>
+            </p:oleObj>
+          </a:graphicData>
+        </a:graphic>
+      </p:graphicFrame>
     </p:spTree>
   </p:cSld>
   <p:clrMapOvr>
@@ -7565,39 +7440,7 @@
           <a:p>
             <a:r>
               <a:rPr lang="es-ES_tradnl" dirty="0" smtClean="0"/>
-              <a:t>¿Qué es Sirius?</a:t>
-            </a:r>
-            <a:endParaRPr lang="es-AR" dirty="0"/>
-          </a:p>
-        </p:txBody>
-      </p:sp>
-      <p:sp>
-        <p:nvSpPr>
-          <p:cNvPr id="3" name="2 Marcador de contenido"/>
-          <p:cNvSpPr>
-            <a:spLocks noGrp="1"/>
-          </p:cNvSpPr>
-          <p:nvPr>
-            <p:ph idx="1"/>
-          </p:nvPr>
-        </p:nvSpPr>
-        <p:spPr>
-          <a:xfrm>
-            <a:off x="457200" y="2060848"/>
-            <a:ext cx="8229600" cy="4392488"/>
-          </a:xfrm>
-        </p:spPr>
-        <p:txBody>
-          <a:bodyPr/>
-          <a:lstStyle/>
-          <a:p>
-            <a:r>
-              <a:rPr lang="es-AR" dirty="0" smtClean="0"/>
-              <a:t>Sirius </a:t>
-            </a:r>
-            <a:r>
-              <a:rPr lang="es-AR" dirty="0" smtClean="0"/>
-              <a:t>es una solución de software destinada a brindar soporte a la gestión integral de Proyectos de Organismos No Gubernamentales. </a:t>
+              <a:t>Resultados Relevamiento</a:t>
             </a:r>
             <a:endParaRPr lang="es-AR" dirty="0"/>
           </a:p>
@@ -7652,7 +7495,7 @@
           <a:p>
             <a:r>
               <a:rPr lang="es-ES_tradnl" dirty="0" smtClean="0"/>
-              <a:t>¿Qué es Sirius?</a:t>
+              <a:t>Esfuerzo</a:t>
             </a:r>
             <a:endParaRPr lang="es-AR" dirty="0"/>
           </a:p>
@@ -7680,11 +7523,7 @@
           <a:p>
             <a:r>
               <a:rPr lang="es-AR" dirty="0" smtClean="0"/>
-              <a:t>Sirius </a:t>
-            </a:r>
-            <a:r>
-              <a:rPr lang="es-AR" dirty="0" smtClean="0"/>
-              <a:t>es una solución de software destinada a brindar soporte a la gestión integral de Proyectos de Organismos No Gubernamentales. </a:t>
+              <a:t>Desarrollo</a:t>
             </a:r>
             <a:endParaRPr lang="es-AR" dirty="0"/>
           </a:p>
@@ -7739,7 +7578,7 @@
           <a:p>
             <a:r>
               <a:rPr lang="es-ES_tradnl" dirty="0" smtClean="0"/>
-              <a:t>¿Qué es Sirius?</a:t>
+              <a:t>Esfuerzo</a:t>
             </a:r>
             <a:endParaRPr lang="es-AR" dirty="0"/>
           </a:p>
@@ -7767,11 +7606,7 @@
           <a:p>
             <a:r>
               <a:rPr lang="es-AR" dirty="0" smtClean="0"/>
-              <a:t>Sirius </a:t>
-            </a:r>
-            <a:r>
-              <a:rPr lang="es-AR" dirty="0" smtClean="0"/>
-              <a:t>es una solución de software destinada a brindar soporte a la gestión integral de Proyectos de Organismos No Gubernamentales. </a:t>
+              <a:t>Testing</a:t>
             </a:r>
             <a:endParaRPr lang="es-AR" dirty="0"/>
           </a:p>
@@ -7826,7 +7661,7 @@
           <a:p>
             <a:r>
               <a:rPr lang="es-ES_tradnl" dirty="0" smtClean="0"/>
-              <a:t>¿Qué es Sirius?</a:t>
+              <a:t>Resultados Esfuerzo</a:t>
             </a:r>
             <a:endParaRPr lang="es-AR" dirty="0"/>
           </a:p>
@@ -7854,11 +7689,16 @@
           <a:p>
             <a:r>
               <a:rPr lang="es-AR" dirty="0" smtClean="0"/>
-              <a:t>Sirius </a:t>
-            </a:r>
-            <a:r>
-              <a:rPr lang="es-AR" dirty="0" smtClean="0"/>
-              <a:t>es una solución de software destinada a brindar soporte a la gestión integral de Proyectos de Organismos No Gubernamentales. </a:t>
+              <a:t>Fecha de entrega estimada: 28/08/2011</a:t>
+            </a:r>
+          </a:p>
+          <a:p>
+            <a:endParaRPr lang="es-ES_tradnl" dirty="0" smtClean="0"/>
+          </a:p>
+          <a:p>
+            <a:r>
+              <a:rPr lang="es-ES_tradnl" dirty="0" smtClean="0"/>
+              <a:t>Fecha de entrega real: 27/07/2011</a:t>
             </a:r>
             <a:endParaRPr lang="es-AR" dirty="0"/>
           </a:p>
@@ -7913,7 +7753,7 @@
           <a:p>
             <a:r>
               <a:rPr lang="es-ES_tradnl" dirty="0" smtClean="0"/>
-              <a:t>¿Qué es Sirius?</a:t>
+              <a:t>Resultados Esfuerzo</a:t>
             </a:r>
             <a:endParaRPr lang="es-AR" dirty="0"/>
           </a:p>
@@ -7936,18 +7776,86 @@
           </a:xfrm>
         </p:spPr>
         <p:txBody>
-          <a:bodyPr/>
-          <a:lstStyle/>
-          <a:p>
+          <a:bodyPr>
+            <a:normAutofit/>
+          </a:bodyPr>
+          <a:lstStyle/>
+          <a:p>
+            <a:pPr>
+              <a:lnSpc>
+                <a:spcPct val="90000"/>
+              </a:lnSpc>
+            </a:pPr>
             <a:r>
               <a:rPr lang="es-AR" dirty="0" smtClean="0"/>
-              <a:t>Sirius </a:t>
-            </a:r>
+              <a:t>Desvíos:</a:t>
+            </a:r>
+          </a:p>
+          <a:p>
+            <a:pPr>
+              <a:lnSpc>
+                <a:spcPct val="90000"/>
+              </a:lnSpc>
+              <a:buNone/>
+            </a:pPr>
+            <a:endParaRPr lang="es-AR" dirty="0" smtClean="0"/>
+          </a:p>
+          <a:p>
+            <a:pPr>
+              <a:lnSpc>
+                <a:spcPct val="90000"/>
+              </a:lnSpc>
+              <a:buNone/>
+            </a:pPr>
             <a:r>
               <a:rPr lang="es-AR" dirty="0" smtClean="0"/>
-              <a:t>es una solución de software destinada a brindar soporte a la gestión integral de Proyectos de Organismos No Gubernamentales. </a:t>
-            </a:r>
-            <a:endParaRPr lang="es-AR" dirty="0"/>
+              <a:t>	….</a:t>
+            </a:r>
+          </a:p>
+          <a:p>
+            <a:pPr>
+              <a:lnSpc>
+                <a:spcPct val="90000"/>
+              </a:lnSpc>
+              <a:buNone/>
+            </a:pPr>
+            <a:endParaRPr lang="es-AR" dirty="0" smtClean="0"/>
+          </a:p>
+          <a:p>
+            <a:pPr>
+              <a:lnSpc>
+                <a:spcPct val="90000"/>
+              </a:lnSpc>
+            </a:pPr>
+            <a:r>
+              <a:rPr lang="es-AR" dirty="0" smtClean="0"/>
+              <a:t>¿Por qué existieron desvíos? </a:t>
+            </a:r>
+          </a:p>
+          <a:p>
+            <a:pPr lvl="1">
+              <a:lnSpc>
+                <a:spcPct val="90000"/>
+              </a:lnSpc>
+            </a:pPr>
+            <a:r>
+              <a:rPr lang="es-AR" sz="3200" dirty="0" smtClean="0"/>
+              <a:t>Incorrecta estimación de Esfuerzos.</a:t>
+            </a:r>
+          </a:p>
+          <a:p>
+            <a:pPr lvl="1">
+              <a:lnSpc>
+                <a:spcPct val="90000"/>
+              </a:lnSpc>
+            </a:pPr>
+            <a:r>
+              <a:rPr lang="es-AR" sz="3200" dirty="0" smtClean="0"/>
+              <a:t>Falta de conocimiento del Negocio.</a:t>
+            </a:r>
+          </a:p>
+          <a:p>
+            <a:endParaRPr lang="es-AR" dirty="0" smtClean="0"/>
           </a:p>
         </p:txBody>
       </p:sp>
@@ -8000,7 +7908,7 @@
           <a:p>
             <a:r>
               <a:rPr lang="es-ES_tradnl" dirty="0" smtClean="0"/>
-              <a:t>¿Qué es Sirius?</a:t>
+              <a:t>Acciones Correctivas</a:t>
             </a:r>
             <a:endParaRPr lang="es-AR" dirty="0"/>
           </a:p>
@@ -8028,11 +7936,7 @@
           <a:p>
             <a:r>
               <a:rPr lang="es-AR" dirty="0" smtClean="0"/>
-              <a:t>Sirius </a:t>
-            </a:r>
-            <a:r>
-              <a:rPr lang="es-AR" dirty="0" smtClean="0"/>
-              <a:t>es una solución de software destinada a brindar soporte a la gestión integral de Proyectos de Organismos No Gubernamentales. </a:t>
+              <a:t>…</a:t>
             </a:r>
             <a:endParaRPr lang="es-AR" dirty="0"/>
           </a:p>
@@ -8087,7 +7991,7 @@
           <a:p>
             <a:r>
               <a:rPr lang="es-ES_tradnl" dirty="0" smtClean="0"/>
-              <a:t>¿Qué es Sirius?</a:t>
+              <a:t>Testing</a:t>
             </a:r>
             <a:endParaRPr lang="es-AR" dirty="0"/>
           </a:p>
@@ -8113,15 +8017,50 @@
           <a:bodyPr/>
           <a:lstStyle/>
           <a:p>
+            <a:pPr>
+              <a:buNone/>
+            </a:pPr>
             <a:r>
               <a:rPr lang="es-AR" dirty="0" smtClean="0"/>
-              <a:t>Sirius </a:t>
-            </a:r>
+              <a:t>Tipos de Testing:</a:t>
+            </a:r>
+          </a:p>
+          <a:p>
+            <a:pPr>
+              <a:buNone/>
+            </a:pPr>
+            <a:endParaRPr lang="es-AR" dirty="0" smtClean="0"/>
+          </a:p>
+          <a:p>
             <a:r>
               <a:rPr lang="es-AR" dirty="0" smtClean="0"/>
-              <a:t>es una solución de software destinada a brindar soporte a la gestión integral de Proyectos de Organismos No Gubernamentales. </a:t>
-            </a:r>
-            <a:endParaRPr lang="es-AR" dirty="0"/>
+              <a:t>Test Unitario</a:t>
+            </a:r>
+          </a:p>
+          <a:p>
+            <a:r>
+              <a:rPr lang="es-AR" dirty="0" smtClean="0"/>
+              <a:t>Test Integral</a:t>
+            </a:r>
+          </a:p>
+          <a:p>
+            <a:r>
+              <a:rPr lang="es-AR" dirty="0" smtClean="0"/>
+              <a:t>Test de Aceptación de Usuario</a:t>
+            </a:r>
+          </a:p>
+          <a:p>
+            <a:r>
+              <a:rPr lang="es-AR" dirty="0" smtClean="0"/>
+              <a:t>Test de Concurrencia</a:t>
+            </a:r>
+          </a:p>
+          <a:p>
+            <a:r>
+              <a:rPr lang="es-AR" dirty="0" smtClean="0"/>
+              <a:t>Test de Seguridad</a:t>
+            </a:r>
+            <a:endParaRPr lang="es-AR" dirty="0" smtClean="0"/>
           </a:p>
         </p:txBody>
       </p:sp>
@@ -8174,7 +8113,7 @@
           <a:p>
             <a:r>
               <a:rPr lang="es-ES_tradnl" dirty="0" smtClean="0"/>
-              <a:t>¿Qué es Sirius?</a:t>
+              <a:t>Testing</a:t>
             </a:r>
             <a:endParaRPr lang="es-AR" dirty="0"/>
           </a:p>
@@ -8197,17 +8136,55 @@
           </a:xfrm>
         </p:spPr>
         <p:txBody>
-          <a:bodyPr/>
-          <a:lstStyle/>
-          <a:p>
+          <a:bodyPr>
+            <a:normAutofit lnSpcReduction="10000"/>
+          </a:bodyPr>
+          <a:lstStyle/>
+          <a:p>
+            <a:pPr>
+              <a:buNone/>
+              <a:defRPr/>
+            </a:pPr>
             <a:r>
               <a:rPr lang="es-AR" dirty="0" smtClean="0"/>
-              <a:t>Sirius </a:t>
-            </a:r>
+              <a:t>Criterios de Aceptación:</a:t>
+            </a:r>
+          </a:p>
+          <a:p>
+            <a:pPr>
+              <a:buNone/>
+              <a:defRPr/>
+            </a:pPr>
+            <a:endParaRPr lang="es-AR" sz="1600" dirty="0" smtClean="0"/>
+          </a:p>
+          <a:p>
+            <a:pPr>
+              <a:defRPr/>
+            </a:pPr>
             <a:r>
               <a:rPr lang="es-AR" dirty="0" smtClean="0"/>
-              <a:t>es una solución de software destinada a brindar soporte a la gestión integral de Proyectos de Organismos No Gubernamentales. </a:t>
-            </a:r>
+              <a:t>Todos los CP testeados no deben poseer defectos con criticidad ALTA.</a:t>
+            </a:r>
+          </a:p>
+          <a:p>
+            <a:pPr>
+              <a:defRPr/>
+            </a:pPr>
+            <a:r>
+              <a:rPr lang="es-AR" dirty="0" smtClean="0"/>
+              <a:t>Posibilidad de existencia de defectos de criticidad MEDIA ó BAJA, siempre y cuando no impacte en la calidad de implementación.</a:t>
+            </a:r>
+          </a:p>
+          <a:p>
+            <a:pPr>
+              <a:defRPr/>
+            </a:pPr>
+            <a:r>
+              <a:rPr lang="es-AR" dirty="0" smtClean="0"/>
+              <a:t>Mínimo 3 ciclos de Testing completos y cerrados.</a:t>
+            </a:r>
+          </a:p>
+          <a:p>
             <a:endParaRPr lang="es-AR" dirty="0"/>
           </a:p>
         </p:txBody>
@@ -8261,7 +8238,7 @@
           <a:p>
             <a:r>
               <a:rPr lang="es-ES_tradnl" dirty="0" smtClean="0"/>
-              <a:t>¿Qué es Sirius?</a:t>
+              <a:t>Testing</a:t>
             </a:r>
             <a:endParaRPr lang="es-AR" dirty="0"/>
           </a:p>
@@ -8289,11 +8266,7 @@
           <a:p>
             <a:r>
               <a:rPr lang="es-AR" dirty="0" smtClean="0"/>
-              <a:t>Sirius </a:t>
-            </a:r>
-            <a:r>
-              <a:rPr lang="es-AR" dirty="0" smtClean="0"/>
-              <a:t>es una solución de software destinada a brindar soporte a la gestión integral de Proyectos de Organismos No Gubernamentales. </a:t>
+              <a:t>Casos de Prueba</a:t>
             </a:r>
             <a:endParaRPr lang="es-AR" dirty="0"/>
           </a:p>
@@ -8391,6 +8364,13 @@
   <p:clrMapOvr>
     <a:masterClrMapping/>
   </p:clrMapOvr>
+  <p:timing>
+    <p:tnLst>
+      <p:par>
+        <p:cTn id="1" dur="indefinite" restart="never" nodeType="tmRoot"/>
+      </p:par>
+    </p:tnLst>
+  </p:timing>
 </p:sld>
 </file>
 
@@ -8435,7 +8415,7 @@
           <a:p>
             <a:r>
               <a:rPr lang="es-ES_tradnl" dirty="0" smtClean="0"/>
-              <a:t>¿Qué es Sirius?</a:t>
+              <a:t>Costos del Proyecto</a:t>
             </a:r>
             <a:endParaRPr lang="es-AR" dirty="0"/>
           </a:p>
@@ -8522,7 +8502,7 @@
           <a:p>
             <a:r>
               <a:rPr lang="es-ES_tradnl" dirty="0" smtClean="0"/>
-              <a:t>¿Qué es Sirius?</a:t>
+              <a:t>Esfuerzo Solicitudes de Cambio</a:t>
             </a:r>
             <a:endParaRPr lang="es-AR" dirty="0"/>
           </a:p>
@@ -8609,7 +8589,7 @@
           <a:p>
             <a:r>
               <a:rPr lang="es-ES_tradnl" dirty="0" smtClean="0"/>
-              <a:t>¿Qué es Sirius?</a:t>
+              <a:t>Conclusiones</a:t>
             </a:r>
             <a:endParaRPr lang="es-AR" dirty="0"/>
           </a:p>
@@ -8637,11 +8617,7 @@
           <a:p>
             <a:r>
               <a:rPr lang="es-AR" dirty="0" smtClean="0"/>
-              <a:t>Sirius </a:t>
-            </a:r>
-            <a:r>
-              <a:rPr lang="es-AR" dirty="0" smtClean="0"/>
-              <a:t>es una solución de software destinada a brindar soporte a la gestión integral de Proyectos de Organismos No Gubernamentales. </a:t>
+              <a:t>…</a:t>
             </a:r>
             <a:endParaRPr lang="es-AR" dirty="0"/>
           </a:p>
@@ -8696,7 +8672,7 @@
           <a:p>
             <a:r>
               <a:rPr lang="es-ES_tradnl" dirty="0" smtClean="0"/>
-              <a:t>¿Qué es Sirius?</a:t>
+              <a:t>Lecciones Aprendidas</a:t>
             </a:r>
             <a:endParaRPr lang="es-AR" dirty="0"/>
           </a:p>
@@ -8724,11 +8700,7 @@
           <a:p>
             <a:r>
               <a:rPr lang="es-AR" dirty="0" smtClean="0"/>
-              <a:t>Sirius </a:t>
-            </a:r>
-            <a:r>
-              <a:rPr lang="es-AR" dirty="0" smtClean="0"/>
-              <a:t>es una solución de software destinada a brindar soporte a la gestión integral de Proyectos de Organismos No Gubernamentales. </a:t>
+              <a:t>…</a:t>
             </a:r>
             <a:endParaRPr lang="es-AR" dirty="0"/>
           </a:p>
@@ -9637,6 +9609,13 @@
   <p:clrMapOvr>
     <a:masterClrMapping/>
   </p:clrMapOvr>
+  <p:timing>
+    <p:tnLst>
+      <p:par>
+        <p:cTn id="1" dur="indefinite" restart="never" nodeType="tmRoot"/>
+      </p:par>
+    </p:tnLst>
+  </p:timing>
 </p:sld>
 </file>
 
@@ -10162,6 +10141,93 @@
 </p:sld>
 </file>
 
+<file path=ppt/slides/slide46.xml><?xml version="1.0" encoding="utf-8"?>
+<p:sld xmlns:a="http://schemas.openxmlformats.org/drawingml/2006/main" xmlns:r="http://schemas.openxmlformats.org/officeDocument/2006/relationships" xmlns:p="http://schemas.openxmlformats.org/presentationml/2006/main">
+  <p:cSld>
+    <p:spTree>
+      <p:nvGrpSpPr>
+        <p:cNvPr id="1" name=""/>
+        <p:cNvGrpSpPr/>
+        <p:nvPr/>
+      </p:nvGrpSpPr>
+      <p:grpSpPr>
+        <a:xfrm>
+          <a:off x="0" y="0"/>
+          <a:ext cx="0" cy="0"/>
+          <a:chOff x="0" y="0"/>
+          <a:chExt cx="0" cy="0"/>
+        </a:xfrm>
+      </p:grpSpPr>
+      <p:sp>
+        <p:nvSpPr>
+          <p:cNvPr id="2" name="1 Título"/>
+          <p:cNvSpPr>
+            <a:spLocks noGrp="1"/>
+          </p:cNvSpPr>
+          <p:nvPr>
+            <p:ph type="title"/>
+          </p:nvPr>
+        </p:nvSpPr>
+        <p:spPr>
+          <a:xfrm>
+            <a:off x="457200" y="1196752"/>
+            <a:ext cx="8229600" cy="504056"/>
+          </a:xfrm>
+        </p:spPr>
+        <p:txBody>
+          <a:bodyPr>
+            <a:normAutofit fontScale="90000"/>
+          </a:bodyPr>
+          <a:lstStyle/>
+          <a:p>
+            <a:r>
+              <a:rPr lang="es-ES_tradnl" dirty="0" smtClean="0"/>
+              <a:t>¿Qué es Sirius?</a:t>
+            </a:r>
+            <a:endParaRPr lang="es-AR" dirty="0"/>
+          </a:p>
+        </p:txBody>
+      </p:sp>
+      <p:sp>
+        <p:nvSpPr>
+          <p:cNvPr id="3" name="2 Marcador de contenido"/>
+          <p:cNvSpPr>
+            <a:spLocks noGrp="1"/>
+          </p:cNvSpPr>
+          <p:nvPr>
+            <p:ph idx="1"/>
+          </p:nvPr>
+        </p:nvSpPr>
+        <p:spPr>
+          <a:xfrm>
+            <a:off x="457200" y="2060848"/>
+            <a:ext cx="8229600" cy="4392488"/>
+          </a:xfrm>
+        </p:spPr>
+        <p:txBody>
+          <a:bodyPr/>
+          <a:lstStyle/>
+          <a:p>
+            <a:r>
+              <a:rPr lang="es-AR" dirty="0" smtClean="0"/>
+              <a:t>Sirius </a:t>
+            </a:r>
+            <a:r>
+              <a:rPr lang="es-AR" dirty="0" smtClean="0"/>
+              <a:t>es una solución de software destinada a brindar soporte a la gestión integral de Proyectos de Organismos No Gubernamentales. </a:t>
+            </a:r>
+            <a:endParaRPr lang="es-AR" dirty="0"/>
+          </a:p>
+        </p:txBody>
+      </p:sp>
+    </p:spTree>
+  </p:cSld>
+  <p:clrMapOvr>
+    <a:masterClrMapping/>
+  </p:clrMapOvr>
+</p:sld>
+</file>
+
 <file path=ppt/slides/slide5.xml><?xml version="1.0" encoding="utf-8"?>
 <p:sld xmlns:a="http://schemas.openxmlformats.org/drawingml/2006/main" xmlns:r="http://schemas.openxmlformats.org/officeDocument/2006/relationships" xmlns:p="http://schemas.openxmlformats.org/presentationml/2006/main">
   <p:cSld>
@@ -10393,6 +10459,13 @@
   <p:clrMapOvr>
     <a:masterClrMapping/>
   </p:clrMapOvr>
+  <p:timing>
+    <p:tnLst>
+      <p:par>
+        <p:cTn id="1" dur="indefinite" restart="never" nodeType="tmRoot"/>
+      </p:par>
+    </p:tnLst>
+  </p:timing>
 </p:sld>
 </file>
 
@@ -10508,6 +10581,13 @@
   <p:clrMapOvr>
     <a:masterClrMapping/>
   </p:clrMapOvr>
+  <p:timing>
+    <p:tnLst>
+      <p:par>
+        <p:cTn id="1" dur="indefinite" restart="never" nodeType="tmRoot"/>
+      </p:par>
+    </p:tnLst>
+  </p:timing>
 </p:sld>
 </file>
 
@@ -10681,6 +10761,13 @@
   <p:clrMapOvr>
     <a:masterClrMapping/>
   </p:clrMapOvr>
+  <p:timing>
+    <p:tnLst>
+      <p:par>
+        <p:cTn id="1" dur="indefinite" restart="never" nodeType="tmRoot"/>
+      </p:par>
+    </p:tnLst>
+  </p:timing>
 </p:sld>
 </file>
 
@@ -10760,7 +10847,7 @@
       </p:sp>
       <p:pic>
         <p:nvPicPr>
-          <p:cNvPr id="3074" name="Picture 2" descr="闒粀闀粀"/>
+          <p:cNvPr id="3075" name="Picture 3"/>
           <p:cNvPicPr>
             <a:picLocks noChangeAspect="1" noChangeArrowheads="1"/>
           </p:cNvPicPr>
@@ -10775,8 +10862,8 @@
         </p:blipFill>
         <p:spPr bwMode="auto">
           <a:xfrm>
-            <a:off x="1475656" y="2924944"/>
-            <a:ext cx="6257900" cy="3048721"/>
+            <a:off x="1259632" y="2996952"/>
+            <a:ext cx="6700614" cy="3202716"/>
           </a:xfrm>
           <a:prstGeom prst="rect">
             <a:avLst/>
@@ -10795,6 +10882,13 @@
   <p:clrMapOvr>
     <a:masterClrMapping/>
   </p:clrMapOvr>
+  <p:timing>
+    <p:tnLst>
+      <p:par>
+        <p:cTn id="1" dur="indefinite" restart="never" nodeType="tmRoot"/>
+      </p:par>
+    </p:tnLst>
+  </p:timing>
 </p:sld>
 </file>
 
@@ -10910,6 +11004,13 @@
   <p:clrMapOvr>
     <a:masterClrMapping/>
   </p:clrMapOvr>
+  <p:timing>
+    <p:tnLst>
+      <p:par>
+        <p:cTn id="1" dur="indefinite" restart="never" nodeType="tmRoot"/>
+      </p:par>
+    </p:tnLst>
+  </p:timing>
 </p:sld>
 </file>
 

--- a/Documentacion/Presentacion/Presentacion Sirius.pptx
+++ b/Documentacion/Presentacion/Presentacion Sirius.pptx
@@ -27,30 +27,32 @@
     <p:sldId id="300" r:id="rId21"/>
     <p:sldId id="271" r:id="rId22"/>
     <p:sldId id="272" r:id="rId23"/>
-    <p:sldId id="273" r:id="rId24"/>
-    <p:sldId id="274" r:id="rId25"/>
-    <p:sldId id="275" r:id="rId26"/>
-    <p:sldId id="276" r:id="rId27"/>
-    <p:sldId id="277" r:id="rId28"/>
-    <p:sldId id="278" r:id="rId29"/>
-    <p:sldId id="279" r:id="rId30"/>
-    <p:sldId id="280" r:id="rId31"/>
-    <p:sldId id="281" r:id="rId32"/>
-    <p:sldId id="282" r:id="rId33"/>
-    <p:sldId id="283" r:id="rId34"/>
-    <p:sldId id="284" r:id="rId35"/>
-    <p:sldId id="285" r:id="rId36"/>
-    <p:sldId id="286" r:id="rId37"/>
-    <p:sldId id="287" r:id="rId38"/>
-    <p:sldId id="288" r:id="rId39"/>
-    <p:sldId id="289" r:id="rId40"/>
-    <p:sldId id="290" r:id="rId41"/>
-    <p:sldId id="291" r:id="rId42"/>
-    <p:sldId id="292" r:id="rId43"/>
-    <p:sldId id="293" r:id="rId44"/>
-    <p:sldId id="294" r:id="rId45"/>
-    <p:sldId id="295" r:id="rId46"/>
-    <p:sldId id="296" r:id="rId47"/>
+    <p:sldId id="304" r:id="rId24"/>
+    <p:sldId id="273" r:id="rId25"/>
+    <p:sldId id="274" r:id="rId26"/>
+    <p:sldId id="275" r:id="rId27"/>
+    <p:sldId id="276" r:id="rId28"/>
+    <p:sldId id="277" r:id="rId29"/>
+    <p:sldId id="278" r:id="rId30"/>
+    <p:sldId id="279" r:id="rId31"/>
+    <p:sldId id="280" r:id="rId32"/>
+    <p:sldId id="281" r:id="rId33"/>
+    <p:sldId id="282" r:id="rId34"/>
+    <p:sldId id="303" r:id="rId35"/>
+    <p:sldId id="283" r:id="rId36"/>
+    <p:sldId id="284" r:id="rId37"/>
+    <p:sldId id="285" r:id="rId38"/>
+    <p:sldId id="286" r:id="rId39"/>
+    <p:sldId id="287" r:id="rId40"/>
+    <p:sldId id="288" r:id="rId41"/>
+    <p:sldId id="289" r:id="rId42"/>
+    <p:sldId id="290" r:id="rId43"/>
+    <p:sldId id="291" r:id="rId44"/>
+    <p:sldId id="292" r:id="rId45"/>
+    <p:sldId id="293" r:id="rId46"/>
+    <p:sldId id="294" r:id="rId47"/>
+    <p:sldId id="295" r:id="rId48"/>
+    <p:sldId id="296" r:id="rId49"/>
   </p:sldIdLst>
   <p:sldSz cx="9144000" cy="6858000" type="screen4x3"/>
   <p:notesSz cx="6858000" cy="9144000"/>
@@ -150,6 +152,483 @@
     </a:lvl9pPr>
   </p:defaultTextStyle>
 </p:presentation>
+</file>
+
+<file path=ppt/charts/chart1.xml><?xml version="1.0" encoding="utf-8"?>
+<c:chartSpace xmlns:c="http://schemas.openxmlformats.org/drawingml/2006/chart" xmlns:a="http://schemas.openxmlformats.org/drawingml/2006/main" xmlns:r="http://schemas.openxmlformats.org/officeDocument/2006/relationships">
+  <c:lang val="es-AR"/>
+  <c:chart>
+    <c:autoTitleDeleted val="1"/>
+    <c:view3D>
+      <c:depthPercent val="100"/>
+      <c:rAngAx val="1"/>
+    </c:view3D>
+    <c:plotArea>
+      <c:layout/>
+      <c:bar3DChart>
+        <c:barDir val="col"/>
+        <c:grouping val="clustered"/>
+        <c:ser>
+          <c:idx val="0"/>
+          <c:order val="0"/>
+          <c:tx>
+            <c:strRef>
+              <c:f>'Horas Incurridas'!$B$1</c:f>
+              <c:strCache>
+                <c:ptCount val="1"/>
+                <c:pt idx="0">
+                  <c:v>Horas Estimadas</c:v>
+                </c:pt>
+              </c:strCache>
+            </c:strRef>
+          </c:tx>
+          <c:dLbls>
+            <c:dLbl>
+              <c:idx val="0"/>
+              <c:layout>
+                <c:manualLayout>
+                  <c:x val="-2.5462668816040029E-17"/>
+                  <c:y val="0.1111111111111111"/>
+                </c:manualLayout>
+              </c:layout>
+              <c:showVal val="1"/>
+            </c:dLbl>
+            <c:dLbl>
+              <c:idx val="1"/>
+              <c:layout>
+                <c:manualLayout>
+                  <c:x val="0"/>
+                  <c:y val="0.1111111111111111"/>
+                </c:manualLayout>
+              </c:layout>
+              <c:showVal val="1"/>
+            </c:dLbl>
+            <c:txPr>
+              <a:bodyPr/>
+              <a:lstStyle/>
+              <a:p>
+                <a:pPr>
+                  <a:defRPr>
+                    <a:solidFill>
+                      <a:schemeClr val="bg1"/>
+                    </a:solidFill>
+                  </a:defRPr>
+                </a:pPr>
+                <a:endParaRPr lang="es-AR"/>
+              </a:p>
+            </c:txPr>
+            <c:showVal val="1"/>
+          </c:dLbls>
+          <c:cat>
+            <c:strRef>
+              <c:f>'Horas Incurridas'!$A$2:$A$3</c:f>
+              <c:strCache>
+                <c:ptCount val="2"/>
+                <c:pt idx="0">
+                  <c:v>Análisis</c:v>
+                </c:pt>
+                <c:pt idx="1">
+                  <c:v>Diseño</c:v>
+                </c:pt>
+              </c:strCache>
+            </c:strRef>
+          </c:cat>
+          <c:val>
+            <c:numRef>
+              <c:f>'Horas Incurridas'!$B$2:$B$3</c:f>
+              <c:numCache>
+                <c:formatCode>General</c:formatCode>
+                <c:ptCount val="2"/>
+                <c:pt idx="0">
+                  <c:v>704</c:v>
+                </c:pt>
+                <c:pt idx="1">
+                  <c:v>424</c:v>
+                </c:pt>
+              </c:numCache>
+            </c:numRef>
+          </c:val>
+        </c:ser>
+        <c:ser>
+          <c:idx val="1"/>
+          <c:order val="1"/>
+          <c:tx>
+            <c:strRef>
+              <c:f>'Horas Incurridas'!$C$1</c:f>
+              <c:strCache>
+                <c:ptCount val="1"/>
+                <c:pt idx="0">
+                  <c:v>Horas Incurridas</c:v>
+                </c:pt>
+              </c:strCache>
+            </c:strRef>
+          </c:tx>
+          <c:dLbls>
+            <c:dLbl>
+              <c:idx val="0"/>
+              <c:layout>
+                <c:manualLayout>
+                  <c:x val="5.5555555555555558E-3"/>
+                  <c:y val="0.1111111111111111"/>
+                </c:manualLayout>
+              </c:layout>
+              <c:showVal val="1"/>
+            </c:dLbl>
+            <c:dLbl>
+              <c:idx val="1"/>
+              <c:layout>
+                <c:manualLayout>
+                  <c:x val="0"/>
+                  <c:y val="8.7962962962963021E-2"/>
+                </c:manualLayout>
+              </c:layout>
+              <c:showVal val="1"/>
+            </c:dLbl>
+            <c:txPr>
+              <a:bodyPr/>
+              <a:lstStyle/>
+              <a:p>
+                <a:pPr>
+                  <a:defRPr>
+                    <a:solidFill>
+                      <a:schemeClr val="bg1"/>
+                    </a:solidFill>
+                  </a:defRPr>
+                </a:pPr>
+                <a:endParaRPr lang="es-AR"/>
+              </a:p>
+            </c:txPr>
+            <c:showVal val="1"/>
+          </c:dLbls>
+          <c:cat>
+            <c:strRef>
+              <c:f>'Horas Incurridas'!$A$2:$A$3</c:f>
+              <c:strCache>
+                <c:ptCount val="2"/>
+                <c:pt idx="0">
+                  <c:v>Análisis</c:v>
+                </c:pt>
+                <c:pt idx="1">
+                  <c:v>Diseño</c:v>
+                </c:pt>
+              </c:strCache>
+            </c:strRef>
+          </c:cat>
+          <c:val>
+            <c:numRef>
+              <c:f>'Horas Incurridas'!$C$2:$C$3</c:f>
+              <c:numCache>
+                <c:formatCode>General</c:formatCode>
+                <c:ptCount val="2"/>
+                <c:pt idx="0">
+                  <c:v>472</c:v>
+                </c:pt>
+                <c:pt idx="1">
+                  <c:v>292</c:v>
+                </c:pt>
+              </c:numCache>
+            </c:numRef>
+          </c:val>
+        </c:ser>
+        <c:shape val="box"/>
+        <c:axId val="96839168"/>
+        <c:axId val="96840704"/>
+        <c:axId val="0"/>
+      </c:bar3DChart>
+      <c:catAx>
+        <c:axId val="96839168"/>
+        <c:scaling>
+          <c:orientation val="minMax"/>
+        </c:scaling>
+        <c:axPos val="b"/>
+        <c:majorTickMark val="none"/>
+        <c:tickLblPos val="nextTo"/>
+        <c:crossAx val="96840704"/>
+        <c:crosses val="autoZero"/>
+        <c:auto val="1"/>
+        <c:lblAlgn val="ctr"/>
+        <c:lblOffset val="100"/>
+      </c:catAx>
+      <c:valAx>
+        <c:axId val="96840704"/>
+        <c:scaling>
+          <c:orientation val="minMax"/>
+        </c:scaling>
+        <c:axPos val="l"/>
+        <c:majorGridlines/>
+        <c:title>
+          <c:tx>
+            <c:rich>
+              <a:bodyPr rot="0" vert="horz"/>
+              <a:lstStyle/>
+              <a:p>
+                <a:pPr>
+                  <a:defRPr/>
+                </a:pPr>
+                <a:r>
+                  <a:rPr lang="es-AR"/>
+                  <a:t>Horas</a:t>
+                </a:r>
+              </a:p>
+            </c:rich>
+          </c:tx>
+          <c:layout>
+            <c:manualLayout>
+              <c:xMode val="edge"/>
+              <c:yMode val="edge"/>
+              <c:x val="1.7642825896762918E-2"/>
+              <c:y val="0.46087525517643635"/>
+            </c:manualLayout>
+          </c:layout>
+        </c:title>
+        <c:numFmt formatCode="General" sourceLinked="0"/>
+        <c:tickLblPos val="nextTo"/>
+        <c:crossAx val="96839168"/>
+        <c:crosses val="autoZero"/>
+        <c:crossBetween val="between"/>
+      </c:valAx>
+    </c:plotArea>
+    <c:legend>
+      <c:legendPos val="r"/>
+      <c:layout/>
+    </c:legend>
+    <c:plotVisOnly val="1"/>
+  </c:chart>
+  <c:externalData r:id="rId1"/>
+</c:chartSpace>
+</file>
+
+<file path=ppt/charts/chart2.xml><?xml version="1.0" encoding="utf-8"?>
+<c:chartSpace xmlns:c="http://schemas.openxmlformats.org/drawingml/2006/chart" xmlns:a="http://schemas.openxmlformats.org/drawingml/2006/main" xmlns:r="http://schemas.openxmlformats.org/officeDocument/2006/relationships">
+  <c:lang val="es-AR"/>
+  <c:clrMapOvr bg1="lt1" tx1="dk1" bg2="lt2" tx2="dk2" accent1="accent1" accent2="accent2" accent3="accent3" accent4="accent4" accent5="accent5" accent6="accent6" hlink="hlink" folHlink="folHlink"/>
+  <c:chart>
+    <c:autoTitleDeleted val="1"/>
+    <c:view3D>
+      <c:depthPercent val="100"/>
+      <c:rAngAx val="1"/>
+    </c:view3D>
+    <c:plotArea>
+      <c:layout/>
+      <c:bar3DChart>
+        <c:barDir val="col"/>
+        <c:grouping val="clustered"/>
+        <c:ser>
+          <c:idx val="0"/>
+          <c:order val="0"/>
+          <c:tx>
+            <c:strRef>
+              <c:f>'Horas Incurridas'!$B$1</c:f>
+              <c:strCache>
+                <c:ptCount val="1"/>
+                <c:pt idx="0">
+                  <c:v>Horas Estimadas</c:v>
+                </c:pt>
+              </c:strCache>
+            </c:strRef>
+          </c:tx>
+          <c:dLbls>
+            <c:dLbl>
+              <c:idx val="0"/>
+              <c:layout>
+                <c:manualLayout>
+                  <c:x val="-2.5462668816040053E-17"/>
+                  <c:y val="0.1111111111111111"/>
+                </c:manualLayout>
+              </c:layout>
+              <c:showVal val="1"/>
+            </c:dLbl>
+            <c:dLbl>
+              <c:idx val="1"/>
+              <c:layout>
+                <c:manualLayout>
+                  <c:x val="0"/>
+                  <c:y val="0.1111111111111111"/>
+                </c:manualLayout>
+              </c:layout>
+              <c:showVal val="1"/>
+            </c:dLbl>
+            <c:txPr>
+              <a:bodyPr/>
+              <a:lstStyle/>
+              <a:p>
+                <a:pPr>
+                  <a:defRPr>
+                    <a:solidFill>
+                      <a:schemeClr val="bg1"/>
+                    </a:solidFill>
+                  </a:defRPr>
+                </a:pPr>
+                <a:endParaRPr lang="es-AR"/>
+              </a:p>
+            </c:txPr>
+            <c:showVal val="1"/>
+          </c:dLbls>
+          <c:cat>
+            <c:strRef>
+              <c:f>'Horas Incurridas'!$A$4</c:f>
+              <c:strCache>
+                <c:ptCount val="1"/>
+                <c:pt idx="0">
+                  <c:v>Desarrollo</c:v>
+                </c:pt>
+              </c:strCache>
+            </c:strRef>
+          </c:cat>
+          <c:val>
+            <c:numRef>
+              <c:f>'Horas Incurridas'!$B$4</c:f>
+              <c:numCache>
+                <c:formatCode>General</c:formatCode>
+                <c:ptCount val="1"/>
+                <c:pt idx="0">
+                  <c:v>1128</c:v>
+                </c:pt>
+              </c:numCache>
+            </c:numRef>
+          </c:val>
+        </c:ser>
+        <c:ser>
+          <c:idx val="1"/>
+          <c:order val="1"/>
+          <c:tx>
+            <c:strRef>
+              <c:f>'Horas Incurridas'!$C$1</c:f>
+              <c:strCache>
+                <c:ptCount val="1"/>
+                <c:pt idx="0">
+                  <c:v>Horas Incurridas</c:v>
+                </c:pt>
+              </c:strCache>
+            </c:strRef>
+          </c:tx>
+          <c:dLbls>
+            <c:dLbl>
+              <c:idx val="0"/>
+              <c:layout>
+                <c:manualLayout>
+                  <c:x val="5.5555555555555558E-3"/>
+                  <c:y val="0.1111111111111111"/>
+                </c:manualLayout>
+              </c:layout>
+              <c:showVal val="1"/>
+            </c:dLbl>
+            <c:dLbl>
+              <c:idx val="1"/>
+              <c:layout>
+                <c:manualLayout>
+                  <c:x val="0"/>
+                  <c:y val="8.7962962962963034E-2"/>
+                </c:manualLayout>
+              </c:layout>
+              <c:showVal val="1"/>
+            </c:dLbl>
+            <c:txPr>
+              <a:bodyPr/>
+              <a:lstStyle/>
+              <a:p>
+                <a:pPr>
+                  <a:defRPr>
+                    <a:solidFill>
+                      <a:schemeClr val="bg1"/>
+                    </a:solidFill>
+                  </a:defRPr>
+                </a:pPr>
+                <a:endParaRPr lang="es-AR"/>
+              </a:p>
+            </c:txPr>
+            <c:showVal val="1"/>
+          </c:dLbls>
+          <c:cat>
+            <c:strRef>
+              <c:f>'Horas Incurridas'!$A$4</c:f>
+              <c:strCache>
+                <c:ptCount val="1"/>
+                <c:pt idx="0">
+                  <c:v>Desarrollo</c:v>
+                </c:pt>
+              </c:strCache>
+            </c:strRef>
+          </c:cat>
+          <c:val>
+            <c:numRef>
+              <c:f>'Horas Incurridas'!$C$4</c:f>
+              <c:numCache>
+                <c:formatCode>General</c:formatCode>
+                <c:ptCount val="1"/>
+                <c:pt idx="0">
+                  <c:v>867</c:v>
+                </c:pt>
+              </c:numCache>
+            </c:numRef>
+          </c:val>
+        </c:ser>
+        <c:shape val="box"/>
+        <c:axId val="112695168"/>
+        <c:axId val="116393472"/>
+        <c:axId val="0"/>
+      </c:bar3DChart>
+      <c:catAx>
+        <c:axId val="112695168"/>
+        <c:scaling>
+          <c:orientation val="minMax"/>
+        </c:scaling>
+        <c:axPos val="b"/>
+        <c:majorTickMark val="none"/>
+        <c:tickLblPos val="nextTo"/>
+        <c:crossAx val="116393472"/>
+        <c:crosses val="autoZero"/>
+        <c:auto val="1"/>
+        <c:lblAlgn val="ctr"/>
+        <c:lblOffset val="100"/>
+      </c:catAx>
+      <c:valAx>
+        <c:axId val="116393472"/>
+        <c:scaling>
+          <c:orientation val="minMax"/>
+        </c:scaling>
+        <c:axPos val="l"/>
+        <c:majorGridlines/>
+        <c:title>
+          <c:tx>
+            <c:rich>
+              <a:bodyPr rot="0" vert="horz"/>
+              <a:lstStyle/>
+              <a:p>
+                <a:pPr>
+                  <a:defRPr/>
+                </a:pPr>
+                <a:r>
+                  <a:rPr lang="es-AR"/>
+                  <a:t>Horas</a:t>
+                </a:r>
+              </a:p>
+            </c:rich>
+          </c:tx>
+          <c:layout>
+            <c:manualLayout>
+              <c:xMode val="edge"/>
+              <c:yMode val="edge"/>
+              <c:x val="1.7642825896762925E-2"/>
+              <c:y val="0.46087525517643635"/>
+            </c:manualLayout>
+          </c:layout>
+        </c:title>
+        <c:numFmt formatCode="General" sourceLinked="0"/>
+        <c:tickLblPos val="nextTo"/>
+        <c:crossAx val="112695168"/>
+        <c:crosses val="autoZero"/>
+        <c:crossBetween val="between"/>
+      </c:valAx>
+    </c:plotArea>
+    <c:legend>
+      <c:legendPos val="r"/>
+      <c:layout/>
+    </c:legend>
+    <c:plotVisOnly val="1"/>
+  </c:chart>
+  <c:externalData r:id="rId2"/>
+</c:chartSpace>
 </file>
 
 <file path=ppt/slideLayouts/slideLayout1.xml><?xml version="1.0" encoding="utf-8"?>
@@ -3335,7 +3814,6 @@
               <a:rPr lang="es-AR" dirty="0" smtClean="0"/>
               <a:t>Gestión de usuarios</a:t>
             </a:r>
-            <a:endParaRPr lang="es-AR" dirty="0" smtClean="0"/>
           </a:p>
           <a:p>
             <a:pPr lvl="1" fontAlgn="base"/>
@@ -3359,7 +3837,6 @@
               <a:rPr lang="es-AR" sz="1600" dirty="0" smtClean="0"/>
               <a:t>Accesos</a:t>
             </a:r>
-            <a:endParaRPr lang="es-AR" sz="1600" dirty="0" smtClean="0"/>
           </a:p>
           <a:p>
             <a:endParaRPr lang="es-AR" dirty="0"/>
@@ -3463,6 +3940,13 @@
   <p:clrMapOvr>
     <a:masterClrMapping/>
   </p:clrMapOvr>
+  <p:timing>
+    <p:tnLst>
+      <p:par>
+        <p:cTn id="1" dur="indefinite" restart="never" nodeType="tmRoot"/>
+      </p:par>
+    </p:tnLst>
+  </p:timing>
 </p:sld>
 </file>
 
@@ -3815,23 +4299,23 @@
           <p:nvPr/>
         </p:nvGraphicFramePr>
         <p:xfrm>
-          <a:off x="683568" y="2276872"/>
-          <a:ext cx="7920881" cy="3960439"/>
+          <a:off x="395536" y="2204864"/>
+          <a:ext cx="8352928" cy="3960439"/>
         </p:xfrm>
         <a:graphic>
           <a:graphicData uri="http://schemas.openxmlformats.org/drawingml/2006/table">
             <a:tbl>
               <a:tblPr bandCol="1"/>
               <a:tblGrid>
-                <a:gridCol w="846957"/>
-                <a:gridCol w="875325"/>
-                <a:gridCol w="875325"/>
-                <a:gridCol w="868841"/>
-                <a:gridCol w="868841"/>
-                <a:gridCol w="959616"/>
-                <a:gridCol w="1021213"/>
-                <a:gridCol w="1021213"/>
-                <a:gridCol w="583550"/>
+                <a:gridCol w="877756"/>
+                <a:gridCol w="907154"/>
+                <a:gridCol w="907154"/>
+                <a:gridCol w="900435"/>
+                <a:gridCol w="900435"/>
+                <a:gridCol w="994511"/>
+                <a:gridCol w="1058348"/>
+                <a:gridCol w="991298"/>
+                <a:gridCol w="815837"/>
               </a:tblGrid>
               <a:tr h="264029">
                 <a:tc rowSpan="2">
@@ -3845,9 +4329,13 @@
                         </a:spcAft>
                       </a:pPr>
                       <a:r>
-                        <a:rPr lang="es-AR" sz="1200" dirty="0">
-                          <a:latin typeface="Times New Roman"/>
-                          <a:ea typeface="Batang"/>
+                        <a:rPr lang="es-AR" sz="1200" kern="1200" dirty="0" smtClean="0">
+                          <a:solidFill>
+                            <a:schemeClr val="tx1"/>
+                          </a:solidFill>
+                          <a:latin typeface="+mn-lt"/>
+                          <a:ea typeface="+mn-ea"/>
+                          <a:cs typeface="+mn-cs"/>
                         </a:rPr>
                         <a:t>Nombre y Apellido</a:t>
                       </a:r>
@@ -3906,9 +4394,13 @@
                         </a:spcAft>
                       </a:pPr>
                       <a:r>
-                        <a:rPr lang="es-AR" sz="1200" dirty="0">
-                          <a:latin typeface="Times New Roman"/>
-                          <a:ea typeface="Batang"/>
+                        <a:rPr lang="es-AR" sz="1200" kern="1200" dirty="0" smtClean="0">
+                          <a:solidFill>
+                            <a:schemeClr val="tx1"/>
+                          </a:solidFill>
+                          <a:latin typeface="+mn-lt"/>
+                          <a:ea typeface="+mn-ea"/>
+                          <a:cs typeface="+mn-cs"/>
                         </a:rPr>
                         <a:t>Rol</a:t>
                       </a:r>
@@ -4049,9 +4541,13 @@
                         </a:spcAft>
                       </a:pPr>
                       <a:r>
-                        <a:rPr lang="es-AR" sz="1200">
-                          <a:latin typeface="Times New Roman"/>
-                          <a:ea typeface="Batang"/>
+                        <a:rPr lang="es-AR" sz="1200" kern="1200" dirty="0" smtClean="0">
+                          <a:solidFill>
+                            <a:schemeClr val="tx1"/>
+                          </a:solidFill>
+                          <a:latin typeface="+mn-lt"/>
+                          <a:ea typeface="+mn-ea"/>
+                          <a:cs typeface="+mn-cs"/>
                         </a:rPr>
                         <a:t>Líder de Proyecto</a:t>
                       </a:r>
@@ -4110,9 +4606,13 @@
                         </a:spcAft>
                       </a:pPr>
                       <a:r>
-                        <a:rPr lang="es-AR" sz="1200">
-                          <a:latin typeface="Times New Roman"/>
-                          <a:ea typeface="Batang"/>
+                        <a:rPr lang="es-AR" sz="1200" kern="1200" dirty="0" smtClean="0">
+                          <a:solidFill>
+                            <a:schemeClr val="tx1"/>
+                          </a:solidFill>
+                          <a:latin typeface="+mn-lt"/>
+                          <a:ea typeface="+mn-ea"/>
+                          <a:cs typeface="+mn-cs"/>
                         </a:rPr>
                         <a:t>Referente Técnico</a:t>
                       </a:r>
@@ -4171,9 +4671,13 @@
                         </a:spcAft>
                       </a:pPr>
                       <a:r>
-                        <a:rPr lang="es-AR" sz="1200" dirty="0">
-                          <a:latin typeface="Times New Roman"/>
-                          <a:ea typeface="Batang"/>
+                        <a:rPr lang="es-AR" sz="1200" kern="1200" dirty="0" smtClean="0">
+                          <a:solidFill>
+                            <a:schemeClr val="tx1"/>
+                          </a:solidFill>
+                          <a:latin typeface="+mn-lt"/>
+                          <a:ea typeface="+mn-ea"/>
+                          <a:cs typeface="+mn-cs"/>
                         </a:rPr>
                         <a:t>Referente Funcional</a:t>
                       </a:r>
@@ -4232,16 +4736,16 @@
                         </a:spcAft>
                       </a:pPr>
                       <a:r>
-                        <a:rPr lang="es-AR" sz="1200" dirty="0" smtClean="0">
-                          <a:latin typeface="Times New Roman"/>
-                          <a:ea typeface="Batang"/>
+                        <a:rPr lang="es-AR" sz="1200" kern="1200" dirty="0" smtClean="0">
+                          <a:solidFill>
+                            <a:schemeClr val="tx1"/>
+                          </a:solidFill>
+                          <a:latin typeface="+mn-lt"/>
+                          <a:ea typeface="+mn-ea"/>
+                          <a:cs typeface="+mn-cs"/>
                         </a:rPr>
                         <a:t>Arquitecto Software</a:t>
                       </a:r>
-                      <a:endParaRPr lang="es-AR" sz="1200" dirty="0">
-                        <a:latin typeface="Times New Roman"/>
-                        <a:ea typeface="Batang"/>
-                      </a:endParaRPr>
                     </a:p>
                   </a:txBody>
                   <a:tcPr marL="57150" marR="57150" marT="0" marB="0" anchor="ctr" anchorCtr="1">
@@ -4297,9 +4801,13 @@
                         </a:spcAft>
                       </a:pPr>
                       <a:r>
-                        <a:rPr lang="es-AR" sz="1200" dirty="0">
-                          <a:latin typeface="Times New Roman"/>
-                          <a:ea typeface="Batang"/>
+                        <a:rPr lang="es-AR" sz="1200" kern="1200" dirty="0" smtClean="0">
+                          <a:solidFill>
+                            <a:schemeClr val="tx1"/>
+                          </a:solidFill>
+                          <a:latin typeface="+mn-lt"/>
+                          <a:ea typeface="+mn-ea"/>
+                          <a:cs typeface="+mn-cs"/>
                         </a:rPr>
                         <a:t>Referente de Testing</a:t>
                       </a:r>
@@ -4358,9 +4866,13 @@
                         </a:spcAft>
                       </a:pPr>
                       <a:r>
-                        <a:rPr lang="es-AR" sz="1200">
-                          <a:latin typeface="Times New Roman"/>
-                          <a:ea typeface="Batang"/>
+                        <a:rPr lang="es-AR" sz="1200" kern="1200" dirty="0" smtClean="0">
+                          <a:solidFill>
+                            <a:schemeClr val="tx1"/>
+                          </a:solidFill>
+                          <a:latin typeface="+mn-lt"/>
+                          <a:ea typeface="+mn-ea"/>
+                          <a:cs typeface="+mn-cs"/>
                         </a:rPr>
                         <a:t>Analista Funcional</a:t>
                       </a:r>
@@ -4419,9 +4931,13 @@
                         </a:spcAft>
                       </a:pPr>
                       <a:r>
-                        <a:rPr lang="es-AR" sz="1200">
-                          <a:latin typeface="Times New Roman"/>
-                          <a:ea typeface="Batang"/>
+                        <a:rPr lang="es-AR" sz="1200" kern="1200" dirty="0" smtClean="0">
+                          <a:solidFill>
+                            <a:schemeClr val="tx1"/>
+                          </a:solidFill>
+                          <a:latin typeface="+mn-lt"/>
+                          <a:ea typeface="+mn-ea"/>
+                          <a:cs typeface="+mn-cs"/>
                         </a:rPr>
                         <a:t>Desarrollador</a:t>
                       </a:r>
@@ -4480,9 +4996,13 @@
                         </a:spcAft>
                       </a:pPr>
                       <a:r>
-                        <a:rPr lang="es-AR" sz="1200">
-                          <a:latin typeface="Times New Roman"/>
-                          <a:ea typeface="Batang"/>
+                        <a:rPr lang="es-AR" sz="1200" kern="1200" dirty="0" smtClean="0">
+                          <a:solidFill>
+                            <a:schemeClr val="tx1"/>
+                          </a:solidFill>
+                          <a:latin typeface="+mn-lt"/>
+                          <a:ea typeface="+mn-ea"/>
+                          <a:cs typeface="+mn-cs"/>
                         </a:rPr>
                         <a:t>Tester</a:t>
                       </a:r>
@@ -4543,9 +5063,13 @@
                         </a:spcAft>
                       </a:pPr>
                       <a:r>
-                        <a:rPr lang="es-AR" sz="1200" dirty="0" smtClean="0">
-                          <a:latin typeface="Times New Roman"/>
-                          <a:ea typeface="Batang"/>
+                        <a:rPr lang="es-AR" sz="1200" kern="1200" dirty="0" smtClean="0">
+                          <a:solidFill>
+                            <a:schemeClr val="tx1"/>
+                          </a:solidFill>
+                          <a:latin typeface="+mn-lt"/>
+                          <a:ea typeface="+mn-ea"/>
+                          <a:cs typeface="+mn-cs"/>
                         </a:rPr>
                         <a:t>Pablo</a:t>
                       </a:r>
@@ -4557,9 +5081,13 @@
                         </a:spcAft>
                       </a:pPr>
                       <a:r>
-                        <a:rPr lang="es-AR" sz="1200" dirty="0" smtClean="0">
-                          <a:latin typeface="Times New Roman"/>
-                          <a:ea typeface="Batang"/>
+                        <a:rPr lang="es-AR" sz="1200" kern="1200" dirty="0" smtClean="0">
+                          <a:solidFill>
+                            <a:schemeClr val="tx1"/>
+                          </a:solidFill>
+                          <a:latin typeface="+mn-lt"/>
+                          <a:ea typeface="+mn-ea"/>
+                          <a:cs typeface="+mn-cs"/>
                         </a:rPr>
                         <a:t>Nicolás </a:t>
                       </a:r>
@@ -4571,16 +5099,16 @@
                         </a:spcAft>
                       </a:pPr>
                       <a:r>
-                        <a:rPr lang="es-AR" sz="1200" dirty="0" smtClean="0">
-                          <a:latin typeface="Times New Roman"/>
-                          <a:ea typeface="Batang"/>
+                        <a:rPr lang="es-AR" sz="1200" kern="1200" dirty="0" smtClean="0">
+                          <a:solidFill>
+                            <a:schemeClr val="tx1"/>
+                          </a:solidFill>
+                          <a:latin typeface="+mn-lt"/>
+                          <a:ea typeface="+mn-ea"/>
+                          <a:cs typeface="+mn-cs"/>
                         </a:rPr>
                         <a:t>Delfino </a:t>
                       </a:r>
-                      <a:endParaRPr lang="es-AR" sz="1200" dirty="0">
-                        <a:latin typeface="Times New Roman"/>
-                        <a:ea typeface="Batang"/>
-                      </a:endParaRPr>
                     </a:p>
                   </a:txBody>
                   <a:tcPr marL="57150" marR="57150" marT="0" marB="0" anchor="ctr" anchorCtr="1">
@@ -4632,13 +5160,78 @@
                           <a:spcPts val="0"/>
                         </a:spcAft>
                       </a:pPr>
-                      <a:r>
-                        <a:rPr lang="es-AR" sz="1200">
-                          <a:latin typeface="Times New Roman"/>
-                          <a:ea typeface="Batang"/>
-                        </a:rPr>
-                        <a:t>X</a:t>
-                      </a:r>
+                      <a:endParaRPr lang="es-AR" sz="1200" kern="1200" dirty="0" smtClean="0">
+                        <a:solidFill>
+                          <a:schemeClr val="tx1"/>
+                        </a:solidFill>
+                        <a:latin typeface="+mn-lt"/>
+                        <a:ea typeface="+mn-ea"/>
+                        <a:cs typeface="+mn-cs"/>
+                      </a:endParaRPr>
+                    </a:p>
+                  </a:txBody>
+                  <a:tcPr marL="57150" marR="57150" marT="0" marB="0" anchor="ctr" anchorCtr="1">
+                    <a:lnL w="12700" cap="flat" cmpd="sng" algn="ctr">
+                      <a:solidFill>
+                        <a:srgbClr val="000000"/>
+                      </a:solidFill>
+                      <a:prstDash val="solid"/>
+                      <a:round/>
+                      <a:headEnd type="none" w="med" len="med"/>
+                      <a:tailEnd type="none" w="med" len="med"/>
+                    </a:lnL>
+                    <a:lnR w="12700" cap="flat" cmpd="sng" algn="ctr">
+                      <a:solidFill>
+                        <a:srgbClr val="000000"/>
+                      </a:solidFill>
+                      <a:prstDash val="solid"/>
+                      <a:round/>
+                      <a:headEnd type="none" w="med" len="med"/>
+                      <a:tailEnd type="none" w="med" len="med"/>
+                    </a:lnR>
+                    <a:lnT w="12700" cap="flat" cmpd="sng" algn="ctr">
+                      <a:solidFill>
+                        <a:srgbClr val="000000"/>
+                      </a:solidFill>
+                      <a:prstDash val="solid"/>
+                      <a:round/>
+                      <a:headEnd type="none" w="med" len="med"/>
+                      <a:tailEnd type="none" w="med" len="med"/>
+                    </a:lnT>
+                    <a:lnB w="12700" cap="flat" cmpd="sng" algn="ctr">
+                      <a:solidFill>
+                        <a:srgbClr val="000000"/>
+                      </a:solidFill>
+                      <a:prstDash val="solid"/>
+                      <a:round/>
+                      <a:headEnd type="none" w="med" len="med"/>
+                      <a:tailEnd type="none" w="med" len="med"/>
+                    </a:lnB>
+                    <a:solidFill>
+                      <a:schemeClr val="accent1">
+                        <a:lumMod val="75000"/>
+                      </a:schemeClr>
+                    </a:solidFill>
+                  </a:tcPr>
+                </a:tc>
+                <a:tc>
+                  <a:txBody>
+                    <a:bodyPr/>
+                    <a:lstStyle/>
+                    <a:p>
+                      <a:pPr algn="ctr">
+                        <a:spcAft>
+                          <a:spcPts val="0"/>
+                        </a:spcAft>
+                      </a:pPr>
+                      <a:endParaRPr lang="es-AR" sz="1200" kern="1200" dirty="0" smtClean="0">
+                        <a:solidFill>
+                          <a:schemeClr val="tx1"/>
+                        </a:solidFill>
+                        <a:latin typeface="+mn-lt"/>
+                        <a:ea typeface="+mn-ea"/>
+                        <a:cs typeface="+mn-cs"/>
+                      </a:endParaRPr>
                     </a:p>
                   </a:txBody>
                   <a:tcPr marL="57150" marR="57150" marT="0" marB="0" anchor="ctr" anchorCtr="1">
@@ -4690,9 +5283,13 @@
                           <a:spcPts val="0"/>
                         </a:spcAft>
                       </a:pPr>
-                      <a:endParaRPr lang="es-AR" sz="1200" dirty="0">
-                        <a:latin typeface="Times New Roman"/>
-                        <a:ea typeface="Batang"/>
+                      <a:endParaRPr lang="es-AR" sz="1200" kern="1200" dirty="0" smtClean="0">
+                        <a:solidFill>
+                          <a:schemeClr val="tx1"/>
+                        </a:solidFill>
+                        <a:latin typeface="+mn-lt"/>
+                        <a:ea typeface="+mn-ea"/>
+                        <a:cs typeface="+mn-cs"/>
                       </a:endParaRPr>
                     </a:p>
                   </a:txBody>
@@ -4745,9 +5342,13 @@
                           <a:spcPts val="0"/>
                         </a:spcAft>
                       </a:pPr>
-                      <a:endParaRPr lang="es-AR" sz="1200">
-                        <a:latin typeface="Times New Roman"/>
-                        <a:ea typeface="Batang"/>
+                      <a:endParaRPr lang="es-AR" sz="1200" kern="1200" dirty="0" smtClean="0">
+                        <a:solidFill>
+                          <a:schemeClr val="tx1"/>
+                        </a:solidFill>
+                        <a:latin typeface="+mn-lt"/>
+                        <a:ea typeface="+mn-ea"/>
+                        <a:cs typeface="+mn-cs"/>
                       </a:endParaRPr>
                     </a:p>
                   </a:txBody>
@@ -4800,9 +5401,13 @@
                           <a:spcPts val="0"/>
                         </a:spcAft>
                       </a:pPr>
-                      <a:endParaRPr lang="es-AR" sz="1200">
-                        <a:latin typeface="Times New Roman"/>
-                        <a:ea typeface="Batang"/>
+                      <a:endParaRPr lang="es-AR" sz="1200" kern="1200" dirty="0" smtClean="0">
+                        <a:solidFill>
+                          <a:schemeClr val="tx1"/>
+                        </a:solidFill>
+                        <a:latin typeface="+mn-lt"/>
+                        <a:ea typeface="+mn-ea"/>
+                        <a:cs typeface="+mn-cs"/>
                       </a:endParaRPr>
                     </a:p>
                   </a:txBody>
@@ -4855,9 +5460,13 @@
                           <a:spcPts val="0"/>
                         </a:spcAft>
                       </a:pPr>
-                      <a:endParaRPr lang="es-AR" sz="1200" dirty="0">
-                        <a:latin typeface="Times New Roman"/>
-                        <a:ea typeface="Batang"/>
+                      <a:endParaRPr lang="es-AR" sz="1200" kern="1200" dirty="0" smtClean="0">
+                        <a:solidFill>
+                          <a:schemeClr val="tx1"/>
+                        </a:solidFill>
+                        <a:latin typeface="+mn-lt"/>
+                        <a:ea typeface="+mn-ea"/>
+                        <a:cs typeface="+mn-cs"/>
                       </a:endParaRPr>
                     </a:p>
                   </a:txBody>
@@ -4898,6 +5507,11 @@
                       <a:headEnd type="none" w="med" len="med"/>
                       <a:tailEnd type="none" w="med" len="med"/>
                     </a:lnB>
+                    <a:solidFill>
+                      <a:schemeClr val="accent1">
+                        <a:lumMod val="75000"/>
+                      </a:schemeClr>
+                    </a:solidFill>
                   </a:tcPr>
                 </a:tc>
                 <a:tc>
@@ -4910,13 +5524,14 @@
                           <a:spcPts val="0"/>
                         </a:spcAft>
                       </a:pPr>
-                      <a:r>
-                        <a:rPr lang="es-AR" sz="1200" dirty="0">
-                          <a:latin typeface="Times New Roman"/>
-                          <a:ea typeface="Batang"/>
-                        </a:rPr>
-                        <a:t>X</a:t>
-                      </a:r>
+                      <a:endParaRPr lang="es-AR" sz="1200" kern="1200" dirty="0" smtClean="0">
+                        <a:solidFill>
+                          <a:schemeClr val="tx1"/>
+                        </a:solidFill>
+                        <a:latin typeface="+mn-lt"/>
+                        <a:ea typeface="+mn-ea"/>
+                        <a:cs typeface="+mn-cs"/>
+                      </a:endParaRPr>
                     </a:p>
                   </a:txBody>
                   <a:tcPr marL="57150" marR="57150" marT="0" marB="0" anchor="ctr" anchorCtr="1">
@@ -4956,6 +5571,11 @@
                       <a:headEnd type="none" w="med" len="med"/>
                       <a:tailEnd type="none" w="med" len="med"/>
                     </a:lnB>
+                    <a:solidFill>
+                      <a:schemeClr val="accent1">
+                        <a:lumMod val="75000"/>
+                      </a:schemeClr>
+                    </a:solidFill>
                   </a:tcPr>
                 </a:tc>
                 <a:tc>
@@ -4968,13 +5588,14 @@
                           <a:spcPts val="0"/>
                         </a:spcAft>
                       </a:pPr>
-                      <a:r>
-                        <a:rPr lang="es-AR" sz="1200">
-                          <a:latin typeface="Times New Roman"/>
-                          <a:ea typeface="Batang"/>
-                        </a:rPr>
-                        <a:t>X</a:t>
-                      </a:r>
+                      <a:endParaRPr lang="es-AR" sz="1200" kern="1200" dirty="0" smtClean="0">
+                        <a:solidFill>
+                          <a:schemeClr val="tx1"/>
+                        </a:solidFill>
+                        <a:latin typeface="+mn-lt"/>
+                        <a:ea typeface="+mn-ea"/>
+                        <a:cs typeface="+mn-cs"/>
+                      </a:endParaRPr>
                     </a:p>
                   </a:txBody>
                   <a:tcPr marL="57150" marR="57150" marT="0" marB="0" anchor="ctr" anchorCtr="1">
@@ -5014,64 +5635,11 @@
                       <a:headEnd type="none" w="med" len="med"/>
                       <a:tailEnd type="none" w="med" len="med"/>
                     </a:lnB>
-                  </a:tcPr>
-                </a:tc>
-                <a:tc>
-                  <a:txBody>
-                    <a:bodyPr/>
-                    <a:lstStyle/>
-                    <a:p>
-                      <a:pPr algn="ctr">
-                        <a:spcAft>
-                          <a:spcPts val="0"/>
-                        </a:spcAft>
-                      </a:pPr>
-                      <a:r>
-                        <a:rPr lang="es-AR" sz="1200">
-                          <a:latin typeface="Times New Roman"/>
-                          <a:ea typeface="Batang"/>
-                        </a:rPr>
-                        <a:t>X</a:t>
-                      </a:r>
-                    </a:p>
-                  </a:txBody>
-                  <a:tcPr marL="57150" marR="57150" marT="0" marB="0" anchor="ctr" anchorCtr="1">
-                    <a:lnL w="12700" cap="flat" cmpd="sng" algn="ctr">
-                      <a:solidFill>
-                        <a:srgbClr val="000000"/>
-                      </a:solidFill>
-                      <a:prstDash val="solid"/>
-                      <a:round/>
-                      <a:headEnd type="none" w="med" len="med"/>
-                      <a:tailEnd type="none" w="med" len="med"/>
-                    </a:lnL>
-                    <a:lnR w="12700" cap="flat" cmpd="sng" algn="ctr">
-                      <a:solidFill>
-                        <a:srgbClr val="000000"/>
-                      </a:solidFill>
-                      <a:prstDash val="solid"/>
-                      <a:round/>
-                      <a:headEnd type="none" w="med" len="med"/>
-                      <a:tailEnd type="none" w="med" len="med"/>
-                    </a:lnR>
-                    <a:lnT w="12700" cap="flat" cmpd="sng" algn="ctr">
-                      <a:solidFill>
-                        <a:srgbClr val="000000"/>
-                      </a:solidFill>
-                      <a:prstDash val="solid"/>
-                      <a:round/>
-                      <a:headEnd type="none" w="med" len="med"/>
-                      <a:tailEnd type="none" w="med" len="med"/>
-                    </a:lnT>
-                    <a:lnB w="12700" cap="flat" cmpd="sng" algn="ctr">
-                      <a:solidFill>
-                        <a:srgbClr val="000000"/>
-                      </a:solidFill>
-                      <a:prstDash val="solid"/>
-                      <a:round/>
-                      <a:headEnd type="none" w="med" len="med"/>
-                      <a:tailEnd type="none" w="med" len="med"/>
-                    </a:lnB>
+                    <a:solidFill>
+                      <a:schemeClr val="accent1">
+                        <a:lumMod val="75000"/>
+                      </a:schemeClr>
+                    </a:solidFill>
                   </a:tcPr>
                 </a:tc>
               </a:tr>
@@ -5087,16 +5655,16 @@
                         </a:spcAft>
                       </a:pPr>
                       <a:r>
-                        <a:rPr lang="es-AR" sz="1200" dirty="0">
-                          <a:latin typeface="Times New Roman"/>
-                          <a:ea typeface="Batang"/>
+                        <a:rPr lang="es-AR" sz="1200" kern="1200" dirty="0" smtClean="0">
+                          <a:solidFill>
+                            <a:schemeClr val="tx1"/>
+                          </a:solidFill>
+                          <a:latin typeface="+mn-lt"/>
+                          <a:ea typeface="+mn-ea"/>
+                          <a:cs typeface="+mn-cs"/>
                         </a:rPr>
                         <a:t>Pedro </a:t>
                       </a:r>
-                      <a:endParaRPr lang="es-AR" sz="1200" dirty="0" smtClean="0">
-                        <a:latin typeface="Times New Roman"/>
-                        <a:ea typeface="Batang"/>
-                      </a:endParaRPr>
                     </a:p>
                     <a:p>
                       <a:pPr algn="just">
@@ -5105,9 +5673,13 @@
                         </a:spcAft>
                       </a:pPr>
                       <a:r>
-                        <a:rPr lang="es-AR" sz="1200" dirty="0" smtClean="0">
-                          <a:latin typeface="Times New Roman"/>
-                          <a:ea typeface="Batang"/>
+                        <a:rPr lang="es-AR" sz="1200" kern="1200" dirty="0" smtClean="0">
+                          <a:solidFill>
+                            <a:schemeClr val="tx1"/>
+                          </a:solidFill>
+                          <a:latin typeface="+mn-lt"/>
+                          <a:ea typeface="+mn-ea"/>
+                          <a:cs typeface="+mn-cs"/>
                         </a:rPr>
                         <a:t>Honorio </a:t>
                       </a:r>
@@ -5119,16 +5691,16 @@
                         </a:spcAft>
                       </a:pPr>
                       <a:r>
-                        <a:rPr lang="es-AR" sz="1200" dirty="0" smtClean="0">
-                          <a:latin typeface="Times New Roman"/>
-                          <a:ea typeface="Batang"/>
+                        <a:rPr lang="es-AR" sz="1200" kern="1200" dirty="0" smtClean="0">
+                          <a:solidFill>
+                            <a:schemeClr val="tx1"/>
+                          </a:solidFill>
+                          <a:latin typeface="+mn-lt"/>
+                          <a:ea typeface="+mn-ea"/>
+                          <a:cs typeface="+mn-cs"/>
                         </a:rPr>
                         <a:t>Molina</a:t>
                       </a:r>
-                      <a:endParaRPr lang="es-AR" sz="1200" dirty="0">
-                        <a:latin typeface="Times New Roman"/>
-                        <a:ea typeface="Batang"/>
-                      </a:endParaRPr>
                     </a:p>
                   </a:txBody>
                   <a:tcPr marL="57150" marR="57150" marT="0" marB="0" anchor="ctr" anchorCtr="1">
@@ -5180,9 +5752,13 @@
                           <a:spcPts val="0"/>
                         </a:spcAft>
                       </a:pPr>
-                      <a:endParaRPr lang="es-AR" sz="1200">
-                        <a:latin typeface="Times New Roman"/>
-                        <a:ea typeface="Batang"/>
+                      <a:endParaRPr lang="es-AR" sz="1200" kern="1200" dirty="0" smtClean="0">
+                        <a:solidFill>
+                          <a:schemeClr val="tx1"/>
+                        </a:solidFill>
+                        <a:latin typeface="+mn-lt"/>
+                        <a:ea typeface="+mn-ea"/>
+                        <a:cs typeface="+mn-cs"/>
                       </a:endParaRPr>
                     </a:p>
                   </a:txBody>
@@ -5235,13 +5811,78 @@
                           <a:spcPts val="0"/>
                         </a:spcAft>
                       </a:pPr>
-                      <a:r>
-                        <a:rPr lang="es-AR" sz="1200">
-                          <a:latin typeface="Times New Roman"/>
-                          <a:ea typeface="Batang"/>
-                        </a:rPr>
-                        <a:t>X</a:t>
-                      </a:r>
+                      <a:endParaRPr lang="es-AR" sz="1200" kern="1200" dirty="0" smtClean="0">
+                        <a:solidFill>
+                          <a:schemeClr val="tx1"/>
+                        </a:solidFill>
+                        <a:latin typeface="+mn-lt"/>
+                        <a:ea typeface="+mn-ea"/>
+                        <a:cs typeface="+mn-cs"/>
+                      </a:endParaRPr>
+                    </a:p>
+                  </a:txBody>
+                  <a:tcPr marL="57150" marR="57150" marT="0" marB="0" anchor="ctr" anchorCtr="1">
+                    <a:lnL w="12700" cap="flat" cmpd="sng" algn="ctr">
+                      <a:solidFill>
+                        <a:srgbClr val="000000"/>
+                      </a:solidFill>
+                      <a:prstDash val="solid"/>
+                      <a:round/>
+                      <a:headEnd type="none" w="med" len="med"/>
+                      <a:tailEnd type="none" w="med" len="med"/>
+                    </a:lnL>
+                    <a:lnR w="12700" cap="flat" cmpd="sng" algn="ctr">
+                      <a:solidFill>
+                        <a:srgbClr val="000000"/>
+                      </a:solidFill>
+                      <a:prstDash val="solid"/>
+                      <a:round/>
+                      <a:headEnd type="none" w="med" len="med"/>
+                      <a:tailEnd type="none" w="med" len="med"/>
+                    </a:lnR>
+                    <a:lnT w="12700" cap="flat" cmpd="sng" algn="ctr">
+                      <a:solidFill>
+                        <a:srgbClr val="000000"/>
+                      </a:solidFill>
+                      <a:prstDash val="solid"/>
+                      <a:round/>
+                      <a:headEnd type="none" w="med" len="med"/>
+                      <a:tailEnd type="none" w="med" len="med"/>
+                    </a:lnT>
+                    <a:lnB w="12700" cap="flat" cmpd="sng" algn="ctr">
+                      <a:solidFill>
+                        <a:srgbClr val="000000"/>
+                      </a:solidFill>
+                      <a:prstDash val="solid"/>
+                      <a:round/>
+                      <a:headEnd type="none" w="med" len="med"/>
+                      <a:tailEnd type="none" w="med" len="med"/>
+                    </a:lnB>
+                    <a:solidFill>
+                      <a:schemeClr val="accent1">
+                        <a:lumMod val="75000"/>
+                      </a:schemeClr>
+                    </a:solidFill>
+                  </a:tcPr>
+                </a:tc>
+                <a:tc>
+                  <a:txBody>
+                    <a:bodyPr/>
+                    <a:lstStyle/>
+                    <a:p>
+                      <a:pPr algn="ctr">
+                        <a:spcAft>
+                          <a:spcPts val="0"/>
+                        </a:spcAft>
+                      </a:pPr>
+                      <a:endParaRPr lang="es-AR" sz="1200" kern="1200" dirty="0" smtClean="0">
+                        <a:solidFill>
+                          <a:schemeClr val="tx1"/>
+                        </a:solidFill>
+                        <a:latin typeface="+mn-lt"/>
+                        <a:ea typeface="+mn-ea"/>
+                        <a:cs typeface="+mn-cs"/>
+                      </a:endParaRPr>
                     </a:p>
                   </a:txBody>
                   <a:tcPr marL="57150" marR="57150" marT="0" marB="0" anchor="ctr" anchorCtr="1">
@@ -5293,9 +5934,13 @@
                           <a:spcPts val="0"/>
                         </a:spcAft>
                       </a:pPr>
-                      <a:endParaRPr lang="es-AR" sz="1200" dirty="0">
-                        <a:latin typeface="Times New Roman"/>
-                        <a:ea typeface="Batang"/>
+                      <a:endParaRPr lang="es-AR" sz="1200" kern="1200" dirty="0" smtClean="0">
+                        <a:solidFill>
+                          <a:schemeClr val="tx1"/>
+                        </a:solidFill>
+                        <a:latin typeface="+mn-lt"/>
+                        <a:ea typeface="+mn-ea"/>
+                        <a:cs typeface="+mn-cs"/>
                       </a:endParaRPr>
                     </a:p>
                   </a:txBody>
@@ -5348,9 +5993,13 @@
                           <a:spcPts val="0"/>
                         </a:spcAft>
                       </a:pPr>
-                      <a:endParaRPr lang="es-AR" sz="1200">
-                        <a:latin typeface="Times New Roman"/>
-                        <a:ea typeface="Batang"/>
+                      <a:endParaRPr lang="es-AR" sz="1200" kern="1200" dirty="0" smtClean="0">
+                        <a:solidFill>
+                          <a:schemeClr val="tx1"/>
+                        </a:solidFill>
+                        <a:latin typeface="+mn-lt"/>
+                        <a:ea typeface="+mn-ea"/>
+                        <a:cs typeface="+mn-cs"/>
                       </a:endParaRPr>
                     </a:p>
                   </a:txBody>
@@ -5403,9 +6052,13 @@
                           <a:spcPts val="0"/>
                         </a:spcAft>
                       </a:pPr>
-                      <a:endParaRPr lang="es-AR" sz="1200">
-                        <a:latin typeface="Times New Roman"/>
-                        <a:ea typeface="Batang"/>
+                      <a:endParaRPr lang="es-AR" sz="1200" kern="1200" dirty="0" smtClean="0">
+                        <a:solidFill>
+                          <a:schemeClr val="tx1"/>
+                        </a:solidFill>
+                        <a:latin typeface="+mn-lt"/>
+                        <a:ea typeface="+mn-ea"/>
+                        <a:cs typeface="+mn-cs"/>
                       </a:endParaRPr>
                     </a:p>
                   </a:txBody>
@@ -5446,6 +6099,11 @@
                       <a:headEnd type="none" w="med" len="med"/>
                       <a:tailEnd type="none" w="med" len="med"/>
                     </a:lnB>
+                    <a:solidFill>
+                      <a:schemeClr val="accent1">
+                        <a:lumMod val="75000"/>
+                      </a:schemeClr>
+                    </a:solidFill>
                   </a:tcPr>
                 </a:tc>
                 <a:tc>
@@ -5458,13 +6116,14 @@
                           <a:spcPts val="0"/>
                         </a:spcAft>
                       </a:pPr>
-                      <a:r>
-                        <a:rPr lang="es-AR" sz="1200">
-                          <a:latin typeface="Times New Roman"/>
-                          <a:ea typeface="Batang"/>
-                        </a:rPr>
-                        <a:t>X</a:t>
-                      </a:r>
+                      <a:endParaRPr lang="es-AR" sz="1200" kern="1200" dirty="0" smtClean="0">
+                        <a:solidFill>
+                          <a:schemeClr val="tx1"/>
+                        </a:solidFill>
+                        <a:latin typeface="+mn-lt"/>
+                        <a:ea typeface="+mn-ea"/>
+                        <a:cs typeface="+mn-cs"/>
+                      </a:endParaRPr>
                     </a:p>
                   </a:txBody>
                   <a:tcPr marL="57150" marR="57150" marT="0" marB="0" anchor="ctr" anchorCtr="1">
@@ -5504,6 +6163,11 @@
                       <a:headEnd type="none" w="med" len="med"/>
                       <a:tailEnd type="none" w="med" len="med"/>
                     </a:lnB>
+                    <a:solidFill>
+                      <a:schemeClr val="accent1">
+                        <a:lumMod val="75000"/>
+                      </a:schemeClr>
+                    </a:solidFill>
                   </a:tcPr>
                 </a:tc>
                 <a:tc>
@@ -5516,13 +6180,14 @@
                           <a:spcPts val="0"/>
                         </a:spcAft>
                       </a:pPr>
-                      <a:r>
-                        <a:rPr lang="es-AR" sz="1200" dirty="0">
-                          <a:latin typeface="Times New Roman"/>
-                          <a:ea typeface="Batang"/>
-                        </a:rPr>
-                        <a:t>X</a:t>
-                      </a:r>
+                      <a:endParaRPr lang="es-AR" sz="1200" kern="1200" dirty="0" smtClean="0">
+                        <a:solidFill>
+                          <a:schemeClr val="tx1"/>
+                        </a:solidFill>
+                        <a:latin typeface="+mn-lt"/>
+                        <a:ea typeface="+mn-ea"/>
+                        <a:cs typeface="+mn-cs"/>
+                      </a:endParaRPr>
                     </a:p>
                   </a:txBody>
                   <a:tcPr marL="57150" marR="57150" marT="0" marB="0" anchor="ctr" anchorCtr="1">
@@ -5562,64 +6227,11 @@
                       <a:headEnd type="none" w="med" len="med"/>
                       <a:tailEnd type="none" w="med" len="med"/>
                     </a:lnB>
-                  </a:tcPr>
-                </a:tc>
-                <a:tc>
-                  <a:txBody>
-                    <a:bodyPr/>
-                    <a:lstStyle/>
-                    <a:p>
-                      <a:pPr algn="ctr">
-                        <a:spcAft>
-                          <a:spcPts val="0"/>
-                        </a:spcAft>
-                      </a:pPr>
-                      <a:r>
-                        <a:rPr lang="es-AR" sz="1200">
-                          <a:latin typeface="Times New Roman"/>
-                          <a:ea typeface="Batang"/>
-                        </a:rPr>
-                        <a:t>X</a:t>
-                      </a:r>
-                    </a:p>
-                  </a:txBody>
-                  <a:tcPr marL="57150" marR="57150" marT="0" marB="0" anchor="ctr" anchorCtr="1">
-                    <a:lnL w="12700" cap="flat" cmpd="sng" algn="ctr">
-                      <a:solidFill>
-                        <a:srgbClr val="000000"/>
-                      </a:solidFill>
-                      <a:prstDash val="solid"/>
-                      <a:round/>
-                      <a:headEnd type="none" w="med" len="med"/>
-                      <a:tailEnd type="none" w="med" len="med"/>
-                    </a:lnL>
-                    <a:lnR w="12700" cap="flat" cmpd="sng" algn="ctr">
-                      <a:solidFill>
-                        <a:srgbClr val="000000"/>
-                      </a:solidFill>
-                      <a:prstDash val="solid"/>
-                      <a:round/>
-                      <a:headEnd type="none" w="med" len="med"/>
-                      <a:tailEnd type="none" w="med" len="med"/>
-                    </a:lnR>
-                    <a:lnT w="12700" cap="flat" cmpd="sng" algn="ctr">
-                      <a:solidFill>
-                        <a:srgbClr val="000000"/>
-                      </a:solidFill>
-                      <a:prstDash val="solid"/>
-                      <a:round/>
-                      <a:headEnd type="none" w="med" len="med"/>
-                      <a:tailEnd type="none" w="med" len="med"/>
-                    </a:lnT>
-                    <a:lnB w="12700" cap="flat" cmpd="sng" algn="ctr">
-                      <a:solidFill>
-                        <a:srgbClr val="000000"/>
-                      </a:solidFill>
-                      <a:prstDash val="solid"/>
-                      <a:round/>
-                      <a:headEnd type="none" w="med" len="med"/>
-                      <a:tailEnd type="none" w="med" len="med"/>
-                    </a:lnB>
+                    <a:solidFill>
+                      <a:schemeClr val="accent1">
+                        <a:lumMod val="75000"/>
+                      </a:schemeClr>
+                    </a:solidFill>
                   </a:tcPr>
                 </a:tc>
               </a:tr>
@@ -5635,16 +6247,16 @@
                         </a:spcAft>
                       </a:pPr>
                       <a:r>
-                        <a:rPr lang="es-AR" sz="1200" dirty="0">
-                          <a:latin typeface="Times New Roman"/>
-                          <a:ea typeface="Batang"/>
+                        <a:rPr lang="es-AR" sz="1200" kern="1200" dirty="0" smtClean="0">
+                          <a:solidFill>
+                            <a:schemeClr val="tx1"/>
+                          </a:solidFill>
+                          <a:latin typeface="+mn-lt"/>
+                          <a:ea typeface="+mn-ea"/>
+                          <a:cs typeface="+mn-cs"/>
                         </a:rPr>
                         <a:t>Claudio </a:t>
                       </a:r>
-                      <a:endParaRPr lang="es-AR" sz="1200" dirty="0" smtClean="0">
-                        <a:latin typeface="Times New Roman"/>
-                        <a:ea typeface="Batang"/>
-                      </a:endParaRPr>
                     </a:p>
                     <a:p>
                       <a:pPr algn="just">
@@ -5653,16 +6265,24 @@
                         </a:spcAft>
                       </a:pPr>
                       <a:r>
-                        <a:rPr lang="es-AR" sz="1200" dirty="0" err="1" smtClean="0">
-                          <a:latin typeface="Times New Roman"/>
-                          <a:ea typeface="Batang"/>
+                        <a:rPr lang="es-AR" sz="1200" kern="1200" dirty="0" err="1" smtClean="0">
+                          <a:solidFill>
+                            <a:schemeClr val="tx1"/>
+                          </a:solidFill>
+                          <a:latin typeface="+mn-lt"/>
+                          <a:ea typeface="+mn-ea"/>
+                          <a:cs typeface="+mn-cs"/>
                         </a:rPr>
                         <a:t>Lodeiro</a:t>
                       </a:r>
                       <a:r>
-                        <a:rPr lang="es-AR" sz="1200" dirty="0" smtClean="0">
-                          <a:latin typeface="Times New Roman"/>
-                          <a:ea typeface="Batang"/>
+                        <a:rPr lang="es-AR" sz="1200" kern="1200" dirty="0" smtClean="0">
+                          <a:solidFill>
+                            <a:schemeClr val="tx1"/>
+                          </a:solidFill>
+                          <a:latin typeface="+mn-lt"/>
+                          <a:ea typeface="+mn-ea"/>
+                          <a:cs typeface="+mn-cs"/>
                         </a:rPr>
                         <a:t> </a:t>
                       </a:r>
@@ -5674,16 +6294,16 @@
                         </a:spcAft>
                       </a:pPr>
                       <a:r>
-                        <a:rPr lang="es-AR" sz="1200" dirty="0" smtClean="0">
-                          <a:latin typeface="Times New Roman"/>
-                          <a:ea typeface="Batang"/>
+                        <a:rPr lang="es-AR" sz="1200" kern="1200" dirty="0" smtClean="0">
+                          <a:solidFill>
+                            <a:schemeClr val="tx1"/>
+                          </a:solidFill>
+                          <a:latin typeface="+mn-lt"/>
+                          <a:ea typeface="+mn-ea"/>
+                          <a:cs typeface="+mn-cs"/>
                         </a:rPr>
                         <a:t>Castro</a:t>
                       </a:r>
-                      <a:endParaRPr lang="es-AR" sz="1200" dirty="0">
-                        <a:latin typeface="Times New Roman"/>
-                        <a:ea typeface="Batang"/>
-                      </a:endParaRPr>
                     </a:p>
                   </a:txBody>
                   <a:tcPr marL="57150" marR="57150" marT="0" marB="0" anchor="ctr" anchorCtr="1">
@@ -5735,9 +6355,13 @@
                           <a:spcPts val="0"/>
                         </a:spcAft>
                       </a:pPr>
-                      <a:endParaRPr lang="es-AR" sz="1200">
-                        <a:latin typeface="Times New Roman"/>
-                        <a:ea typeface="Batang"/>
+                      <a:endParaRPr lang="es-AR" sz="1200" kern="1200" dirty="0" smtClean="0">
+                        <a:solidFill>
+                          <a:schemeClr val="tx1"/>
+                        </a:solidFill>
+                        <a:latin typeface="+mn-lt"/>
+                        <a:ea typeface="+mn-ea"/>
+                        <a:cs typeface="+mn-cs"/>
                       </a:endParaRPr>
                     </a:p>
                   </a:txBody>
@@ -5790,9 +6414,13 @@
                           <a:spcPts val="0"/>
                         </a:spcAft>
                       </a:pPr>
-                      <a:endParaRPr lang="es-AR" sz="1200">
-                        <a:latin typeface="Times New Roman"/>
-                        <a:ea typeface="Batang"/>
+                      <a:endParaRPr lang="es-AR" sz="1200" kern="1200" dirty="0" smtClean="0">
+                        <a:solidFill>
+                          <a:schemeClr val="tx1"/>
+                        </a:solidFill>
+                        <a:latin typeface="+mn-lt"/>
+                        <a:ea typeface="+mn-ea"/>
+                        <a:cs typeface="+mn-cs"/>
                       </a:endParaRPr>
                     </a:p>
                   </a:txBody>
@@ -5845,13 +6473,78 @@
                           <a:spcPts val="0"/>
                         </a:spcAft>
                       </a:pPr>
-                      <a:r>
-                        <a:rPr lang="es-AR" sz="1200">
-                          <a:latin typeface="Times New Roman"/>
-                          <a:ea typeface="Batang"/>
-                        </a:rPr>
-                        <a:t>X</a:t>
-                      </a:r>
+                      <a:endParaRPr lang="es-AR" sz="1200" kern="1200" dirty="0" smtClean="0">
+                        <a:solidFill>
+                          <a:schemeClr val="tx1"/>
+                        </a:solidFill>
+                        <a:latin typeface="+mn-lt"/>
+                        <a:ea typeface="+mn-ea"/>
+                        <a:cs typeface="+mn-cs"/>
+                      </a:endParaRPr>
+                    </a:p>
+                  </a:txBody>
+                  <a:tcPr marL="57150" marR="57150" marT="0" marB="0" anchor="ctr" anchorCtr="1">
+                    <a:lnL w="12700" cap="flat" cmpd="sng" algn="ctr">
+                      <a:solidFill>
+                        <a:srgbClr val="000000"/>
+                      </a:solidFill>
+                      <a:prstDash val="solid"/>
+                      <a:round/>
+                      <a:headEnd type="none" w="med" len="med"/>
+                      <a:tailEnd type="none" w="med" len="med"/>
+                    </a:lnL>
+                    <a:lnR w="12700" cap="flat" cmpd="sng" algn="ctr">
+                      <a:solidFill>
+                        <a:srgbClr val="000000"/>
+                      </a:solidFill>
+                      <a:prstDash val="solid"/>
+                      <a:round/>
+                      <a:headEnd type="none" w="med" len="med"/>
+                      <a:tailEnd type="none" w="med" len="med"/>
+                    </a:lnR>
+                    <a:lnT w="12700" cap="flat" cmpd="sng" algn="ctr">
+                      <a:solidFill>
+                        <a:srgbClr val="000000"/>
+                      </a:solidFill>
+                      <a:prstDash val="solid"/>
+                      <a:round/>
+                      <a:headEnd type="none" w="med" len="med"/>
+                      <a:tailEnd type="none" w="med" len="med"/>
+                    </a:lnT>
+                    <a:lnB w="12700" cap="flat" cmpd="sng" algn="ctr">
+                      <a:solidFill>
+                        <a:srgbClr val="000000"/>
+                      </a:solidFill>
+                      <a:prstDash val="solid"/>
+                      <a:round/>
+                      <a:headEnd type="none" w="med" len="med"/>
+                      <a:tailEnd type="none" w="med" len="med"/>
+                    </a:lnB>
+                    <a:solidFill>
+                      <a:schemeClr val="accent1">
+                        <a:lumMod val="75000"/>
+                      </a:schemeClr>
+                    </a:solidFill>
+                  </a:tcPr>
+                </a:tc>
+                <a:tc>
+                  <a:txBody>
+                    <a:bodyPr/>
+                    <a:lstStyle/>
+                    <a:p>
+                      <a:pPr algn="ctr">
+                        <a:spcAft>
+                          <a:spcPts val="0"/>
+                        </a:spcAft>
+                      </a:pPr>
+                      <a:endParaRPr lang="es-AR" sz="1200" kern="1200" dirty="0" smtClean="0">
+                        <a:solidFill>
+                          <a:schemeClr val="tx1"/>
+                        </a:solidFill>
+                        <a:latin typeface="+mn-lt"/>
+                        <a:ea typeface="+mn-ea"/>
+                        <a:cs typeface="+mn-cs"/>
+                      </a:endParaRPr>
                     </a:p>
                   </a:txBody>
                   <a:tcPr marL="57150" marR="57150" marT="0" marB="0" anchor="ctr" anchorCtr="1">
@@ -5903,9 +6596,141 @@
                           <a:spcPts val="0"/>
                         </a:spcAft>
                       </a:pPr>
-                      <a:endParaRPr lang="es-AR" sz="1200" dirty="0">
-                        <a:latin typeface="Times New Roman"/>
-                        <a:ea typeface="Batang"/>
+                      <a:endParaRPr lang="es-AR" sz="1200" kern="1200" dirty="0" smtClean="0">
+                        <a:solidFill>
+                          <a:schemeClr val="tx1"/>
+                        </a:solidFill>
+                        <a:latin typeface="+mn-lt"/>
+                        <a:ea typeface="+mn-ea"/>
+                        <a:cs typeface="+mn-cs"/>
+                      </a:endParaRPr>
+                    </a:p>
+                  </a:txBody>
+                  <a:tcPr marL="57150" marR="57150" marT="0" marB="0" anchor="ctr" anchorCtr="1">
+                    <a:lnL w="12700" cap="flat" cmpd="sng" algn="ctr">
+                      <a:solidFill>
+                        <a:srgbClr val="000000"/>
+                      </a:solidFill>
+                      <a:prstDash val="solid"/>
+                      <a:round/>
+                      <a:headEnd type="none" w="med" len="med"/>
+                      <a:tailEnd type="none" w="med" len="med"/>
+                    </a:lnL>
+                    <a:lnR w="12700" cap="flat" cmpd="sng" algn="ctr">
+                      <a:solidFill>
+                        <a:srgbClr val="000000"/>
+                      </a:solidFill>
+                      <a:prstDash val="solid"/>
+                      <a:round/>
+                      <a:headEnd type="none" w="med" len="med"/>
+                      <a:tailEnd type="none" w="med" len="med"/>
+                    </a:lnR>
+                    <a:lnT w="12700" cap="flat" cmpd="sng" algn="ctr">
+                      <a:solidFill>
+                        <a:srgbClr val="000000"/>
+                      </a:solidFill>
+                      <a:prstDash val="solid"/>
+                      <a:round/>
+                      <a:headEnd type="none" w="med" len="med"/>
+                      <a:tailEnd type="none" w="med" len="med"/>
+                    </a:lnT>
+                    <a:lnB w="12700" cap="flat" cmpd="sng" algn="ctr">
+                      <a:solidFill>
+                        <a:srgbClr val="000000"/>
+                      </a:solidFill>
+                      <a:prstDash val="solid"/>
+                      <a:round/>
+                      <a:headEnd type="none" w="med" len="med"/>
+                      <a:tailEnd type="none" w="med" len="med"/>
+                    </a:lnB>
+                    <a:solidFill>
+                      <a:schemeClr val="accent1">
+                        <a:lumMod val="75000"/>
+                      </a:schemeClr>
+                    </a:solidFill>
+                  </a:tcPr>
+                </a:tc>
+                <a:tc>
+                  <a:txBody>
+                    <a:bodyPr/>
+                    <a:lstStyle/>
+                    <a:p>
+                      <a:pPr algn="ctr">
+                        <a:spcAft>
+                          <a:spcPts val="0"/>
+                        </a:spcAft>
+                      </a:pPr>
+                      <a:endParaRPr lang="es-AR" sz="1200" kern="1200" dirty="0" smtClean="0">
+                        <a:solidFill>
+                          <a:schemeClr val="tx1"/>
+                        </a:solidFill>
+                        <a:latin typeface="+mn-lt"/>
+                        <a:ea typeface="+mn-ea"/>
+                        <a:cs typeface="+mn-cs"/>
+                      </a:endParaRPr>
+                    </a:p>
+                  </a:txBody>
+                  <a:tcPr marL="57150" marR="57150" marT="0" marB="0" anchor="ctr" anchorCtr="1">
+                    <a:lnL w="12700" cap="flat" cmpd="sng" algn="ctr">
+                      <a:solidFill>
+                        <a:srgbClr val="000000"/>
+                      </a:solidFill>
+                      <a:prstDash val="solid"/>
+                      <a:round/>
+                      <a:headEnd type="none" w="med" len="med"/>
+                      <a:tailEnd type="none" w="med" len="med"/>
+                    </a:lnL>
+                    <a:lnR w="12700" cap="flat" cmpd="sng" algn="ctr">
+                      <a:solidFill>
+                        <a:srgbClr val="000000"/>
+                      </a:solidFill>
+                      <a:prstDash val="solid"/>
+                      <a:round/>
+                      <a:headEnd type="none" w="med" len="med"/>
+                      <a:tailEnd type="none" w="med" len="med"/>
+                    </a:lnR>
+                    <a:lnT w="12700" cap="flat" cmpd="sng" algn="ctr">
+                      <a:solidFill>
+                        <a:srgbClr val="000000"/>
+                      </a:solidFill>
+                      <a:prstDash val="solid"/>
+                      <a:round/>
+                      <a:headEnd type="none" w="med" len="med"/>
+                      <a:tailEnd type="none" w="med" len="med"/>
+                    </a:lnT>
+                    <a:lnB w="12700" cap="flat" cmpd="sng" algn="ctr">
+                      <a:solidFill>
+                        <a:srgbClr val="000000"/>
+                      </a:solidFill>
+                      <a:prstDash val="solid"/>
+                      <a:round/>
+                      <a:headEnd type="none" w="med" len="med"/>
+                      <a:tailEnd type="none" w="med" len="med"/>
+                    </a:lnB>
+                    <a:solidFill>
+                      <a:schemeClr val="accent1">
+                        <a:lumMod val="75000"/>
+                      </a:schemeClr>
+                    </a:solidFill>
+                  </a:tcPr>
+                </a:tc>
+                <a:tc>
+                  <a:txBody>
+                    <a:bodyPr/>
+                    <a:lstStyle/>
+                    <a:p>
+                      <a:pPr algn="ctr">
+                        <a:spcAft>
+                          <a:spcPts val="0"/>
+                        </a:spcAft>
+                      </a:pPr>
+                      <a:endParaRPr lang="es-AR" sz="1200" kern="1200" dirty="0" smtClean="0">
+                        <a:solidFill>
+                          <a:schemeClr val="tx1"/>
+                        </a:solidFill>
+                        <a:latin typeface="+mn-lt"/>
+                        <a:ea typeface="+mn-ea"/>
+                        <a:cs typeface="+mn-cs"/>
                       </a:endParaRPr>
                     </a:p>
                   </a:txBody>
@@ -5958,125 +6783,13 @@
                           <a:spcPts val="0"/>
                         </a:spcAft>
                       </a:pPr>
-                      <a:r>
-                        <a:rPr lang="es-AR" sz="1200" dirty="0">
-                          <a:latin typeface="Times New Roman"/>
-                          <a:ea typeface="Batang"/>
-                        </a:rPr>
-                        <a:t>X</a:t>
-                      </a:r>
-                    </a:p>
-                  </a:txBody>
-                  <a:tcPr marL="57150" marR="57150" marT="0" marB="0" anchor="ctr" anchorCtr="1">
-                    <a:lnL w="12700" cap="flat" cmpd="sng" algn="ctr">
-                      <a:solidFill>
-                        <a:srgbClr val="000000"/>
-                      </a:solidFill>
-                      <a:prstDash val="solid"/>
-                      <a:round/>
-                      <a:headEnd type="none" w="med" len="med"/>
-                      <a:tailEnd type="none" w="med" len="med"/>
-                    </a:lnL>
-                    <a:lnR w="12700" cap="flat" cmpd="sng" algn="ctr">
-                      <a:solidFill>
-                        <a:srgbClr val="000000"/>
-                      </a:solidFill>
-                      <a:prstDash val="solid"/>
-                      <a:round/>
-                      <a:headEnd type="none" w="med" len="med"/>
-                      <a:tailEnd type="none" w="med" len="med"/>
-                    </a:lnR>
-                    <a:lnT w="12700" cap="flat" cmpd="sng" algn="ctr">
-                      <a:solidFill>
-                        <a:srgbClr val="000000"/>
-                      </a:solidFill>
-                      <a:prstDash val="solid"/>
-                      <a:round/>
-                      <a:headEnd type="none" w="med" len="med"/>
-                      <a:tailEnd type="none" w="med" len="med"/>
-                    </a:lnT>
-                    <a:lnB w="12700" cap="flat" cmpd="sng" algn="ctr">
-                      <a:solidFill>
-                        <a:srgbClr val="000000"/>
-                      </a:solidFill>
-                      <a:prstDash val="solid"/>
-                      <a:round/>
-                      <a:headEnd type="none" w="med" len="med"/>
-                      <a:tailEnd type="none" w="med" len="med"/>
-                    </a:lnB>
-                  </a:tcPr>
-                </a:tc>
-                <a:tc>
-                  <a:txBody>
-                    <a:bodyPr/>
-                    <a:lstStyle/>
-                    <a:p>
-                      <a:pPr algn="ctr">
-                        <a:spcAft>
-                          <a:spcPts val="0"/>
-                        </a:spcAft>
-                      </a:pPr>
-                      <a:r>
-                        <a:rPr lang="es-AR" sz="1200">
-                          <a:latin typeface="Times New Roman"/>
-                          <a:ea typeface="Batang"/>
-                        </a:rPr>
-                        <a:t>X</a:t>
-                      </a:r>
-                    </a:p>
-                  </a:txBody>
-                  <a:tcPr marL="57150" marR="57150" marT="0" marB="0" anchor="ctr" anchorCtr="1">
-                    <a:lnL w="12700" cap="flat" cmpd="sng" algn="ctr">
-                      <a:solidFill>
-                        <a:srgbClr val="000000"/>
-                      </a:solidFill>
-                      <a:prstDash val="solid"/>
-                      <a:round/>
-                      <a:headEnd type="none" w="med" len="med"/>
-                      <a:tailEnd type="none" w="med" len="med"/>
-                    </a:lnL>
-                    <a:lnR w="12700" cap="flat" cmpd="sng" algn="ctr">
-                      <a:solidFill>
-                        <a:srgbClr val="000000"/>
-                      </a:solidFill>
-                      <a:prstDash val="solid"/>
-                      <a:round/>
-                      <a:headEnd type="none" w="med" len="med"/>
-                      <a:tailEnd type="none" w="med" len="med"/>
-                    </a:lnR>
-                    <a:lnT w="12700" cap="flat" cmpd="sng" algn="ctr">
-                      <a:solidFill>
-                        <a:srgbClr val="000000"/>
-                      </a:solidFill>
-                      <a:prstDash val="solid"/>
-                      <a:round/>
-                      <a:headEnd type="none" w="med" len="med"/>
-                      <a:tailEnd type="none" w="med" len="med"/>
-                    </a:lnT>
-                    <a:lnB w="12700" cap="flat" cmpd="sng" algn="ctr">
-                      <a:solidFill>
-                        <a:srgbClr val="000000"/>
-                      </a:solidFill>
-                      <a:prstDash val="solid"/>
-                      <a:round/>
-                      <a:headEnd type="none" w="med" len="med"/>
-                      <a:tailEnd type="none" w="med" len="med"/>
-                    </a:lnB>
-                  </a:tcPr>
-                </a:tc>
-                <a:tc>
-                  <a:txBody>
-                    <a:bodyPr/>
-                    <a:lstStyle/>
-                    <a:p>
-                      <a:pPr algn="ctr">
-                        <a:spcAft>
-                          <a:spcPts val="0"/>
-                        </a:spcAft>
-                      </a:pPr>
-                      <a:endParaRPr lang="es-AR" sz="1200" dirty="0">
-                        <a:latin typeface="Times New Roman"/>
-                        <a:ea typeface="Batang"/>
+                      <a:endParaRPr lang="es-AR" sz="1200" kern="1200" dirty="0" smtClean="0">
+                        <a:solidFill>
+                          <a:schemeClr val="tx1"/>
+                        </a:solidFill>
+                        <a:latin typeface="+mn-lt"/>
+                        <a:ea typeface="+mn-ea"/>
+                        <a:cs typeface="+mn-cs"/>
                       </a:endParaRPr>
                     </a:p>
                   </a:txBody>
@@ -6117,64 +6830,11 @@
                       <a:headEnd type="none" w="med" len="med"/>
                       <a:tailEnd type="none" w="med" len="med"/>
                     </a:lnB>
-                  </a:tcPr>
-                </a:tc>
-                <a:tc>
-                  <a:txBody>
-                    <a:bodyPr/>
-                    <a:lstStyle/>
-                    <a:p>
-                      <a:pPr algn="ctr">
-                        <a:spcAft>
-                          <a:spcPts val="0"/>
-                        </a:spcAft>
-                      </a:pPr>
-                      <a:r>
-                        <a:rPr lang="es-AR" sz="1200" dirty="0">
-                          <a:latin typeface="Times New Roman"/>
-                          <a:ea typeface="Batang"/>
-                        </a:rPr>
-                        <a:t>X</a:t>
-                      </a:r>
-                    </a:p>
-                  </a:txBody>
-                  <a:tcPr marL="57150" marR="57150" marT="0" marB="0" anchor="ctr" anchorCtr="1">
-                    <a:lnL w="12700" cap="flat" cmpd="sng" algn="ctr">
-                      <a:solidFill>
-                        <a:srgbClr val="000000"/>
-                      </a:solidFill>
-                      <a:prstDash val="solid"/>
-                      <a:round/>
-                      <a:headEnd type="none" w="med" len="med"/>
-                      <a:tailEnd type="none" w="med" len="med"/>
-                    </a:lnL>
-                    <a:lnR w="12700" cap="flat" cmpd="sng" algn="ctr">
-                      <a:solidFill>
-                        <a:srgbClr val="000000"/>
-                      </a:solidFill>
-                      <a:prstDash val="solid"/>
-                      <a:round/>
-                      <a:headEnd type="none" w="med" len="med"/>
-                      <a:tailEnd type="none" w="med" len="med"/>
-                    </a:lnR>
-                    <a:lnT w="12700" cap="flat" cmpd="sng" algn="ctr">
-                      <a:solidFill>
-                        <a:srgbClr val="000000"/>
-                      </a:solidFill>
-                      <a:prstDash val="solid"/>
-                      <a:round/>
-                      <a:headEnd type="none" w="med" len="med"/>
-                      <a:tailEnd type="none" w="med" len="med"/>
-                    </a:lnT>
-                    <a:lnB w="12700" cap="flat" cmpd="sng" algn="ctr">
-                      <a:solidFill>
-                        <a:srgbClr val="000000"/>
-                      </a:solidFill>
-                      <a:prstDash val="solid"/>
-                      <a:round/>
-                      <a:headEnd type="none" w="med" len="med"/>
-                      <a:tailEnd type="none" w="med" len="med"/>
-                    </a:lnB>
+                    <a:solidFill>
+                      <a:schemeClr val="accent1">
+                        <a:lumMod val="75000"/>
+                      </a:schemeClr>
+                    </a:solidFill>
                   </a:tcPr>
                 </a:tc>
               </a:tr>
@@ -6190,16 +6850,16 @@
                         </a:spcAft>
                       </a:pPr>
                       <a:r>
-                        <a:rPr lang="es-AR" sz="1200" dirty="0">
-                          <a:latin typeface="Times New Roman"/>
-                          <a:ea typeface="Batang"/>
+                        <a:rPr lang="es-AR" sz="1200" kern="1200" dirty="0" smtClean="0">
+                          <a:solidFill>
+                            <a:schemeClr val="tx1"/>
+                          </a:solidFill>
+                          <a:latin typeface="+mn-lt"/>
+                          <a:ea typeface="+mn-ea"/>
+                          <a:cs typeface="+mn-cs"/>
                         </a:rPr>
                         <a:t>Julián </a:t>
                       </a:r>
-                      <a:endParaRPr lang="es-AR" sz="1200" dirty="0" smtClean="0">
-                        <a:latin typeface="Times New Roman"/>
-                        <a:ea typeface="Batang"/>
-                      </a:endParaRPr>
                     </a:p>
                     <a:p>
                       <a:pPr algn="just">
@@ -6208,9 +6868,13 @@
                         </a:spcAft>
                       </a:pPr>
                       <a:r>
-                        <a:rPr lang="es-AR" sz="1200" dirty="0" smtClean="0">
-                          <a:latin typeface="Times New Roman"/>
-                          <a:ea typeface="Batang"/>
+                        <a:rPr lang="es-AR" sz="1200" kern="1200" dirty="0" smtClean="0">
+                          <a:solidFill>
+                            <a:schemeClr val="tx1"/>
+                          </a:solidFill>
+                          <a:latin typeface="+mn-lt"/>
+                          <a:ea typeface="+mn-ea"/>
+                          <a:cs typeface="+mn-cs"/>
                         </a:rPr>
                         <a:t>Ignacio </a:t>
                       </a:r>
@@ -6222,16 +6886,16 @@
                         </a:spcAft>
                       </a:pPr>
                       <a:r>
-                        <a:rPr lang="es-AR" sz="1200" dirty="0" smtClean="0">
-                          <a:latin typeface="Times New Roman"/>
-                          <a:ea typeface="Batang"/>
+                        <a:rPr lang="es-AR" sz="1200" kern="1200" dirty="0" smtClean="0">
+                          <a:solidFill>
+                            <a:schemeClr val="tx1"/>
+                          </a:solidFill>
+                          <a:latin typeface="+mn-lt"/>
+                          <a:ea typeface="+mn-ea"/>
+                          <a:cs typeface="+mn-cs"/>
                         </a:rPr>
                         <a:t>Martínez</a:t>
                       </a:r>
-                      <a:endParaRPr lang="es-AR" sz="1200" dirty="0">
-                        <a:latin typeface="Times New Roman"/>
-                        <a:ea typeface="Batang"/>
-                      </a:endParaRPr>
                     </a:p>
                   </a:txBody>
                   <a:tcPr marL="57150" marR="57150" marT="0" marB="0" anchor="ctr" anchorCtr="1">
@@ -6283,9 +6947,13 @@
                           <a:spcPts val="0"/>
                         </a:spcAft>
                       </a:pPr>
-                      <a:endParaRPr lang="es-AR" sz="1200" dirty="0">
-                        <a:latin typeface="Times New Roman"/>
-                        <a:ea typeface="Batang"/>
+                      <a:endParaRPr lang="es-AR" sz="1200" kern="1200" dirty="0" smtClean="0">
+                        <a:solidFill>
+                          <a:schemeClr val="tx1"/>
+                        </a:solidFill>
+                        <a:latin typeface="+mn-lt"/>
+                        <a:ea typeface="+mn-ea"/>
+                        <a:cs typeface="+mn-cs"/>
                       </a:endParaRPr>
                     </a:p>
                   </a:txBody>
@@ -6338,9 +7006,13 @@
                           <a:spcPts val="0"/>
                         </a:spcAft>
                       </a:pPr>
-                      <a:endParaRPr lang="es-AR" sz="1200" dirty="0">
-                        <a:latin typeface="Times New Roman"/>
-                        <a:ea typeface="Batang"/>
+                      <a:endParaRPr lang="es-AR" sz="1200" kern="1200" dirty="0" smtClean="0">
+                        <a:solidFill>
+                          <a:schemeClr val="tx1"/>
+                        </a:solidFill>
+                        <a:latin typeface="+mn-lt"/>
+                        <a:ea typeface="+mn-ea"/>
+                        <a:cs typeface="+mn-cs"/>
                       </a:endParaRPr>
                     </a:p>
                   </a:txBody>
@@ -6393,9 +7065,13 @@
                           <a:spcPts val="0"/>
                         </a:spcAft>
                       </a:pPr>
-                      <a:endParaRPr lang="es-AR" sz="1200" dirty="0">
-                        <a:latin typeface="Times New Roman"/>
-                        <a:ea typeface="Batang"/>
+                      <a:endParaRPr lang="es-AR" sz="1200" kern="1200" dirty="0" smtClean="0">
+                        <a:solidFill>
+                          <a:schemeClr val="tx1"/>
+                        </a:solidFill>
+                        <a:latin typeface="+mn-lt"/>
+                        <a:ea typeface="+mn-ea"/>
+                        <a:cs typeface="+mn-cs"/>
                       </a:endParaRPr>
                     </a:p>
                   </a:txBody>
@@ -6448,13 +7124,78 @@
                           <a:spcPts val="0"/>
                         </a:spcAft>
                       </a:pPr>
-                      <a:r>
-                        <a:rPr lang="es-AR" sz="1200" dirty="0">
-                          <a:latin typeface="Times New Roman"/>
-                          <a:ea typeface="Batang"/>
-                        </a:rPr>
-                        <a:t>X</a:t>
-                      </a:r>
+                      <a:endParaRPr lang="es-AR" sz="1200" kern="1200" dirty="0" smtClean="0">
+                        <a:solidFill>
+                          <a:schemeClr val="tx1"/>
+                        </a:solidFill>
+                        <a:latin typeface="+mn-lt"/>
+                        <a:ea typeface="+mn-ea"/>
+                        <a:cs typeface="+mn-cs"/>
+                      </a:endParaRPr>
+                    </a:p>
+                  </a:txBody>
+                  <a:tcPr marL="57150" marR="57150" marT="0" marB="0" anchor="ctr" anchorCtr="1">
+                    <a:lnL w="12700" cap="flat" cmpd="sng" algn="ctr">
+                      <a:solidFill>
+                        <a:srgbClr val="000000"/>
+                      </a:solidFill>
+                      <a:prstDash val="solid"/>
+                      <a:round/>
+                      <a:headEnd type="none" w="med" len="med"/>
+                      <a:tailEnd type="none" w="med" len="med"/>
+                    </a:lnL>
+                    <a:lnR w="12700" cap="flat" cmpd="sng" algn="ctr">
+                      <a:solidFill>
+                        <a:srgbClr val="000000"/>
+                      </a:solidFill>
+                      <a:prstDash val="solid"/>
+                      <a:round/>
+                      <a:headEnd type="none" w="med" len="med"/>
+                      <a:tailEnd type="none" w="med" len="med"/>
+                    </a:lnR>
+                    <a:lnT w="12700" cap="flat" cmpd="sng" algn="ctr">
+                      <a:solidFill>
+                        <a:srgbClr val="000000"/>
+                      </a:solidFill>
+                      <a:prstDash val="solid"/>
+                      <a:round/>
+                      <a:headEnd type="none" w="med" len="med"/>
+                      <a:tailEnd type="none" w="med" len="med"/>
+                    </a:lnT>
+                    <a:lnB w="12700" cap="flat" cmpd="sng" algn="ctr">
+                      <a:solidFill>
+                        <a:srgbClr val="000000"/>
+                      </a:solidFill>
+                      <a:prstDash val="solid"/>
+                      <a:round/>
+                      <a:headEnd type="none" w="med" len="med"/>
+                      <a:tailEnd type="none" w="med" len="med"/>
+                    </a:lnB>
+                    <a:solidFill>
+                      <a:schemeClr val="accent1">
+                        <a:lumMod val="75000"/>
+                      </a:schemeClr>
+                    </a:solidFill>
+                  </a:tcPr>
+                </a:tc>
+                <a:tc>
+                  <a:txBody>
+                    <a:bodyPr/>
+                    <a:lstStyle/>
+                    <a:p>
+                      <a:pPr algn="ctr">
+                        <a:spcAft>
+                          <a:spcPts val="0"/>
+                        </a:spcAft>
+                      </a:pPr>
+                      <a:endParaRPr lang="es-AR" sz="1200" kern="1200" dirty="0" smtClean="0">
+                        <a:solidFill>
+                          <a:schemeClr val="tx1"/>
+                        </a:solidFill>
+                        <a:latin typeface="+mn-lt"/>
+                        <a:ea typeface="+mn-ea"/>
+                        <a:cs typeface="+mn-cs"/>
+                      </a:endParaRPr>
                     </a:p>
                   </a:txBody>
                   <a:tcPr marL="57150" marR="57150" marT="0" marB="0" anchor="ctr" anchorCtr="1">
@@ -6506,9 +7247,13 @@
                           <a:spcPts val="0"/>
                         </a:spcAft>
                       </a:pPr>
-                      <a:endParaRPr lang="es-AR" sz="1200" dirty="0">
-                        <a:latin typeface="Times New Roman"/>
-                        <a:ea typeface="Batang"/>
+                      <a:endParaRPr lang="es-AR" sz="1200" kern="1200" dirty="0" smtClean="0">
+                        <a:solidFill>
+                          <a:schemeClr val="tx1"/>
+                        </a:solidFill>
+                        <a:latin typeface="+mn-lt"/>
+                        <a:ea typeface="+mn-ea"/>
+                        <a:cs typeface="+mn-cs"/>
                       </a:endParaRPr>
                     </a:p>
                   </a:txBody>
@@ -6549,6 +7294,11 @@
                       <a:headEnd type="none" w="med" len="med"/>
                       <a:tailEnd type="none" w="med" len="med"/>
                     </a:lnB>
+                    <a:solidFill>
+                      <a:schemeClr val="accent1">
+                        <a:lumMod val="75000"/>
+                      </a:schemeClr>
+                    </a:solidFill>
                   </a:tcPr>
                 </a:tc>
                 <a:tc>
@@ -6561,13 +7311,14 @@
                           <a:spcPts val="0"/>
                         </a:spcAft>
                       </a:pPr>
-                      <a:r>
-                        <a:rPr lang="es-AR" sz="1200" dirty="0">
-                          <a:latin typeface="Times New Roman"/>
-                          <a:ea typeface="Batang"/>
-                        </a:rPr>
-                        <a:t>X</a:t>
-                      </a:r>
+                      <a:endParaRPr lang="es-AR" sz="1200" kern="1200" dirty="0" smtClean="0">
+                        <a:solidFill>
+                          <a:schemeClr val="tx1"/>
+                        </a:solidFill>
+                        <a:latin typeface="+mn-lt"/>
+                        <a:ea typeface="+mn-ea"/>
+                        <a:cs typeface="+mn-cs"/>
+                      </a:endParaRPr>
                     </a:p>
                   </a:txBody>
                   <a:tcPr marL="57150" marR="57150" marT="0" marB="0" anchor="ctr" anchorCtr="1">
@@ -6607,6 +7358,11 @@
                       <a:headEnd type="none" w="med" len="med"/>
                       <a:tailEnd type="none" w="med" len="med"/>
                     </a:lnB>
+                    <a:solidFill>
+                      <a:schemeClr val="accent1">
+                        <a:lumMod val="75000"/>
+                      </a:schemeClr>
+                    </a:solidFill>
                   </a:tcPr>
                 </a:tc>
                 <a:tc>
@@ -6619,13 +7375,14 @@
                           <a:spcPts val="0"/>
                         </a:spcAft>
                       </a:pPr>
-                      <a:r>
-                        <a:rPr lang="es-AR" sz="1200" dirty="0">
-                          <a:latin typeface="Times New Roman"/>
-                          <a:ea typeface="Batang"/>
-                        </a:rPr>
-                        <a:t>X</a:t>
-                      </a:r>
+                      <a:endParaRPr lang="es-AR" sz="1200" kern="1200" dirty="0" smtClean="0">
+                        <a:solidFill>
+                          <a:schemeClr val="tx1"/>
+                        </a:solidFill>
+                        <a:latin typeface="+mn-lt"/>
+                        <a:ea typeface="+mn-ea"/>
+                        <a:cs typeface="+mn-cs"/>
+                      </a:endParaRPr>
                     </a:p>
                   </a:txBody>
                   <a:tcPr marL="57150" marR="57150" marT="0" marB="0" anchor="ctr" anchorCtr="1">
@@ -6665,64 +7422,11 @@
                       <a:headEnd type="none" w="med" len="med"/>
                       <a:tailEnd type="none" w="med" len="med"/>
                     </a:lnB>
-                  </a:tcPr>
-                </a:tc>
-                <a:tc>
-                  <a:txBody>
-                    <a:bodyPr/>
-                    <a:lstStyle/>
-                    <a:p>
-                      <a:pPr algn="ctr">
-                        <a:spcAft>
-                          <a:spcPts val="0"/>
-                        </a:spcAft>
-                      </a:pPr>
-                      <a:r>
-                        <a:rPr lang="es-AR" sz="1200" dirty="0">
-                          <a:latin typeface="Times New Roman"/>
-                          <a:ea typeface="Batang"/>
-                        </a:rPr>
-                        <a:t>X</a:t>
-                      </a:r>
-                    </a:p>
-                  </a:txBody>
-                  <a:tcPr marL="57150" marR="57150" marT="0" marB="0" anchor="ctr" anchorCtr="1">
-                    <a:lnL w="12700" cap="flat" cmpd="sng" algn="ctr">
-                      <a:solidFill>
-                        <a:srgbClr val="000000"/>
-                      </a:solidFill>
-                      <a:prstDash val="solid"/>
-                      <a:round/>
-                      <a:headEnd type="none" w="med" len="med"/>
-                      <a:tailEnd type="none" w="med" len="med"/>
-                    </a:lnL>
-                    <a:lnR w="12700" cap="flat" cmpd="sng" algn="ctr">
-                      <a:solidFill>
-                        <a:srgbClr val="000000"/>
-                      </a:solidFill>
-                      <a:prstDash val="solid"/>
-                      <a:round/>
-                      <a:headEnd type="none" w="med" len="med"/>
-                      <a:tailEnd type="none" w="med" len="med"/>
-                    </a:lnR>
-                    <a:lnT w="12700" cap="flat" cmpd="sng" algn="ctr">
-                      <a:solidFill>
-                        <a:srgbClr val="000000"/>
-                      </a:solidFill>
-                      <a:prstDash val="solid"/>
-                      <a:round/>
-                      <a:headEnd type="none" w="med" len="med"/>
-                      <a:tailEnd type="none" w="med" len="med"/>
-                    </a:lnT>
-                    <a:lnB w="12700" cap="flat" cmpd="sng" algn="ctr">
-                      <a:solidFill>
-                        <a:srgbClr val="000000"/>
-                      </a:solidFill>
-                      <a:prstDash val="solid"/>
-                      <a:round/>
-                      <a:headEnd type="none" w="med" len="med"/>
-                      <a:tailEnd type="none" w="med" len="med"/>
-                    </a:lnB>
+                    <a:solidFill>
+                      <a:schemeClr val="accent1">
+                        <a:lumMod val="75000"/>
+                      </a:schemeClr>
+                    </a:solidFill>
                   </a:tcPr>
                 </a:tc>
               </a:tr>
@@ -6884,6 +7588,13 @@
   <p:clrMapOvr>
     <a:masterClrMapping/>
   </p:clrMapOvr>
+  <p:timing>
+    <p:tnLst>
+      <p:par>
+        <p:cTn id="1" dur="indefinite" restart="never" nodeType="tmRoot"/>
+      </p:par>
+    </p:tnLst>
+  </p:timing>
 </p:sld>
 </file>
 
@@ -6952,90 +7663,90 @@
         </p:spPr>
         <p:txBody>
           <a:bodyPr>
-            <a:normAutofit fontScale="92500" lnSpcReduction="10000"/>
+            <a:normAutofit/>
           </a:bodyPr>
           <a:lstStyle/>
           <a:p>
             <a:r>
-              <a:rPr lang="es-AR" dirty="0" smtClean="0"/>
+              <a:rPr lang="es-AR" sz="2200" dirty="0" smtClean="0"/>
               <a:t>Desarrollo en base a conocimientos del equipo y tecnologías probadas:</a:t>
             </a:r>
           </a:p>
           <a:p>
             <a:pPr lvl="1"/>
             <a:r>
-              <a:rPr lang="es-AR" dirty="0" smtClean="0"/>
+              <a:rPr lang="es-AR" sz="2200" dirty="0" smtClean="0"/>
               <a:t>Java</a:t>
             </a:r>
           </a:p>
           <a:p>
             <a:pPr lvl="1"/>
             <a:r>
-              <a:rPr lang="es-AR" dirty="0" err="1" smtClean="0"/>
+              <a:rPr lang="es-AR" sz="2200" dirty="0" err="1" smtClean="0"/>
               <a:t>Struts</a:t>
             </a:r>
             <a:r>
-              <a:rPr lang="es-AR" dirty="0" smtClean="0"/>
+              <a:rPr lang="es-AR" sz="2200" dirty="0" smtClean="0"/>
               <a:t>, Spring, </a:t>
             </a:r>
             <a:r>
-              <a:rPr lang="es-AR" dirty="0" err="1" smtClean="0"/>
+              <a:rPr lang="es-AR" sz="2200" dirty="0" err="1" smtClean="0"/>
               <a:t>JQuery</a:t>
             </a:r>
             <a:r>
-              <a:rPr lang="es-AR" dirty="0" smtClean="0"/>
+              <a:rPr lang="es-AR" sz="2200" dirty="0" smtClean="0"/>
               <a:t>, </a:t>
             </a:r>
             <a:r>
-              <a:rPr lang="es-AR" dirty="0" err="1" smtClean="0"/>
+              <a:rPr lang="es-AR" sz="2200" dirty="0" err="1" smtClean="0"/>
               <a:t>Hibernate</a:t>
             </a:r>
             <a:r>
-              <a:rPr lang="es-AR" dirty="0" smtClean="0"/>
+              <a:rPr lang="es-AR" sz="2200" dirty="0" smtClean="0"/>
               <a:t>, </a:t>
             </a:r>
             <a:r>
-              <a:rPr lang="es-AR" dirty="0" err="1" smtClean="0"/>
+              <a:rPr lang="es-AR" sz="2200" dirty="0" err="1" smtClean="0"/>
               <a:t>DynamicJasper</a:t>
             </a:r>
-            <a:endParaRPr lang="es-AR" dirty="0" smtClean="0"/>
+            <a:endParaRPr lang="es-AR" sz="2200" dirty="0" smtClean="0"/>
           </a:p>
           <a:p>
             <a:pPr lvl="1"/>
             <a:r>
-              <a:rPr lang="es-AR" dirty="0" err="1" smtClean="0"/>
+              <a:rPr lang="es-AR" sz="2200" dirty="0" err="1" smtClean="0"/>
               <a:t>MySQL</a:t>
             </a:r>
-            <a:endParaRPr lang="es-AR" dirty="0" smtClean="0"/>
+            <a:endParaRPr lang="es-AR" sz="2200" dirty="0" smtClean="0"/>
           </a:p>
           <a:p>
             <a:pPr lvl="1"/>
-            <a:endParaRPr lang="es-AR" sz="1500" dirty="0" smtClean="0"/>
-          </a:p>
-          <a:p>
-            <a:r>
-              <a:rPr lang="es-AR" dirty="0" smtClean="0"/>
+            <a:endParaRPr lang="es-AR" sz="2200" dirty="0" smtClean="0"/>
+          </a:p>
+          <a:p>
+            <a:r>
+              <a:rPr lang="es-AR" sz="2200" dirty="0" smtClean="0"/>
               <a:t>Arquitectura:</a:t>
             </a:r>
           </a:p>
           <a:p>
             <a:pPr lvl="1"/>
             <a:r>
-              <a:rPr lang="es-AR" dirty="0" smtClean="0"/>
+              <a:rPr lang="es-AR" sz="2200" dirty="0" smtClean="0"/>
               <a:t>MVC</a:t>
             </a:r>
           </a:p>
           <a:p>
             <a:pPr lvl="1"/>
             <a:r>
-              <a:rPr lang="es-AR" dirty="0" smtClean="0"/>
+              <a:rPr lang="es-AR" sz="2200" dirty="0" smtClean="0"/>
               <a:t>Modelo de 3 Capas</a:t>
             </a:r>
           </a:p>
           <a:p>
             <a:pPr lvl="1"/>
             <a:r>
-              <a:rPr lang="es-AR" dirty="0" smtClean="0"/>
+              <a:rPr lang="es-AR" sz="2200" dirty="0" smtClean="0"/>
               <a:t>AOP</a:t>
             </a:r>
           </a:p>
@@ -7044,11 +7755,178 @@
           </a:p>
         </p:txBody>
       </p:sp>
+      <p:pic>
+        <p:nvPicPr>
+          <p:cNvPr id="8" name="Picture 13" descr="H:\arquitectura\java.jpg"/>
+          <p:cNvPicPr>
+            <a:picLocks noChangeAspect="1" noChangeArrowheads="1"/>
+          </p:cNvPicPr>
+          <p:nvPr/>
+        </p:nvPicPr>
+        <p:blipFill>
+          <a:blip r:embed="rId2" cstate="print"/>
+          <a:srcRect/>
+          <a:stretch>
+            <a:fillRect/>
+          </a:stretch>
+        </p:blipFill>
+        <p:spPr bwMode="auto">
+          <a:xfrm>
+            <a:off x="8100392" y="2564904"/>
+            <a:ext cx="692150" cy="1100138"/>
+          </a:xfrm>
+          <a:prstGeom prst="rect">
+            <a:avLst/>
+          </a:prstGeom>
+          <a:noFill/>
+          <a:ln w="9525">
+            <a:noFill/>
+            <a:miter lim="800000"/>
+            <a:headEnd/>
+            <a:tailEnd/>
+          </a:ln>
+        </p:spPr>
+      </p:pic>
+      <p:pic>
+        <p:nvPicPr>
+          <p:cNvPr id="9" name="Picture 14" descr="H:\arquitectura\jquery.jpg"/>
+          <p:cNvPicPr>
+            <a:picLocks noChangeAspect="1" noChangeArrowheads="1"/>
+          </p:cNvPicPr>
+          <p:nvPr/>
+        </p:nvPicPr>
+        <p:blipFill>
+          <a:blip r:embed="rId3" cstate="print"/>
+          <a:srcRect/>
+          <a:stretch>
+            <a:fillRect/>
+          </a:stretch>
+        </p:blipFill>
+        <p:spPr bwMode="auto">
+          <a:xfrm>
+            <a:off x="8100392" y="5013176"/>
+            <a:ext cx="720725" cy="720725"/>
+          </a:xfrm>
+          <a:prstGeom prst="rect">
+            <a:avLst/>
+          </a:prstGeom>
+          <a:noFill/>
+          <a:ln w="9525">
+            <a:noFill/>
+            <a:miter lim="800000"/>
+            <a:headEnd/>
+            <a:tailEnd/>
+          </a:ln>
+        </p:spPr>
+      </p:pic>
+      <p:pic>
+        <p:nvPicPr>
+          <p:cNvPr id="57346" name="Picture 2"/>
+          <p:cNvPicPr>
+            <a:picLocks noChangeAspect="1" noChangeArrowheads="1"/>
+          </p:cNvPicPr>
+          <p:nvPr/>
+        </p:nvPicPr>
+        <p:blipFill>
+          <a:blip r:embed="rId4" cstate="print"/>
+          <a:srcRect/>
+          <a:stretch>
+            <a:fillRect/>
+          </a:stretch>
+        </p:blipFill>
+        <p:spPr bwMode="auto">
+          <a:xfrm>
+            <a:off x="7740352" y="4509120"/>
+            <a:ext cx="1057275" cy="295275"/>
+          </a:xfrm>
+          <a:prstGeom prst="rect">
+            <a:avLst/>
+          </a:prstGeom>
+          <a:noFill/>
+          <a:ln w="9525">
+            <a:noFill/>
+            <a:miter lim="800000"/>
+            <a:headEnd/>
+            <a:tailEnd/>
+          </a:ln>
+        </p:spPr>
+      </p:pic>
+      <p:pic>
+        <p:nvPicPr>
+          <p:cNvPr id="57347" name="Picture 3"/>
+          <p:cNvPicPr>
+            <a:picLocks noChangeAspect="1" noChangeArrowheads="1"/>
+          </p:cNvPicPr>
+          <p:nvPr/>
+        </p:nvPicPr>
+        <p:blipFill>
+          <a:blip r:embed="rId5" cstate="print"/>
+          <a:srcRect/>
+          <a:stretch>
+            <a:fillRect/>
+          </a:stretch>
+        </p:blipFill>
+        <p:spPr bwMode="auto">
+          <a:xfrm>
+            <a:off x="7812360" y="3861048"/>
+            <a:ext cx="1009650" cy="390525"/>
+          </a:xfrm>
+          <a:prstGeom prst="rect">
+            <a:avLst/>
+          </a:prstGeom>
+          <a:noFill/>
+          <a:ln w="9525">
+            <a:noFill/>
+            <a:miter lim="800000"/>
+            <a:headEnd/>
+            <a:tailEnd/>
+          </a:ln>
+        </p:spPr>
+      </p:pic>
+      <p:pic>
+        <p:nvPicPr>
+          <p:cNvPr id="57348" name="Picture 4"/>
+          <p:cNvPicPr>
+            <a:picLocks noChangeAspect="1" noChangeArrowheads="1"/>
+          </p:cNvPicPr>
+          <p:nvPr/>
+        </p:nvPicPr>
+        <p:blipFill>
+          <a:blip r:embed="rId6" cstate="print"/>
+          <a:srcRect/>
+          <a:stretch>
+            <a:fillRect/>
+          </a:stretch>
+        </p:blipFill>
+        <p:spPr bwMode="auto">
+          <a:xfrm>
+            <a:off x="7524328" y="5877272"/>
+            <a:ext cx="1266825" cy="285750"/>
+          </a:xfrm>
+          <a:prstGeom prst="rect">
+            <a:avLst/>
+          </a:prstGeom>
+          <a:noFill/>
+          <a:ln w="9525">
+            <a:noFill/>
+            <a:miter lim="800000"/>
+            <a:headEnd/>
+            <a:tailEnd/>
+          </a:ln>
+        </p:spPr>
+      </p:pic>
     </p:spTree>
   </p:cSld>
   <p:clrMapOvr>
     <a:masterClrMapping/>
   </p:clrMapOvr>
+  <p:timing>
+    <p:tnLst>
+      <p:par>
+        <p:cTn id="1" dur="indefinite" restart="never" nodeType="tmRoot"/>
+      </p:par>
+    </p:tnLst>
+  </p:timing>
 </p:sld>
 </file>
 
@@ -7128,8 +8006,19 @@
           </a:p>
           <a:p>
             <a:r>
+              <a:rPr lang="es-ES_tradnl" dirty="0" smtClean="0"/>
+              <a:t>Apache </a:t>
+            </a:r>
+            <a:r>
               <a:rPr lang="es-ES_tradnl" dirty="0" err="1" smtClean="0"/>
-              <a:t>Tortoisse</a:t>
+              <a:t>Tomcat</a:t>
+            </a:r>
+            <a:endParaRPr lang="es-AR" dirty="0" smtClean="0"/>
+          </a:p>
+          <a:p>
+            <a:r>
+              <a:rPr lang="es-ES_tradnl" dirty="0" err="1" smtClean="0"/>
+              <a:t>Tortoise</a:t>
             </a:r>
             <a:r>
               <a:rPr lang="es-ES_tradnl" dirty="0" smtClean="0"/>
@@ -7177,11 +8066,178 @@
           </a:p>
         </p:txBody>
       </p:sp>
+      <p:pic>
+        <p:nvPicPr>
+          <p:cNvPr id="4" name="Picture 6" descr="H:\arquitectura\tomcat.jpg"/>
+          <p:cNvPicPr>
+            <a:picLocks noChangeAspect="1" noChangeArrowheads="1"/>
+          </p:cNvPicPr>
+          <p:nvPr/>
+        </p:nvPicPr>
+        <p:blipFill>
+          <a:blip r:embed="rId2" cstate="print"/>
+          <a:srcRect/>
+          <a:stretch>
+            <a:fillRect/>
+          </a:stretch>
+        </p:blipFill>
+        <p:spPr bwMode="auto">
+          <a:xfrm>
+            <a:off x="8028384" y="2924944"/>
+            <a:ext cx="709042" cy="785422"/>
+          </a:xfrm>
+          <a:prstGeom prst="rect">
+            <a:avLst/>
+          </a:prstGeom>
+          <a:noFill/>
+          <a:ln w="9525">
+            <a:noFill/>
+            <a:miter lim="800000"/>
+            <a:headEnd/>
+            <a:tailEnd/>
+          </a:ln>
+        </p:spPr>
+      </p:pic>
+      <p:pic>
+        <p:nvPicPr>
+          <p:cNvPr id="6" name="Picture 15" descr="H:\arquitectura\mysql.jpg"/>
+          <p:cNvPicPr>
+            <a:picLocks noChangeAspect="1" noChangeArrowheads="1"/>
+          </p:cNvPicPr>
+          <p:nvPr/>
+        </p:nvPicPr>
+        <p:blipFill>
+          <a:blip r:embed="rId3" cstate="print"/>
+          <a:srcRect/>
+          <a:stretch>
+            <a:fillRect/>
+          </a:stretch>
+        </p:blipFill>
+        <p:spPr bwMode="auto">
+          <a:xfrm>
+            <a:off x="7740352" y="4653136"/>
+            <a:ext cx="1022350" cy="746125"/>
+          </a:xfrm>
+          <a:prstGeom prst="rect">
+            <a:avLst/>
+          </a:prstGeom>
+          <a:noFill/>
+          <a:ln w="9525">
+            <a:noFill/>
+            <a:miter lim="800000"/>
+            <a:headEnd/>
+            <a:tailEnd/>
+          </a:ln>
+        </p:spPr>
+      </p:pic>
+      <p:pic>
+        <p:nvPicPr>
+          <p:cNvPr id="58370" name="Picture 2"/>
+          <p:cNvPicPr>
+            <a:picLocks noChangeAspect="1" noChangeArrowheads="1"/>
+          </p:cNvPicPr>
+          <p:nvPr/>
+        </p:nvPicPr>
+        <p:blipFill>
+          <a:blip r:embed="rId4" cstate="print"/>
+          <a:srcRect/>
+          <a:stretch>
+            <a:fillRect/>
+          </a:stretch>
+        </p:blipFill>
+        <p:spPr bwMode="auto">
+          <a:xfrm>
+            <a:off x="7452321" y="2132857"/>
+            <a:ext cx="1260678" cy="648072"/>
+          </a:xfrm>
+          <a:prstGeom prst="rect">
+            <a:avLst/>
+          </a:prstGeom>
+          <a:noFill/>
+          <a:ln w="9525">
+            <a:noFill/>
+            <a:miter lim="800000"/>
+            <a:headEnd/>
+            <a:tailEnd/>
+          </a:ln>
+        </p:spPr>
+      </p:pic>
+      <p:pic>
+        <p:nvPicPr>
+          <p:cNvPr id="58371" name="Picture 3"/>
+          <p:cNvPicPr>
+            <a:picLocks noChangeAspect="1" noChangeArrowheads="1"/>
+          </p:cNvPicPr>
+          <p:nvPr/>
+        </p:nvPicPr>
+        <p:blipFill>
+          <a:blip r:embed="rId5" cstate="print"/>
+          <a:srcRect/>
+          <a:stretch>
+            <a:fillRect/>
+          </a:stretch>
+        </p:blipFill>
+        <p:spPr bwMode="auto">
+          <a:xfrm>
+            <a:off x="6948264" y="5661248"/>
+            <a:ext cx="1833720" cy="535309"/>
+          </a:xfrm>
+          <a:prstGeom prst="rect">
+            <a:avLst/>
+          </a:prstGeom>
+          <a:noFill/>
+          <a:ln w="9525">
+            <a:noFill/>
+            <a:miter lim="800000"/>
+            <a:headEnd/>
+            <a:tailEnd/>
+          </a:ln>
+        </p:spPr>
+      </p:pic>
+      <p:pic>
+        <p:nvPicPr>
+          <p:cNvPr id="58372" name="Picture 4"/>
+          <p:cNvPicPr>
+            <a:picLocks noChangeAspect="1" noChangeArrowheads="1"/>
+          </p:cNvPicPr>
+          <p:nvPr/>
+        </p:nvPicPr>
+        <p:blipFill>
+          <a:blip r:embed="rId6" cstate="print"/>
+          <a:srcRect/>
+          <a:stretch>
+            <a:fillRect/>
+          </a:stretch>
+        </p:blipFill>
+        <p:spPr bwMode="auto">
+          <a:xfrm>
+            <a:off x="8100392" y="3933056"/>
+            <a:ext cx="643508" cy="643508"/>
+          </a:xfrm>
+          <a:prstGeom prst="rect">
+            <a:avLst/>
+          </a:prstGeom>
+          <a:noFill/>
+          <a:ln w="9525">
+            <a:noFill/>
+            <a:miter lim="800000"/>
+            <a:headEnd/>
+            <a:tailEnd/>
+          </a:ln>
+        </p:spPr>
+      </p:pic>
     </p:spTree>
   </p:cSld>
   <p:clrMapOvr>
     <a:masterClrMapping/>
   </p:clrMapOvr>
+  <p:timing>
+    <p:tnLst>
+      <p:par>
+        <p:cTn id="1" dur="indefinite" restart="never" nodeType="tmRoot"/>
+      </p:par>
+    </p:tnLst>
+  </p:timing>
 </p:sld>
 </file>
 
@@ -7380,7 +8436,7 @@
           <p:nvPr/>
         </p:nvGraphicFramePr>
         <p:xfrm>
-          <a:off x="2411760" y="2996952"/>
+          <a:off x="2339752" y="2780928"/>
           <a:ext cx="4724400" cy="3268663"/>
         </p:xfrm>
         <a:graphic>
@@ -7396,6 +8452,13 @@
   <p:clrMapOvr>
     <a:masterClrMapping/>
   </p:clrMapOvr>
+  <p:timing>
+    <p:tnLst>
+      <p:par>
+        <p:cTn id="1" dur="indefinite" restart="never" nodeType="tmRoot"/>
+      </p:par>
+    </p:tnLst>
+  </p:timing>
 </p:sld>
 </file>
 
@@ -7451,6 +8514,13 @@
   <p:clrMapOvr>
     <a:masterClrMapping/>
   </p:clrMapOvr>
+  <p:timing>
+    <p:tnLst>
+      <p:par>
+        <p:cTn id="1" dur="indefinite" restart="never" nodeType="tmRoot"/>
+      </p:par>
+    </p:tnLst>
+  </p:timing>
 </p:sld>
 </file>
 
@@ -7522,18 +8592,41 @@
           <a:lstStyle/>
           <a:p>
             <a:r>
-              <a:rPr lang="es-AR" dirty="0" smtClean="0"/>
-              <a:t>Desarrollo</a:t>
+              <a:rPr lang="es-ES_tradnl" dirty="0" smtClean="0"/>
+              <a:t>Análisis y Diseño</a:t>
             </a:r>
             <a:endParaRPr lang="es-AR" dirty="0"/>
           </a:p>
         </p:txBody>
       </p:sp>
+      <p:graphicFrame>
+        <p:nvGraphicFramePr>
+          <p:cNvPr id="5" name="1 Gráfico"/>
+          <p:cNvGraphicFramePr/>
+          <p:nvPr/>
+        </p:nvGraphicFramePr>
+        <p:xfrm>
+          <a:off x="1115616" y="2636912"/>
+          <a:ext cx="6696744" cy="3744416"/>
+        </p:xfrm>
+        <a:graphic>
+          <a:graphicData uri="http://schemas.openxmlformats.org/drawingml/2006/chart">
+            <c:chart xmlns:c="http://schemas.openxmlformats.org/drawingml/2006/chart" xmlns:r="http://schemas.openxmlformats.org/officeDocument/2006/relationships" r:id="rId2"/>
+          </a:graphicData>
+        </a:graphic>
+      </p:graphicFrame>
     </p:spTree>
   </p:cSld>
   <p:clrMapOvr>
     <a:masterClrMapping/>
   </p:clrMapOvr>
+  <p:timing>
+    <p:tnLst>
+      <p:par>
+        <p:cTn id="1" dur="indefinite" restart="never" nodeType="tmRoot"/>
+      </p:par>
+    </p:tnLst>
+  </p:timing>
 </p:sld>
 </file>
 
@@ -7606,17 +8699,40 @@
           <a:p>
             <a:r>
               <a:rPr lang="es-AR" dirty="0" smtClean="0"/>
-              <a:t>Testing</a:t>
+              <a:t>Desarrollo</a:t>
             </a:r>
             <a:endParaRPr lang="es-AR" dirty="0"/>
           </a:p>
         </p:txBody>
       </p:sp>
+      <p:graphicFrame>
+        <p:nvGraphicFramePr>
+          <p:cNvPr id="4" name="2 Gráfico"/>
+          <p:cNvGraphicFramePr/>
+          <p:nvPr/>
+        </p:nvGraphicFramePr>
+        <p:xfrm>
+          <a:off x="1547664" y="2564904"/>
+          <a:ext cx="6192688" cy="3888432"/>
+        </p:xfrm>
+        <a:graphic>
+          <a:graphicData uri="http://schemas.openxmlformats.org/drawingml/2006/chart">
+            <c:chart xmlns:c="http://schemas.openxmlformats.org/drawingml/2006/chart" xmlns:r="http://schemas.openxmlformats.org/officeDocument/2006/relationships" r:id="rId2"/>
+          </a:graphicData>
+        </a:graphic>
+      </p:graphicFrame>
     </p:spTree>
   </p:cSld>
   <p:clrMapOvr>
     <a:masterClrMapping/>
   </p:clrMapOvr>
+  <p:timing>
+    <p:tnLst>
+      <p:par>
+        <p:cTn id="1" dur="indefinite" restart="never" nodeType="tmRoot"/>
+      </p:par>
+    </p:tnLst>
+  </p:timing>
 </p:sld>
 </file>
 
@@ -7661,7 +8777,7 @@
           <a:p>
             <a:r>
               <a:rPr lang="es-ES_tradnl" dirty="0" smtClean="0"/>
-              <a:t>Resultados Esfuerzo</a:t>
+              <a:t>Esfuerzo</a:t>
             </a:r>
             <a:endParaRPr lang="es-AR" dirty="0"/>
           </a:p>
@@ -7689,16 +8805,7 @@
           <a:p>
             <a:r>
               <a:rPr lang="es-AR" dirty="0" smtClean="0"/>
-              <a:t>Fecha de entrega estimada: 28/08/2011</a:t>
-            </a:r>
-          </a:p>
-          <a:p>
-            <a:endParaRPr lang="es-ES_tradnl" dirty="0" smtClean="0"/>
-          </a:p>
-          <a:p>
-            <a:r>
-              <a:rPr lang="es-ES_tradnl" dirty="0" smtClean="0"/>
-              <a:t>Fecha de entrega real: 27/07/2011</a:t>
+              <a:t>Testing</a:t>
             </a:r>
             <a:endParaRPr lang="es-AR" dirty="0"/>
           </a:p>
@@ -7776,86 +8883,23 @@
           </a:xfrm>
         </p:spPr>
         <p:txBody>
-          <a:bodyPr>
-            <a:normAutofit/>
-          </a:bodyPr>
-          <a:lstStyle/>
-          <a:p>
-            <a:pPr>
-              <a:lnSpc>
-                <a:spcPct val="90000"/>
-              </a:lnSpc>
-            </a:pPr>
+          <a:bodyPr/>
+          <a:lstStyle/>
+          <a:p>
             <a:r>
               <a:rPr lang="es-AR" dirty="0" smtClean="0"/>
-              <a:t>Desvíos:</a:t>
-            </a:r>
-          </a:p>
-          <a:p>
-            <a:pPr>
-              <a:lnSpc>
-                <a:spcPct val="90000"/>
-              </a:lnSpc>
-              <a:buNone/>
-            </a:pPr>
-            <a:endParaRPr lang="es-AR" dirty="0" smtClean="0"/>
-          </a:p>
-          <a:p>
-            <a:pPr>
-              <a:lnSpc>
-                <a:spcPct val="90000"/>
-              </a:lnSpc>
-              <a:buNone/>
-            </a:pPr>
-            <a:r>
-              <a:rPr lang="es-AR" dirty="0" smtClean="0"/>
-              <a:t>	….</a:t>
-            </a:r>
-          </a:p>
-          <a:p>
-            <a:pPr>
-              <a:lnSpc>
-                <a:spcPct val="90000"/>
-              </a:lnSpc>
-              <a:buNone/>
-            </a:pPr>
-            <a:endParaRPr lang="es-AR" dirty="0" smtClean="0"/>
-          </a:p>
-          <a:p>
-            <a:pPr>
-              <a:lnSpc>
-                <a:spcPct val="90000"/>
-              </a:lnSpc>
-            </a:pPr>
-            <a:r>
-              <a:rPr lang="es-AR" dirty="0" smtClean="0"/>
-              <a:t>¿Por qué existieron desvíos? </a:t>
-            </a:r>
-          </a:p>
-          <a:p>
-            <a:pPr lvl="1">
-              <a:lnSpc>
-                <a:spcPct val="90000"/>
-              </a:lnSpc>
-            </a:pPr>
-            <a:r>
-              <a:rPr lang="es-AR" sz="3200" dirty="0" smtClean="0"/>
-              <a:t>Incorrecta estimación de Esfuerzos.</a:t>
-            </a:r>
-          </a:p>
-          <a:p>
-            <a:pPr lvl="1">
-              <a:lnSpc>
-                <a:spcPct val="90000"/>
-              </a:lnSpc>
-            </a:pPr>
-            <a:r>
-              <a:rPr lang="es-AR" sz="3200" dirty="0" smtClean="0"/>
-              <a:t>Falta de conocimiento del Negocio.</a:t>
-            </a:r>
-          </a:p>
-          <a:p>
-            <a:endParaRPr lang="es-AR" dirty="0" smtClean="0"/>
+              <a:t>Fecha de entrega estimada: 28/08/2011</a:t>
+            </a:r>
+          </a:p>
+          <a:p>
+            <a:endParaRPr lang="es-ES_tradnl" dirty="0" smtClean="0"/>
+          </a:p>
+          <a:p>
+            <a:r>
+              <a:rPr lang="es-ES_tradnl" dirty="0" smtClean="0"/>
+              <a:t>Fecha de entrega real: 27/07/2011</a:t>
+            </a:r>
+            <a:endParaRPr lang="es-AR" dirty="0"/>
           </a:p>
         </p:txBody>
       </p:sp>
@@ -7908,7 +8952,7 @@
           <a:p>
             <a:r>
               <a:rPr lang="es-ES_tradnl" dirty="0" smtClean="0"/>
-              <a:t>Acciones Correctivas</a:t>
+              <a:t>Resultados Esfuerzo</a:t>
             </a:r>
             <a:endParaRPr lang="es-AR" dirty="0"/>
           </a:p>
@@ -7931,14 +8975,86 @@
           </a:xfrm>
         </p:spPr>
         <p:txBody>
-          <a:bodyPr/>
-          <a:lstStyle/>
-          <a:p>
+          <a:bodyPr>
+            <a:normAutofit/>
+          </a:bodyPr>
+          <a:lstStyle/>
+          <a:p>
+            <a:pPr>
+              <a:lnSpc>
+                <a:spcPct val="90000"/>
+              </a:lnSpc>
+            </a:pPr>
             <a:r>
               <a:rPr lang="es-AR" dirty="0" smtClean="0"/>
-              <a:t>…</a:t>
-            </a:r>
-            <a:endParaRPr lang="es-AR" dirty="0"/>
+              <a:t>Desvíos:</a:t>
+            </a:r>
+          </a:p>
+          <a:p>
+            <a:pPr>
+              <a:lnSpc>
+                <a:spcPct val="90000"/>
+              </a:lnSpc>
+              <a:buNone/>
+            </a:pPr>
+            <a:endParaRPr lang="es-AR" dirty="0" smtClean="0"/>
+          </a:p>
+          <a:p>
+            <a:pPr>
+              <a:lnSpc>
+                <a:spcPct val="90000"/>
+              </a:lnSpc>
+              <a:buNone/>
+            </a:pPr>
+            <a:r>
+              <a:rPr lang="es-AR" dirty="0" smtClean="0"/>
+              <a:t>	….</a:t>
+            </a:r>
+          </a:p>
+          <a:p>
+            <a:pPr>
+              <a:lnSpc>
+                <a:spcPct val="90000"/>
+              </a:lnSpc>
+              <a:buNone/>
+            </a:pPr>
+            <a:endParaRPr lang="es-AR" dirty="0" smtClean="0"/>
+          </a:p>
+          <a:p>
+            <a:pPr>
+              <a:lnSpc>
+                <a:spcPct val="90000"/>
+              </a:lnSpc>
+            </a:pPr>
+            <a:r>
+              <a:rPr lang="es-AR" dirty="0" smtClean="0"/>
+              <a:t>¿Por qué existieron desvíos? </a:t>
+            </a:r>
+          </a:p>
+          <a:p>
+            <a:pPr lvl="1">
+              <a:lnSpc>
+                <a:spcPct val="90000"/>
+              </a:lnSpc>
+            </a:pPr>
+            <a:r>
+              <a:rPr lang="es-AR" sz="3200" dirty="0" smtClean="0"/>
+              <a:t>Incorrecta estimación de Esfuerzos.</a:t>
+            </a:r>
+          </a:p>
+          <a:p>
+            <a:pPr lvl="1">
+              <a:lnSpc>
+                <a:spcPct val="90000"/>
+              </a:lnSpc>
+            </a:pPr>
+            <a:r>
+              <a:rPr lang="es-AR" sz="3200" dirty="0" smtClean="0"/>
+              <a:t>Falta de conocimiento del Negocio.</a:t>
+            </a:r>
+          </a:p>
+          <a:p>
+            <a:endParaRPr lang="es-AR" dirty="0" smtClean="0"/>
           </a:p>
         </p:txBody>
       </p:sp>
@@ -7991,7 +9107,7 @@
           <a:p>
             <a:r>
               <a:rPr lang="es-ES_tradnl" dirty="0" smtClean="0"/>
-              <a:t>Testing</a:t>
+              <a:t>Acciones Correctivas</a:t>
             </a:r>
             <a:endParaRPr lang="es-AR" dirty="0"/>
           </a:p>
@@ -8017,50 +9133,11 @@
           <a:bodyPr/>
           <a:lstStyle/>
           <a:p>
-            <a:pPr>
-              <a:buNone/>
-            </a:pPr>
             <a:r>
               <a:rPr lang="es-AR" dirty="0" smtClean="0"/>
-              <a:t>Tipos de Testing:</a:t>
-            </a:r>
-          </a:p>
-          <a:p>
-            <a:pPr>
-              <a:buNone/>
-            </a:pPr>
-            <a:endParaRPr lang="es-AR" dirty="0" smtClean="0"/>
-          </a:p>
-          <a:p>
-            <a:r>
-              <a:rPr lang="es-AR" dirty="0" smtClean="0"/>
-              <a:t>Test Unitario</a:t>
-            </a:r>
-          </a:p>
-          <a:p>
-            <a:r>
-              <a:rPr lang="es-AR" dirty="0" smtClean="0"/>
-              <a:t>Test Integral</a:t>
-            </a:r>
-          </a:p>
-          <a:p>
-            <a:r>
-              <a:rPr lang="es-AR" dirty="0" smtClean="0"/>
-              <a:t>Test de Aceptación de Usuario</a:t>
-            </a:r>
-          </a:p>
-          <a:p>
-            <a:r>
-              <a:rPr lang="es-AR" dirty="0" smtClean="0"/>
-              <a:t>Test de Concurrencia</a:t>
-            </a:r>
-          </a:p>
-          <a:p>
-            <a:r>
-              <a:rPr lang="es-AR" dirty="0" smtClean="0"/>
-              <a:t>Test de Seguridad</a:t>
-            </a:r>
-            <a:endParaRPr lang="es-AR" dirty="0" smtClean="0"/>
+              <a:t>…</a:t>
+            </a:r>
+            <a:endParaRPr lang="es-AR" dirty="0"/>
           </a:p>
         </p:txBody>
       </p:sp>
@@ -8136,56 +9213,52 @@
           </a:xfrm>
         </p:spPr>
         <p:txBody>
-          <a:bodyPr>
-            <a:normAutofit lnSpcReduction="10000"/>
-          </a:bodyPr>
+          <a:bodyPr/>
           <a:lstStyle/>
           <a:p>
             <a:pPr>
               <a:buNone/>
-              <a:defRPr/>
             </a:pPr>
             <a:r>
               <a:rPr lang="es-AR" dirty="0" smtClean="0"/>
-              <a:t>Criterios de Aceptación:</a:t>
+              <a:t>Tipos de Testing:</a:t>
             </a:r>
           </a:p>
           <a:p>
             <a:pPr>
               <a:buNone/>
-              <a:defRPr/>
             </a:pPr>
-            <a:endParaRPr lang="es-AR" sz="1600" dirty="0" smtClean="0"/>
-          </a:p>
-          <a:p>
-            <a:pPr>
-              <a:defRPr/>
-            </a:pPr>
+            <a:endParaRPr lang="es-AR" dirty="0" smtClean="0"/>
+          </a:p>
+          <a:p>
             <a:r>
               <a:rPr lang="es-AR" dirty="0" smtClean="0"/>
-              <a:t>Todos los CP testeados no deben poseer defectos con criticidad ALTA.</a:t>
-            </a:r>
-          </a:p>
-          <a:p>
-            <a:pPr>
-              <a:defRPr/>
-            </a:pPr>
+              <a:t>Test Unitario</a:t>
+            </a:r>
+          </a:p>
+          <a:p>
             <a:r>
               <a:rPr lang="es-AR" dirty="0" smtClean="0"/>
-              <a:t>Posibilidad de existencia de defectos de criticidad MEDIA ó BAJA, siempre y cuando no impacte en la calidad de implementación.</a:t>
-            </a:r>
-          </a:p>
-          <a:p>
-            <a:pPr>
-              <a:defRPr/>
-            </a:pPr>
+              <a:t>Test Integral</a:t>
+            </a:r>
+          </a:p>
+          <a:p>
             <a:r>
               <a:rPr lang="es-AR" dirty="0" smtClean="0"/>
-              <a:t>Mínimo 3 ciclos de Testing completos y cerrados.</a:t>
-            </a:r>
-          </a:p>
-          <a:p>
-            <a:endParaRPr lang="es-AR" dirty="0"/>
+              <a:t>Test de Aceptación de Usuario</a:t>
+            </a:r>
+          </a:p>
+          <a:p>
+            <a:r>
+              <a:rPr lang="es-AR" dirty="0" smtClean="0"/>
+              <a:t>Test de Concurrencia</a:t>
+            </a:r>
+          </a:p>
+          <a:p>
+            <a:r>
+              <a:rPr lang="es-AR" dirty="0" smtClean="0"/>
+              <a:t>Test de Seguridad</a:t>
+            </a:r>
           </a:p>
         </p:txBody>
       </p:sp>
@@ -8261,13 +9334,55 @@
           </a:xfrm>
         </p:spPr>
         <p:txBody>
-          <a:bodyPr/>
-          <a:lstStyle/>
-          <a:p>
+          <a:bodyPr>
+            <a:normAutofit lnSpcReduction="10000"/>
+          </a:bodyPr>
+          <a:lstStyle/>
+          <a:p>
+            <a:pPr>
+              <a:buNone/>
+              <a:defRPr/>
+            </a:pPr>
             <a:r>
               <a:rPr lang="es-AR" dirty="0" smtClean="0"/>
-              <a:t>Casos de Prueba</a:t>
-            </a:r>
+              <a:t>Criterios de Aceptación:</a:t>
+            </a:r>
+          </a:p>
+          <a:p>
+            <a:pPr>
+              <a:buNone/>
+              <a:defRPr/>
+            </a:pPr>
+            <a:endParaRPr lang="es-AR" sz="1600" dirty="0" smtClean="0"/>
+          </a:p>
+          <a:p>
+            <a:pPr>
+              <a:defRPr/>
+            </a:pPr>
+            <a:r>
+              <a:rPr lang="es-AR" dirty="0" smtClean="0"/>
+              <a:t>Todos los CP testeados no deben poseer defectos con criticidad ALTA.</a:t>
+            </a:r>
+          </a:p>
+          <a:p>
+            <a:pPr>
+              <a:defRPr/>
+            </a:pPr>
+            <a:r>
+              <a:rPr lang="es-AR" dirty="0" smtClean="0"/>
+              <a:t>Posibilidad de existencia de defectos de criticidad MEDIA ó BAJA, siempre y cuando no impacte en la calidad de implementación.</a:t>
+            </a:r>
+          </a:p>
+          <a:p>
+            <a:pPr>
+              <a:defRPr/>
+            </a:pPr>
+            <a:r>
+              <a:rPr lang="es-AR" dirty="0" smtClean="0"/>
+              <a:t>Mínimo 3 ciclos de Testing completos y cerrados.</a:t>
+            </a:r>
+          </a:p>
+          <a:p>
             <a:endParaRPr lang="es-AR" dirty="0"/>
           </a:p>
         </p:txBody>
@@ -8349,11 +9464,7 @@
           <a:p>
             <a:r>
               <a:rPr lang="es-AR" dirty="0" smtClean="0"/>
-              <a:t>Sirius </a:t>
-            </a:r>
-            <a:r>
-              <a:rPr lang="es-AR" dirty="0" smtClean="0"/>
-              <a:t>es una solución de software destinada a brindar soporte a la gestión integral de Proyectos de Organismos No Gubernamentales. </a:t>
+              <a:t>Sirius es una solución de software destinada a brindar soporte a la gestión integral de Proyectos de Organismos No Gubernamentales. </a:t>
             </a:r>
             <a:endParaRPr lang="es-AR" dirty="0"/>
           </a:p>
@@ -8415,7 +9526,7 @@
           <a:p>
             <a:r>
               <a:rPr lang="es-ES_tradnl" dirty="0" smtClean="0"/>
-              <a:t>Costos del Proyecto</a:t>
+              <a:t>Testing</a:t>
             </a:r>
             <a:endParaRPr lang="es-AR" dirty="0"/>
           </a:p>
@@ -8443,11 +9554,7 @@
           <a:p>
             <a:r>
               <a:rPr lang="es-AR" dirty="0" smtClean="0"/>
-              <a:t>Sirius </a:t>
-            </a:r>
-            <a:r>
-              <a:rPr lang="es-AR" dirty="0" smtClean="0"/>
-              <a:t>es una solución de software destinada a brindar soporte a la gestión integral de Proyectos de Organismos No Gubernamentales. </a:t>
+              <a:t>Casos de Prueba</a:t>
             </a:r>
             <a:endParaRPr lang="es-AR" dirty="0"/>
           </a:p>
@@ -8502,7 +9609,7 @@
           <a:p>
             <a:r>
               <a:rPr lang="es-ES_tradnl" dirty="0" smtClean="0"/>
-              <a:t>Esfuerzo Solicitudes de Cambio</a:t>
+              <a:t>Costos del Proyecto</a:t>
             </a:r>
             <a:endParaRPr lang="es-AR" dirty="0"/>
           </a:p>
@@ -8530,11 +9637,7 @@
           <a:p>
             <a:r>
               <a:rPr lang="es-AR" dirty="0" smtClean="0"/>
-              <a:t>Sirius </a:t>
-            </a:r>
-            <a:r>
-              <a:rPr lang="es-AR" dirty="0" smtClean="0"/>
-              <a:t>es una solución de software destinada a brindar soporte a la gestión integral de Proyectos de Organismos No Gubernamentales. </a:t>
+              <a:t>Sirius es una solución de software destinada a brindar soporte a la gestión integral de Proyectos de Organismos No Gubernamentales. </a:t>
             </a:r>
             <a:endParaRPr lang="es-AR" dirty="0"/>
           </a:p>
@@ -8589,7 +9692,7 @@
           <a:p>
             <a:r>
               <a:rPr lang="es-ES_tradnl" dirty="0" smtClean="0"/>
-              <a:t>Conclusiones</a:t>
+              <a:t>Esfuerzo Solicitudes de Cambio</a:t>
             </a:r>
             <a:endParaRPr lang="es-AR" dirty="0"/>
           </a:p>
@@ -8617,7 +9720,7 @@
           <a:p>
             <a:r>
               <a:rPr lang="es-AR" dirty="0" smtClean="0"/>
-              <a:t>…</a:t>
+              <a:t>Sirius es una solución de software destinada a brindar soporte a la gestión integral de Proyectos de Organismos No Gubernamentales. </a:t>
             </a:r>
             <a:endParaRPr lang="es-AR" dirty="0"/>
           </a:p>
@@ -8672,7 +9775,7 @@
           <a:p>
             <a:r>
               <a:rPr lang="es-ES_tradnl" dirty="0" smtClean="0"/>
-              <a:t>Lecciones Aprendidas</a:t>
+              <a:t>Próximos pasos…</a:t>
             </a:r>
             <a:endParaRPr lang="es-AR" dirty="0"/>
           </a:p>
@@ -8698,10 +9801,36 @@
           <a:bodyPr/>
           <a:lstStyle/>
           <a:p>
-            <a:r>
-              <a:rPr lang="es-AR" dirty="0" smtClean="0"/>
-              <a:t>…</a:t>
-            </a:r>
+            <a:pPr lvl="0"/>
+            <a:r>
+              <a:rPr lang="es-ES_tradnl" dirty="0" smtClean="0"/>
+              <a:t>Implementación en SAHDES</a:t>
+            </a:r>
+          </a:p>
+          <a:p>
+            <a:pPr lvl="0"/>
+            <a:endParaRPr lang="es-ES_tradnl" dirty="0" smtClean="0"/>
+          </a:p>
+          <a:p>
+            <a:pPr lvl="0"/>
+            <a:r>
+              <a:rPr lang="es-ES_tradnl" dirty="0" smtClean="0"/>
+              <a:t>Evaluación requerimientos nuevos clientes</a:t>
+            </a:r>
+          </a:p>
+          <a:p>
+            <a:pPr lvl="0"/>
+            <a:endParaRPr lang="es-ES_tradnl" dirty="0" smtClean="0"/>
+          </a:p>
+          <a:p>
+            <a:pPr lvl="0"/>
+            <a:r>
+              <a:rPr lang="es-ES_tradnl" dirty="0" smtClean="0"/>
+              <a:t>Oportunidades de mejora</a:t>
+            </a:r>
+            <a:endParaRPr lang="es-AR" dirty="0" smtClean="0"/>
+          </a:p>
+          <a:p>
             <a:endParaRPr lang="es-AR" dirty="0"/>
           </a:p>
         </p:txBody>
@@ -8755,7 +9884,7 @@
           <a:p>
             <a:r>
               <a:rPr lang="es-ES_tradnl" dirty="0" smtClean="0"/>
-              <a:t>¿Qué es Sirius?</a:t>
+              <a:t>Conclusiones</a:t>
             </a:r>
             <a:endParaRPr lang="es-AR" dirty="0"/>
           </a:p>
@@ -8783,11 +9912,7 @@
           <a:p>
             <a:r>
               <a:rPr lang="es-AR" dirty="0" smtClean="0"/>
-              <a:t>Sirius </a:t>
-            </a:r>
-            <a:r>
-              <a:rPr lang="es-AR" dirty="0" smtClean="0"/>
-              <a:t>es una solución de software destinada a brindar soporte a la gestión integral de Proyectos de Organismos No Gubernamentales. </a:t>
+              <a:t>…</a:t>
             </a:r>
             <a:endParaRPr lang="es-AR" dirty="0"/>
           </a:p>
@@ -8842,7 +9967,7 @@
           <a:p>
             <a:r>
               <a:rPr lang="es-ES_tradnl" dirty="0" smtClean="0"/>
-              <a:t>¿Qué es Sirius?</a:t>
+              <a:t>Lecciones Aprendidas</a:t>
             </a:r>
             <a:endParaRPr lang="es-AR" dirty="0"/>
           </a:p>
@@ -8870,11 +9995,7 @@
           <a:p>
             <a:r>
               <a:rPr lang="es-AR" dirty="0" smtClean="0"/>
-              <a:t>Sirius </a:t>
-            </a:r>
-            <a:r>
-              <a:rPr lang="es-AR" dirty="0" smtClean="0"/>
-              <a:t>es una solución de software destinada a brindar soporte a la gestión integral de Proyectos de Organismos No Gubernamentales. </a:t>
+              <a:t>…</a:t>
             </a:r>
             <a:endParaRPr lang="es-AR" dirty="0"/>
           </a:p>
@@ -8957,11 +10078,7 @@
           <a:p>
             <a:r>
               <a:rPr lang="es-AR" dirty="0" smtClean="0"/>
-              <a:t>Sirius </a:t>
-            </a:r>
-            <a:r>
-              <a:rPr lang="es-AR" dirty="0" smtClean="0"/>
-              <a:t>es una solución de software destinada a brindar soporte a la gestión integral de Proyectos de Organismos No Gubernamentales. </a:t>
+              <a:t>Sirius es una solución de software destinada a brindar soporte a la gestión integral de Proyectos de Organismos No Gubernamentales. </a:t>
             </a:r>
             <a:endParaRPr lang="es-AR" dirty="0"/>
           </a:p>
@@ -9044,11 +10161,7 @@
           <a:p>
             <a:r>
               <a:rPr lang="es-AR" dirty="0" smtClean="0"/>
-              <a:t>Sirius </a:t>
-            </a:r>
-            <a:r>
-              <a:rPr lang="es-AR" dirty="0" smtClean="0"/>
-              <a:t>es una solución de software destinada a brindar soporte a la gestión integral de Proyectos de Organismos No Gubernamentales. </a:t>
+              <a:t>Sirius es una solución de software destinada a brindar soporte a la gestión integral de Proyectos de Organismos No Gubernamentales. </a:t>
             </a:r>
             <a:endParaRPr lang="es-AR" dirty="0"/>
           </a:p>
@@ -9131,11 +10244,7 @@
           <a:p>
             <a:r>
               <a:rPr lang="es-AR" dirty="0" smtClean="0"/>
-              <a:t>Sirius </a:t>
-            </a:r>
-            <a:r>
-              <a:rPr lang="es-AR" dirty="0" smtClean="0"/>
-              <a:t>es una solución de software destinada a brindar soporte a la gestión integral de Proyectos de Organismos No Gubernamentales. </a:t>
+              <a:t>Sirius es una solución de software destinada a brindar soporte a la gestión integral de Proyectos de Organismos No Gubernamentales. </a:t>
             </a:r>
             <a:endParaRPr lang="es-AR" dirty="0"/>
           </a:p>
@@ -9218,11 +10327,7 @@
           <a:p>
             <a:r>
               <a:rPr lang="es-AR" dirty="0" smtClean="0"/>
-              <a:t>Sirius </a:t>
-            </a:r>
-            <a:r>
-              <a:rPr lang="es-AR" dirty="0" smtClean="0"/>
-              <a:t>es una solución de software destinada a brindar soporte a la gestión integral de Proyectos de Organismos No Gubernamentales. </a:t>
+              <a:t>Sirius es una solución de software destinada a brindar soporte a la gestión integral de Proyectos de Organismos No Gubernamentales. </a:t>
             </a:r>
             <a:endParaRPr lang="es-AR" dirty="0"/>
           </a:p>
@@ -9451,55 +10556,7 @@
                 </a:solidFill>
                 <a:latin typeface="Calibri" pitchFamily="34" charset="0"/>
               </a:rPr>
-              <a:t>Para </a:t>
-            </a:r>
-            <a:r>
-              <a:rPr lang="es-AR" dirty="0" smtClean="0">
-                <a:solidFill>
-                  <a:schemeClr val="tx1">
-                    <a:lumMod val="65000"/>
-                    <a:lumOff val="35000"/>
-                  </a:schemeClr>
-                </a:solidFill>
-                <a:latin typeface="Calibri" pitchFamily="34" charset="0"/>
-              </a:rPr>
-              <a:t>la administración de los proyectos </a:t>
-            </a:r>
-            <a:r>
-              <a:rPr lang="es-AR" dirty="0" smtClean="0">
-                <a:solidFill>
-                  <a:schemeClr val="tx1">
-                    <a:lumMod val="65000"/>
-                    <a:lumOff val="35000"/>
-                  </a:schemeClr>
-                </a:solidFill>
-                <a:latin typeface="Calibri" pitchFamily="34" charset="0"/>
-              </a:rPr>
-              <a:t>estamos </a:t>
-            </a:r>
-            <a:r>
-              <a:rPr lang="es-AR" dirty="0" smtClean="0">
-                <a:solidFill>
-                  <a:schemeClr val="tx1">
-                    <a:lumMod val="65000"/>
-                    <a:lumOff val="35000"/>
-                  </a:schemeClr>
-                </a:solidFill>
-                <a:latin typeface="Calibri" pitchFamily="34" charset="0"/>
-              </a:rPr>
-              <a:t>utilizando un  Excel extensivo y casi </a:t>
-            </a:r>
-            <a:r>
-              <a:rPr lang="es-AR" dirty="0" smtClean="0">
-                <a:solidFill>
-                  <a:schemeClr val="tx1">
-                    <a:lumMod val="65000"/>
-                    <a:lumOff val="35000"/>
-                  </a:schemeClr>
-                </a:solidFill>
-                <a:latin typeface="Calibri" pitchFamily="34" charset="0"/>
-              </a:rPr>
-              <a:t>inmanejable…</a:t>
+              <a:t>Para la administración de los proyectos estamos utilizando un  Excel extensivo y casi inmanejable…</a:t>
             </a:r>
             <a:r>
               <a:rPr lang="es-ES" dirty="0" smtClean="0">
@@ -9542,55 +10599,7 @@
                 </a:solidFill>
                 <a:latin typeface="Calibri" pitchFamily="34" charset="0"/>
               </a:rPr>
-              <a:t>“No podemos saber </a:t>
-            </a:r>
-            <a:r>
-              <a:rPr lang="es-AR" dirty="0" smtClean="0">
-                <a:solidFill>
-                  <a:schemeClr val="tx1">
-                    <a:lumMod val="65000"/>
-                    <a:lumOff val="35000"/>
-                  </a:schemeClr>
-                </a:solidFill>
-                <a:latin typeface="Calibri" pitchFamily="34" charset="0"/>
-              </a:rPr>
-              <a:t>fácilmente cuando se </a:t>
-            </a:r>
-            <a:r>
-              <a:rPr lang="es-AR" dirty="0" smtClean="0">
-                <a:solidFill>
-                  <a:schemeClr val="tx1">
-                    <a:lumMod val="65000"/>
-                    <a:lumOff val="35000"/>
-                  </a:schemeClr>
-                </a:solidFill>
-                <a:latin typeface="Calibri" pitchFamily="34" charset="0"/>
-              </a:rPr>
-              <a:t>esta </a:t>
-            </a:r>
-            <a:r>
-              <a:rPr lang="es-AR" dirty="0" smtClean="0">
-                <a:solidFill>
-                  <a:schemeClr val="tx1">
-                    <a:lumMod val="65000"/>
-                    <a:lumOff val="35000"/>
-                  </a:schemeClr>
-                </a:solidFill>
-                <a:latin typeface="Calibri" pitchFamily="34" charset="0"/>
-              </a:rPr>
-              <a:t>excediendo lo presupuestado ni en que tarea se sobre </a:t>
-            </a:r>
-            <a:r>
-              <a:rPr lang="es-AR" dirty="0" smtClean="0">
-                <a:solidFill>
-                  <a:schemeClr val="tx1">
-                    <a:lumMod val="65000"/>
-                    <a:lumOff val="35000"/>
-                  </a:schemeClr>
-                </a:solidFill>
-                <a:latin typeface="Calibri" pitchFamily="34" charset="0"/>
-              </a:rPr>
-              <a:t>presupuesto…”</a:t>
+              <a:t>“No podemos saber fácilmente cuando se esta excediendo lo presupuestado ni en que tarea se sobre presupuesto…”</a:t>
             </a:r>
             <a:endParaRPr lang="es-ES" dirty="0" smtClean="0">
               <a:solidFill>
@@ -9688,11 +10697,7 @@
           <a:p>
             <a:r>
               <a:rPr lang="es-AR" dirty="0" smtClean="0"/>
-              <a:t>Sirius </a:t>
-            </a:r>
-            <a:r>
-              <a:rPr lang="es-AR" dirty="0" smtClean="0"/>
-              <a:t>es una solución de software destinada a brindar soporte a la gestión integral de Proyectos de Organismos No Gubernamentales. </a:t>
+              <a:t>Sirius es una solución de software destinada a brindar soporte a la gestión integral de Proyectos de Organismos No Gubernamentales. </a:t>
             </a:r>
             <a:endParaRPr lang="es-AR" dirty="0"/>
           </a:p>
@@ -9775,11 +10780,7 @@
           <a:p>
             <a:r>
               <a:rPr lang="es-AR" dirty="0" smtClean="0"/>
-              <a:t>Sirius </a:t>
-            </a:r>
-            <a:r>
-              <a:rPr lang="es-AR" dirty="0" smtClean="0"/>
-              <a:t>es una solución de software destinada a brindar soporte a la gestión integral de Proyectos de Organismos No Gubernamentales. </a:t>
+              <a:t>Sirius es una solución de software destinada a brindar soporte a la gestión integral de Proyectos de Organismos No Gubernamentales. </a:t>
             </a:r>
             <a:endParaRPr lang="es-AR" dirty="0"/>
           </a:p>
@@ -9862,11 +10863,7 @@
           <a:p>
             <a:r>
               <a:rPr lang="es-AR" dirty="0" smtClean="0"/>
-              <a:t>Sirius </a:t>
-            </a:r>
-            <a:r>
-              <a:rPr lang="es-AR" dirty="0" smtClean="0"/>
-              <a:t>es una solución de software destinada a brindar soporte a la gestión integral de Proyectos de Organismos No Gubernamentales. </a:t>
+              <a:t>Sirius es una solución de software destinada a brindar soporte a la gestión integral de Proyectos de Organismos No Gubernamentales. </a:t>
             </a:r>
             <a:endParaRPr lang="es-AR" dirty="0"/>
           </a:p>
@@ -9949,11 +10946,7 @@
           <a:p>
             <a:r>
               <a:rPr lang="es-AR" dirty="0" smtClean="0"/>
-              <a:t>Sirius </a:t>
-            </a:r>
-            <a:r>
-              <a:rPr lang="es-AR" dirty="0" smtClean="0"/>
-              <a:t>es una solución de software destinada a brindar soporte a la gestión integral de Proyectos de Organismos No Gubernamentales. </a:t>
+              <a:t>Sirius es una solución de software destinada a brindar soporte a la gestión integral de Proyectos de Organismos No Gubernamentales. </a:t>
             </a:r>
             <a:endParaRPr lang="es-AR" dirty="0"/>
           </a:p>
@@ -10036,11 +11029,7 @@
           <a:p>
             <a:r>
               <a:rPr lang="es-AR" dirty="0" smtClean="0"/>
-              <a:t>Sirius </a:t>
-            </a:r>
-            <a:r>
-              <a:rPr lang="es-AR" dirty="0" smtClean="0"/>
-              <a:t>es una solución de software destinada a brindar soporte a la gestión integral de Proyectos de Organismos No Gubernamentales. </a:t>
+              <a:t>Sirius es una solución de software destinada a brindar soporte a la gestión integral de Proyectos de Organismos No Gubernamentales. </a:t>
             </a:r>
             <a:endParaRPr lang="es-AR" dirty="0"/>
           </a:p>
@@ -10123,11 +11112,7 @@
           <a:p>
             <a:r>
               <a:rPr lang="es-AR" dirty="0" smtClean="0"/>
-              <a:t>Sirius </a:t>
-            </a:r>
-            <a:r>
-              <a:rPr lang="es-AR" dirty="0" smtClean="0"/>
-              <a:t>es una solución de software destinada a brindar soporte a la gestión integral de Proyectos de Organismos No Gubernamentales. </a:t>
+              <a:t>Sirius es una solución de software destinada a brindar soporte a la gestión integral de Proyectos de Organismos No Gubernamentales. </a:t>
             </a:r>
             <a:endParaRPr lang="es-AR" dirty="0"/>
           </a:p>
@@ -10210,11 +11195,173 @@
           <a:p>
             <a:r>
               <a:rPr lang="es-AR" dirty="0" smtClean="0"/>
-              <a:t>Sirius </a:t>
-            </a:r>
+              <a:t>Sirius es una solución de software destinada a brindar soporte a la gestión integral de Proyectos de Organismos No Gubernamentales. </a:t>
+            </a:r>
+            <a:endParaRPr lang="es-AR" dirty="0"/>
+          </a:p>
+        </p:txBody>
+      </p:sp>
+    </p:spTree>
+  </p:cSld>
+  <p:clrMapOvr>
+    <a:masterClrMapping/>
+  </p:clrMapOvr>
+</p:sld>
+</file>
+
+<file path=ppt/slides/slide47.xml><?xml version="1.0" encoding="utf-8"?>
+<p:sld xmlns:a="http://schemas.openxmlformats.org/drawingml/2006/main" xmlns:r="http://schemas.openxmlformats.org/officeDocument/2006/relationships" xmlns:p="http://schemas.openxmlformats.org/presentationml/2006/main">
+  <p:cSld>
+    <p:spTree>
+      <p:nvGrpSpPr>
+        <p:cNvPr id="1" name=""/>
+        <p:cNvGrpSpPr/>
+        <p:nvPr/>
+      </p:nvGrpSpPr>
+      <p:grpSpPr>
+        <a:xfrm>
+          <a:off x="0" y="0"/>
+          <a:ext cx="0" cy="0"/>
+          <a:chOff x="0" y="0"/>
+          <a:chExt cx="0" cy="0"/>
+        </a:xfrm>
+      </p:grpSpPr>
+      <p:sp>
+        <p:nvSpPr>
+          <p:cNvPr id="2" name="1 Título"/>
+          <p:cNvSpPr>
+            <a:spLocks noGrp="1"/>
+          </p:cNvSpPr>
+          <p:nvPr>
+            <p:ph type="title"/>
+          </p:nvPr>
+        </p:nvSpPr>
+        <p:spPr>
+          <a:xfrm>
+            <a:off x="457200" y="1196752"/>
+            <a:ext cx="8229600" cy="504056"/>
+          </a:xfrm>
+        </p:spPr>
+        <p:txBody>
+          <a:bodyPr>
+            <a:normAutofit fontScale="90000"/>
+          </a:bodyPr>
+          <a:lstStyle/>
+          <a:p>
+            <a:r>
+              <a:rPr lang="es-ES_tradnl" dirty="0" smtClean="0"/>
+              <a:t>¿Qué es Sirius?</a:t>
+            </a:r>
+            <a:endParaRPr lang="es-AR" dirty="0"/>
+          </a:p>
+        </p:txBody>
+      </p:sp>
+      <p:sp>
+        <p:nvSpPr>
+          <p:cNvPr id="3" name="2 Marcador de contenido"/>
+          <p:cNvSpPr>
+            <a:spLocks noGrp="1"/>
+          </p:cNvSpPr>
+          <p:nvPr>
+            <p:ph idx="1"/>
+          </p:nvPr>
+        </p:nvSpPr>
+        <p:spPr>
+          <a:xfrm>
+            <a:off x="457200" y="2060848"/>
+            <a:ext cx="8229600" cy="4392488"/>
+          </a:xfrm>
+        </p:spPr>
+        <p:txBody>
+          <a:bodyPr/>
+          <a:lstStyle/>
+          <a:p>
             <a:r>
               <a:rPr lang="es-AR" dirty="0" smtClean="0"/>
-              <a:t>es una solución de software destinada a brindar soporte a la gestión integral de Proyectos de Organismos No Gubernamentales. </a:t>
+              <a:t>Sirius es una solución de software destinada a brindar soporte a la gestión integral de Proyectos de Organismos No Gubernamentales. </a:t>
+            </a:r>
+            <a:endParaRPr lang="es-AR" dirty="0"/>
+          </a:p>
+        </p:txBody>
+      </p:sp>
+    </p:spTree>
+  </p:cSld>
+  <p:clrMapOvr>
+    <a:masterClrMapping/>
+  </p:clrMapOvr>
+</p:sld>
+</file>
+
+<file path=ppt/slides/slide48.xml><?xml version="1.0" encoding="utf-8"?>
+<p:sld xmlns:a="http://schemas.openxmlformats.org/drawingml/2006/main" xmlns:r="http://schemas.openxmlformats.org/officeDocument/2006/relationships" xmlns:p="http://schemas.openxmlformats.org/presentationml/2006/main">
+  <p:cSld>
+    <p:spTree>
+      <p:nvGrpSpPr>
+        <p:cNvPr id="1" name=""/>
+        <p:cNvGrpSpPr/>
+        <p:nvPr/>
+      </p:nvGrpSpPr>
+      <p:grpSpPr>
+        <a:xfrm>
+          <a:off x="0" y="0"/>
+          <a:ext cx="0" cy="0"/>
+          <a:chOff x="0" y="0"/>
+          <a:chExt cx="0" cy="0"/>
+        </a:xfrm>
+      </p:grpSpPr>
+      <p:sp>
+        <p:nvSpPr>
+          <p:cNvPr id="2" name="1 Título"/>
+          <p:cNvSpPr>
+            <a:spLocks noGrp="1"/>
+          </p:cNvSpPr>
+          <p:nvPr>
+            <p:ph type="title"/>
+          </p:nvPr>
+        </p:nvSpPr>
+        <p:spPr>
+          <a:xfrm>
+            <a:off x="457200" y="1196752"/>
+            <a:ext cx="8229600" cy="504056"/>
+          </a:xfrm>
+        </p:spPr>
+        <p:txBody>
+          <a:bodyPr>
+            <a:normAutofit fontScale="90000"/>
+          </a:bodyPr>
+          <a:lstStyle/>
+          <a:p>
+            <a:r>
+              <a:rPr lang="es-ES_tradnl" dirty="0" smtClean="0"/>
+              <a:t>¿Qué es Sirius?</a:t>
+            </a:r>
+            <a:endParaRPr lang="es-AR" dirty="0"/>
+          </a:p>
+        </p:txBody>
+      </p:sp>
+      <p:sp>
+        <p:nvSpPr>
+          <p:cNvPr id="3" name="2 Marcador de contenido"/>
+          <p:cNvSpPr>
+            <a:spLocks noGrp="1"/>
+          </p:cNvSpPr>
+          <p:nvPr>
+            <p:ph idx="1"/>
+          </p:nvPr>
+        </p:nvSpPr>
+        <p:spPr>
+          <a:xfrm>
+            <a:off x="457200" y="2060848"/>
+            <a:ext cx="8229600" cy="4392488"/>
+          </a:xfrm>
+        </p:spPr>
+        <p:txBody>
+          <a:bodyPr/>
+          <a:lstStyle/>
+          <a:p>
+            <a:r>
+              <a:rPr lang="es-AR" dirty="0" smtClean="0"/>
+              <a:t>Sirius es una solución de software destinada a brindar soporte a la gestión integral de Proyectos de Organismos No Gubernamentales. </a:t>
             </a:r>
             <a:endParaRPr lang="es-AR" dirty="0"/>
           </a:p>
@@ -10312,50 +11459,26 @@
                   <a:srgbClr val="595959"/>
                 </a:solidFill>
               </a:rPr>
-              <a:t>Sencillez en la instalación, configuración y </a:t>
-            </a:r>
+              <a:t>Sencillez en la instalación, configuración y uso del sistema</a:t>
+            </a:r>
+          </a:p>
+          <a:p>
+            <a:r>
+              <a:rPr lang="es-ES_tradnl" dirty="0" smtClean="0"/>
+              <a:t>Escalable</a:t>
+            </a:r>
+          </a:p>
+          <a:p>
+            <a:pPr>
+              <a:buNone/>
+            </a:pPr>
             <a:r>
               <a:rPr lang="es-ES" sz="1900" dirty="0" smtClean="0">
                 <a:solidFill>
                   <a:srgbClr val="595959"/>
                 </a:solidFill>
               </a:rPr>
-              <a:t>uso del </a:t>
-            </a:r>
-            <a:r>
-              <a:rPr lang="es-ES" sz="1900" dirty="0" smtClean="0">
-                <a:solidFill>
-                  <a:srgbClr val="595959"/>
-                </a:solidFill>
-              </a:rPr>
-              <a:t>sistema</a:t>
-            </a:r>
-          </a:p>
-          <a:p>
-            <a:r>
-              <a:rPr lang="es-ES_tradnl" dirty="0" smtClean="0"/>
-              <a:t>Escalable</a:t>
-            </a:r>
-          </a:p>
-          <a:p>
-            <a:pPr>
-              <a:buNone/>
-            </a:pPr>
-            <a:r>
-              <a:rPr lang="es-ES" sz="1900" dirty="0" smtClean="0">
-                <a:solidFill>
-                  <a:srgbClr val="595959"/>
-                </a:solidFill>
-              </a:rPr>
-              <a:t>Posibilidad de crecer junto con la </a:t>
-            </a:r>
-            <a:r>
-              <a:rPr lang="es-ES" sz="1900" dirty="0" smtClean="0">
-                <a:solidFill>
-                  <a:srgbClr val="595959"/>
-                </a:solidFill>
-              </a:rPr>
-              <a:t>organización</a:t>
+              <a:t>Posibilidad de crecer junto con la organización</a:t>
             </a:r>
             <a:endParaRPr lang="es-ES_tradnl" sz="1900" dirty="0" smtClean="0"/>
           </a:p>
@@ -10677,11 +11800,7 @@
             <a:pPr lvl="1" fontAlgn="base"/>
             <a:r>
               <a:rPr lang="es-AR" sz="1600" dirty="0" smtClean="0"/>
-              <a:t>Objetivos </a:t>
-            </a:r>
-            <a:r>
-              <a:rPr lang="es-AR" sz="1600" dirty="0" smtClean="0"/>
-              <a:t>específicos</a:t>
+              <a:t>Objetivos específicos</a:t>
             </a:r>
           </a:p>
           <a:p>
@@ -11295,4 +12414,283 @@
   <a:objectDefaults/>
   <a:extraClrSchemeLst/>
 </a:theme>
+</file>
+
+<file path=ppt/theme/themeOverride1.xml><?xml version="1.0" encoding="utf-8"?>
+<a:themeOverride xmlns:a="http://schemas.openxmlformats.org/drawingml/2006/main">
+  <a:clrScheme name="Office">
+    <a:dk1>
+      <a:sysClr val="windowText" lastClr="000000"/>
+    </a:dk1>
+    <a:lt1>
+      <a:sysClr val="window" lastClr="FFFFFF"/>
+    </a:lt1>
+    <a:dk2>
+      <a:srgbClr val="1F497D"/>
+    </a:dk2>
+    <a:lt2>
+      <a:srgbClr val="EEECE1"/>
+    </a:lt2>
+    <a:accent1>
+      <a:srgbClr val="4F81BD"/>
+    </a:accent1>
+    <a:accent2>
+      <a:srgbClr val="C0504D"/>
+    </a:accent2>
+    <a:accent3>
+      <a:srgbClr val="9BBB59"/>
+    </a:accent3>
+    <a:accent4>
+      <a:srgbClr val="8064A2"/>
+    </a:accent4>
+    <a:accent5>
+      <a:srgbClr val="4BACC6"/>
+    </a:accent5>
+    <a:accent6>
+      <a:srgbClr val="F79646"/>
+    </a:accent6>
+    <a:hlink>
+      <a:srgbClr val="0000FF"/>
+    </a:hlink>
+    <a:folHlink>
+      <a:srgbClr val="800080"/>
+    </a:folHlink>
+  </a:clrScheme>
+  <a:fontScheme name="Office">
+    <a:majorFont>
+      <a:latin typeface="Cambria"/>
+      <a:ea typeface=""/>
+      <a:cs typeface=""/>
+      <a:font script="Jpan" typeface="ＭＳ Ｐゴシック"/>
+      <a:font script="Hang" typeface="맑은 고딕"/>
+      <a:font script="Hans" typeface="宋体"/>
+      <a:font script="Hant" typeface="新細明體"/>
+      <a:font script="Arab" typeface="Times New Roman"/>
+      <a:font script="Hebr" typeface="Times New Roman"/>
+      <a:font script="Thai" typeface="Tahoma"/>
+      <a:font script="Ethi" typeface="Nyala"/>
+      <a:font script="Beng" typeface="Vrinda"/>
+      <a:font script="Gujr" typeface="Shruti"/>
+      <a:font script="Khmr" typeface="MoolBoran"/>
+      <a:font script="Knda" typeface="Tunga"/>
+      <a:font script="Guru" typeface="Raavi"/>
+      <a:font script="Cans" typeface="Euphemia"/>
+      <a:font script="Cher" typeface="Plantagenet Cherokee"/>
+      <a:font script="Yiii" typeface="Microsoft Yi Baiti"/>
+      <a:font script="Tibt" typeface="Microsoft Himalaya"/>
+      <a:font script="Thaa" typeface="MV Boli"/>
+      <a:font script="Deva" typeface="Mangal"/>
+      <a:font script="Telu" typeface="Gautami"/>
+      <a:font script="Taml" typeface="Latha"/>
+      <a:font script="Syrc" typeface="Estrangelo Edessa"/>
+      <a:font script="Orya" typeface="Kalinga"/>
+      <a:font script="Mlym" typeface="Kartika"/>
+      <a:font script="Laoo" typeface="DokChampa"/>
+      <a:font script="Sinh" typeface="Iskoola Pota"/>
+      <a:font script="Mong" typeface="Mongolian Baiti"/>
+      <a:font script="Viet" typeface="Times New Roman"/>
+      <a:font script="Uigh" typeface="Microsoft Uighur"/>
+    </a:majorFont>
+    <a:minorFont>
+      <a:latin typeface="Calibri"/>
+      <a:ea typeface=""/>
+      <a:cs typeface=""/>
+      <a:font script="Jpan" typeface="ＭＳ Ｐゴシック"/>
+      <a:font script="Hang" typeface="맑은 고딕"/>
+      <a:font script="Hans" typeface="宋体"/>
+      <a:font script="Hant" typeface="新細明體"/>
+      <a:font script="Arab" typeface="Arial"/>
+      <a:font script="Hebr" typeface="Arial"/>
+      <a:font script="Thai" typeface="Tahoma"/>
+      <a:font script="Ethi" typeface="Nyala"/>
+      <a:font script="Beng" typeface="Vrinda"/>
+      <a:font script="Gujr" typeface="Shruti"/>
+      <a:font script="Khmr" typeface="DaunPenh"/>
+      <a:font script="Knda" typeface="Tunga"/>
+      <a:font script="Guru" typeface="Raavi"/>
+      <a:font script="Cans" typeface="Euphemia"/>
+      <a:font script="Cher" typeface="Plantagenet Cherokee"/>
+      <a:font script="Yiii" typeface="Microsoft Yi Baiti"/>
+      <a:font script="Tibt" typeface="Microsoft Himalaya"/>
+      <a:font script="Thaa" typeface="MV Boli"/>
+      <a:font script="Deva" typeface="Mangal"/>
+      <a:font script="Telu" typeface="Gautami"/>
+      <a:font script="Taml" typeface="Latha"/>
+      <a:font script="Syrc" typeface="Estrangelo Edessa"/>
+      <a:font script="Orya" typeface="Kalinga"/>
+      <a:font script="Mlym" typeface="Kartika"/>
+      <a:font script="Laoo" typeface="DokChampa"/>
+      <a:font script="Sinh" typeface="Iskoola Pota"/>
+      <a:font script="Mong" typeface="Mongolian Baiti"/>
+      <a:font script="Viet" typeface="Arial"/>
+      <a:font script="Uigh" typeface="Microsoft Uighur"/>
+    </a:minorFont>
+  </a:fontScheme>
+  <a:fmtScheme name="Office">
+    <a:fillStyleLst>
+      <a:solidFill>
+        <a:schemeClr val="phClr"/>
+      </a:solidFill>
+      <a:gradFill rotWithShape="1">
+        <a:gsLst>
+          <a:gs pos="0">
+            <a:schemeClr val="phClr">
+              <a:tint val="50000"/>
+              <a:satMod val="300000"/>
+            </a:schemeClr>
+          </a:gs>
+          <a:gs pos="35000">
+            <a:schemeClr val="phClr">
+              <a:tint val="37000"/>
+              <a:satMod val="300000"/>
+            </a:schemeClr>
+          </a:gs>
+          <a:gs pos="100000">
+            <a:schemeClr val="phClr">
+              <a:tint val="15000"/>
+              <a:satMod val="350000"/>
+            </a:schemeClr>
+          </a:gs>
+        </a:gsLst>
+        <a:lin ang="16200000" scaled="1"/>
+      </a:gradFill>
+      <a:gradFill rotWithShape="1">
+        <a:gsLst>
+          <a:gs pos="0">
+            <a:schemeClr val="phClr">
+              <a:shade val="51000"/>
+              <a:satMod val="130000"/>
+            </a:schemeClr>
+          </a:gs>
+          <a:gs pos="80000">
+            <a:schemeClr val="phClr">
+              <a:shade val="93000"/>
+              <a:satMod val="130000"/>
+            </a:schemeClr>
+          </a:gs>
+          <a:gs pos="100000">
+            <a:schemeClr val="phClr">
+              <a:shade val="94000"/>
+              <a:satMod val="135000"/>
+            </a:schemeClr>
+          </a:gs>
+        </a:gsLst>
+        <a:lin ang="16200000" scaled="0"/>
+      </a:gradFill>
+    </a:fillStyleLst>
+    <a:lnStyleLst>
+      <a:ln w="9525" cap="flat" cmpd="sng" algn="ctr">
+        <a:solidFill>
+          <a:schemeClr val="phClr">
+            <a:shade val="95000"/>
+            <a:satMod val="105000"/>
+          </a:schemeClr>
+        </a:solidFill>
+        <a:prstDash val="solid"/>
+      </a:ln>
+      <a:ln w="25400" cap="flat" cmpd="sng" algn="ctr">
+        <a:solidFill>
+          <a:schemeClr val="phClr"/>
+        </a:solidFill>
+        <a:prstDash val="solid"/>
+      </a:ln>
+      <a:ln w="38100" cap="flat" cmpd="sng" algn="ctr">
+        <a:solidFill>
+          <a:schemeClr val="phClr"/>
+        </a:solidFill>
+        <a:prstDash val="solid"/>
+      </a:ln>
+    </a:lnStyleLst>
+    <a:effectStyleLst>
+      <a:effectStyle>
+        <a:effectLst>
+          <a:outerShdw blurRad="40000" dist="20000" dir="5400000" rotWithShape="0">
+            <a:srgbClr val="000000">
+              <a:alpha val="38000"/>
+            </a:srgbClr>
+          </a:outerShdw>
+        </a:effectLst>
+      </a:effectStyle>
+      <a:effectStyle>
+        <a:effectLst>
+          <a:outerShdw blurRad="40000" dist="23000" dir="5400000" rotWithShape="0">
+            <a:srgbClr val="000000">
+              <a:alpha val="35000"/>
+            </a:srgbClr>
+          </a:outerShdw>
+        </a:effectLst>
+      </a:effectStyle>
+      <a:effectStyle>
+        <a:effectLst>
+          <a:outerShdw blurRad="40000" dist="23000" dir="5400000" rotWithShape="0">
+            <a:srgbClr val="000000">
+              <a:alpha val="35000"/>
+            </a:srgbClr>
+          </a:outerShdw>
+        </a:effectLst>
+        <a:scene3d>
+          <a:camera prst="orthographicFront">
+            <a:rot lat="0" lon="0" rev="0"/>
+          </a:camera>
+          <a:lightRig rig="threePt" dir="t">
+            <a:rot lat="0" lon="0" rev="1200000"/>
+          </a:lightRig>
+        </a:scene3d>
+        <a:sp3d>
+          <a:bevelT w="63500" h="25400"/>
+        </a:sp3d>
+      </a:effectStyle>
+    </a:effectStyleLst>
+    <a:bgFillStyleLst>
+      <a:solidFill>
+        <a:schemeClr val="phClr"/>
+      </a:solidFill>
+      <a:gradFill rotWithShape="1">
+        <a:gsLst>
+          <a:gs pos="0">
+            <a:schemeClr val="phClr">
+              <a:tint val="40000"/>
+              <a:satMod val="350000"/>
+            </a:schemeClr>
+          </a:gs>
+          <a:gs pos="40000">
+            <a:schemeClr val="phClr">
+              <a:tint val="45000"/>
+              <a:shade val="99000"/>
+              <a:satMod val="350000"/>
+            </a:schemeClr>
+          </a:gs>
+          <a:gs pos="100000">
+            <a:schemeClr val="phClr">
+              <a:shade val="20000"/>
+              <a:satMod val="255000"/>
+            </a:schemeClr>
+          </a:gs>
+        </a:gsLst>
+        <a:path path="circle">
+          <a:fillToRect l="50000" t="-80000" r="50000" b="180000"/>
+        </a:path>
+      </a:gradFill>
+      <a:gradFill rotWithShape="1">
+        <a:gsLst>
+          <a:gs pos="0">
+            <a:schemeClr val="phClr">
+              <a:tint val="80000"/>
+              <a:satMod val="300000"/>
+            </a:schemeClr>
+          </a:gs>
+          <a:gs pos="100000">
+            <a:schemeClr val="phClr">
+              <a:shade val="30000"/>
+              <a:satMod val="200000"/>
+            </a:schemeClr>
+          </a:gs>
+        </a:gsLst>
+        <a:path path="circle">
+          <a:fillToRect l="50000" t="50000" r="50000" b="50000"/>
+        </a:path>
+      </a:gradFill>
+    </a:bgFillStyleLst>
+  </a:fmtScheme>
+</a:themeOverride>
 </file>
--- a/Documentacion/Presentacion/Presentacion Sirius.pptx
+++ b/Documentacion/Presentacion/Presentacion Sirius.pptx
@@ -26,33 +26,22 @@
     <p:sldId id="301" r:id="rId20"/>
     <p:sldId id="300" r:id="rId21"/>
     <p:sldId id="271" r:id="rId22"/>
-    <p:sldId id="272" r:id="rId23"/>
-    <p:sldId id="304" r:id="rId24"/>
-    <p:sldId id="273" r:id="rId25"/>
-    <p:sldId id="274" r:id="rId26"/>
-    <p:sldId id="275" r:id="rId27"/>
-    <p:sldId id="276" r:id="rId28"/>
-    <p:sldId id="277" r:id="rId29"/>
-    <p:sldId id="278" r:id="rId30"/>
-    <p:sldId id="279" r:id="rId31"/>
-    <p:sldId id="280" r:id="rId32"/>
-    <p:sldId id="281" r:id="rId33"/>
-    <p:sldId id="282" r:id="rId34"/>
-    <p:sldId id="303" r:id="rId35"/>
-    <p:sldId id="283" r:id="rId36"/>
-    <p:sldId id="284" r:id="rId37"/>
-    <p:sldId id="285" r:id="rId38"/>
-    <p:sldId id="286" r:id="rId39"/>
-    <p:sldId id="287" r:id="rId40"/>
-    <p:sldId id="288" r:id="rId41"/>
-    <p:sldId id="289" r:id="rId42"/>
-    <p:sldId id="290" r:id="rId43"/>
-    <p:sldId id="291" r:id="rId44"/>
-    <p:sldId id="292" r:id="rId45"/>
-    <p:sldId id="293" r:id="rId46"/>
-    <p:sldId id="294" r:id="rId47"/>
-    <p:sldId id="295" r:id="rId48"/>
-    <p:sldId id="296" r:id="rId49"/>
+    <p:sldId id="307" r:id="rId23"/>
+    <p:sldId id="272" r:id="rId24"/>
+    <p:sldId id="304" r:id="rId25"/>
+    <p:sldId id="273" r:id="rId26"/>
+    <p:sldId id="274" r:id="rId27"/>
+    <p:sldId id="306" r:id="rId28"/>
+    <p:sldId id="275" r:id="rId29"/>
+    <p:sldId id="277" r:id="rId30"/>
+    <p:sldId id="278" r:id="rId31"/>
+    <p:sldId id="279" r:id="rId32"/>
+    <p:sldId id="305" r:id="rId33"/>
+    <p:sldId id="280" r:id="rId34"/>
+    <p:sldId id="281" r:id="rId35"/>
+    <p:sldId id="282" r:id="rId36"/>
+    <p:sldId id="303" r:id="rId37"/>
+    <p:sldId id="283" r:id="rId38"/>
   </p:sldIdLst>
   <p:sldSz cx="9144000" cy="6858000" type="screen4x3"/>
   <p:notesSz cx="6858000" cy="9144000"/>
@@ -158,6 +147,219 @@
 <c:chartSpace xmlns:c="http://schemas.openxmlformats.org/drawingml/2006/chart" xmlns:a="http://schemas.openxmlformats.org/drawingml/2006/main" xmlns:r="http://schemas.openxmlformats.org/officeDocument/2006/relationships">
   <c:lang val="es-AR"/>
   <c:chart>
+    <c:view3D>
+      <c:rAngAx val="1"/>
+    </c:view3D>
+    <c:plotArea>
+      <c:layout/>
+      <c:bar3DChart>
+        <c:barDir val="col"/>
+        <c:grouping val="clustered"/>
+        <c:ser>
+          <c:idx val="0"/>
+          <c:order val="0"/>
+          <c:tx>
+            <c:strRef>
+              <c:f>'Horas Incurridas'!$A$10</c:f>
+              <c:strCache>
+                <c:ptCount val="1"/>
+                <c:pt idx="0">
+                  <c:v>Estimación</c:v>
+                </c:pt>
+              </c:strCache>
+            </c:strRef>
+          </c:tx>
+          <c:dLbls>
+            <c:dLbl>
+              <c:idx val="0"/>
+              <c:layout>
+                <c:manualLayout>
+                  <c:x val="2.7777777777777809E-3"/>
+                  <c:y val="0.10176871402444999"/>
+                </c:manualLayout>
+              </c:layout>
+              <c:showVal val="1"/>
+            </c:dLbl>
+            <c:txPr>
+              <a:bodyPr/>
+              <a:lstStyle/>
+              <a:p>
+                <a:pPr>
+                  <a:defRPr baseline="0">
+                    <a:solidFill>
+                      <a:schemeClr val="bg1"/>
+                    </a:solidFill>
+                  </a:defRPr>
+                </a:pPr>
+                <a:endParaRPr lang="es-AR"/>
+              </a:p>
+            </c:txPr>
+            <c:showVal val="1"/>
+          </c:dLbls>
+          <c:cat>
+            <c:strRef>
+              <c:f>'Horas Incurridas'!$B$1</c:f>
+              <c:strCache>
+                <c:ptCount val="1"/>
+                <c:pt idx="0">
+                  <c:v>Horas Estimadas</c:v>
+                </c:pt>
+              </c:strCache>
+            </c:strRef>
+          </c:cat>
+          <c:val>
+            <c:numRef>
+              <c:f>'Horas Incurridas'!$B$10</c:f>
+              <c:numCache>
+                <c:formatCode>General</c:formatCode>
+                <c:ptCount val="1"/>
+                <c:pt idx="0">
+                  <c:v>3556</c:v>
+                </c:pt>
+              </c:numCache>
+            </c:numRef>
+          </c:val>
+        </c:ser>
+        <c:ser>
+          <c:idx val="1"/>
+          <c:order val="1"/>
+          <c:tx>
+            <c:strRef>
+              <c:f>'Horas Incurridas'!$A$11</c:f>
+              <c:strCache>
+                <c:ptCount val="1"/>
+                <c:pt idx="0">
+                  <c:v>Estimación Formal</c:v>
+                </c:pt>
+              </c:strCache>
+            </c:strRef>
+          </c:tx>
+          <c:dLbls>
+            <c:dLbl>
+              <c:idx val="0"/>
+              <c:layout>
+                <c:manualLayout>
+                  <c:x val="5.0925337632080051E-17"/>
+                  <c:y val="0.10639456466192501"/>
+                </c:manualLayout>
+              </c:layout>
+              <c:showVal val="1"/>
+            </c:dLbl>
+            <c:txPr>
+              <a:bodyPr/>
+              <a:lstStyle/>
+              <a:p>
+                <a:pPr>
+                  <a:defRPr baseline="0">
+                    <a:solidFill>
+                      <a:schemeClr val="bg1"/>
+                    </a:solidFill>
+                  </a:defRPr>
+                </a:pPr>
+                <a:endParaRPr lang="es-AR"/>
+              </a:p>
+            </c:txPr>
+            <c:showVal val="1"/>
+          </c:dLbls>
+          <c:cat>
+            <c:strRef>
+              <c:f>'Horas Incurridas'!$B$1</c:f>
+              <c:strCache>
+                <c:ptCount val="1"/>
+                <c:pt idx="0">
+                  <c:v>Horas Estimadas</c:v>
+                </c:pt>
+              </c:strCache>
+            </c:strRef>
+          </c:cat>
+          <c:val>
+            <c:numRef>
+              <c:f>'Horas Incurridas'!$B$11</c:f>
+              <c:numCache>
+                <c:formatCode>General</c:formatCode>
+                <c:ptCount val="1"/>
+                <c:pt idx="0">
+                  <c:v>3915</c:v>
+                </c:pt>
+              </c:numCache>
+            </c:numRef>
+          </c:val>
+        </c:ser>
+        <c:shape val="box"/>
+        <c:axId val="84200448"/>
+        <c:axId val="86339968"/>
+        <c:axId val="0"/>
+      </c:bar3DChart>
+      <c:catAx>
+        <c:axId val="84200448"/>
+        <c:scaling>
+          <c:orientation val="minMax"/>
+        </c:scaling>
+        <c:delete val="1"/>
+        <c:axPos val="b"/>
+        <c:tickLblPos val="none"/>
+        <c:crossAx val="86339968"/>
+        <c:crosses val="autoZero"/>
+        <c:auto val="1"/>
+        <c:lblAlgn val="ctr"/>
+        <c:lblOffset val="100"/>
+      </c:catAx>
+      <c:valAx>
+        <c:axId val="86339968"/>
+        <c:scaling>
+          <c:orientation val="minMax"/>
+          <c:min val="0"/>
+        </c:scaling>
+        <c:axPos val="l"/>
+        <c:majorGridlines/>
+        <c:title>
+          <c:tx>
+            <c:rich>
+              <a:bodyPr rot="0" vert="horz"/>
+              <a:lstStyle/>
+              <a:p>
+                <a:pPr>
+                  <a:defRPr/>
+                </a:pPr>
+                <a:r>
+                  <a:rPr lang="es-AR"/>
+                  <a:t>Horas</a:t>
+                </a:r>
+              </a:p>
+            </c:rich>
+          </c:tx>
+          <c:layout>
+            <c:manualLayout>
+              <c:xMode val="edge"/>
+              <c:yMode val="edge"/>
+              <c:x val="1.4376202974628162E-2"/>
+              <c:y val="0.48055995375606331"/>
+            </c:manualLayout>
+          </c:layout>
+        </c:title>
+        <c:numFmt formatCode="General" sourceLinked="1"/>
+        <c:tickLblPos val="nextTo"/>
+        <c:crossAx val="84200448"/>
+        <c:crosses val="autoZero"/>
+        <c:crossBetween val="between"/>
+        <c:minorUnit val="500"/>
+      </c:valAx>
+    </c:plotArea>
+    <c:legend>
+      <c:legendPos val="r"/>
+      <c:layout/>
+    </c:legend>
+    <c:plotVisOnly val="1"/>
+  </c:chart>
+  <c:externalData r:id="rId1"/>
+</c:chartSpace>
+</file>
+
+<file path=ppt/charts/chart2.xml><?xml version="1.0" encoding="utf-8"?>
+<c:chartSpace xmlns:c="http://schemas.openxmlformats.org/drawingml/2006/chart" xmlns:a="http://schemas.openxmlformats.org/drawingml/2006/main" xmlns:r="http://schemas.openxmlformats.org/officeDocument/2006/relationships">
+  <c:date1904 val="1"/>
+  <c:lang val="es-AR"/>
+  <c:chart>
     <c:autoTitleDeleted val="1"/>
     <c:view3D>
       <c:depthPercent val="100"/>
@@ -187,7 +389,7 @@
               <c:idx val="0"/>
               <c:layout>
                 <c:manualLayout>
-                  <c:x val="-2.5462668816040029E-17"/>
+                  <c:x val="-2.5462668816040053E-17"/>
                   <c:y val="0.1111111111111111"/>
                 </c:manualLayout>
               </c:layout>
@@ -279,7 +481,7 @@
               <c:layout>
                 <c:manualLayout>
                   <c:x val="0"/>
-                  <c:y val="8.7962962962963021E-2"/>
+                  <c:y val="8.7962962962963034E-2"/>
                 </c:manualLayout>
               </c:layout>
               <c:showVal val="1"/>
@@ -331,26 +533,26 @@
           </c:val>
         </c:ser>
         <c:shape val="box"/>
-        <c:axId val="96839168"/>
-        <c:axId val="96840704"/>
+        <c:axId val="173205760"/>
+        <c:axId val="173207552"/>
         <c:axId val="0"/>
       </c:bar3DChart>
       <c:catAx>
-        <c:axId val="96839168"/>
+        <c:axId val="173205760"/>
         <c:scaling>
           <c:orientation val="minMax"/>
         </c:scaling>
         <c:axPos val="b"/>
         <c:majorTickMark val="none"/>
         <c:tickLblPos val="nextTo"/>
-        <c:crossAx val="96840704"/>
+        <c:crossAx val="173207552"/>
         <c:crosses val="autoZero"/>
         <c:auto val="1"/>
         <c:lblAlgn val="ctr"/>
         <c:lblOffset val="100"/>
       </c:catAx>
       <c:valAx>
-        <c:axId val="96840704"/>
+        <c:axId val="173207552"/>
         <c:scaling>
           <c:orientation val="minMax"/>
         </c:scaling>
@@ -376,14 +578,14 @@
             <c:manualLayout>
               <c:xMode val="edge"/>
               <c:yMode val="edge"/>
-              <c:x val="1.7642825896762918E-2"/>
+              <c:x val="1.7642825896762925E-2"/>
               <c:y val="0.46087525517643635"/>
             </c:manualLayout>
           </c:layout>
         </c:title>
         <c:numFmt formatCode="General" sourceLinked="0"/>
         <c:tickLblPos val="nextTo"/>
-        <c:crossAx val="96839168"/>
+        <c:crossAx val="173205760"/>
         <c:crosses val="autoZero"/>
         <c:crossBetween val="between"/>
       </c:valAx>
@@ -398,8 +600,9 @@
 </c:chartSpace>
 </file>
 
-<file path=ppt/charts/chart2.xml><?xml version="1.0" encoding="utf-8"?>
+<file path=ppt/charts/chart3.xml><?xml version="1.0" encoding="utf-8"?>
 <c:chartSpace xmlns:c="http://schemas.openxmlformats.org/drawingml/2006/chart" xmlns:a="http://schemas.openxmlformats.org/drawingml/2006/main" xmlns:r="http://schemas.openxmlformats.org/officeDocument/2006/relationships">
+  <c:date1904 val="1"/>
   <c:lang val="es-AR"/>
   <c:clrMapOvr bg1="lt1" tx1="dk1" bg2="lt2" tx2="dk2" accent1="accent1" accent2="accent2" accent3="accent3" accent4="accent4" accent5="accent5" accent6="accent6" hlink="hlink" folHlink="folHlink"/>
   <c:chart>
@@ -432,7 +635,7 @@
               <c:idx val="0"/>
               <c:layout>
                 <c:manualLayout>
-                  <c:x val="-2.5462668816040053E-17"/>
+                  <c:x val="-2.5462668816040075E-17"/>
                   <c:y val="0.1111111111111111"/>
                 </c:manualLayout>
               </c:layout>
@@ -518,7 +721,7 @@
               <c:layout>
                 <c:manualLayout>
                   <c:x val="0"/>
-                  <c:y val="8.7962962962963034E-2"/>
+                  <c:y val="8.7962962962963062E-2"/>
                 </c:manualLayout>
               </c:layout>
               <c:showVal val="1"/>
@@ -564,26 +767,303 @@
           </c:val>
         </c:ser>
         <c:shape val="box"/>
-        <c:axId val="112695168"/>
-        <c:axId val="116393472"/>
+        <c:axId val="175597440"/>
+        <c:axId val="175598976"/>
         <c:axId val="0"/>
       </c:bar3DChart>
       <c:catAx>
-        <c:axId val="112695168"/>
+        <c:axId val="175597440"/>
         <c:scaling>
           <c:orientation val="minMax"/>
         </c:scaling>
         <c:axPos val="b"/>
         <c:majorTickMark val="none"/>
         <c:tickLblPos val="nextTo"/>
-        <c:crossAx val="116393472"/>
+        <c:crossAx val="175598976"/>
         <c:crosses val="autoZero"/>
         <c:auto val="1"/>
         <c:lblAlgn val="ctr"/>
         <c:lblOffset val="100"/>
       </c:catAx>
       <c:valAx>
-        <c:axId val="116393472"/>
+        <c:axId val="175598976"/>
+        <c:scaling>
+          <c:orientation val="minMax"/>
+        </c:scaling>
+        <c:axPos val="l"/>
+        <c:majorGridlines/>
+        <c:title>
+          <c:tx>
+            <c:rich>
+              <a:bodyPr rot="0" vert="horz"/>
+              <a:lstStyle/>
+              <a:p>
+                <a:pPr>
+                  <a:defRPr/>
+                </a:pPr>
+                <a:r>
+                  <a:rPr lang="es-AR"/>
+                  <a:t>Horas</a:t>
+                </a:r>
+              </a:p>
+            </c:rich>
+          </c:tx>
+          <c:layout>
+            <c:manualLayout>
+              <c:xMode val="edge"/>
+              <c:yMode val="edge"/>
+              <c:x val="1.7642825896762929E-2"/>
+              <c:y val="0.46087525517643635"/>
+            </c:manualLayout>
+          </c:layout>
+        </c:title>
+        <c:numFmt formatCode="General" sourceLinked="0"/>
+        <c:tickLblPos val="nextTo"/>
+        <c:crossAx val="175597440"/>
+        <c:crosses val="autoZero"/>
+        <c:crossBetween val="between"/>
+      </c:valAx>
+    </c:plotArea>
+    <c:legend>
+      <c:legendPos val="r"/>
+      <c:layout/>
+    </c:legend>
+    <c:plotVisOnly val="1"/>
+  </c:chart>
+  <c:externalData r:id="rId2"/>
+</c:chartSpace>
+</file>
+
+<file path=ppt/charts/chart4.xml><?xml version="1.0" encoding="utf-8"?>
+<c:chartSpace xmlns:c="http://schemas.openxmlformats.org/drawingml/2006/chart" xmlns:a="http://schemas.openxmlformats.org/drawingml/2006/main" xmlns:r="http://schemas.openxmlformats.org/officeDocument/2006/relationships">
+  <c:lang val="es-AR"/>
+  <c:clrMapOvr bg1="lt1" tx1="dk1" bg2="lt2" tx2="dk2" accent1="accent1" accent2="accent2" accent3="accent3" accent4="accent4" accent5="accent5" accent6="accent6" hlink="hlink" folHlink="folHlink"/>
+  <c:chart>
+    <c:autoTitleDeleted val="1"/>
+    <c:view3D>
+      <c:depthPercent val="100"/>
+      <c:rAngAx val="1"/>
+    </c:view3D>
+    <c:plotArea>
+      <c:layout/>
+      <c:bar3DChart>
+        <c:barDir val="col"/>
+        <c:grouping val="clustered"/>
+        <c:ser>
+          <c:idx val="0"/>
+          <c:order val="0"/>
+          <c:tx>
+            <c:strRef>
+              <c:f>'Horas Incurridas'!$B$1</c:f>
+              <c:strCache>
+                <c:ptCount val="1"/>
+                <c:pt idx="0">
+                  <c:v>Horas Estimadas</c:v>
+                </c:pt>
+              </c:strCache>
+            </c:strRef>
+          </c:tx>
+          <c:dLbls>
+            <c:dLbl>
+              <c:idx val="0"/>
+              <c:layout>
+                <c:manualLayout>
+                  <c:x val="-2.5462668816040053E-17"/>
+                  <c:y val="0.1111111111111111"/>
+                </c:manualLayout>
+              </c:layout>
+              <c:showVal val="1"/>
+            </c:dLbl>
+            <c:dLbl>
+              <c:idx val="1"/>
+              <c:layout>
+                <c:manualLayout>
+                  <c:x val="0"/>
+                  <c:y val="0.1111111111111111"/>
+                </c:manualLayout>
+              </c:layout>
+              <c:showVal val="1"/>
+            </c:dLbl>
+            <c:dLbl>
+              <c:idx val="2"/>
+              <c:layout>
+                <c:manualLayout>
+                  <c:x val="8.3333333333333367E-3"/>
+                  <c:y val="0.10648148148148154"/>
+                </c:manualLayout>
+              </c:layout>
+              <c:showVal val="1"/>
+            </c:dLbl>
+            <c:txPr>
+              <a:bodyPr/>
+              <a:lstStyle/>
+              <a:p>
+                <a:pPr>
+                  <a:defRPr>
+                    <a:solidFill>
+                      <a:schemeClr val="bg1"/>
+                    </a:solidFill>
+                  </a:defRPr>
+                </a:pPr>
+                <a:endParaRPr lang="es-AR"/>
+              </a:p>
+            </c:txPr>
+            <c:showVal val="1"/>
+          </c:dLbls>
+          <c:cat>
+            <c:strRef>
+              <c:f>'Horas Incurridas'!$A$6:$A$8</c:f>
+              <c:strCache>
+                <c:ptCount val="3"/>
+                <c:pt idx="0">
+                  <c:v>Ciclo 1</c:v>
+                </c:pt>
+                <c:pt idx="1">
+                  <c:v>Ciclo 2</c:v>
+                </c:pt>
+                <c:pt idx="2">
+                  <c:v>Ciclo 3</c:v>
+                </c:pt>
+              </c:strCache>
+            </c:strRef>
+          </c:cat>
+          <c:val>
+            <c:numRef>
+              <c:f>'Horas Incurridas'!$B$6:$B$8</c:f>
+              <c:numCache>
+                <c:formatCode>General</c:formatCode>
+                <c:ptCount val="3"/>
+                <c:pt idx="0">
+                  <c:v>200</c:v>
+                </c:pt>
+                <c:pt idx="1">
+                  <c:v>200</c:v>
+                </c:pt>
+                <c:pt idx="2">
+                  <c:v>200</c:v>
+                </c:pt>
+              </c:numCache>
+            </c:numRef>
+          </c:val>
+        </c:ser>
+        <c:ser>
+          <c:idx val="1"/>
+          <c:order val="1"/>
+          <c:tx>
+            <c:strRef>
+              <c:f>'Horas Incurridas'!$C$1</c:f>
+              <c:strCache>
+                <c:ptCount val="1"/>
+                <c:pt idx="0">
+                  <c:v>Horas Incurridas</c:v>
+                </c:pt>
+              </c:strCache>
+            </c:strRef>
+          </c:tx>
+          <c:dLbls>
+            <c:dLbl>
+              <c:idx val="0"/>
+              <c:layout>
+                <c:manualLayout>
+                  <c:x val="0"/>
+                  <c:y val="9.7222222222222224E-2"/>
+                </c:manualLayout>
+              </c:layout>
+              <c:showVal val="1"/>
+            </c:dLbl>
+            <c:dLbl>
+              <c:idx val="1"/>
+              <c:layout>
+                <c:manualLayout>
+                  <c:x val="0"/>
+                  <c:y val="8.7962962962963034E-2"/>
+                </c:manualLayout>
+              </c:layout>
+              <c:showVal val="1"/>
+            </c:dLbl>
+            <c:dLbl>
+              <c:idx val="2"/>
+              <c:layout>
+                <c:manualLayout>
+                  <c:x val="2.7777777777777809E-3"/>
+                  <c:y val="9.7222222222222224E-2"/>
+                </c:manualLayout>
+              </c:layout>
+              <c:showVal val="1"/>
+            </c:dLbl>
+            <c:txPr>
+              <a:bodyPr/>
+              <a:lstStyle/>
+              <a:p>
+                <a:pPr>
+                  <a:defRPr>
+                    <a:solidFill>
+                      <a:schemeClr val="bg1"/>
+                    </a:solidFill>
+                  </a:defRPr>
+                </a:pPr>
+                <a:endParaRPr lang="es-AR"/>
+              </a:p>
+            </c:txPr>
+            <c:showVal val="1"/>
+          </c:dLbls>
+          <c:cat>
+            <c:strRef>
+              <c:f>'Horas Incurridas'!$A$6:$A$8</c:f>
+              <c:strCache>
+                <c:ptCount val="3"/>
+                <c:pt idx="0">
+                  <c:v>Ciclo 1</c:v>
+                </c:pt>
+                <c:pt idx="1">
+                  <c:v>Ciclo 2</c:v>
+                </c:pt>
+                <c:pt idx="2">
+                  <c:v>Ciclo 3</c:v>
+                </c:pt>
+              </c:strCache>
+            </c:strRef>
+          </c:cat>
+          <c:val>
+            <c:numRef>
+              <c:f>'Horas Incurridas'!$C$6:$C$8</c:f>
+              <c:numCache>
+                <c:formatCode>General</c:formatCode>
+                <c:ptCount val="3"/>
+                <c:pt idx="0">
+                  <c:v>103</c:v>
+                </c:pt>
+                <c:pt idx="1">
+                  <c:v>149</c:v>
+                </c:pt>
+                <c:pt idx="2">
+                  <c:v>121</c:v>
+                </c:pt>
+              </c:numCache>
+            </c:numRef>
+          </c:val>
+        </c:ser>
+        <c:shape val="box"/>
+        <c:axId val="128462208"/>
+        <c:axId val="136927104"/>
+        <c:axId val="0"/>
+      </c:bar3DChart>
+      <c:catAx>
+        <c:axId val="128462208"/>
+        <c:scaling>
+          <c:orientation val="minMax"/>
+        </c:scaling>
+        <c:axPos val="b"/>
+        <c:majorTickMark val="none"/>
+        <c:tickLblPos val="nextTo"/>
+        <c:crossAx val="136927104"/>
+        <c:crosses val="autoZero"/>
+        <c:auto val="1"/>
+        <c:lblAlgn val="ctr"/>
+        <c:lblOffset val="100"/>
+      </c:catAx>
+      <c:valAx>
+        <c:axId val="136927104"/>
         <c:scaling>
           <c:orientation val="minMax"/>
         </c:scaling>
@@ -616,7 +1096,7 @@
         </c:title>
         <c:numFmt formatCode="General" sourceLinked="0"/>
         <c:tickLblPos val="nextTo"/>
-        <c:crossAx val="112695168"/>
+        <c:crossAx val="128462208"/>
         <c:crosses val="autoZero"/>
         <c:crossBetween val="between"/>
       </c:valAx>
@@ -628,6 +1108,440 @@
     <c:plotVisOnly val="1"/>
   </c:chart>
   <c:externalData r:id="rId2"/>
+</c:chartSpace>
+</file>
+
+<file path=ppt/charts/chart5.xml><?xml version="1.0" encoding="utf-8"?>
+<c:chartSpace xmlns:c="http://schemas.openxmlformats.org/drawingml/2006/chart" xmlns:a="http://schemas.openxmlformats.org/drawingml/2006/main" xmlns:r="http://schemas.openxmlformats.org/officeDocument/2006/relationships">
+  <c:lang val="es-AR"/>
+  <c:chart>
+    <c:autoTitleDeleted val="1"/>
+    <c:plotArea>
+      <c:layout/>
+      <c:barChart>
+        <c:barDir val="col"/>
+        <c:grouping val="clustered"/>
+        <c:ser>
+          <c:idx val="0"/>
+          <c:order val="0"/>
+          <c:tx>
+            <c:strRef>
+              <c:f>'Horas Incurridas'!$D$1</c:f>
+              <c:strCache>
+                <c:ptCount val="1"/>
+                <c:pt idx="0">
+                  <c:v>Desvio</c:v>
+                </c:pt>
+              </c:strCache>
+            </c:strRef>
+          </c:tx>
+          <c:dLbls>
+            <c:dLbl>
+              <c:idx val="0"/>
+              <c:layout>
+                <c:manualLayout>
+                  <c:x val="-2.5314804169280824E-3"/>
+                  <c:y val="0.13602272834175289"/>
+                </c:manualLayout>
+              </c:layout>
+              <c:dLblPos val="outEnd"/>
+              <c:showVal val="1"/>
+            </c:dLbl>
+            <c:dLbl>
+              <c:idx val="1"/>
+              <c:layout>
+                <c:manualLayout>
+                  <c:x val="2.8007402675698629E-3"/>
+                  <c:y val="0.12407416814833633"/>
+                </c:manualLayout>
+              </c:layout>
+              <c:dLblPos val="outEnd"/>
+              <c:showVal val="1"/>
+            </c:dLbl>
+            <c:dLbl>
+              <c:idx val="2"/>
+              <c:layout>
+                <c:manualLayout>
+                  <c:x val="-3.2639547748527966E-4"/>
+                  <c:y val="0.14061618641755808"/>
+                </c:manualLayout>
+              </c:layout>
+              <c:dLblPos val="outEnd"/>
+              <c:showVal val="1"/>
+            </c:dLbl>
+            <c:dLbl>
+              <c:idx val="3"/>
+              <c:layout>
+                <c:manualLayout>
+                  <c:x val="0"/>
+                  <c:y val="0.10991636798088412"/>
+                </c:manualLayout>
+              </c:layout>
+              <c:showVal val="1"/>
+            </c:dLbl>
+            <c:txPr>
+              <a:bodyPr/>
+              <a:lstStyle/>
+              <a:p>
+                <a:pPr>
+                  <a:defRPr b="1">
+                    <a:solidFill>
+                      <a:schemeClr val="bg1"/>
+                    </a:solidFill>
+                  </a:defRPr>
+                </a:pPr>
+                <a:endParaRPr lang="es-AR"/>
+              </a:p>
+            </c:txPr>
+            <c:showVal val="1"/>
+          </c:dLbls>
+          <c:cat>
+            <c:strRef>
+              <c:f>'Horas Incurridas'!$A$2:$A$5</c:f>
+              <c:strCache>
+                <c:ptCount val="4"/>
+                <c:pt idx="0">
+                  <c:v>Análisis</c:v>
+                </c:pt>
+                <c:pt idx="1">
+                  <c:v>Diseño</c:v>
+                </c:pt>
+                <c:pt idx="2">
+                  <c:v>Desarrollo</c:v>
+                </c:pt>
+                <c:pt idx="3">
+                  <c:v>Testing</c:v>
+                </c:pt>
+              </c:strCache>
+            </c:strRef>
+          </c:cat>
+          <c:val>
+            <c:numRef>
+              <c:f>'Horas Incurridas'!$D$2:$D$5</c:f>
+              <c:numCache>
+                <c:formatCode>General</c:formatCode>
+                <c:ptCount val="4"/>
+                <c:pt idx="0">
+                  <c:v>-232</c:v>
+                </c:pt>
+                <c:pt idx="1">
+                  <c:v>-132</c:v>
+                </c:pt>
+                <c:pt idx="2">
+                  <c:v>-261</c:v>
+                </c:pt>
+                <c:pt idx="3">
+                  <c:v>-227</c:v>
+                </c:pt>
+              </c:numCache>
+            </c:numRef>
+          </c:val>
+        </c:ser>
+        <c:axId val="156305280"/>
+        <c:axId val="160877952"/>
+      </c:barChart>
+      <c:catAx>
+        <c:axId val="156305280"/>
+        <c:scaling>
+          <c:orientation val="minMax"/>
+        </c:scaling>
+        <c:axPos val="b"/>
+        <c:numFmt formatCode="General" sourceLinked="1"/>
+        <c:tickLblPos val="nextTo"/>
+        <c:crossAx val="160877952"/>
+        <c:crosses val="autoZero"/>
+        <c:auto val="1"/>
+        <c:lblAlgn val="ctr"/>
+        <c:lblOffset val="100"/>
+      </c:catAx>
+      <c:valAx>
+        <c:axId val="160877952"/>
+        <c:scaling>
+          <c:orientation val="minMax"/>
+        </c:scaling>
+        <c:axPos val="l"/>
+        <c:majorGridlines/>
+        <c:title>
+          <c:tx>
+            <c:rich>
+              <a:bodyPr rot="0" vert="horz"/>
+              <a:lstStyle/>
+              <a:p>
+                <a:pPr>
+                  <a:defRPr/>
+                </a:pPr>
+                <a:r>
+                  <a:rPr lang="es-AR"/>
+                  <a:t>Horas</a:t>
+                </a:r>
+              </a:p>
+            </c:rich>
+          </c:tx>
+          <c:layout>
+            <c:manualLayout>
+              <c:xMode val="edge"/>
+              <c:yMode val="edge"/>
+              <c:x val="1.5093902350157024E-3"/>
+              <c:y val="0.40874001528174875"/>
+            </c:manualLayout>
+          </c:layout>
+        </c:title>
+        <c:numFmt formatCode="General" sourceLinked="1"/>
+        <c:tickLblPos val="nextTo"/>
+        <c:crossAx val="156305280"/>
+        <c:crosses val="autoZero"/>
+        <c:crossBetween val="between"/>
+      </c:valAx>
+    </c:plotArea>
+    <c:legend>
+      <c:legendPos val="r"/>
+      <c:layout/>
+    </c:legend>
+    <c:plotVisOnly val="1"/>
+    <c:dispBlanksAs val="gap"/>
+  </c:chart>
+  <c:externalData r:id="rId1"/>
+</c:chartSpace>
+</file>
+
+<file path=ppt/charts/chart6.xml><?xml version="1.0" encoding="utf-8"?>
+<c:chartSpace xmlns:c="http://schemas.openxmlformats.org/drawingml/2006/chart" xmlns:a="http://schemas.openxmlformats.org/drawingml/2006/main" xmlns:r="http://schemas.openxmlformats.org/officeDocument/2006/relationships">
+  <c:lang val="es-AR"/>
+  <c:chart>
+    <c:view3D>
+      <c:rAngAx val="1"/>
+    </c:view3D>
+    <c:plotArea>
+      <c:layout/>
+      <c:bar3DChart>
+        <c:barDir val="col"/>
+        <c:grouping val="clustered"/>
+        <c:ser>
+          <c:idx val="0"/>
+          <c:order val="0"/>
+          <c:tx>
+            <c:strRef>
+              <c:f>Testing!$D$15</c:f>
+              <c:strCache>
+                <c:ptCount val="1"/>
+                <c:pt idx="0">
+                  <c:v>Alta</c:v>
+                </c:pt>
+              </c:strCache>
+            </c:strRef>
+          </c:tx>
+          <c:dLbls>
+            <c:showVal val="1"/>
+          </c:dLbls>
+          <c:cat>
+            <c:strRef>
+              <c:f>Testing!$E$14:$G$14</c:f>
+              <c:strCache>
+                <c:ptCount val="3"/>
+                <c:pt idx="0">
+                  <c:v>Ciclo 1</c:v>
+                </c:pt>
+                <c:pt idx="1">
+                  <c:v>Ciclo 2</c:v>
+                </c:pt>
+                <c:pt idx="2">
+                  <c:v>Ciclo 3</c:v>
+                </c:pt>
+              </c:strCache>
+            </c:strRef>
+          </c:cat>
+          <c:val>
+            <c:numRef>
+              <c:f>Testing!$E$15:$G$15</c:f>
+              <c:numCache>
+                <c:formatCode>General</c:formatCode>
+                <c:ptCount val="3"/>
+                <c:pt idx="0">
+                  <c:v>5</c:v>
+                </c:pt>
+                <c:pt idx="1">
+                  <c:v>3</c:v>
+                </c:pt>
+                <c:pt idx="2">
+                  <c:v>0</c:v>
+                </c:pt>
+              </c:numCache>
+            </c:numRef>
+          </c:val>
+        </c:ser>
+        <c:ser>
+          <c:idx val="1"/>
+          <c:order val="1"/>
+          <c:tx>
+            <c:strRef>
+              <c:f>Testing!$D$16</c:f>
+              <c:strCache>
+                <c:ptCount val="1"/>
+                <c:pt idx="0">
+                  <c:v>Media</c:v>
+                </c:pt>
+              </c:strCache>
+            </c:strRef>
+          </c:tx>
+          <c:dLbls>
+            <c:showVal val="1"/>
+          </c:dLbls>
+          <c:cat>
+            <c:strRef>
+              <c:f>Testing!$E$14:$G$14</c:f>
+              <c:strCache>
+                <c:ptCount val="3"/>
+                <c:pt idx="0">
+                  <c:v>Ciclo 1</c:v>
+                </c:pt>
+                <c:pt idx="1">
+                  <c:v>Ciclo 2</c:v>
+                </c:pt>
+                <c:pt idx="2">
+                  <c:v>Ciclo 3</c:v>
+                </c:pt>
+              </c:strCache>
+            </c:strRef>
+          </c:cat>
+          <c:val>
+            <c:numRef>
+              <c:f>Testing!$E$16:$G$16</c:f>
+              <c:numCache>
+                <c:formatCode>General</c:formatCode>
+                <c:ptCount val="3"/>
+                <c:pt idx="0">
+                  <c:v>0</c:v>
+                </c:pt>
+                <c:pt idx="1">
+                  <c:v>15</c:v>
+                </c:pt>
+                <c:pt idx="2">
+                  <c:v>4</c:v>
+                </c:pt>
+              </c:numCache>
+            </c:numRef>
+          </c:val>
+        </c:ser>
+        <c:ser>
+          <c:idx val="2"/>
+          <c:order val="2"/>
+          <c:tx>
+            <c:strRef>
+              <c:f>Testing!$D$17</c:f>
+              <c:strCache>
+                <c:ptCount val="1"/>
+                <c:pt idx="0">
+                  <c:v>Baja</c:v>
+                </c:pt>
+              </c:strCache>
+            </c:strRef>
+          </c:tx>
+          <c:dLbls>
+            <c:showVal val="1"/>
+          </c:dLbls>
+          <c:cat>
+            <c:strRef>
+              <c:f>Testing!$E$14:$G$14</c:f>
+              <c:strCache>
+                <c:ptCount val="3"/>
+                <c:pt idx="0">
+                  <c:v>Ciclo 1</c:v>
+                </c:pt>
+                <c:pt idx="1">
+                  <c:v>Ciclo 2</c:v>
+                </c:pt>
+                <c:pt idx="2">
+                  <c:v>Ciclo 3</c:v>
+                </c:pt>
+              </c:strCache>
+            </c:strRef>
+          </c:cat>
+          <c:val>
+            <c:numRef>
+              <c:f>Testing!$E$17:$G$17</c:f>
+              <c:numCache>
+                <c:formatCode>General</c:formatCode>
+                <c:ptCount val="3"/>
+                <c:pt idx="0">
+                  <c:v>0</c:v>
+                </c:pt>
+                <c:pt idx="1">
+                  <c:v>115</c:v>
+                </c:pt>
+                <c:pt idx="2">
+                  <c:v>18</c:v>
+                </c:pt>
+              </c:numCache>
+            </c:numRef>
+          </c:val>
+        </c:ser>
+        <c:shape val="box"/>
+        <c:axId val="136928640"/>
+        <c:axId val="137152384"/>
+        <c:axId val="0"/>
+      </c:bar3DChart>
+      <c:catAx>
+        <c:axId val="136928640"/>
+        <c:scaling>
+          <c:orientation val="minMax"/>
+        </c:scaling>
+        <c:axPos val="b"/>
+        <c:tickLblPos val="nextTo"/>
+        <c:crossAx val="137152384"/>
+        <c:crosses val="autoZero"/>
+        <c:auto val="1"/>
+        <c:lblAlgn val="ctr"/>
+        <c:lblOffset val="100"/>
+      </c:catAx>
+      <c:valAx>
+        <c:axId val="137152384"/>
+        <c:scaling>
+          <c:orientation val="minMax"/>
+        </c:scaling>
+        <c:axPos val="l"/>
+        <c:majorGridlines/>
+        <c:title>
+          <c:tx>
+            <c:rich>
+              <a:bodyPr rot="0" vert="horz"/>
+              <a:lstStyle/>
+              <a:p>
+                <a:pPr>
+                  <a:defRPr/>
+                </a:pPr>
+                <a:r>
+                  <a:rPr lang="en-US"/>
+                  <a:t>Cantidad incidencias</a:t>
+                </a:r>
+              </a:p>
+            </c:rich>
+          </c:tx>
+          <c:layout/>
+        </c:title>
+        <c:numFmt formatCode="General" sourceLinked="1"/>
+        <c:tickLblPos val="nextTo"/>
+        <c:crossAx val="136928640"/>
+        <c:crosses val="autoZero"/>
+        <c:crossBetween val="between"/>
+      </c:valAx>
+    </c:plotArea>
+    <c:legend>
+      <c:legendPos val="r"/>
+      <c:layout/>
+    </c:legend>
+    <c:plotVisOnly val="1"/>
+  </c:chart>
+  <c:txPr>
+    <a:bodyPr/>
+    <a:lstStyle/>
+    <a:p>
+      <a:pPr>
+        <a:defRPr sz="1800"/>
+      </a:pPr>
+      <a:endParaRPr lang="es-AR"/>
+    </a:p>
+  </c:txPr>
+  <c:externalData r:id="rId1"/>
 </c:chartSpace>
 </file>
 
@@ -8565,7 +9479,7 @@
           <a:p>
             <a:r>
               <a:rPr lang="es-ES_tradnl" dirty="0" smtClean="0"/>
-              <a:t>Esfuerzo</a:t>
+              <a:t>Estimación</a:t>
             </a:r>
             <a:endParaRPr lang="es-AR" dirty="0"/>
           </a:p>
@@ -8593,7 +9507,7 @@
           <a:p>
             <a:r>
               <a:rPr lang="es-ES_tradnl" dirty="0" smtClean="0"/>
-              <a:t>Análisis y Diseño</a:t>
+              <a:t>Estimación Vs. Estimación Formal (UCP)</a:t>
             </a:r>
             <a:endParaRPr lang="es-AR" dirty="0"/>
           </a:p>
@@ -8601,13 +9515,13 @@
       </p:sp>
       <p:graphicFrame>
         <p:nvGraphicFramePr>
-          <p:cNvPr id="5" name="1 Gráfico"/>
+          <p:cNvPr id="4" name="5 Gráfico"/>
           <p:cNvGraphicFramePr/>
           <p:nvPr/>
         </p:nvGraphicFramePr>
         <p:xfrm>
-          <a:off x="1115616" y="2636912"/>
-          <a:ext cx="6696744" cy="3744416"/>
+          <a:off x="2051720" y="2780928"/>
+          <a:ext cx="5575300" cy="3684612"/>
         </p:xfrm>
         <a:graphic>
           <a:graphicData uri="http://schemas.openxmlformats.org/drawingml/2006/chart">
@@ -8698,8 +9612,8 @@
           <a:lstStyle/>
           <a:p>
             <a:r>
-              <a:rPr lang="es-AR" dirty="0" smtClean="0"/>
-              <a:t>Desarrollo</a:t>
+              <a:rPr lang="es-ES_tradnl" dirty="0" smtClean="0"/>
+              <a:t>Análisis y Diseño</a:t>
             </a:r>
             <a:endParaRPr lang="es-AR" dirty="0"/>
           </a:p>
@@ -8707,13 +9621,13 @@
       </p:sp>
       <p:graphicFrame>
         <p:nvGraphicFramePr>
-          <p:cNvPr id="4" name="2 Gráfico"/>
+          <p:cNvPr id="5" name="1 Gráfico"/>
           <p:cNvGraphicFramePr/>
           <p:nvPr/>
         </p:nvGraphicFramePr>
         <p:xfrm>
-          <a:off x="1547664" y="2564904"/>
-          <a:ext cx="6192688" cy="3888432"/>
+          <a:off x="1115616" y="2636912"/>
+          <a:ext cx="6696744" cy="3744416"/>
         </p:xfrm>
         <a:graphic>
           <a:graphicData uri="http://schemas.openxmlformats.org/drawingml/2006/chart">
@@ -8805,17 +9719,40 @@
           <a:p>
             <a:r>
               <a:rPr lang="es-AR" dirty="0" smtClean="0"/>
-              <a:t>Testing</a:t>
+              <a:t>Desarrollo</a:t>
             </a:r>
             <a:endParaRPr lang="es-AR" dirty="0"/>
           </a:p>
         </p:txBody>
       </p:sp>
+      <p:graphicFrame>
+        <p:nvGraphicFramePr>
+          <p:cNvPr id="4" name="2 Gráfico"/>
+          <p:cNvGraphicFramePr/>
+          <p:nvPr/>
+        </p:nvGraphicFramePr>
+        <p:xfrm>
+          <a:off x="1547664" y="2564904"/>
+          <a:ext cx="6192688" cy="3888432"/>
+        </p:xfrm>
+        <a:graphic>
+          <a:graphicData uri="http://schemas.openxmlformats.org/drawingml/2006/chart">
+            <c:chart xmlns:c="http://schemas.openxmlformats.org/drawingml/2006/chart" xmlns:r="http://schemas.openxmlformats.org/officeDocument/2006/relationships" r:id="rId2"/>
+          </a:graphicData>
+        </a:graphic>
+      </p:graphicFrame>
     </p:spTree>
   </p:cSld>
   <p:clrMapOvr>
     <a:masterClrMapping/>
   </p:clrMapOvr>
+  <p:timing>
+    <p:tnLst>
+      <p:par>
+        <p:cTn id="1" dur="indefinite" restart="never" nodeType="tmRoot"/>
+      </p:par>
+    </p:tnLst>
+  </p:timing>
 </p:sld>
 </file>
 
@@ -8860,7 +9797,7 @@
           <a:p>
             <a:r>
               <a:rPr lang="es-ES_tradnl" dirty="0" smtClean="0"/>
-              <a:t>Resultados Esfuerzo</a:t>
+              <a:t>Esfuerzo</a:t>
             </a:r>
             <a:endParaRPr lang="es-AR" dirty="0"/>
           </a:p>
@@ -8888,21 +9825,28 @@
           <a:p>
             <a:r>
               <a:rPr lang="es-AR" dirty="0" smtClean="0"/>
-              <a:t>Fecha de entrega estimada: 28/08/2011</a:t>
-            </a:r>
-          </a:p>
-          <a:p>
-            <a:endParaRPr lang="es-ES_tradnl" dirty="0" smtClean="0"/>
-          </a:p>
-          <a:p>
-            <a:r>
-              <a:rPr lang="es-ES_tradnl" dirty="0" smtClean="0"/>
-              <a:t>Fecha de entrega real: 27/07/2011</a:t>
+              <a:t>Testing</a:t>
             </a:r>
             <a:endParaRPr lang="es-AR" dirty="0"/>
           </a:p>
         </p:txBody>
       </p:sp>
+      <p:graphicFrame>
+        <p:nvGraphicFramePr>
+          <p:cNvPr id="4" name="4 Gráfico"/>
+          <p:cNvGraphicFramePr/>
+          <p:nvPr/>
+        </p:nvGraphicFramePr>
+        <p:xfrm>
+          <a:off x="1907704" y="2636912"/>
+          <a:ext cx="5958408" cy="3888432"/>
+        </p:xfrm>
+        <a:graphic>
+          <a:graphicData uri="http://schemas.openxmlformats.org/drawingml/2006/chart">
+            <c:chart xmlns:c="http://schemas.openxmlformats.org/drawingml/2006/chart" xmlns:r="http://schemas.openxmlformats.org/officeDocument/2006/relationships" r:id="rId2"/>
+          </a:graphicData>
+        </a:graphic>
+      </p:graphicFrame>
     </p:spTree>
   </p:cSld>
   <p:clrMapOvr>
@@ -8975,86 +9919,23 @@
           </a:xfrm>
         </p:spPr>
         <p:txBody>
-          <a:bodyPr>
-            <a:normAutofit/>
-          </a:bodyPr>
+          <a:bodyPr/>
           <a:lstStyle/>
           <a:p>
-            <a:pPr>
-              <a:lnSpc>
-                <a:spcPct val="90000"/>
-              </a:lnSpc>
-            </a:pPr>
             <a:r>
               <a:rPr lang="es-AR" dirty="0" smtClean="0"/>
-              <a:t>Desvíos:</a:t>
-            </a:r>
-          </a:p>
-          <a:p>
-            <a:pPr>
-              <a:lnSpc>
-                <a:spcPct val="90000"/>
-              </a:lnSpc>
-              <a:buNone/>
-            </a:pPr>
-            <a:endParaRPr lang="es-AR" dirty="0" smtClean="0"/>
-          </a:p>
-          <a:p>
-            <a:pPr>
-              <a:lnSpc>
-                <a:spcPct val="90000"/>
-              </a:lnSpc>
-              <a:buNone/>
-            </a:pPr>
-            <a:r>
-              <a:rPr lang="es-AR" dirty="0" smtClean="0"/>
-              <a:t>	….</a:t>
-            </a:r>
-          </a:p>
-          <a:p>
-            <a:pPr>
-              <a:lnSpc>
-                <a:spcPct val="90000"/>
-              </a:lnSpc>
-              <a:buNone/>
-            </a:pPr>
-            <a:endParaRPr lang="es-AR" dirty="0" smtClean="0"/>
-          </a:p>
-          <a:p>
-            <a:pPr>
-              <a:lnSpc>
-                <a:spcPct val="90000"/>
-              </a:lnSpc>
-            </a:pPr>
-            <a:r>
-              <a:rPr lang="es-AR" dirty="0" smtClean="0"/>
-              <a:t>¿Por qué existieron desvíos? </a:t>
-            </a:r>
-          </a:p>
-          <a:p>
-            <a:pPr lvl="1">
-              <a:lnSpc>
-                <a:spcPct val="90000"/>
-              </a:lnSpc>
-            </a:pPr>
-            <a:r>
-              <a:rPr lang="es-AR" sz="3200" dirty="0" smtClean="0"/>
-              <a:t>Incorrecta estimación de Esfuerzos.</a:t>
-            </a:r>
-          </a:p>
-          <a:p>
-            <a:pPr lvl="1">
-              <a:lnSpc>
-                <a:spcPct val="90000"/>
-              </a:lnSpc>
-            </a:pPr>
-            <a:r>
-              <a:rPr lang="es-AR" sz="3200" dirty="0" smtClean="0"/>
-              <a:t>Falta de conocimiento del Negocio.</a:t>
-            </a:r>
-          </a:p>
-          <a:p>
-            <a:endParaRPr lang="es-AR" dirty="0" smtClean="0"/>
+              <a:t>Fecha de entrega estimada: 28/08/2011</a:t>
+            </a:r>
+          </a:p>
+          <a:p>
+            <a:endParaRPr lang="es-ES_tradnl" dirty="0" smtClean="0"/>
+          </a:p>
+          <a:p>
+            <a:r>
+              <a:rPr lang="es-ES_tradnl" dirty="0" smtClean="0"/>
+              <a:t>Fecha de entrega real: 27/07/2011</a:t>
+            </a:r>
+            <a:endParaRPr lang="es-AR" dirty="0"/>
           </a:p>
         </p:txBody>
       </p:sp>
@@ -9107,7 +9988,7 @@
           <a:p>
             <a:r>
               <a:rPr lang="es-ES_tradnl" dirty="0" smtClean="0"/>
-              <a:t>Acciones Correctivas</a:t>
+              <a:t>Desvíos</a:t>
             </a:r>
             <a:endParaRPr lang="es-AR" dirty="0"/>
           </a:p>
@@ -9134,13 +10015,31 @@
           <a:lstStyle/>
           <a:p>
             <a:r>
-              <a:rPr lang="es-AR" dirty="0" smtClean="0"/>
-              <a:t>…</a:t>
+              <a:rPr lang="es-ES_tradnl" dirty="0" smtClean="0"/>
+              <a:t>Desvíos por etapa:</a:t>
             </a:r>
             <a:endParaRPr lang="es-AR" dirty="0"/>
           </a:p>
         </p:txBody>
       </p:sp>
+      <p:graphicFrame>
+        <p:nvGraphicFramePr>
+          <p:cNvPr id="4" name="4 Gráfico"/>
+          <p:cNvGraphicFramePr>
+            <a:graphicFrameLocks/>
+          </p:cNvGraphicFramePr>
+          <p:nvPr/>
+        </p:nvGraphicFramePr>
+        <p:xfrm>
+          <a:off x="1259632" y="2780928"/>
+          <a:ext cx="6696744" cy="3528392"/>
+        </p:xfrm>
+        <a:graphic>
+          <a:graphicData uri="http://schemas.openxmlformats.org/drawingml/2006/chart">
+            <c:chart xmlns:c="http://schemas.openxmlformats.org/drawingml/2006/chart" xmlns:r="http://schemas.openxmlformats.org/officeDocument/2006/relationships" r:id="rId2"/>
+          </a:graphicData>
+        </a:graphic>
+      </p:graphicFrame>
     </p:spTree>
   </p:cSld>
   <p:clrMapOvr>
@@ -9190,7 +10089,7 @@
           <a:p>
             <a:r>
               <a:rPr lang="es-ES_tradnl" dirty="0" smtClean="0"/>
-              <a:t>Testing</a:t>
+              <a:t>Resultados Esfuerzo</a:t>
             </a:r>
             <a:endParaRPr lang="es-AR" dirty="0"/>
           </a:p>
@@ -9213,15 +10112,71 @@
           </a:xfrm>
         </p:spPr>
         <p:txBody>
-          <a:bodyPr/>
+          <a:bodyPr>
+            <a:normAutofit/>
+          </a:bodyPr>
           <a:lstStyle/>
           <a:p>
             <a:pPr>
+              <a:lnSpc>
+                <a:spcPct val="90000"/>
+              </a:lnSpc>
+            </a:pPr>
+            <a:r>
+              <a:rPr lang="es-AR" dirty="0" smtClean="0"/>
+              <a:t>Desvíos:</a:t>
+            </a:r>
+          </a:p>
+          <a:p>
+            <a:pPr>
+              <a:lnSpc>
+                <a:spcPct val="90000"/>
+              </a:lnSpc>
               <a:buNone/>
             </a:pPr>
+            <a:endParaRPr lang="es-AR" dirty="0" smtClean="0"/>
+          </a:p>
+          <a:p>
+            <a:pPr>
+              <a:lnSpc>
+                <a:spcPct val="90000"/>
+              </a:lnSpc>
+              <a:buNone/>
+            </a:pPr>
             <a:r>
               <a:rPr lang="es-AR" dirty="0" smtClean="0"/>
-              <a:t>Tipos de Testing:</a:t>
+              <a:t>	….</a:t>
+            </a:r>
+          </a:p>
+          <a:p>
+            <a:pPr>
+              <a:lnSpc>
+                <a:spcPct val="90000"/>
+              </a:lnSpc>
+              <a:buNone/>
+            </a:pPr>
+            <a:endParaRPr lang="es-AR" dirty="0" smtClean="0"/>
+          </a:p>
+          <a:p>
+            <a:pPr>
+              <a:lnSpc>
+                <a:spcPct val="90000"/>
+              </a:lnSpc>
+            </a:pPr>
+            <a:r>
+              <a:rPr lang="es-AR" dirty="0" smtClean="0"/>
+              <a:t>¿Por qué existieron desvíos? </a:t>
+            </a:r>
+          </a:p>
+          <a:p>
+            <a:pPr lvl="1">
+              <a:lnSpc>
+                <a:spcPct val="90000"/>
+              </a:lnSpc>
+            </a:pPr>
+            <a:r>
+              <a:rPr lang="es-AR" sz="3200" dirty="0" smtClean="0"/>
+              <a:t>Incorrecta estimación de Esfuerzos.</a:t>
             </a:r>
           </a:p>
           <a:p>
@@ -9229,36 +10184,6 @@
               <a:buNone/>
             </a:pPr>
             <a:endParaRPr lang="es-AR" dirty="0" smtClean="0"/>
-          </a:p>
-          <a:p>
-            <a:r>
-              <a:rPr lang="es-AR" dirty="0" smtClean="0"/>
-              <a:t>Test Unitario</a:t>
-            </a:r>
-          </a:p>
-          <a:p>
-            <a:r>
-              <a:rPr lang="es-AR" dirty="0" smtClean="0"/>
-              <a:t>Test Integral</a:t>
-            </a:r>
-          </a:p>
-          <a:p>
-            <a:r>
-              <a:rPr lang="es-AR" dirty="0" smtClean="0"/>
-              <a:t>Test de Aceptación de Usuario</a:t>
-            </a:r>
-          </a:p>
-          <a:p>
-            <a:r>
-              <a:rPr lang="es-AR" dirty="0" smtClean="0"/>
-              <a:t>Test de Concurrencia</a:t>
-            </a:r>
-          </a:p>
-          <a:p>
-            <a:r>
-              <a:rPr lang="es-AR" dirty="0" smtClean="0"/>
-              <a:t>Test de Seguridad</a:t>
-            </a:r>
           </a:p>
         </p:txBody>
       </p:sp>
@@ -9334,56 +10259,53 @@
           </a:xfrm>
         </p:spPr>
         <p:txBody>
-          <a:bodyPr>
-            <a:normAutofit lnSpcReduction="10000"/>
-          </a:bodyPr>
+          <a:bodyPr/>
           <a:lstStyle/>
           <a:p>
             <a:pPr>
               <a:buNone/>
-              <a:defRPr/>
             </a:pPr>
             <a:r>
               <a:rPr lang="es-AR" dirty="0" smtClean="0"/>
-              <a:t>Criterios de Aceptación:</a:t>
-            </a:r>
-          </a:p>
-          <a:p>
-            <a:pPr>
-              <a:buNone/>
-              <a:defRPr/>
-            </a:pPr>
-            <a:endParaRPr lang="es-AR" sz="1600" dirty="0" smtClean="0"/>
-          </a:p>
-          <a:p>
-            <a:pPr>
-              <a:defRPr/>
-            </a:pPr>
+              <a:t>Tipos de Testing:</a:t>
+            </a:r>
+          </a:p>
+          <a:p>
+            <a:endParaRPr lang="es-AR" dirty="0" smtClean="0"/>
+          </a:p>
+          <a:p>
             <a:r>
               <a:rPr lang="es-AR" dirty="0" smtClean="0"/>
-              <a:t>Todos los CP testeados no deben poseer defectos con criticidad ALTA.</a:t>
-            </a:r>
-          </a:p>
-          <a:p>
-            <a:pPr>
-              <a:defRPr/>
-            </a:pPr>
+              <a:t>Test </a:t>
+            </a:r>
             <a:r>
               <a:rPr lang="es-AR" dirty="0" smtClean="0"/>
-              <a:t>Posibilidad de existencia de defectos de criticidad MEDIA ó BAJA, siempre y cuando no impacte en la calidad de implementación.</a:t>
-            </a:r>
-          </a:p>
-          <a:p>
-            <a:pPr>
-              <a:defRPr/>
-            </a:pPr>
+              <a:t>Unitario</a:t>
+            </a:r>
+          </a:p>
+          <a:p>
             <a:r>
               <a:rPr lang="es-AR" dirty="0" smtClean="0"/>
-              <a:t>Mínimo 3 ciclos de Testing completos y cerrados.</a:t>
-            </a:r>
-          </a:p>
-          <a:p>
-            <a:endParaRPr lang="es-AR" dirty="0"/>
+              <a:t>Test Integral</a:t>
+            </a:r>
+          </a:p>
+          <a:p>
+            <a:r>
+              <a:rPr lang="es-AR" dirty="0" smtClean="0"/>
+              <a:t>Test de Aceptación de Usuario</a:t>
+            </a:r>
+          </a:p>
+          <a:p>
+            <a:r>
+              <a:rPr lang="es-AR" dirty="0" smtClean="0"/>
+              <a:t>Test de Concurrencia</a:t>
+            </a:r>
+          </a:p>
+          <a:p>
+            <a:r>
+              <a:rPr lang="es-AR" dirty="0" smtClean="0"/>
+              <a:t>Test de Seguridad</a:t>
+            </a:r>
           </a:p>
         </p:txBody>
       </p:sp>
@@ -9549,13 +10471,64 @@
           </a:xfrm>
         </p:spPr>
         <p:txBody>
-          <a:bodyPr/>
+          <a:bodyPr>
+            <a:normAutofit/>
+          </a:bodyPr>
           <a:lstStyle/>
           <a:p>
+            <a:pPr>
+              <a:buNone/>
+              <a:defRPr/>
+            </a:pPr>
             <a:r>
               <a:rPr lang="es-AR" dirty="0" smtClean="0"/>
-              <a:t>Casos de Prueba</a:t>
-            </a:r>
+              <a:t>Criterio </a:t>
+            </a:r>
+            <a:r>
+              <a:rPr lang="es-AR" dirty="0" smtClean="0"/>
+              <a:t>de Aceptación:</a:t>
+            </a:r>
+          </a:p>
+          <a:p>
+            <a:pPr>
+              <a:buNone/>
+              <a:defRPr/>
+            </a:pPr>
+            <a:endParaRPr lang="es-AR" sz="1600" dirty="0" smtClean="0"/>
+          </a:p>
+          <a:p>
+            <a:pPr>
+              <a:defRPr/>
+            </a:pPr>
+            <a:r>
+              <a:rPr lang="es-AR" dirty="0" smtClean="0"/>
+              <a:t>Todos los CP testeados no deben poseer defectos con criticidad ALTA.</a:t>
+            </a:r>
+          </a:p>
+          <a:p>
+            <a:pPr>
+              <a:defRPr/>
+            </a:pPr>
+            <a:r>
+              <a:rPr lang="es-AR" dirty="0" smtClean="0"/>
+              <a:t>Posibilidad de existencia de defectos de criticidad MEDIA ó BAJA, siempre y cuando no impacte en la calidad de implementación.</a:t>
+            </a:r>
+          </a:p>
+          <a:p>
+            <a:pPr>
+              <a:defRPr/>
+            </a:pPr>
+            <a:r>
+              <a:rPr lang="es-AR" dirty="0" smtClean="0"/>
+              <a:t>Mínimo 3 ciclos de </a:t>
+            </a:r>
+            <a:r>
+              <a:rPr lang="es-AR" dirty="0" smtClean="0"/>
+              <a:t>Testing.</a:t>
+            </a:r>
+            <a:endParaRPr lang="es-AR" dirty="0" smtClean="0"/>
+          </a:p>
+          <a:p>
             <a:endParaRPr lang="es-AR" dirty="0"/>
           </a:p>
         </p:txBody>
@@ -9609,7 +10582,7 @@
           <a:p>
             <a:r>
               <a:rPr lang="es-ES_tradnl" dirty="0" smtClean="0"/>
-              <a:t>Costos del Proyecto</a:t>
+              <a:t>Testing</a:t>
             </a:r>
             <a:endParaRPr lang="es-AR" dirty="0"/>
           </a:p>
@@ -9635,14 +10608,1641 @@
           <a:bodyPr/>
           <a:lstStyle/>
           <a:p>
+            <a:pPr>
+              <a:buNone/>
+            </a:pPr>
             <a:r>
               <a:rPr lang="es-AR" dirty="0" smtClean="0"/>
-              <a:t>Sirius es una solución de software destinada a brindar soporte a la gestión integral de Proyectos de Organismos No Gubernamentales. </a:t>
+              <a:t>Criterio de Aceptación y Parada:</a:t>
             </a:r>
             <a:endParaRPr lang="es-AR" dirty="0"/>
           </a:p>
         </p:txBody>
       </p:sp>
+      <p:graphicFrame>
+        <p:nvGraphicFramePr>
+          <p:cNvPr id="6" name="5 Tabla"/>
+          <p:cNvGraphicFramePr>
+            <a:graphicFrameLocks noGrp="1"/>
+          </p:cNvGraphicFramePr>
+          <p:nvPr/>
+        </p:nvGraphicFramePr>
+        <p:xfrm>
+          <a:off x="899592" y="2780928"/>
+          <a:ext cx="7488832" cy="3456385"/>
+        </p:xfrm>
+        <a:graphic>
+          <a:graphicData uri="http://schemas.openxmlformats.org/drawingml/2006/table">
+            <a:tbl>
+              <a:tblPr/>
+              <a:tblGrid>
+                <a:gridCol w="841959"/>
+                <a:gridCol w="2710055"/>
+                <a:gridCol w="999827"/>
+                <a:gridCol w="996538"/>
+                <a:gridCol w="973515"/>
+                <a:gridCol w="966938"/>
+              </a:tblGrid>
+              <a:tr h="940002">
+                <a:tc rowSpan="2">
+                  <a:txBody>
+                    <a:bodyPr/>
+                    <a:lstStyle/>
+                    <a:p>
+                      <a:pPr algn="ctr" fontAlgn="ctr"/>
+                      <a:r>
+                        <a:rPr lang="es-AR" sz="1400" kern="1200" dirty="0" smtClean="0">
+                          <a:solidFill>
+                            <a:schemeClr val="tx1"/>
+                          </a:solidFill>
+                          <a:latin typeface="+mn-lt"/>
+                          <a:ea typeface="+mn-ea"/>
+                          <a:cs typeface="+mn-cs"/>
+                        </a:rPr>
+                        <a:t>Criticidad</a:t>
+                      </a:r>
+                    </a:p>
+                  </a:txBody>
+                  <a:tcPr marL="8498" marR="8498" marT="8498" marB="0" anchor="ctr">
+                    <a:lnL w="6350" cap="flat" cmpd="sng" algn="ctr">
+                      <a:solidFill>
+                        <a:srgbClr val="000000"/>
+                      </a:solidFill>
+                      <a:prstDash val="solid"/>
+                      <a:round/>
+                      <a:headEnd type="none" w="med" len="med"/>
+                      <a:tailEnd type="none" w="med" len="med"/>
+                    </a:lnL>
+                    <a:lnR w="6350" cap="flat" cmpd="sng" algn="ctr">
+                      <a:solidFill>
+                        <a:srgbClr val="000000"/>
+                      </a:solidFill>
+                      <a:prstDash val="solid"/>
+                      <a:round/>
+                      <a:headEnd type="none" w="med" len="med"/>
+                      <a:tailEnd type="none" w="med" len="med"/>
+                    </a:lnR>
+                    <a:lnT w="6350" cap="flat" cmpd="sng" algn="ctr">
+                      <a:solidFill>
+                        <a:srgbClr val="000000"/>
+                      </a:solidFill>
+                      <a:prstDash val="solid"/>
+                      <a:round/>
+                      <a:headEnd type="none" w="med" len="med"/>
+                      <a:tailEnd type="none" w="med" len="med"/>
+                    </a:lnT>
+                    <a:lnB w="6350" cap="flat" cmpd="sng" algn="ctr">
+                      <a:solidFill>
+                        <a:srgbClr val="000000"/>
+                      </a:solidFill>
+                      <a:prstDash val="solid"/>
+                      <a:round/>
+                      <a:headEnd type="none" w="med" len="med"/>
+                      <a:tailEnd type="none" w="med" len="med"/>
+                    </a:lnB>
+                    <a:solidFill>
+                      <a:srgbClr val="B8CCE4"/>
+                    </a:solidFill>
+                  </a:tcPr>
+                </a:tc>
+                <a:tc rowSpan="2">
+                  <a:txBody>
+                    <a:bodyPr/>
+                    <a:lstStyle/>
+                    <a:p>
+                      <a:pPr algn="ctr" fontAlgn="ctr"/>
+                      <a:r>
+                        <a:rPr lang="es-AR" sz="1400" kern="1200" dirty="0" smtClean="0">
+                          <a:solidFill>
+                            <a:schemeClr val="tx1"/>
+                          </a:solidFill>
+                          <a:latin typeface="+mn-lt"/>
+                          <a:ea typeface="+mn-ea"/>
+                          <a:cs typeface="+mn-cs"/>
+                        </a:rPr>
+                        <a:t>Cantidad CP</a:t>
+                      </a:r>
+                    </a:p>
+                  </a:txBody>
+                  <a:tcPr marL="8498" marR="8498" marT="8498" marB="0" anchor="ctr">
+                    <a:lnL w="6350" cap="flat" cmpd="sng" algn="ctr">
+                      <a:solidFill>
+                        <a:srgbClr val="000000"/>
+                      </a:solidFill>
+                      <a:prstDash val="solid"/>
+                      <a:round/>
+                      <a:headEnd type="none" w="med" len="med"/>
+                      <a:tailEnd type="none" w="med" len="med"/>
+                    </a:lnL>
+                    <a:lnR w="6350" cap="flat" cmpd="sng" algn="ctr">
+                      <a:solidFill>
+                        <a:srgbClr val="000000"/>
+                      </a:solidFill>
+                      <a:prstDash val="solid"/>
+                      <a:round/>
+                      <a:headEnd type="none" w="med" len="med"/>
+                      <a:tailEnd type="none" w="med" len="med"/>
+                    </a:lnR>
+                    <a:lnT w="6350" cap="flat" cmpd="sng" algn="ctr">
+                      <a:solidFill>
+                        <a:srgbClr val="000000"/>
+                      </a:solidFill>
+                      <a:prstDash val="solid"/>
+                      <a:round/>
+                      <a:headEnd type="none" w="med" len="med"/>
+                      <a:tailEnd type="none" w="med" len="med"/>
+                    </a:lnT>
+                    <a:lnB w="6350" cap="flat" cmpd="sng" algn="ctr">
+                      <a:solidFill>
+                        <a:srgbClr val="000000"/>
+                      </a:solidFill>
+                      <a:prstDash val="solid"/>
+                      <a:round/>
+                      <a:headEnd type="none" w="med" len="med"/>
+                      <a:tailEnd type="none" w="med" len="med"/>
+                    </a:lnB>
+                    <a:solidFill>
+                      <a:srgbClr val="B8CCE4"/>
+                    </a:solidFill>
+                  </a:tcPr>
+                </a:tc>
+                <a:tc gridSpan="2">
+                  <a:txBody>
+                    <a:bodyPr/>
+                    <a:lstStyle/>
+                    <a:p>
+                      <a:pPr algn="ctr" fontAlgn="ctr"/>
+                      <a:r>
+                        <a:rPr lang="es-AR" sz="1600" b="1" i="0" u="none" strike="noStrike" dirty="0">
+                          <a:solidFill>
+                            <a:srgbClr val="000000"/>
+                          </a:solidFill>
+                          <a:latin typeface="Calibri"/>
+                        </a:rPr>
+                        <a:t>Criterio de Parada</a:t>
+                      </a:r>
+                    </a:p>
+                  </a:txBody>
+                  <a:tcPr marL="8498" marR="8498" marT="8498" marB="0" anchor="ctr">
+                    <a:lnL w="6350" cap="flat" cmpd="sng" algn="ctr">
+                      <a:solidFill>
+                        <a:srgbClr val="000000"/>
+                      </a:solidFill>
+                      <a:prstDash val="solid"/>
+                      <a:round/>
+                      <a:headEnd type="none" w="med" len="med"/>
+                      <a:tailEnd type="none" w="med" len="med"/>
+                    </a:lnL>
+                    <a:lnR w="6350" cap="flat" cmpd="sng" algn="ctr">
+                      <a:solidFill>
+                        <a:srgbClr val="000000"/>
+                      </a:solidFill>
+                      <a:prstDash val="solid"/>
+                      <a:round/>
+                      <a:headEnd type="none" w="med" len="med"/>
+                      <a:tailEnd type="none" w="med" len="med"/>
+                    </a:lnR>
+                    <a:lnT w="6350" cap="flat" cmpd="sng" algn="ctr">
+                      <a:solidFill>
+                        <a:srgbClr val="000000"/>
+                      </a:solidFill>
+                      <a:prstDash val="solid"/>
+                      <a:round/>
+                      <a:headEnd type="none" w="med" len="med"/>
+                      <a:tailEnd type="none" w="med" len="med"/>
+                    </a:lnT>
+                    <a:lnB w="6350" cap="flat" cmpd="sng" algn="ctr">
+                      <a:solidFill>
+                        <a:srgbClr val="000000"/>
+                      </a:solidFill>
+                      <a:prstDash val="solid"/>
+                      <a:round/>
+                      <a:headEnd type="none" w="med" len="med"/>
+                      <a:tailEnd type="none" w="med" len="med"/>
+                    </a:lnB>
+                    <a:solidFill>
+                      <a:srgbClr val="DBE5F1"/>
+                    </a:solidFill>
+                  </a:tcPr>
+                </a:tc>
+                <a:tc hMerge="1">
+                  <a:txBody>
+                    <a:bodyPr/>
+                    <a:lstStyle/>
+                    <a:p>
+                      <a:endParaRPr lang="es-AR"/>
+                    </a:p>
+                  </a:txBody>
+                  <a:tcPr/>
+                </a:tc>
+                <a:tc gridSpan="2">
+                  <a:txBody>
+                    <a:bodyPr/>
+                    <a:lstStyle/>
+                    <a:p>
+                      <a:pPr algn="ctr" fontAlgn="ctr"/>
+                      <a:r>
+                        <a:rPr lang="es-AR" sz="1600" b="1" i="0" u="none" strike="noStrike" dirty="0">
+                          <a:solidFill>
+                            <a:srgbClr val="000000"/>
+                          </a:solidFill>
+                          <a:latin typeface="Calibri"/>
+                        </a:rPr>
+                        <a:t>Criterio de Aceptación</a:t>
+                      </a:r>
+                    </a:p>
+                  </a:txBody>
+                  <a:tcPr marL="8498" marR="8498" marT="8498" marB="0" anchor="ctr">
+                    <a:lnL w="6350" cap="flat" cmpd="sng" algn="ctr">
+                      <a:solidFill>
+                        <a:srgbClr val="000000"/>
+                      </a:solidFill>
+                      <a:prstDash val="solid"/>
+                      <a:round/>
+                      <a:headEnd type="none" w="med" len="med"/>
+                      <a:tailEnd type="none" w="med" len="med"/>
+                    </a:lnL>
+                    <a:lnR w="6350" cap="flat" cmpd="sng" algn="ctr">
+                      <a:solidFill>
+                        <a:srgbClr val="000000"/>
+                      </a:solidFill>
+                      <a:prstDash val="solid"/>
+                      <a:round/>
+                      <a:headEnd type="none" w="med" len="med"/>
+                      <a:tailEnd type="none" w="med" len="med"/>
+                    </a:lnR>
+                    <a:lnT w="6350" cap="flat" cmpd="sng" algn="ctr">
+                      <a:solidFill>
+                        <a:srgbClr val="000000"/>
+                      </a:solidFill>
+                      <a:prstDash val="solid"/>
+                      <a:round/>
+                      <a:headEnd type="none" w="med" len="med"/>
+                      <a:tailEnd type="none" w="med" len="med"/>
+                    </a:lnT>
+                    <a:lnB w="6350" cap="flat" cmpd="sng" algn="ctr">
+                      <a:solidFill>
+                        <a:srgbClr val="000000"/>
+                      </a:solidFill>
+                      <a:prstDash val="solid"/>
+                      <a:round/>
+                      <a:headEnd type="none" w="med" len="med"/>
+                      <a:tailEnd type="none" w="med" len="med"/>
+                    </a:lnB>
+                    <a:solidFill>
+                      <a:srgbClr val="DBE5F1"/>
+                    </a:solidFill>
+                  </a:tcPr>
+                </a:tc>
+                <a:tc hMerge="1">
+                  <a:txBody>
+                    <a:bodyPr/>
+                    <a:lstStyle/>
+                    <a:p>
+                      <a:endParaRPr lang="es-AR"/>
+                    </a:p>
+                  </a:txBody>
+                  <a:tcPr/>
+                </a:tc>
+              </a:tr>
+              <a:tr h="1287801">
+                <a:tc vMerge="1">
+                  <a:txBody>
+                    <a:bodyPr/>
+                    <a:lstStyle/>
+                    <a:p>
+                      <a:endParaRPr lang="es-AR"/>
+                    </a:p>
+                  </a:txBody>
+                  <a:tcPr/>
+                </a:tc>
+                <a:tc vMerge="1">
+                  <a:txBody>
+                    <a:bodyPr/>
+                    <a:lstStyle/>
+                    <a:p>
+                      <a:endParaRPr lang="es-AR"/>
+                    </a:p>
+                  </a:txBody>
+                  <a:tcPr/>
+                </a:tc>
+                <a:tc>
+                  <a:txBody>
+                    <a:bodyPr/>
+                    <a:lstStyle/>
+                    <a:p>
+                      <a:pPr algn="ctr" fontAlgn="ctr"/>
+                      <a:r>
+                        <a:rPr lang="es-AR" sz="1400" kern="1200" dirty="0" smtClean="0">
+                          <a:solidFill>
+                            <a:schemeClr val="tx1"/>
+                          </a:solidFill>
+                          <a:latin typeface="+mn-lt"/>
+                          <a:ea typeface="+mn-ea"/>
+                          <a:cs typeface="+mn-cs"/>
+                        </a:rPr>
+                        <a:t>% de Problemas</a:t>
+                      </a:r>
+                    </a:p>
+                  </a:txBody>
+                  <a:tcPr marL="8498" marR="8498" marT="8498" marB="0" anchor="ctr">
+                    <a:lnL w="6350" cap="flat" cmpd="sng" algn="ctr">
+                      <a:solidFill>
+                        <a:srgbClr val="000000"/>
+                      </a:solidFill>
+                      <a:prstDash val="solid"/>
+                      <a:round/>
+                      <a:headEnd type="none" w="med" len="med"/>
+                      <a:tailEnd type="none" w="med" len="med"/>
+                    </a:lnL>
+                    <a:lnR w="6350" cap="flat" cmpd="sng" algn="ctr">
+                      <a:solidFill>
+                        <a:srgbClr val="000000"/>
+                      </a:solidFill>
+                      <a:prstDash val="solid"/>
+                      <a:round/>
+                      <a:headEnd type="none" w="med" len="med"/>
+                      <a:tailEnd type="none" w="med" len="med"/>
+                    </a:lnR>
+                    <a:lnT w="6350" cap="flat" cmpd="sng" algn="ctr">
+                      <a:solidFill>
+                        <a:srgbClr val="000000"/>
+                      </a:solidFill>
+                      <a:prstDash val="solid"/>
+                      <a:round/>
+                      <a:headEnd type="none" w="med" len="med"/>
+                      <a:tailEnd type="none" w="med" len="med"/>
+                    </a:lnT>
+                    <a:lnB w="6350" cap="flat" cmpd="sng" algn="ctr">
+                      <a:solidFill>
+                        <a:srgbClr val="000000"/>
+                      </a:solidFill>
+                      <a:prstDash val="solid"/>
+                      <a:round/>
+                      <a:headEnd type="none" w="med" len="med"/>
+                      <a:tailEnd type="none" w="med" len="med"/>
+                    </a:lnB>
+                    <a:solidFill>
+                      <a:srgbClr val="B8CCE4"/>
+                    </a:solidFill>
+                  </a:tcPr>
+                </a:tc>
+                <a:tc>
+                  <a:txBody>
+                    <a:bodyPr/>
+                    <a:lstStyle/>
+                    <a:p>
+                      <a:pPr algn="ctr" fontAlgn="ctr"/>
+                      <a:r>
+                        <a:rPr lang="es-AR" sz="1400" kern="1200" dirty="0" smtClean="0">
+                          <a:solidFill>
+                            <a:schemeClr val="tx1"/>
+                          </a:solidFill>
+                          <a:latin typeface="+mn-lt"/>
+                          <a:ea typeface="+mn-ea"/>
+                          <a:cs typeface="+mn-cs"/>
+                        </a:rPr>
+                        <a:t>Cantidad CP con Problemas</a:t>
+                      </a:r>
+                    </a:p>
+                  </a:txBody>
+                  <a:tcPr marL="8498" marR="8498" marT="8498" marB="0" anchor="ctr">
+                    <a:lnL w="6350" cap="flat" cmpd="sng" algn="ctr">
+                      <a:solidFill>
+                        <a:srgbClr val="000000"/>
+                      </a:solidFill>
+                      <a:prstDash val="solid"/>
+                      <a:round/>
+                      <a:headEnd type="none" w="med" len="med"/>
+                      <a:tailEnd type="none" w="med" len="med"/>
+                    </a:lnL>
+                    <a:lnR w="6350" cap="flat" cmpd="sng" algn="ctr">
+                      <a:solidFill>
+                        <a:srgbClr val="000000"/>
+                      </a:solidFill>
+                      <a:prstDash val="solid"/>
+                      <a:round/>
+                      <a:headEnd type="none" w="med" len="med"/>
+                      <a:tailEnd type="none" w="med" len="med"/>
+                    </a:lnR>
+                    <a:lnT w="6350" cap="flat" cmpd="sng" algn="ctr">
+                      <a:solidFill>
+                        <a:srgbClr val="000000"/>
+                      </a:solidFill>
+                      <a:prstDash val="solid"/>
+                      <a:round/>
+                      <a:headEnd type="none" w="med" len="med"/>
+                      <a:tailEnd type="none" w="med" len="med"/>
+                    </a:lnT>
+                    <a:lnB w="6350" cap="flat" cmpd="sng" algn="ctr">
+                      <a:solidFill>
+                        <a:srgbClr val="000000"/>
+                      </a:solidFill>
+                      <a:prstDash val="solid"/>
+                      <a:round/>
+                      <a:headEnd type="none" w="med" len="med"/>
+                      <a:tailEnd type="none" w="med" len="med"/>
+                    </a:lnB>
+                    <a:solidFill>
+                      <a:srgbClr val="B8CCE4"/>
+                    </a:solidFill>
+                  </a:tcPr>
+                </a:tc>
+                <a:tc>
+                  <a:txBody>
+                    <a:bodyPr/>
+                    <a:lstStyle/>
+                    <a:p>
+                      <a:pPr algn="ctr" fontAlgn="ctr"/>
+                      <a:r>
+                        <a:rPr lang="es-AR" sz="1400" kern="1200" dirty="0" smtClean="0">
+                          <a:solidFill>
+                            <a:schemeClr val="tx1"/>
+                          </a:solidFill>
+                          <a:latin typeface="+mn-lt"/>
+                          <a:ea typeface="+mn-ea"/>
+                          <a:cs typeface="+mn-cs"/>
+                        </a:rPr>
+                        <a:t>% de Problemas</a:t>
+                      </a:r>
+                    </a:p>
+                  </a:txBody>
+                  <a:tcPr marL="8498" marR="8498" marT="8498" marB="0" anchor="ctr">
+                    <a:lnL w="6350" cap="flat" cmpd="sng" algn="ctr">
+                      <a:solidFill>
+                        <a:srgbClr val="000000"/>
+                      </a:solidFill>
+                      <a:prstDash val="solid"/>
+                      <a:round/>
+                      <a:headEnd type="none" w="med" len="med"/>
+                      <a:tailEnd type="none" w="med" len="med"/>
+                    </a:lnL>
+                    <a:lnR w="6350" cap="flat" cmpd="sng" algn="ctr">
+                      <a:solidFill>
+                        <a:srgbClr val="000000"/>
+                      </a:solidFill>
+                      <a:prstDash val="solid"/>
+                      <a:round/>
+                      <a:headEnd type="none" w="med" len="med"/>
+                      <a:tailEnd type="none" w="med" len="med"/>
+                    </a:lnR>
+                    <a:lnT w="6350" cap="flat" cmpd="sng" algn="ctr">
+                      <a:solidFill>
+                        <a:srgbClr val="000000"/>
+                      </a:solidFill>
+                      <a:prstDash val="solid"/>
+                      <a:round/>
+                      <a:headEnd type="none" w="med" len="med"/>
+                      <a:tailEnd type="none" w="med" len="med"/>
+                    </a:lnT>
+                    <a:lnB w="6350" cap="flat" cmpd="sng" algn="ctr">
+                      <a:solidFill>
+                        <a:srgbClr val="000000"/>
+                      </a:solidFill>
+                      <a:prstDash val="solid"/>
+                      <a:round/>
+                      <a:headEnd type="none" w="med" len="med"/>
+                      <a:tailEnd type="none" w="med" len="med"/>
+                    </a:lnB>
+                    <a:solidFill>
+                      <a:srgbClr val="B8CCE4"/>
+                    </a:solidFill>
+                  </a:tcPr>
+                </a:tc>
+                <a:tc>
+                  <a:txBody>
+                    <a:bodyPr/>
+                    <a:lstStyle/>
+                    <a:p>
+                      <a:pPr algn="ctr" fontAlgn="ctr"/>
+                      <a:r>
+                        <a:rPr lang="es-AR" sz="1400" kern="1200" dirty="0" smtClean="0">
+                          <a:solidFill>
+                            <a:schemeClr val="tx1"/>
+                          </a:solidFill>
+                          <a:latin typeface="+mn-lt"/>
+                          <a:ea typeface="+mn-ea"/>
+                          <a:cs typeface="+mn-cs"/>
+                        </a:rPr>
+                        <a:t>Cantidad CP con Problemas</a:t>
+                      </a:r>
+                    </a:p>
+                  </a:txBody>
+                  <a:tcPr marL="8498" marR="8498" marT="8498" marB="0" anchor="ctr">
+                    <a:lnL w="6350" cap="flat" cmpd="sng" algn="ctr">
+                      <a:solidFill>
+                        <a:srgbClr val="000000"/>
+                      </a:solidFill>
+                      <a:prstDash val="solid"/>
+                      <a:round/>
+                      <a:headEnd type="none" w="med" len="med"/>
+                      <a:tailEnd type="none" w="med" len="med"/>
+                    </a:lnL>
+                    <a:lnR w="6350" cap="flat" cmpd="sng" algn="ctr">
+                      <a:solidFill>
+                        <a:srgbClr val="000000"/>
+                      </a:solidFill>
+                      <a:prstDash val="solid"/>
+                      <a:round/>
+                      <a:headEnd type="none" w="med" len="med"/>
+                      <a:tailEnd type="none" w="med" len="med"/>
+                    </a:lnR>
+                    <a:lnT w="6350" cap="flat" cmpd="sng" algn="ctr">
+                      <a:solidFill>
+                        <a:srgbClr val="000000"/>
+                      </a:solidFill>
+                      <a:prstDash val="solid"/>
+                      <a:round/>
+                      <a:headEnd type="none" w="med" len="med"/>
+                      <a:tailEnd type="none" w="med" len="med"/>
+                    </a:lnT>
+                    <a:lnB w="6350" cap="flat" cmpd="sng" algn="ctr">
+                      <a:solidFill>
+                        <a:srgbClr val="000000"/>
+                      </a:solidFill>
+                      <a:prstDash val="solid"/>
+                      <a:round/>
+                      <a:headEnd type="none" w="med" len="med"/>
+                      <a:tailEnd type="none" w="med" len="med"/>
+                    </a:lnB>
+                    <a:solidFill>
+                      <a:srgbClr val="B8CCE4"/>
+                    </a:solidFill>
+                  </a:tcPr>
+                </a:tc>
+              </a:tr>
+              <a:tr h="402790">
+                <a:tc>
+                  <a:txBody>
+                    <a:bodyPr/>
+                    <a:lstStyle/>
+                    <a:p>
+                      <a:pPr algn="ctr" fontAlgn="ctr"/>
+                      <a:r>
+                        <a:rPr lang="es-AR" sz="1400" kern="1200" dirty="0" smtClean="0">
+                          <a:solidFill>
+                            <a:schemeClr val="tx1"/>
+                          </a:solidFill>
+                          <a:latin typeface="+mn-lt"/>
+                          <a:ea typeface="+mn-ea"/>
+                          <a:cs typeface="+mn-cs"/>
+                        </a:rPr>
+                        <a:t>Alta</a:t>
+                      </a:r>
+                    </a:p>
+                  </a:txBody>
+                  <a:tcPr marL="8498" marR="8498" marT="8498" marB="0" anchor="ctr">
+                    <a:lnL w="6350" cap="flat" cmpd="sng" algn="ctr">
+                      <a:solidFill>
+                        <a:srgbClr val="000000"/>
+                      </a:solidFill>
+                      <a:prstDash val="solid"/>
+                      <a:round/>
+                      <a:headEnd type="none" w="med" len="med"/>
+                      <a:tailEnd type="none" w="med" len="med"/>
+                    </a:lnL>
+                    <a:lnR w="6350" cap="flat" cmpd="sng" algn="ctr">
+                      <a:solidFill>
+                        <a:srgbClr val="000000"/>
+                      </a:solidFill>
+                      <a:prstDash val="solid"/>
+                      <a:round/>
+                      <a:headEnd type="none" w="med" len="med"/>
+                      <a:tailEnd type="none" w="med" len="med"/>
+                    </a:lnR>
+                    <a:lnT w="6350" cap="flat" cmpd="sng" algn="ctr">
+                      <a:solidFill>
+                        <a:srgbClr val="000000"/>
+                      </a:solidFill>
+                      <a:prstDash val="solid"/>
+                      <a:round/>
+                      <a:headEnd type="none" w="med" len="med"/>
+                      <a:tailEnd type="none" w="med" len="med"/>
+                    </a:lnT>
+                    <a:lnB w="6350" cap="flat" cmpd="sng" algn="ctr">
+                      <a:solidFill>
+                        <a:srgbClr val="000000"/>
+                      </a:solidFill>
+                      <a:prstDash val="solid"/>
+                      <a:round/>
+                      <a:headEnd type="none" w="med" len="med"/>
+                      <a:tailEnd type="none" w="med" len="med"/>
+                    </a:lnB>
+                  </a:tcPr>
+                </a:tc>
+                <a:tc>
+                  <a:txBody>
+                    <a:bodyPr/>
+                    <a:lstStyle/>
+                    <a:p>
+                      <a:pPr algn="ctr" fontAlgn="ctr"/>
+                      <a:r>
+                        <a:rPr lang="es-AR" sz="1400" kern="1200" dirty="0" smtClean="0">
+                          <a:solidFill>
+                            <a:schemeClr val="tx1"/>
+                          </a:solidFill>
+                          <a:latin typeface="+mn-lt"/>
+                          <a:ea typeface="+mn-ea"/>
+                          <a:cs typeface="+mn-cs"/>
+                        </a:rPr>
+                        <a:t>111</a:t>
+                      </a:r>
+                    </a:p>
+                  </a:txBody>
+                  <a:tcPr marL="8498" marR="8498" marT="8498" marB="0" anchor="ctr">
+                    <a:lnL w="6350" cap="flat" cmpd="sng" algn="ctr">
+                      <a:solidFill>
+                        <a:srgbClr val="000000"/>
+                      </a:solidFill>
+                      <a:prstDash val="solid"/>
+                      <a:round/>
+                      <a:headEnd type="none" w="med" len="med"/>
+                      <a:tailEnd type="none" w="med" len="med"/>
+                    </a:lnL>
+                    <a:lnR w="6350" cap="flat" cmpd="sng" algn="ctr">
+                      <a:solidFill>
+                        <a:srgbClr val="000000"/>
+                      </a:solidFill>
+                      <a:prstDash val="solid"/>
+                      <a:round/>
+                      <a:headEnd type="none" w="med" len="med"/>
+                      <a:tailEnd type="none" w="med" len="med"/>
+                    </a:lnR>
+                    <a:lnT w="6350" cap="flat" cmpd="sng" algn="ctr">
+                      <a:solidFill>
+                        <a:srgbClr val="000000"/>
+                      </a:solidFill>
+                      <a:prstDash val="solid"/>
+                      <a:round/>
+                      <a:headEnd type="none" w="med" len="med"/>
+                      <a:tailEnd type="none" w="med" len="med"/>
+                    </a:lnT>
+                    <a:lnB w="6350" cap="flat" cmpd="sng" algn="ctr">
+                      <a:solidFill>
+                        <a:srgbClr val="000000"/>
+                      </a:solidFill>
+                      <a:prstDash val="solid"/>
+                      <a:round/>
+                      <a:headEnd type="none" w="med" len="med"/>
+                      <a:tailEnd type="none" w="med" len="med"/>
+                    </a:lnB>
+                  </a:tcPr>
+                </a:tc>
+                <a:tc>
+                  <a:txBody>
+                    <a:bodyPr/>
+                    <a:lstStyle/>
+                    <a:p>
+                      <a:pPr algn="ctr" fontAlgn="ctr"/>
+                      <a:r>
+                        <a:rPr lang="es-AR" sz="1400" kern="1200" dirty="0" smtClean="0">
+                          <a:solidFill>
+                            <a:schemeClr val="tx1"/>
+                          </a:solidFill>
+                          <a:latin typeface="+mn-lt"/>
+                          <a:ea typeface="+mn-ea"/>
+                          <a:cs typeface="+mn-cs"/>
+                        </a:rPr>
+                        <a:t>4%</a:t>
+                      </a:r>
+                    </a:p>
+                  </a:txBody>
+                  <a:tcPr marL="8498" marR="8498" marT="8498" marB="0" anchor="ctr">
+                    <a:lnL w="6350" cap="flat" cmpd="sng" algn="ctr">
+                      <a:solidFill>
+                        <a:srgbClr val="000000"/>
+                      </a:solidFill>
+                      <a:prstDash val="solid"/>
+                      <a:round/>
+                      <a:headEnd type="none" w="med" len="med"/>
+                      <a:tailEnd type="none" w="med" len="med"/>
+                    </a:lnL>
+                    <a:lnR w="6350" cap="flat" cmpd="sng" algn="ctr">
+                      <a:solidFill>
+                        <a:srgbClr val="000000"/>
+                      </a:solidFill>
+                      <a:prstDash val="solid"/>
+                      <a:round/>
+                      <a:headEnd type="none" w="med" len="med"/>
+                      <a:tailEnd type="none" w="med" len="med"/>
+                    </a:lnR>
+                    <a:lnT w="6350" cap="flat" cmpd="sng" algn="ctr">
+                      <a:solidFill>
+                        <a:srgbClr val="000000"/>
+                      </a:solidFill>
+                      <a:prstDash val="solid"/>
+                      <a:round/>
+                      <a:headEnd type="none" w="med" len="med"/>
+                      <a:tailEnd type="none" w="med" len="med"/>
+                    </a:lnT>
+                    <a:lnB w="6350" cap="flat" cmpd="sng" algn="ctr">
+                      <a:solidFill>
+                        <a:srgbClr val="000000"/>
+                      </a:solidFill>
+                      <a:prstDash val="solid"/>
+                      <a:round/>
+                      <a:headEnd type="none" w="med" len="med"/>
+                      <a:tailEnd type="none" w="med" len="med"/>
+                    </a:lnB>
+                  </a:tcPr>
+                </a:tc>
+                <a:tc>
+                  <a:txBody>
+                    <a:bodyPr/>
+                    <a:lstStyle/>
+                    <a:p>
+                      <a:pPr algn="ctr" fontAlgn="ctr"/>
+                      <a:r>
+                        <a:rPr lang="es-AR" sz="1400" kern="1200" dirty="0" smtClean="0">
+                          <a:solidFill>
+                            <a:schemeClr val="tx1"/>
+                          </a:solidFill>
+                          <a:latin typeface="+mn-lt"/>
+                          <a:ea typeface="+mn-ea"/>
+                          <a:cs typeface="+mn-cs"/>
+                        </a:rPr>
+                        <a:t>4</a:t>
+                      </a:r>
+                    </a:p>
+                  </a:txBody>
+                  <a:tcPr marL="8498" marR="8498" marT="8498" marB="0" anchor="ctr">
+                    <a:lnL w="6350" cap="flat" cmpd="sng" algn="ctr">
+                      <a:solidFill>
+                        <a:srgbClr val="000000"/>
+                      </a:solidFill>
+                      <a:prstDash val="solid"/>
+                      <a:round/>
+                      <a:headEnd type="none" w="med" len="med"/>
+                      <a:tailEnd type="none" w="med" len="med"/>
+                    </a:lnL>
+                    <a:lnR w="6350" cap="flat" cmpd="sng" algn="ctr">
+                      <a:solidFill>
+                        <a:srgbClr val="000000"/>
+                      </a:solidFill>
+                      <a:prstDash val="solid"/>
+                      <a:round/>
+                      <a:headEnd type="none" w="med" len="med"/>
+                      <a:tailEnd type="none" w="med" len="med"/>
+                    </a:lnR>
+                    <a:lnT w="6350" cap="flat" cmpd="sng" algn="ctr">
+                      <a:solidFill>
+                        <a:srgbClr val="000000"/>
+                      </a:solidFill>
+                      <a:prstDash val="solid"/>
+                      <a:round/>
+                      <a:headEnd type="none" w="med" len="med"/>
+                      <a:tailEnd type="none" w="med" len="med"/>
+                    </a:lnT>
+                    <a:lnB w="6350" cap="flat" cmpd="sng" algn="ctr">
+                      <a:solidFill>
+                        <a:srgbClr val="000000"/>
+                      </a:solidFill>
+                      <a:prstDash val="solid"/>
+                      <a:round/>
+                      <a:headEnd type="none" w="med" len="med"/>
+                      <a:tailEnd type="none" w="med" len="med"/>
+                    </a:lnB>
+                    <a:solidFill>
+                      <a:srgbClr val="C2D69A"/>
+                    </a:solidFill>
+                  </a:tcPr>
+                </a:tc>
+                <a:tc>
+                  <a:txBody>
+                    <a:bodyPr/>
+                    <a:lstStyle/>
+                    <a:p>
+                      <a:pPr algn="ctr" fontAlgn="ctr"/>
+                      <a:r>
+                        <a:rPr lang="es-AR" sz="1400" kern="1200" dirty="0" smtClean="0">
+                          <a:solidFill>
+                            <a:schemeClr val="tx1"/>
+                          </a:solidFill>
+                          <a:latin typeface="+mn-lt"/>
+                          <a:ea typeface="+mn-ea"/>
+                          <a:cs typeface="+mn-cs"/>
+                        </a:rPr>
+                        <a:t>0%</a:t>
+                      </a:r>
+                    </a:p>
+                  </a:txBody>
+                  <a:tcPr marL="8498" marR="8498" marT="8498" marB="0" anchor="ctr">
+                    <a:lnL w="6350" cap="flat" cmpd="sng" algn="ctr">
+                      <a:solidFill>
+                        <a:srgbClr val="000000"/>
+                      </a:solidFill>
+                      <a:prstDash val="solid"/>
+                      <a:round/>
+                      <a:headEnd type="none" w="med" len="med"/>
+                      <a:tailEnd type="none" w="med" len="med"/>
+                    </a:lnL>
+                    <a:lnR w="6350" cap="flat" cmpd="sng" algn="ctr">
+                      <a:solidFill>
+                        <a:srgbClr val="000000"/>
+                      </a:solidFill>
+                      <a:prstDash val="solid"/>
+                      <a:round/>
+                      <a:headEnd type="none" w="med" len="med"/>
+                      <a:tailEnd type="none" w="med" len="med"/>
+                    </a:lnR>
+                    <a:lnT w="6350" cap="flat" cmpd="sng" algn="ctr">
+                      <a:solidFill>
+                        <a:srgbClr val="000000"/>
+                      </a:solidFill>
+                      <a:prstDash val="solid"/>
+                      <a:round/>
+                      <a:headEnd type="none" w="med" len="med"/>
+                      <a:tailEnd type="none" w="med" len="med"/>
+                    </a:lnT>
+                    <a:lnB w="6350" cap="flat" cmpd="sng" algn="ctr">
+                      <a:solidFill>
+                        <a:srgbClr val="000000"/>
+                      </a:solidFill>
+                      <a:prstDash val="solid"/>
+                      <a:round/>
+                      <a:headEnd type="none" w="med" len="med"/>
+                      <a:tailEnd type="none" w="med" len="med"/>
+                    </a:lnB>
+                  </a:tcPr>
+                </a:tc>
+                <a:tc>
+                  <a:txBody>
+                    <a:bodyPr/>
+                    <a:lstStyle/>
+                    <a:p>
+                      <a:pPr algn="ctr" fontAlgn="ctr"/>
+                      <a:r>
+                        <a:rPr lang="es-AR" sz="1400" kern="1200" dirty="0" smtClean="0">
+                          <a:solidFill>
+                            <a:schemeClr val="tx1"/>
+                          </a:solidFill>
+                          <a:latin typeface="+mn-lt"/>
+                          <a:ea typeface="+mn-ea"/>
+                          <a:cs typeface="+mn-cs"/>
+                        </a:rPr>
+                        <a:t>0</a:t>
+                      </a:r>
+                    </a:p>
+                  </a:txBody>
+                  <a:tcPr marL="8498" marR="8498" marT="8498" marB="0" anchor="ctr">
+                    <a:lnL w="6350" cap="flat" cmpd="sng" algn="ctr">
+                      <a:solidFill>
+                        <a:srgbClr val="000000"/>
+                      </a:solidFill>
+                      <a:prstDash val="solid"/>
+                      <a:round/>
+                      <a:headEnd type="none" w="med" len="med"/>
+                      <a:tailEnd type="none" w="med" len="med"/>
+                    </a:lnL>
+                    <a:lnR w="6350" cap="flat" cmpd="sng" algn="ctr">
+                      <a:solidFill>
+                        <a:srgbClr val="000000"/>
+                      </a:solidFill>
+                      <a:prstDash val="solid"/>
+                      <a:round/>
+                      <a:headEnd type="none" w="med" len="med"/>
+                      <a:tailEnd type="none" w="med" len="med"/>
+                    </a:lnR>
+                    <a:lnT w="6350" cap="flat" cmpd="sng" algn="ctr">
+                      <a:solidFill>
+                        <a:srgbClr val="000000"/>
+                      </a:solidFill>
+                      <a:prstDash val="solid"/>
+                      <a:round/>
+                      <a:headEnd type="none" w="med" len="med"/>
+                      <a:tailEnd type="none" w="med" len="med"/>
+                    </a:lnT>
+                    <a:lnB w="6350" cap="flat" cmpd="sng" algn="ctr">
+                      <a:solidFill>
+                        <a:srgbClr val="000000"/>
+                      </a:solidFill>
+                      <a:prstDash val="solid"/>
+                      <a:round/>
+                      <a:headEnd type="none" w="med" len="med"/>
+                      <a:tailEnd type="none" w="med" len="med"/>
+                    </a:lnB>
+                    <a:solidFill>
+                      <a:srgbClr val="C2D69A"/>
+                    </a:solidFill>
+                  </a:tcPr>
+                </a:tc>
+              </a:tr>
+              <a:tr h="402790">
+                <a:tc>
+                  <a:txBody>
+                    <a:bodyPr/>
+                    <a:lstStyle/>
+                    <a:p>
+                      <a:pPr algn="ctr" fontAlgn="ctr"/>
+                      <a:r>
+                        <a:rPr lang="es-AR" sz="1400" kern="1200" dirty="0" smtClean="0">
+                          <a:solidFill>
+                            <a:schemeClr val="tx1"/>
+                          </a:solidFill>
+                          <a:latin typeface="+mn-lt"/>
+                          <a:ea typeface="+mn-ea"/>
+                          <a:cs typeface="+mn-cs"/>
+                        </a:rPr>
+                        <a:t>Media</a:t>
+                      </a:r>
+                    </a:p>
+                  </a:txBody>
+                  <a:tcPr marL="8498" marR="8498" marT="8498" marB="0" anchor="ctr">
+                    <a:lnL w="6350" cap="flat" cmpd="sng" algn="ctr">
+                      <a:solidFill>
+                        <a:srgbClr val="000000"/>
+                      </a:solidFill>
+                      <a:prstDash val="solid"/>
+                      <a:round/>
+                      <a:headEnd type="none" w="med" len="med"/>
+                      <a:tailEnd type="none" w="med" len="med"/>
+                    </a:lnL>
+                    <a:lnR w="6350" cap="flat" cmpd="sng" algn="ctr">
+                      <a:solidFill>
+                        <a:srgbClr val="000000"/>
+                      </a:solidFill>
+                      <a:prstDash val="solid"/>
+                      <a:round/>
+                      <a:headEnd type="none" w="med" len="med"/>
+                      <a:tailEnd type="none" w="med" len="med"/>
+                    </a:lnR>
+                    <a:lnT w="6350" cap="flat" cmpd="sng" algn="ctr">
+                      <a:solidFill>
+                        <a:srgbClr val="000000"/>
+                      </a:solidFill>
+                      <a:prstDash val="solid"/>
+                      <a:round/>
+                      <a:headEnd type="none" w="med" len="med"/>
+                      <a:tailEnd type="none" w="med" len="med"/>
+                    </a:lnT>
+                    <a:lnB w="6350" cap="flat" cmpd="sng" algn="ctr">
+                      <a:solidFill>
+                        <a:srgbClr val="000000"/>
+                      </a:solidFill>
+                      <a:prstDash val="solid"/>
+                      <a:round/>
+                      <a:headEnd type="none" w="med" len="med"/>
+                      <a:tailEnd type="none" w="med" len="med"/>
+                    </a:lnB>
+                  </a:tcPr>
+                </a:tc>
+                <a:tc>
+                  <a:txBody>
+                    <a:bodyPr/>
+                    <a:lstStyle/>
+                    <a:p>
+                      <a:pPr algn="ctr" fontAlgn="ctr"/>
+                      <a:r>
+                        <a:rPr lang="es-AR" sz="1400" kern="1200" dirty="0" smtClean="0">
+                          <a:solidFill>
+                            <a:schemeClr val="tx1"/>
+                          </a:solidFill>
+                          <a:latin typeface="+mn-lt"/>
+                          <a:ea typeface="+mn-ea"/>
+                          <a:cs typeface="+mn-cs"/>
+                        </a:rPr>
+                        <a:t>189</a:t>
+                      </a:r>
+                    </a:p>
+                  </a:txBody>
+                  <a:tcPr marL="8498" marR="8498" marT="8498" marB="0" anchor="ctr">
+                    <a:lnL w="6350" cap="flat" cmpd="sng" algn="ctr">
+                      <a:solidFill>
+                        <a:srgbClr val="000000"/>
+                      </a:solidFill>
+                      <a:prstDash val="solid"/>
+                      <a:round/>
+                      <a:headEnd type="none" w="med" len="med"/>
+                      <a:tailEnd type="none" w="med" len="med"/>
+                    </a:lnL>
+                    <a:lnR w="6350" cap="flat" cmpd="sng" algn="ctr">
+                      <a:solidFill>
+                        <a:srgbClr val="000000"/>
+                      </a:solidFill>
+                      <a:prstDash val="solid"/>
+                      <a:round/>
+                      <a:headEnd type="none" w="med" len="med"/>
+                      <a:tailEnd type="none" w="med" len="med"/>
+                    </a:lnR>
+                    <a:lnT w="6350" cap="flat" cmpd="sng" algn="ctr">
+                      <a:solidFill>
+                        <a:srgbClr val="000000"/>
+                      </a:solidFill>
+                      <a:prstDash val="solid"/>
+                      <a:round/>
+                      <a:headEnd type="none" w="med" len="med"/>
+                      <a:tailEnd type="none" w="med" len="med"/>
+                    </a:lnT>
+                    <a:lnB w="6350" cap="flat" cmpd="sng" algn="ctr">
+                      <a:solidFill>
+                        <a:srgbClr val="000000"/>
+                      </a:solidFill>
+                      <a:prstDash val="solid"/>
+                      <a:round/>
+                      <a:headEnd type="none" w="med" len="med"/>
+                      <a:tailEnd type="none" w="med" len="med"/>
+                    </a:lnB>
+                  </a:tcPr>
+                </a:tc>
+                <a:tc>
+                  <a:txBody>
+                    <a:bodyPr/>
+                    <a:lstStyle/>
+                    <a:p>
+                      <a:pPr algn="ctr" fontAlgn="ctr"/>
+                      <a:r>
+                        <a:rPr lang="es-AR" sz="1400" kern="1200" dirty="0" smtClean="0">
+                          <a:solidFill>
+                            <a:schemeClr val="tx1"/>
+                          </a:solidFill>
+                          <a:latin typeface="+mn-lt"/>
+                          <a:ea typeface="+mn-ea"/>
+                          <a:cs typeface="+mn-cs"/>
+                        </a:rPr>
+                        <a:t>8%</a:t>
+                      </a:r>
+                    </a:p>
+                  </a:txBody>
+                  <a:tcPr marL="8498" marR="8498" marT="8498" marB="0" anchor="ctr">
+                    <a:lnL w="6350" cap="flat" cmpd="sng" algn="ctr">
+                      <a:solidFill>
+                        <a:srgbClr val="000000"/>
+                      </a:solidFill>
+                      <a:prstDash val="solid"/>
+                      <a:round/>
+                      <a:headEnd type="none" w="med" len="med"/>
+                      <a:tailEnd type="none" w="med" len="med"/>
+                    </a:lnL>
+                    <a:lnR w="6350" cap="flat" cmpd="sng" algn="ctr">
+                      <a:solidFill>
+                        <a:srgbClr val="000000"/>
+                      </a:solidFill>
+                      <a:prstDash val="solid"/>
+                      <a:round/>
+                      <a:headEnd type="none" w="med" len="med"/>
+                      <a:tailEnd type="none" w="med" len="med"/>
+                    </a:lnR>
+                    <a:lnT w="6350" cap="flat" cmpd="sng" algn="ctr">
+                      <a:solidFill>
+                        <a:srgbClr val="000000"/>
+                      </a:solidFill>
+                      <a:prstDash val="solid"/>
+                      <a:round/>
+                      <a:headEnd type="none" w="med" len="med"/>
+                      <a:tailEnd type="none" w="med" len="med"/>
+                    </a:lnT>
+                    <a:lnB w="6350" cap="flat" cmpd="sng" algn="ctr">
+                      <a:solidFill>
+                        <a:srgbClr val="000000"/>
+                      </a:solidFill>
+                      <a:prstDash val="solid"/>
+                      <a:round/>
+                      <a:headEnd type="none" w="med" len="med"/>
+                      <a:tailEnd type="none" w="med" len="med"/>
+                    </a:lnB>
+                  </a:tcPr>
+                </a:tc>
+                <a:tc>
+                  <a:txBody>
+                    <a:bodyPr/>
+                    <a:lstStyle/>
+                    <a:p>
+                      <a:pPr algn="ctr" fontAlgn="ctr"/>
+                      <a:r>
+                        <a:rPr lang="es-AR" sz="1400" kern="1200" dirty="0" smtClean="0">
+                          <a:solidFill>
+                            <a:schemeClr val="tx1"/>
+                          </a:solidFill>
+                          <a:latin typeface="+mn-lt"/>
+                          <a:ea typeface="+mn-ea"/>
+                          <a:cs typeface="+mn-cs"/>
+                        </a:rPr>
+                        <a:t>16</a:t>
+                      </a:r>
+                    </a:p>
+                  </a:txBody>
+                  <a:tcPr marL="8498" marR="8498" marT="8498" marB="0" anchor="ctr">
+                    <a:lnL w="6350" cap="flat" cmpd="sng" algn="ctr">
+                      <a:solidFill>
+                        <a:srgbClr val="000000"/>
+                      </a:solidFill>
+                      <a:prstDash val="solid"/>
+                      <a:round/>
+                      <a:headEnd type="none" w="med" len="med"/>
+                      <a:tailEnd type="none" w="med" len="med"/>
+                    </a:lnL>
+                    <a:lnR w="6350" cap="flat" cmpd="sng" algn="ctr">
+                      <a:solidFill>
+                        <a:srgbClr val="000000"/>
+                      </a:solidFill>
+                      <a:prstDash val="solid"/>
+                      <a:round/>
+                      <a:headEnd type="none" w="med" len="med"/>
+                      <a:tailEnd type="none" w="med" len="med"/>
+                    </a:lnR>
+                    <a:lnT w="6350" cap="flat" cmpd="sng" algn="ctr">
+                      <a:solidFill>
+                        <a:srgbClr val="000000"/>
+                      </a:solidFill>
+                      <a:prstDash val="solid"/>
+                      <a:round/>
+                      <a:headEnd type="none" w="med" len="med"/>
+                      <a:tailEnd type="none" w="med" len="med"/>
+                    </a:lnT>
+                    <a:lnB w="6350" cap="flat" cmpd="sng" algn="ctr">
+                      <a:solidFill>
+                        <a:srgbClr val="000000"/>
+                      </a:solidFill>
+                      <a:prstDash val="solid"/>
+                      <a:round/>
+                      <a:headEnd type="none" w="med" len="med"/>
+                      <a:tailEnd type="none" w="med" len="med"/>
+                    </a:lnB>
+                    <a:solidFill>
+                      <a:srgbClr val="C2D69A"/>
+                    </a:solidFill>
+                  </a:tcPr>
+                </a:tc>
+                <a:tc>
+                  <a:txBody>
+                    <a:bodyPr/>
+                    <a:lstStyle/>
+                    <a:p>
+                      <a:pPr algn="ctr" fontAlgn="ctr"/>
+                      <a:r>
+                        <a:rPr lang="es-AR" sz="1400" kern="1200" dirty="0" smtClean="0">
+                          <a:solidFill>
+                            <a:schemeClr val="tx1"/>
+                          </a:solidFill>
+                          <a:latin typeface="+mn-lt"/>
+                          <a:ea typeface="+mn-ea"/>
+                          <a:cs typeface="+mn-cs"/>
+                        </a:rPr>
+                        <a:t>3%</a:t>
+                      </a:r>
+                    </a:p>
+                  </a:txBody>
+                  <a:tcPr marL="8498" marR="8498" marT="8498" marB="0" anchor="ctr">
+                    <a:lnL w="6350" cap="flat" cmpd="sng" algn="ctr">
+                      <a:solidFill>
+                        <a:srgbClr val="000000"/>
+                      </a:solidFill>
+                      <a:prstDash val="solid"/>
+                      <a:round/>
+                      <a:headEnd type="none" w="med" len="med"/>
+                      <a:tailEnd type="none" w="med" len="med"/>
+                    </a:lnL>
+                    <a:lnR w="6350" cap="flat" cmpd="sng" algn="ctr">
+                      <a:solidFill>
+                        <a:srgbClr val="000000"/>
+                      </a:solidFill>
+                      <a:prstDash val="solid"/>
+                      <a:round/>
+                      <a:headEnd type="none" w="med" len="med"/>
+                      <a:tailEnd type="none" w="med" len="med"/>
+                    </a:lnR>
+                    <a:lnT w="6350" cap="flat" cmpd="sng" algn="ctr">
+                      <a:solidFill>
+                        <a:srgbClr val="000000"/>
+                      </a:solidFill>
+                      <a:prstDash val="solid"/>
+                      <a:round/>
+                      <a:headEnd type="none" w="med" len="med"/>
+                      <a:tailEnd type="none" w="med" len="med"/>
+                    </a:lnT>
+                    <a:lnB w="6350" cap="flat" cmpd="sng" algn="ctr">
+                      <a:solidFill>
+                        <a:srgbClr val="000000"/>
+                      </a:solidFill>
+                      <a:prstDash val="solid"/>
+                      <a:round/>
+                      <a:headEnd type="none" w="med" len="med"/>
+                      <a:tailEnd type="none" w="med" len="med"/>
+                    </a:lnB>
+                  </a:tcPr>
+                </a:tc>
+                <a:tc>
+                  <a:txBody>
+                    <a:bodyPr/>
+                    <a:lstStyle/>
+                    <a:p>
+                      <a:pPr algn="ctr" fontAlgn="ctr"/>
+                      <a:r>
+                        <a:rPr lang="es-AR" sz="1400" kern="1200" dirty="0" smtClean="0">
+                          <a:solidFill>
+                            <a:schemeClr val="tx1"/>
+                          </a:solidFill>
+                          <a:latin typeface="+mn-lt"/>
+                          <a:ea typeface="+mn-ea"/>
+                          <a:cs typeface="+mn-cs"/>
+                        </a:rPr>
+                        <a:t>6</a:t>
+                      </a:r>
+                    </a:p>
+                  </a:txBody>
+                  <a:tcPr marL="8498" marR="8498" marT="8498" marB="0" anchor="ctr">
+                    <a:lnL w="6350" cap="flat" cmpd="sng" algn="ctr">
+                      <a:solidFill>
+                        <a:srgbClr val="000000"/>
+                      </a:solidFill>
+                      <a:prstDash val="solid"/>
+                      <a:round/>
+                      <a:headEnd type="none" w="med" len="med"/>
+                      <a:tailEnd type="none" w="med" len="med"/>
+                    </a:lnL>
+                    <a:lnR w="6350" cap="flat" cmpd="sng" algn="ctr">
+                      <a:solidFill>
+                        <a:srgbClr val="000000"/>
+                      </a:solidFill>
+                      <a:prstDash val="solid"/>
+                      <a:round/>
+                      <a:headEnd type="none" w="med" len="med"/>
+                      <a:tailEnd type="none" w="med" len="med"/>
+                    </a:lnR>
+                    <a:lnT w="6350" cap="flat" cmpd="sng" algn="ctr">
+                      <a:solidFill>
+                        <a:srgbClr val="000000"/>
+                      </a:solidFill>
+                      <a:prstDash val="solid"/>
+                      <a:round/>
+                      <a:headEnd type="none" w="med" len="med"/>
+                      <a:tailEnd type="none" w="med" len="med"/>
+                    </a:lnT>
+                    <a:lnB w="6350" cap="flat" cmpd="sng" algn="ctr">
+                      <a:solidFill>
+                        <a:srgbClr val="000000"/>
+                      </a:solidFill>
+                      <a:prstDash val="solid"/>
+                      <a:round/>
+                      <a:headEnd type="none" w="med" len="med"/>
+                      <a:tailEnd type="none" w="med" len="med"/>
+                    </a:lnB>
+                    <a:solidFill>
+                      <a:srgbClr val="C2D69A"/>
+                    </a:solidFill>
+                  </a:tcPr>
+                </a:tc>
+              </a:tr>
+              <a:tr h="423002">
+                <a:tc>
+                  <a:txBody>
+                    <a:bodyPr/>
+                    <a:lstStyle/>
+                    <a:p>
+                      <a:pPr algn="ctr" fontAlgn="ctr"/>
+                      <a:r>
+                        <a:rPr lang="es-AR" sz="1400" kern="1200" dirty="0" smtClean="0">
+                          <a:solidFill>
+                            <a:schemeClr val="tx1"/>
+                          </a:solidFill>
+                          <a:latin typeface="+mn-lt"/>
+                          <a:ea typeface="+mn-ea"/>
+                          <a:cs typeface="+mn-cs"/>
+                        </a:rPr>
+                        <a:t>Baja</a:t>
+                      </a:r>
+                    </a:p>
+                  </a:txBody>
+                  <a:tcPr marL="8498" marR="8498" marT="8498" marB="0" anchor="ctr">
+                    <a:lnL w="6350" cap="flat" cmpd="sng" algn="ctr">
+                      <a:solidFill>
+                        <a:srgbClr val="000000"/>
+                      </a:solidFill>
+                      <a:prstDash val="solid"/>
+                      <a:round/>
+                      <a:headEnd type="none" w="med" len="med"/>
+                      <a:tailEnd type="none" w="med" len="med"/>
+                    </a:lnL>
+                    <a:lnR w="6350" cap="flat" cmpd="sng" algn="ctr">
+                      <a:solidFill>
+                        <a:srgbClr val="000000"/>
+                      </a:solidFill>
+                      <a:prstDash val="solid"/>
+                      <a:round/>
+                      <a:headEnd type="none" w="med" len="med"/>
+                      <a:tailEnd type="none" w="med" len="med"/>
+                    </a:lnR>
+                    <a:lnT w="6350" cap="flat" cmpd="sng" algn="ctr">
+                      <a:solidFill>
+                        <a:srgbClr val="000000"/>
+                      </a:solidFill>
+                      <a:prstDash val="solid"/>
+                      <a:round/>
+                      <a:headEnd type="none" w="med" len="med"/>
+                      <a:tailEnd type="none" w="med" len="med"/>
+                    </a:lnT>
+                    <a:lnB w="6350" cap="flat" cmpd="sng" algn="ctr">
+                      <a:solidFill>
+                        <a:srgbClr val="000000"/>
+                      </a:solidFill>
+                      <a:prstDash val="solid"/>
+                      <a:round/>
+                      <a:headEnd type="none" w="med" len="med"/>
+                      <a:tailEnd type="none" w="med" len="med"/>
+                    </a:lnB>
+                  </a:tcPr>
+                </a:tc>
+                <a:tc>
+                  <a:txBody>
+                    <a:bodyPr/>
+                    <a:lstStyle/>
+                    <a:p>
+                      <a:pPr algn="ctr" fontAlgn="ctr"/>
+                      <a:r>
+                        <a:rPr lang="es-AR" sz="1400" kern="1200" dirty="0" smtClean="0">
+                          <a:solidFill>
+                            <a:schemeClr val="tx1"/>
+                          </a:solidFill>
+                          <a:latin typeface="+mn-lt"/>
+                          <a:ea typeface="+mn-ea"/>
+                          <a:cs typeface="+mn-cs"/>
+                        </a:rPr>
+                        <a:t>500</a:t>
+                      </a:r>
+                    </a:p>
+                  </a:txBody>
+                  <a:tcPr marL="8498" marR="8498" marT="8498" marB="0" anchor="ctr">
+                    <a:lnL w="6350" cap="flat" cmpd="sng" algn="ctr">
+                      <a:solidFill>
+                        <a:srgbClr val="000000"/>
+                      </a:solidFill>
+                      <a:prstDash val="solid"/>
+                      <a:round/>
+                      <a:headEnd type="none" w="med" len="med"/>
+                      <a:tailEnd type="none" w="med" len="med"/>
+                    </a:lnL>
+                    <a:lnR w="6350" cap="flat" cmpd="sng" algn="ctr">
+                      <a:solidFill>
+                        <a:srgbClr val="000000"/>
+                      </a:solidFill>
+                      <a:prstDash val="solid"/>
+                      <a:round/>
+                      <a:headEnd type="none" w="med" len="med"/>
+                      <a:tailEnd type="none" w="med" len="med"/>
+                    </a:lnR>
+                    <a:lnT w="6350" cap="flat" cmpd="sng" algn="ctr">
+                      <a:solidFill>
+                        <a:srgbClr val="000000"/>
+                      </a:solidFill>
+                      <a:prstDash val="solid"/>
+                      <a:round/>
+                      <a:headEnd type="none" w="med" len="med"/>
+                      <a:tailEnd type="none" w="med" len="med"/>
+                    </a:lnT>
+                    <a:lnB w="6350" cap="flat" cmpd="sng" algn="ctr">
+                      <a:solidFill>
+                        <a:srgbClr val="000000"/>
+                      </a:solidFill>
+                      <a:prstDash val="solid"/>
+                      <a:round/>
+                      <a:headEnd type="none" w="med" len="med"/>
+                      <a:tailEnd type="none" w="med" len="med"/>
+                    </a:lnB>
+                  </a:tcPr>
+                </a:tc>
+                <a:tc>
+                  <a:txBody>
+                    <a:bodyPr/>
+                    <a:lstStyle/>
+                    <a:p>
+                      <a:pPr algn="ctr" fontAlgn="ctr"/>
+                      <a:r>
+                        <a:rPr lang="es-AR" sz="1400" kern="1200" dirty="0" smtClean="0">
+                          <a:solidFill>
+                            <a:schemeClr val="tx1"/>
+                          </a:solidFill>
+                          <a:latin typeface="+mn-lt"/>
+                          <a:ea typeface="+mn-ea"/>
+                          <a:cs typeface="+mn-cs"/>
+                        </a:rPr>
+                        <a:t>33%</a:t>
+                      </a:r>
+                    </a:p>
+                  </a:txBody>
+                  <a:tcPr marL="8498" marR="8498" marT="8498" marB="0" anchor="ctr">
+                    <a:lnL w="6350" cap="flat" cmpd="sng" algn="ctr">
+                      <a:solidFill>
+                        <a:srgbClr val="000000"/>
+                      </a:solidFill>
+                      <a:prstDash val="solid"/>
+                      <a:round/>
+                      <a:headEnd type="none" w="med" len="med"/>
+                      <a:tailEnd type="none" w="med" len="med"/>
+                    </a:lnL>
+                    <a:lnR w="6350" cap="flat" cmpd="sng" algn="ctr">
+                      <a:solidFill>
+                        <a:srgbClr val="000000"/>
+                      </a:solidFill>
+                      <a:prstDash val="solid"/>
+                      <a:round/>
+                      <a:headEnd type="none" w="med" len="med"/>
+                      <a:tailEnd type="none" w="med" len="med"/>
+                    </a:lnR>
+                    <a:lnT w="6350" cap="flat" cmpd="sng" algn="ctr">
+                      <a:solidFill>
+                        <a:srgbClr val="000000"/>
+                      </a:solidFill>
+                      <a:prstDash val="solid"/>
+                      <a:round/>
+                      <a:headEnd type="none" w="med" len="med"/>
+                      <a:tailEnd type="none" w="med" len="med"/>
+                    </a:lnT>
+                    <a:lnB w="6350" cap="flat" cmpd="sng" algn="ctr">
+                      <a:solidFill>
+                        <a:srgbClr val="000000"/>
+                      </a:solidFill>
+                      <a:prstDash val="solid"/>
+                      <a:round/>
+                      <a:headEnd type="none" w="med" len="med"/>
+                      <a:tailEnd type="none" w="med" len="med"/>
+                    </a:lnB>
+                  </a:tcPr>
+                </a:tc>
+                <a:tc>
+                  <a:txBody>
+                    <a:bodyPr/>
+                    <a:lstStyle/>
+                    <a:p>
+                      <a:pPr algn="ctr" fontAlgn="ctr"/>
+                      <a:r>
+                        <a:rPr lang="es-AR" sz="1400" kern="1200" dirty="0" smtClean="0">
+                          <a:solidFill>
+                            <a:schemeClr val="tx1"/>
+                          </a:solidFill>
+                          <a:latin typeface="+mn-lt"/>
+                          <a:ea typeface="+mn-ea"/>
+                          <a:cs typeface="+mn-cs"/>
+                        </a:rPr>
+                        <a:t>165</a:t>
+                      </a:r>
+                    </a:p>
+                  </a:txBody>
+                  <a:tcPr marL="8498" marR="8498" marT="8498" marB="0" anchor="ctr">
+                    <a:lnL w="6350" cap="flat" cmpd="sng" algn="ctr">
+                      <a:solidFill>
+                        <a:srgbClr val="000000"/>
+                      </a:solidFill>
+                      <a:prstDash val="solid"/>
+                      <a:round/>
+                      <a:headEnd type="none" w="med" len="med"/>
+                      <a:tailEnd type="none" w="med" len="med"/>
+                    </a:lnL>
+                    <a:lnR w="6350" cap="flat" cmpd="sng" algn="ctr">
+                      <a:solidFill>
+                        <a:srgbClr val="000000"/>
+                      </a:solidFill>
+                      <a:prstDash val="solid"/>
+                      <a:round/>
+                      <a:headEnd type="none" w="med" len="med"/>
+                      <a:tailEnd type="none" w="med" len="med"/>
+                    </a:lnR>
+                    <a:lnT w="6350" cap="flat" cmpd="sng" algn="ctr">
+                      <a:solidFill>
+                        <a:srgbClr val="000000"/>
+                      </a:solidFill>
+                      <a:prstDash val="solid"/>
+                      <a:round/>
+                      <a:headEnd type="none" w="med" len="med"/>
+                      <a:tailEnd type="none" w="med" len="med"/>
+                    </a:lnT>
+                    <a:lnB w="6350" cap="flat" cmpd="sng" algn="ctr">
+                      <a:solidFill>
+                        <a:srgbClr val="000000"/>
+                      </a:solidFill>
+                      <a:prstDash val="solid"/>
+                      <a:round/>
+                      <a:headEnd type="none" w="med" len="med"/>
+                      <a:tailEnd type="none" w="med" len="med"/>
+                    </a:lnB>
+                    <a:solidFill>
+                      <a:srgbClr val="C2D69A"/>
+                    </a:solidFill>
+                  </a:tcPr>
+                </a:tc>
+                <a:tc>
+                  <a:txBody>
+                    <a:bodyPr/>
+                    <a:lstStyle/>
+                    <a:p>
+                      <a:pPr algn="ctr" fontAlgn="ctr"/>
+                      <a:r>
+                        <a:rPr lang="es-AR" sz="1400" kern="1200" dirty="0" smtClean="0">
+                          <a:solidFill>
+                            <a:schemeClr val="tx1"/>
+                          </a:solidFill>
+                          <a:latin typeface="+mn-lt"/>
+                          <a:ea typeface="+mn-ea"/>
+                          <a:cs typeface="+mn-cs"/>
+                        </a:rPr>
+                        <a:t>8%</a:t>
+                      </a:r>
+                    </a:p>
+                  </a:txBody>
+                  <a:tcPr marL="8498" marR="8498" marT="8498" marB="0" anchor="ctr">
+                    <a:lnL w="6350" cap="flat" cmpd="sng" algn="ctr">
+                      <a:solidFill>
+                        <a:srgbClr val="000000"/>
+                      </a:solidFill>
+                      <a:prstDash val="solid"/>
+                      <a:round/>
+                      <a:headEnd type="none" w="med" len="med"/>
+                      <a:tailEnd type="none" w="med" len="med"/>
+                    </a:lnL>
+                    <a:lnR w="6350" cap="flat" cmpd="sng" algn="ctr">
+                      <a:solidFill>
+                        <a:srgbClr val="000000"/>
+                      </a:solidFill>
+                      <a:prstDash val="solid"/>
+                      <a:round/>
+                      <a:headEnd type="none" w="med" len="med"/>
+                      <a:tailEnd type="none" w="med" len="med"/>
+                    </a:lnR>
+                    <a:lnT w="6350" cap="flat" cmpd="sng" algn="ctr">
+                      <a:solidFill>
+                        <a:srgbClr val="000000"/>
+                      </a:solidFill>
+                      <a:prstDash val="solid"/>
+                      <a:round/>
+                      <a:headEnd type="none" w="med" len="med"/>
+                      <a:tailEnd type="none" w="med" len="med"/>
+                    </a:lnT>
+                    <a:lnB w="6350" cap="flat" cmpd="sng" algn="ctr">
+                      <a:solidFill>
+                        <a:srgbClr val="000000"/>
+                      </a:solidFill>
+                      <a:prstDash val="solid"/>
+                      <a:round/>
+                      <a:headEnd type="none" w="med" len="med"/>
+                      <a:tailEnd type="none" w="med" len="med"/>
+                    </a:lnB>
+                  </a:tcPr>
+                </a:tc>
+                <a:tc>
+                  <a:txBody>
+                    <a:bodyPr/>
+                    <a:lstStyle/>
+                    <a:p>
+                      <a:pPr algn="ctr" fontAlgn="ctr"/>
+                      <a:r>
+                        <a:rPr lang="es-AR" sz="1400" kern="1200" dirty="0" smtClean="0">
+                          <a:solidFill>
+                            <a:schemeClr val="tx1"/>
+                          </a:solidFill>
+                          <a:latin typeface="+mn-lt"/>
+                          <a:ea typeface="+mn-ea"/>
+                          <a:cs typeface="+mn-cs"/>
+                        </a:rPr>
+                        <a:t>40</a:t>
+                      </a:r>
+                    </a:p>
+                  </a:txBody>
+                  <a:tcPr marL="8498" marR="8498" marT="8498" marB="0" anchor="ctr">
+                    <a:lnL w="6350" cap="flat" cmpd="sng" algn="ctr">
+                      <a:solidFill>
+                        <a:srgbClr val="000000"/>
+                      </a:solidFill>
+                      <a:prstDash val="solid"/>
+                      <a:round/>
+                      <a:headEnd type="none" w="med" len="med"/>
+                      <a:tailEnd type="none" w="med" len="med"/>
+                    </a:lnL>
+                    <a:lnR w="6350" cap="flat" cmpd="sng" algn="ctr">
+                      <a:solidFill>
+                        <a:srgbClr val="000000"/>
+                      </a:solidFill>
+                      <a:prstDash val="solid"/>
+                      <a:round/>
+                      <a:headEnd type="none" w="med" len="med"/>
+                      <a:tailEnd type="none" w="med" len="med"/>
+                    </a:lnR>
+                    <a:lnT w="6350" cap="flat" cmpd="sng" algn="ctr">
+                      <a:solidFill>
+                        <a:srgbClr val="000000"/>
+                      </a:solidFill>
+                      <a:prstDash val="solid"/>
+                      <a:round/>
+                      <a:headEnd type="none" w="med" len="med"/>
+                      <a:tailEnd type="none" w="med" len="med"/>
+                    </a:lnT>
+                    <a:lnB w="6350" cap="flat" cmpd="sng" algn="ctr">
+                      <a:solidFill>
+                        <a:srgbClr val="000000"/>
+                      </a:solidFill>
+                      <a:prstDash val="solid"/>
+                      <a:round/>
+                      <a:headEnd type="none" w="med" len="med"/>
+                      <a:tailEnd type="none" w="med" len="med"/>
+                    </a:lnB>
+                    <a:solidFill>
+                      <a:srgbClr val="C2D69A"/>
+                    </a:solidFill>
+                  </a:tcPr>
+                </a:tc>
+              </a:tr>
+            </a:tbl>
+          </a:graphicData>
+        </a:graphic>
+      </p:graphicFrame>
     </p:spTree>
   </p:cSld>
   <p:clrMapOvr>
@@ -9692,7 +12292,7 @@
           <a:p>
             <a:r>
               <a:rPr lang="es-ES_tradnl" dirty="0" smtClean="0"/>
-              <a:t>Esfuerzo Solicitudes de Cambio</a:t>
+              <a:t>Testing</a:t>
             </a:r>
             <a:endParaRPr lang="es-AR" dirty="0"/>
           </a:p>
@@ -9720,12 +12320,28 @@
           <a:p>
             <a:r>
               <a:rPr lang="es-AR" dirty="0" smtClean="0"/>
-              <a:t>Sirius es una solución de software destinada a brindar soporte a la gestión integral de Proyectos de Organismos No Gubernamentales. </a:t>
+              <a:t>Cantidad incidencias por ciclo:</a:t>
             </a:r>
             <a:endParaRPr lang="es-AR" dirty="0"/>
           </a:p>
         </p:txBody>
       </p:sp>
+      <p:graphicFrame>
+        <p:nvGraphicFramePr>
+          <p:cNvPr id="4" name="1 Gráfico"/>
+          <p:cNvGraphicFramePr/>
+          <p:nvPr/>
+        </p:nvGraphicFramePr>
+        <p:xfrm>
+          <a:off x="1043608" y="2780928"/>
+          <a:ext cx="6840760" cy="3672408"/>
+        </p:xfrm>
+        <a:graphic>
+          <a:graphicData uri="http://schemas.openxmlformats.org/drawingml/2006/chart">
+            <c:chart xmlns:c="http://schemas.openxmlformats.org/drawingml/2006/chart" xmlns:r="http://schemas.openxmlformats.org/officeDocument/2006/relationships" r:id="rId2"/>
+          </a:graphicData>
+        </a:graphic>
+      </p:graphicFrame>
     </p:spTree>
   </p:cSld>
   <p:clrMapOvr>
@@ -9775,7 +12391,7 @@
           <a:p>
             <a:r>
               <a:rPr lang="es-ES_tradnl" dirty="0" smtClean="0"/>
-              <a:t>Próximos pasos…</a:t>
+              <a:t>Costos del Proyecto</a:t>
             </a:r>
             <a:endParaRPr lang="es-AR" dirty="0"/>
           </a:p>
@@ -9800,36 +12416,6 @@
         <p:txBody>
           <a:bodyPr/>
           <a:lstStyle/>
-          <a:p>
-            <a:pPr lvl="0"/>
-            <a:r>
-              <a:rPr lang="es-ES_tradnl" dirty="0" smtClean="0"/>
-              <a:t>Implementación en SAHDES</a:t>
-            </a:r>
-          </a:p>
-          <a:p>
-            <a:pPr lvl="0"/>
-            <a:endParaRPr lang="es-ES_tradnl" dirty="0" smtClean="0"/>
-          </a:p>
-          <a:p>
-            <a:pPr lvl="0"/>
-            <a:r>
-              <a:rPr lang="es-ES_tradnl" dirty="0" smtClean="0"/>
-              <a:t>Evaluación requerimientos nuevos clientes</a:t>
-            </a:r>
-          </a:p>
-          <a:p>
-            <a:pPr lvl="0"/>
-            <a:endParaRPr lang="es-ES_tradnl" dirty="0" smtClean="0"/>
-          </a:p>
-          <a:p>
-            <a:pPr lvl="0"/>
-            <a:r>
-              <a:rPr lang="es-ES_tradnl" dirty="0" smtClean="0"/>
-              <a:t>Oportunidades de mejora</a:t>
-            </a:r>
-            <a:endParaRPr lang="es-AR" dirty="0" smtClean="0"/>
-          </a:p>
           <a:p>
             <a:endParaRPr lang="es-AR" dirty="0"/>
           </a:p>
@@ -9884,7 +12470,7 @@
           <a:p>
             <a:r>
               <a:rPr lang="es-ES_tradnl" dirty="0" smtClean="0"/>
-              <a:t>Conclusiones</a:t>
+              <a:t>Esfuerzo Solicitudes de Cambio</a:t>
             </a:r>
             <a:endParaRPr lang="es-AR" dirty="0"/>
           </a:p>
@@ -9912,7 +12498,7 @@
           <a:p>
             <a:r>
               <a:rPr lang="es-AR" dirty="0" smtClean="0"/>
-              <a:t>…</a:t>
+              <a:t>Sirius es una solución de software destinada a brindar soporte a la gestión integral de Proyectos de Organismos No Gubernamentales. </a:t>
             </a:r>
             <a:endParaRPr lang="es-AR" dirty="0"/>
           </a:p>
@@ -9967,7 +12553,7 @@
           <a:p>
             <a:r>
               <a:rPr lang="es-ES_tradnl" dirty="0" smtClean="0"/>
-              <a:t>Lecciones Aprendidas</a:t>
+              <a:t>Próximos pasos…</a:t>
             </a:r>
             <a:endParaRPr lang="es-AR" dirty="0"/>
           </a:p>
@@ -9993,10 +12579,36 @@
           <a:bodyPr/>
           <a:lstStyle/>
           <a:p>
-            <a:r>
-              <a:rPr lang="es-AR" dirty="0" smtClean="0"/>
-              <a:t>…</a:t>
-            </a:r>
+            <a:pPr lvl="0"/>
+            <a:r>
+              <a:rPr lang="es-ES_tradnl" dirty="0" smtClean="0"/>
+              <a:t>Implementación en SAHDES</a:t>
+            </a:r>
+          </a:p>
+          <a:p>
+            <a:pPr lvl="0"/>
+            <a:endParaRPr lang="es-ES_tradnl" dirty="0" smtClean="0"/>
+          </a:p>
+          <a:p>
+            <a:pPr lvl="0"/>
+            <a:r>
+              <a:rPr lang="es-ES_tradnl" dirty="0" smtClean="0"/>
+              <a:t>Evaluación requerimientos nuevos clientes</a:t>
+            </a:r>
+          </a:p>
+          <a:p>
+            <a:pPr lvl="0"/>
+            <a:endParaRPr lang="es-ES_tradnl" dirty="0" smtClean="0"/>
+          </a:p>
+          <a:p>
+            <a:pPr lvl="0"/>
+            <a:r>
+              <a:rPr lang="es-ES_tradnl" dirty="0" smtClean="0"/>
+              <a:t>Oportunidades de mejora</a:t>
+            </a:r>
+            <a:endParaRPr lang="es-AR" dirty="0" smtClean="0"/>
+          </a:p>
+          <a:p>
             <a:endParaRPr lang="es-AR" dirty="0"/>
           </a:p>
         </p:txBody>
@@ -10050,7 +12662,7 @@
           <a:p>
             <a:r>
               <a:rPr lang="es-ES_tradnl" dirty="0" smtClean="0"/>
-              <a:t>¿Qué es Sirius?</a:t>
+              <a:t>Conclusiones</a:t>
             </a:r>
             <a:endParaRPr lang="es-AR" dirty="0"/>
           </a:p>
@@ -10078,7 +12690,7 @@
           <a:p>
             <a:r>
               <a:rPr lang="es-AR" dirty="0" smtClean="0"/>
-              <a:t>Sirius es una solución de software destinada a brindar soporte a la gestión integral de Proyectos de Organismos No Gubernamentales. </a:t>
+              <a:t>…</a:t>
             </a:r>
             <a:endParaRPr lang="es-AR" dirty="0"/>
           </a:p>
@@ -10133,7 +12745,7 @@
           <a:p>
             <a:r>
               <a:rPr lang="es-ES_tradnl" dirty="0" smtClean="0"/>
-              <a:t>¿Qué es Sirius?</a:t>
+              <a:t>Lecciones Aprendidas</a:t>
             </a:r>
             <a:endParaRPr lang="es-AR" dirty="0"/>
           </a:p>
@@ -10161,173 +12773,7 @@
           <a:p>
             <a:r>
               <a:rPr lang="es-AR" dirty="0" smtClean="0"/>
-              <a:t>Sirius es una solución de software destinada a brindar soporte a la gestión integral de Proyectos de Organismos No Gubernamentales. </a:t>
-            </a:r>
-            <a:endParaRPr lang="es-AR" dirty="0"/>
-          </a:p>
-        </p:txBody>
-      </p:sp>
-    </p:spTree>
-  </p:cSld>
-  <p:clrMapOvr>
-    <a:masterClrMapping/>
-  </p:clrMapOvr>
-</p:sld>
-</file>
-
-<file path=ppt/slides/slide38.xml><?xml version="1.0" encoding="utf-8"?>
-<p:sld xmlns:a="http://schemas.openxmlformats.org/drawingml/2006/main" xmlns:r="http://schemas.openxmlformats.org/officeDocument/2006/relationships" xmlns:p="http://schemas.openxmlformats.org/presentationml/2006/main">
-  <p:cSld>
-    <p:spTree>
-      <p:nvGrpSpPr>
-        <p:cNvPr id="1" name=""/>
-        <p:cNvGrpSpPr/>
-        <p:nvPr/>
-      </p:nvGrpSpPr>
-      <p:grpSpPr>
-        <a:xfrm>
-          <a:off x="0" y="0"/>
-          <a:ext cx="0" cy="0"/>
-          <a:chOff x="0" y="0"/>
-          <a:chExt cx="0" cy="0"/>
-        </a:xfrm>
-      </p:grpSpPr>
-      <p:sp>
-        <p:nvSpPr>
-          <p:cNvPr id="2" name="1 Título"/>
-          <p:cNvSpPr>
-            <a:spLocks noGrp="1"/>
-          </p:cNvSpPr>
-          <p:nvPr>
-            <p:ph type="title"/>
-          </p:nvPr>
-        </p:nvSpPr>
-        <p:spPr>
-          <a:xfrm>
-            <a:off x="457200" y="1196752"/>
-            <a:ext cx="8229600" cy="504056"/>
-          </a:xfrm>
-        </p:spPr>
-        <p:txBody>
-          <a:bodyPr>
-            <a:normAutofit fontScale="90000"/>
-          </a:bodyPr>
-          <a:lstStyle/>
-          <a:p>
-            <a:r>
-              <a:rPr lang="es-ES_tradnl" dirty="0" smtClean="0"/>
-              <a:t>¿Qué es Sirius?</a:t>
-            </a:r>
-            <a:endParaRPr lang="es-AR" dirty="0"/>
-          </a:p>
-        </p:txBody>
-      </p:sp>
-      <p:sp>
-        <p:nvSpPr>
-          <p:cNvPr id="3" name="2 Marcador de contenido"/>
-          <p:cNvSpPr>
-            <a:spLocks noGrp="1"/>
-          </p:cNvSpPr>
-          <p:nvPr>
-            <p:ph idx="1"/>
-          </p:nvPr>
-        </p:nvSpPr>
-        <p:spPr>
-          <a:xfrm>
-            <a:off x="457200" y="2060848"/>
-            <a:ext cx="8229600" cy="4392488"/>
-          </a:xfrm>
-        </p:spPr>
-        <p:txBody>
-          <a:bodyPr/>
-          <a:lstStyle/>
-          <a:p>
-            <a:r>
-              <a:rPr lang="es-AR" dirty="0" smtClean="0"/>
-              <a:t>Sirius es una solución de software destinada a brindar soporte a la gestión integral de Proyectos de Organismos No Gubernamentales. </a:t>
-            </a:r>
-            <a:endParaRPr lang="es-AR" dirty="0"/>
-          </a:p>
-        </p:txBody>
-      </p:sp>
-    </p:spTree>
-  </p:cSld>
-  <p:clrMapOvr>
-    <a:masterClrMapping/>
-  </p:clrMapOvr>
-</p:sld>
-</file>
-
-<file path=ppt/slides/slide39.xml><?xml version="1.0" encoding="utf-8"?>
-<p:sld xmlns:a="http://schemas.openxmlformats.org/drawingml/2006/main" xmlns:r="http://schemas.openxmlformats.org/officeDocument/2006/relationships" xmlns:p="http://schemas.openxmlformats.org/presentationml/2006/main">
-  <p:cSld>
-    <p:spTree>
-      <p:nvGrpSpPr>
-        <p:cNvPr id="1" name=""/>
-        <p:cNvGrpSpPr/>
-        <p:nvPr/>
-      </p:nvGrpSpPr>
-      <p:grpSpPr>
-        <a:xfrm>
-          <a:off x="0" y="0"/>
-          <a:ext cx="0" cy="0"/>
-          <a:chOff x="0" y="0"/>
-          <a:chExt cx="0" cy="0"/>
-        </a:xfrm>
-      </p:grpSpPr>
-      <p:sp>
-        <p:nvSpPr>
-          <p:cNvPr id="2" name="1 Título"/>
-          <p:cNvSpPr>
-            <a:spLocks noGrp="1"/>
-          </p:cNvSpPr>
-          <p:nvPr>
-            <p:ph type="title"/>
-          </p:nvPr>
-        </p:nvSpPr>
-        <p:spPr>
-          <a:xfrm>
-            <a:off x="457200" y="1196752"/>
-            <a:ext cx="8229600" cy="504056"/>
-          </a:xfrm>
-        </p:spPr>
-        <p:txBody>
-          <a:bodyPr>
-            <a:normAutofit fontScale="90000"/>
-          </a:bodyPr>
-          <a:lstStyle/>
-          <a:p>
-            <a:r>
-              <a:rPr lang="es-ES_tradnl" dirty="0" smtClean="0"/>
-              <a:t>¿Qué es Sirius?</a:t>
-            </a:r>
-            <a:endParaRPr lang="es-AR" dirty="0"/>
-          </a:p>
-        </p:txBody>
-      </p:sp>
-      <p:sp>
-        <p:nvSpPr>
-          <p:cNvPr id="3" name="2 Marcador de contenido"/>
-          <p:cNvSpPr>
-            <a:spLocks noGrp="1"/>
-          </p:cNvSpPr>
-          <p:nvPr>
-            <p:ph idx="1"/>
-          </p:nvPr>
-        </p:nvSpPr>
-        <p:spPr>
-          <a:xfrm>
-            <a:off x="457200" y="2060848"/>
-            <a:ext cx="8229600" cy="4392488"/>
-          </a:xfrm>
-        </p:spPr>
-        <p:txBody>
-          <a:bodyPr/>
-          <a:lstStyle/>
-          <a:p>
-            <a:r>
-              <a:rPr lang="es-AR" dirty="0" smtClean="0"/>
-              <a:t>Sirius es una solución de software destinada a brindar soporte a la gestión integral de Proyectos de Organismos No Gubernamentales. </a:t>
+              <a:t>…</a:t>
             </a:r>
             <a:endParaRPr lang="es-AR" dirty="0"/>
           </a:p>
@@ -10625,753 +13071,6 @@
       </p:par>
     </p:tnLst>
   </p:timing>
-</p:sld>
-</file>
-
-<file path=ppt/slides/slide40.xml><?xml version="1.0" encoding="utf-8"?>
-<p:sld xmlns:a="http://schemas.openxmlformats.org/drawingml/2006/main" xmlns:r="http://schemas.openxmlformats.org/officeDocument/2006/relationships" xmlns:p="http://schemas.openxmlformats.org/presentationml/2006/main">
-  <p:cSld>
-    <p:spTree>
-      <p:nvGrpSpPr>
-        <p:cNvPr id="1" name=""/>
-        <p:cNvGrpSpPr/>
-        <p:nvPr/>
-      </p:nvGrpSpPr>
-      <p:grpSpPr>
-        <a:xfrm>
-          <a:off x="0" y="0"/>
-          <a:ext cx="0" cy="0"/>
-          <a:chOff x="0" y="0"/>
-          <a:chExt cx="0" cy="0"/>
-        </a:xfrm>
-      </p:grpSpPr>
-      <p:sp>
-        <p:nvSpPr>
-          <p:cNvPr id="2" name="1 Título"/>
-          <p:cNvSpPr>
-            <a:spLocks noGrp="1"/>
-          </p:cNvSpPr>
-          <p:nvPr>
-            <p:ph type="title"/>
-          </p:nvPr>
-        </p:nvSpPr>
-        <p:spPr>
-          <a:xfrm>
-            <a:off x="457200" y="1196752"/>
-            <a:ext cx="8229600" cy="504056"/>
-          </a:xfrm>
-        </p:spPr>
-        <p:txBody>
-          <a:bodyPr>
-            <a:normAutofit fontScale="90000"/>
-          </a:bodyPr>
-          <a:lstStyle/>
-          <a:p>
-            <a:r>
-              <a:rPr lang="es-ES_tradnl" dirty="0" smtClean="0"/>
-              <a:t>¿Qué es Sirius?</a:t>
-            </a:r>
-            <a:endParaRPr lang="es-AR" dirty="0"/>
-          </a:p>
-        </p:txBody>
-      </p:sp>
-      <p:sp>
-        <p:nvSpPr>
-          <p:cNvPr id="3" name="2 Marcador de contenido"/>
-          <p:cNvSpPr>
-            <a:spLocks noGrp="1"/>
-          </p:cNvSpPr>
-          <p:nvPr>
-            <p:ph idx="1"/>
-          </p:nvPr>
-        </p:nvSpPr>
-        <p:spPr>
-          <a:xfrm>
-            <a:off x="457200" y="2060848"/>
-            <a:ext cx="8229600" cy="4392488"/>
-          </a:xfrm>
-        </p:spPr>
-        <p:txBody>
-          <a:bodyPr/>
-          <a:lstStyle/>
-          <a:p>
-            <a:r>
-              <a:rPr lang="es-AR" dirty="0" smtClean="0"/>
-              <a:t>Sirius es una solución de software destinada a brindar soporte a la gestión integral de Proyectos de Organismos No Gubernamentales. </a:t>
-            </a:r>
-            <a:endParaRPr lang="es-AR" dirty="0"/>
-          </a:p>
-        </p:txBody>
-      </p:sp>
-    </p:spTree>
-  </p:cSld>
-  <p:clrMapOvr>
-    <a:masterClrMapping/>
-  </p:clrMapOvr>
-</p:sld>
-</file>
-
-<file path=ppt/slides/slide41.xml><?xml version="1.0" encoding="utf-8"?>
-<p:sld xmlns:a="http://schemas.openxmlformats.org/drawingml/2006/main" xmlns:r="http://schemas.openxmlformats.org/officeDocument/2006/relationships" xmlns:p="http://schemas.openxmlformats.org/presentationml/2006/main">
-  <p:cSld>
-    <p:spTree>
-      <p:nvGrpSpPr>
-        <p:cNvPr id="1" name=""/>
-        <p:cNvGrpSpPr/>
-        <p:nvPr/>
-      </p:nvGrpSpPr>
-      <p:grpSpPr>
-        <a:xfrm>
-          <a:off x="0" y="0"/>
-          <a:ext cx="0" cy="0"/>
-          <a:chOff x="0" y="0"/>
-          <a:chExt cx="0" cy="0"/>
-        </a:xfrm>
-      </p:grpSpPr>
-      <p:sp>
-        <p:nvSpPr>
-          <p:cNvPr id="2" name="1 Título"/>
-          <p:cNvSpPr>
-            <a:spLocks noGrp="1"/>
-          </p:cNvSpPr>
-          <p:nvPr>
-            <p:ph type="title"/>
-          </p:nvPr>
-        </p:nvSpPr>
-        <p:spPr>
-          <a:xfrm>
-            <a:off x="457200" y="1196752"/>
-            <a:ext cx="8229600" cy="504056"/>
-          </a:xfrm>
-        </p:spPr>
-        <p:txBody>
-          <a:bodyPr>
-            <a:normAutofit fontScale="90000"/>
-          </a:bodyPr>
-          <a:lstStyle/>
-          <a:p>
-            <a:r>
-              <a:rPr lang="es-ES_tradnl" dirty="0" smtClean="0"/>
-              <a:t>¿Qué es Sirius?</a:t>
-            </a:r>
-            <a:endParaRPr lang="es-AR" dirty="0"/>
-          </a:p>
-        </p:txBody>
-      </p:sp>
-      <p:sp>
-        <p:nvSpPr>
-          <p:cNvPr id="3" name="2 Marcador de contenido"/>
-          <p:cNvSpPr>
-            <a:spLocks noGrp="1"/>
-          </p:cNvSpPr>
-          <p:nvPr>
-            <p:ph idx="1"/>
-          </p:nvPr>
-        </p:nvSpPr>
-        <p:spPr>
-          <a:xfrm>
-            <a:off x="457200" y="2060848"/>
-            <a:ext cx="8229600" cy="4392488"/>
-          </a:xfrm>
-        </p:spPr>
-        <p:txBody>
-          <a:bodyPr/>
-          <a:lstStyle/>
-          <a:p>
-            <a:r>
-              <a:rPr lang="es-AR" dirty="0" smtClean="0"/>
-              <a:t>Sirius es una solución de software destinada a brindar soporte a la gestión integral de Proyectos de Organismos No Gubernamentales. </a:t>
-            </a:r>
-            <a:endParaRPr lang="es-AR" dirty="0"/>
-          </a:p>
-        </p:txBody>
-      </p:sp>
-    </p:spTree>
-  </p:cSld>
-  <p:clrMapOvr>
-    <a:masterClrMapping/>
-  </p:clrMapOvr>
-</p:sld>
-</file>
-
-<file path=ppt/slides/slide42.xml><?xml version="1.0" encoding="utf-8"?>
-<p:sld xmlns:a="http://schemas.openxmlformats.org/drawingml/2006/main" xmlns:r="http://schemas.openxmlformats.org/officeDocument/2006/relationships" xmlns:p="http://schemas.openxmlformats.org/presentationml/2006/main">
-  <p:cSld>
-    <p:spTree>
-      <p:nvGrpSpPr>
-        <p:cNvPr id="1" name=""/>
-        <p:cNvGrpSpPr/>
-        <p:nvPr/>
-      </p:nvGrpSpPr>
-      <p:grpSpPr>
-        <a:xfrm>
-          <a:off x="0" y="0"/>
-          <a:ext cx="0" cy="0"/>
-          <a:chOff x="0" y="0"/>
-          <a:chExt cx="0" cy="0"/>
-        </a:xfrm>
-      </p:grpSpPr>
-      <p:sp>
-        <p:nvSpPr>
-          <p:cNvPr id="2" name="1 Título"/>
-          <p:cNvSpPr>
-            <a:spLocks noGrp="1"/>
-          </p:cNvSpPr>
-          <p:nvPr>
-            <p:ph type="title"/>
-          </p:nvPr>
-        </p:nvSpPr>
-        <p:spPr>
-          <a:xfrm>
-            <a:off x="457200" y="1196752"/>
-            <a:ext cx="8229600" cy="504056"/>
-          </a:xfrm>
-        </p:spPr>
-        <p:txBody>
-          <a:bodyPr>
-            <a:normAutofit fontScale="90000"/>
-          </a:bodyPr>
-          <a:lstStyle/>
-          <a:p>
-            <a:r>
-              <a:rPr lang="es-ES_tradnl" dirty="0" smtClean="0"/>
-              <a:t>¿Qué es Sirius?</a:t>
-            </a:r>
-            <a:endParaRPr lang="es-AR" dirty="0"/>
-          </a:p>
-        </p:txBody>
-      </p:sp>
-      <p:sp>
-        <p:nvSpPr>
-          <p:cNvPr id="3" name="2 Marcador de contenido"/>
-          <p:cNvSpPr>
-            <a:spLocks noGrp="1"/>
-          </p:cNvSpPr>
-          <p:nvPr>
-            <p:ph idx="1"/>
-          </p:nvPr>
-        </p:nvSpPr>
-        <p:spPr>
-          <a:xfrm>
-            <a:off x="457200" y="2060848"/>
-            <a:ext cx="8229600" cy="4392488"/>
-          </a:xfrm>
-        </p:spPr>
-        <p:txBody>
-          <a:bodyPr/>
-          <a:lstStyle/>
-          <a:p>
-            <a:r>
-              <a:rPr lang="es-AR" dirty="0" smtClean="0"/>
-              <a:t>Sirius es una solución de software destinada a brindar soporte a la gestión integral de Proyectos de Organismos No Gubernamentales. </a:t>
-            </a:r>
-            <a:endParaRPr lang="es-AR" dirty="0"/>
-          </a:p>
-        </p:txBody>
-      </p:sp>
-    </p:spTree>
-  </p:cSld>
-  <p:clrMapOvr>
-    <a:masterClrMapping/>
-  </p:clrMapOvr>
-</p:sld>
-</file>
-
-<file path=ppt/slides/slide43.xml><?xml version="1.0" encoding="utf-8"?>
-<p:sld xmlns:a="http://schemas.openxmlformats.org/drawingml/2006/main" xmlns:r="http://schemas.openxmlformats.org/officeDocument/2006/relationships" xmlns:p="http://schemas.openxmlformats.org/presentationml/2006/main">
-  <p:cSld>
-    <p:spTree>
-      <p:nvGrpSpPr>
-        <p:cNvPr id="1" name=""/>
-        <p:cNvGrpSpPr/>
-        <p:nvPr/>
-      </p:nvGrpSpPr>
-      <p:grpSpPr>
-        <a:xfrm>
-          <a:off x="0" y="0"/>
-          <a:ext cx="0" cy="0"/>
-          <a:chOff x="0" y="0"/>
-          <a:chExt cx="0" cy="0"/>
-        </a:xfrm>
-      </p:grpSpPr>
-      <p:sp>
-        <p:nvSpPr>
-          <p:cNvPr id="2" name="1 Título"/>
-          <p:cNvSpPr>
-            <a:spLocks noGrp="1"/>
-          </p:cNvSpPr>
-          <p:nvPr>
-            <p:ph type="title"/>
-          </p:nvPr>
-        </p:nvSpPr>
-        <p:spPr>
-          <a:xfrm>
-            <a:off x="457200" y="1196752"/>
-            <a:ext cx="8229600" cy="504056"/>
-          </a:xfrm>
-        </p:spPr>
-        <p:txBody>
-          <a:bodyPr>
-            <a:normAutofit fontScale="90000"/>
-          </a:bodyPr>
-          <a:lstStyle/>
-          <a:p>
-            <a:r>
-              <a:rPr lang="es-ES_tradnl" dirty="0" smtClean="0"/>
-              <a:t>¿Qué es Sirius?</a:t>
-            </a:r>
-            <a:endParaRPr lang="es-AR" dirty="0"/>
-          </a:p>
-        </p:txBody>
-      </p:sp>
-      <p:sp>
-        <p:nvSpPr>
-          <p:cNvPr id="3" name="2 Marcador de contenido"/>
-          <p:cNvSpPr>
-            <a:spLocks noGrp="1"/>
-          </p:cNvSpPr>
-          <p:nvPr>
-            <p:ph idx="1"/>
-          </p:nvPr>
-        </p:nvSpPr>
-        <p:spPr>
-          <a:xfrm>
-            <a:off x="457200" y="2060848"/>
-            <a:ext cx="8229600" cy="4392488"/>
-          </a:xfrm>
-        </p:spPr>
-        <p:txBody>
-          <a:bodyPr/>
-          <a:lstStyle/>
-          <a:p>
-            <a:r>
-              <a:rPr lang="es-AR" dirty="0" smtClean="0"/>
-              <a:t>Sirius es una solución de software destinada a brindar soporte a la gestión integral de Proyectos de Organismos No Gubernamentales. </a:t>
-            </a:r>
-            <a:endParaRPr lang="es-AR" dirty="0"/>
-          </a:p>
-        </p:txBody>
-      </p:sp>
-    </p:spTree>
-  </p:cSld>
-  <p:clrMapOvr>
-    <a:masterClrMapping/>
-  </p:clrMapOvr>
-</p:sld>
-</file>
-
-<file path=ppt/slides/slide44.xml><?xml version="1.0" encoding="utf-8"?>
-<p:sld xmlns:a="http://schemas.openxmlformats.org/drawingml/2006/main" xmlns:r="http://schemas.openxmlformats.org/officeDocument/2006/relationships" xmlns:p="http://schemas.openxmlformats.org/presentationml/2006/main">
-  <p:cSld>
-    <p:spTree>
-      <p:nvGrpSpPr>
-        <p:cNvPr id="1" name=""/>
-        <p:cNvGrpSpPr/>
-        <p:nvPr/>
-      </p:nvGrpSpPr>
-      <p:grpSpPr>
-        <a:xfrm>
-          <a:off x="0" y="0"/>
-          <a:ext cx="0" cy="0"/>
-          <a:chOff x="0" y="0"/>
-          <a:chExt cx="0" cy="0"/>
-        </a:xfrm>
-      </p:grpSpPr>
-      <p:sp>
-        <p:nvSpPr>
-          <p:cNvPr id="2" name="1 Título"/>
-          <p:cNvSpPr>
-            <a:spLocks noGrp="1"/>
-          </p:cNvSpPr>
-          <p:nvPr>
-            <p:ph type="title"/>
-          </p:nvPr>
-        </p:nvSpPr>
-        <p:spPr>
-          <a:xfrm>
-            <a:off x="457200" y="1196752"/>
-            <a:ext cx="8229600" cy="504056"/>
-          </a:xfrm>
-        </p:spPr>
-        <p:txBody>
-          <a:bodyPr>
-            <a:normAutofit fontScale="90000"/>
-          </a:bodyPr>
-          <a:lstStyle/>
-          <a:p>
-            <a:r>
-              <a:rPr lang="es-ES_tradnl" dirty="0" smtClean="0"/>
-              <a:t>¿Qué es Sirius?</a:t>
-            </a:r>
-            <a:endParaRPr lang="es-AR" dirty="0"/>
-          </a:p>
-        </p:txBody>
-      </p:sp>
-      <p:sp>
-        <p:nvSpPr>
-          <p:cNvPr id="3" name="2 Marcador de contenido"/>
-          <p:cNvSpPr>
-            <a:spLocks noGrp="1"/>
-          </p:cNvSpPr>
-          <p:nvPr>
-            <p:ph idx="1"/>
-          </p:nvPr>
-        </p:nvSpPr>
-        <p:spPr>
-          <a:xfrm>
-            <a:off x="457200" y="2060848"/>
-            <a:ext cx="8229600" cy="4392488"/>
-          </a:xfrm>
-        </p:spPr>
-        <p:txBody>
-          <a:bodyPr/>
-          <a:lstStyle/>
-          <a:p>
-            <a:r>
-              <a:rPr lang="es-AR" dirty="0" smtClean="0"/>
-              <a:t>Sirius es una solución de software destinada a brindar soporte a la gestión integral de Proyectos de Organismos No Gubernamentales. </a:t>
-            </a:r>
-            <a:endParaRPr lang="es-AR" dirty="0"/>
-          </a:p>
-        </p:txBody>
-      </p:sp>
-    </p:spTree>
-  </p:cSld>
-  <p:clrMapOvr>
-    <a:masterClrMapping/>
-  </p:clrMapOvr>
-</p:sld>
-</file>
-
-<file path=ppt/slides/slide45.xml><?xml version="1.0" encoding="utf-8"?>
-<p:sld xmlns:a="http://schemas.openxmlformats.org/drawingml/2006/main" xmlns:r="http://schemas.openxmlformats.org/officeDocument/2006/relationships" xmlns:p="http://schemas.openxmlformats.org/presentationml/2006/main">
-  <p:cSld>
-    <p:spTree>
-      <p:nvGrpSpPr>
-        <p:cNvPr id="1" name=""/>
-        <p:cNvGrpSpPr/>
-        <p:nvPr/>
-      </p:nvGrpSpPr>
-      <p:grpSpPr>
-        <a:xfrm>
-          <a:off x="0" y="0"/>
-          <a:ext cx="0" cy="0"/>
-          <a:chOff x="0" y="0"/>
-          <a:chExt cx="0" cy="0"/>
-        </a:xfrm>
-      </p:grpSpPr>
-      <p:sp>
-        <p:nvSpPr>
-          <p:cNvPr id="2" name="1 Título"/>
-          <p:cNvSpPr>
-            <a:spLocks noGrp="1"/>
-          </p:cNvSpPr>
-          <p:nvPr>
-            <p:ph type="title"/>
-          </p:nvPr>
-        </p:nvSpPr>
-        <p:spPr>
-          <a:xfrm>
-            <a:off x="457200" y="1196752"/>
-            <a:ext cx="8229600" cy="504056"/>
-          </a:xfrm>
-        </p:spPr>
-        <p:txBody>
-          <a:bodyPr>
-            <a:normAutofit fontScale="90000"/>
-          </a:bodyPr>
-          <a:lstStyle/>
-          <a:p>
-            <a:r>
-              <a:rPr lang="es-ES_tradnl" dirty="0" smtClean="0"/>
-              <a:t>¿Qué es Sirius?</a:t>
-            </a:r>
-            <a:endParaRPr lang="es-AR" dirty="0"/>
-          </a:p>
-        </p:txBody>
-      </p:sp>
-      <p:sp>
-        <p:nvSpPr>
-          <p:cNvPr id="3" name="2 Marcador de contenido"/>
-          <p:cNvSpPr>
-            <a:spLocks noGrp="1"/>
-          </p:cNvSpPr>
-          <p:nvPr>
-            <p:ph idx="1"/>
-          </p:nvPr>
-        </p:nvSpPr>
-        <p:spPr>
-          <a:xfrm>
-            <a:off x="457200" y="2060848"/>
-            <a:ext cx="8229600" cy="4392488"/>
-          </a:xfrm>
-        </p:spPr>
-        <p:txBody>
-          <a:bodyPr/>
-          <a:lstStyle/>
-          <a:p>
-            <a:r>
-              <a:rPr lang="es-AR" dirty="0" smtClean="0"/>
-              <a:t>Sirius es una solución de software destinada a brindar soporte a la gestión integral de Proyectos de Organismos No Gubernamentales. </a:t>
-            </a:r>
-            <a:endParaRPr lang="es-AR" dirty="0"/>
-          </a:p>
-        </p:txBody>
-      </p:sp>
-    </p:spTree>
-  </p:cSld>
-  <p:clrMapOvr>
-    <a:masterClrMapping/>
-  </p:clrMapOvr>
-</p:sld>
-</file>
-
-<file path=ppt/slides/slide46.xml><?xml version="1.0" encoding="utf-8"?>
-<p:sld xmlns:a="http://schemas.openxmlformats.org/drawingml/2006/main" xmlns:r="http://schemas.openxmlformats.org/officeDocument/2006/relationships" xmlns:p="http://schemas.openxmlformats.org/presentationml/2006/main">
-  <p:cSld>
-    <p:spTree>
-      <p:nvGrpSpPr>
-        <p:cNvPr id="1" name=""/>
-        <p:cNvGrpSpPr/>
-        <p:nvPr/>
-      </p:nvGrpSpPr>
-      <p:grpSpPr>
-        <a:xfrm>
-          <a:off x="0" y="0"/>
-          <a:ext cx="0" cy="0"/>
-          <a:chOff x="0" y="0"/>
-          <a:chExt cx="0" cy="0"/>
-        </a:xfrm>
-      </p:grpSpPr>
-      <p:sp>
-        <p:nvSpPr>
-          <p:cNvPr id="2" name="1 Título"/>
-          <p:cNvSpPr>
-            <a:spLocks noGrp="1"/>
-          </p:cNvSpPr>
-          <p:nvPr>
-            <p:ph type="title"/>
-          </p:nvPr>
-        </p:nvSpPr>
-        <p:spPr>
-          <a:xfrm>
-            <a:off x="457200" y="1196752"/>
-            <a:ext cx="8229600" cy="504056"/>
-          </a:xfrm>
-        </p:spPr>
-        <p:txBody>
-          <a:bodyPr>
-            <a:normAutofit fontScale="90000"/>
-          </a:bodyPr>
-          <a:lstStyle/>
-          <a:p>
-            <a:r>
-              <a:rPr lang="es-ES_tradnl" dirty="0" smtClean="0"/>
-              <a:t>¿Qué es Sirius?</a:t>
-            </a:r>
-            <a:endParaRPr lang="es-AR" dirty="0"/>
-          </a:p>
-        </p:txBody>
-      </p:sp>
-      <p:sp>
-        <p:nvSpPr>
-          <p:cNvPr id="3" name="2 Marcador de contenido"/>
-          <p:cNvSpPr>
-            <a:spLocks noGrp="1"/>
-          </p:cNvSpPr>
-          <p:nvPr>
-            <p:ph idx="1"/>
-          </p:nvPr>
-        </p:nvSpPr>
-        <p:spPr>
-          <a:xfrm>
-            <a:off x="457200" y="2060848"/>
-            <a:ext cx="8229600" cy="4392488"/>
-          </a:xfrm>
-        </p:spPr>
-        <p:txBody>
-          <a:bodyPr/>
-          <a:lstStyle/>
-          <a:p>
-            <a:r>
-              <a:rPr lang="es-AR" dirty="0" smtClean="0"/>
-              <a:t>Sirius es una solución de software destinada a brindar soporte a la gestión integral de Proyectos de Organismos No Gubernamentales. </a:t>
-            </a:r>
-            <a:endParaRPr lang="es-AR" dirty="0"/>
-          </a:p>
-        </p:txBody>
-      </p:sp>
-    </p:spTree>
-  </p:cSld>
-  <p:clrMapOvr>
-    <a:masterClrMapping/>
-  </p:clrMapOvr>
-</p:sld>
-</file>
-
-<file path=ppt/slides/slide47.xml><?xml version="1.0" encoding="utf-8"?>
-<p:sld xmlns:a="http://schemas.openxmlformats.org/drawingml/2006/main" xmlns:r="http://schemas.openxmlformats.org/officeDocument/2006/relationships" xmlns:p="http://schemas.openxmlformats.org/presentationml/2006/main">
-  <p:cSld>
-    <p:spTree>
-      <p:nvGrpSpPr>
-        <p:cNvPr id="1" name=""/>
-        <p:cNvGrpSpPr/>
-        <p:nvPr/>
-      </p:nvGrpSpPr>
-      <p:grpSpPr>
-        <a:xfrm>
-          <a:off x="0" y="0"/>
-          <a:ext cx="0" cy="0"/>
-          <a:chOff x="0" y="0"/>
-          <a:chExt cx="0" cy="0"/>
-        </a:xfrm>
-      </p:grpSpPr>
-      <p:sp>
-        <p:nvSpPr>
-          <p:cNvPr id="2" name="1 Título"/>
-          <p:cNvSpPr>
-            <a:spLocks noGrp="1"/>
-          </p:cNvSpPr>
-          <p:nvPr>
-            <p:ph type="title"/>
-          </p:nvPr>
-        </p:nvSpPr>
-        <p:spPr>
-          <a:xfrm>
-            <a:off x="457200" y="1196752"/>
-            <a:ext cx="8229600" cy="504056"/>
-          </a:xfrm>
-        </p:spPr>
-        <p:txBody>
-          <a:bodyPr>
-            <a:normAutofit fontScale="90000"/>
-          </a:bodyPr>
-          <a:lstStyle/>
-          <a:p>
-            <a:r>
-              <a:rPr lang="es-ES_tradnl" dirty="0" smtClean="0"/>
-              <a:t>¿Qué es Sirius?</a:t>
-            </a:r>
-            <a:endParaRPr lang="es-AR" dirty="0"/>
-          </a:p>
-        </p:txBody>
-      </p:sp>
-      <p:sp>
-        <p:nvSpPr>
-          <p:cNvPr id="3" name="2 Marcador de contenido"/>
-          <p:cNvSpPr>
-            <a:spLocks noGrp="1"/>
-          </p:cNvSpPr>
-          <p:nvPr>
-            <p:ph idx="1"/>
-          </p:nvPr>
-        </p:nvSpPr>
-        <p:spPr>
-          <a:xfrm>
-            <a:off x="457200" y="2060848"/>
-            <a:ext cx="8229600" cy="4392488"/>
-          </a:xfrm>
-        </p:spPr>
-        <p:txBody>
-          <a:bodyPr/>
-          <a:lstStyle/>
-          <a:p>
-            <a:r>
-              <a:rPr lang="es-AR" dirty="0" smtClean="0"/>
-              <a:t>Sirius es una solución de software destinada a brindar soporte a la gestión integral de Proyectos de Organismos No Gubernamentales. </a:t>
-            </a:r>
-            <a:endParaRPr lang="es-AR" dirty="0"/>
-          </a:p>
-        </p:txBody>
-      </p:sp>
-    </p:spTree>
-  </p:cSld>
-  <p:clrMapOvr>
-    <a:masterClrMapping/>
-  </p:clrMapOvr>
-</p:sld>
-</file>
-
-<file path=ppt/slides/slide48.xml><?xml version="1.0" encoding="utf-8"?>
-<p:sld xmlns:a="http://schemas.openxmlformats.org/drawingml/2006/main" xmlns:r="http://schemas.openxmlformats.org/officeDocument/2006/relationships" xmlns:p="http://schemas.openxmlformats.org/presentationml/2006/main">
-  <p:cSld>
-    <p:spTree>
-      <p:nvGrpSpPr>
-        <p:cNvPr id="1" name=""/>
-        <p:cNvGrpSpPr/>
-        <p:nvPr/>
-      </p:nvGrpSpPr>
-      <p:grpSpPr>
-        <a:xfrm>
-          <a:off x="0" y="0"/>
-          <a:ext cx="0" cy="0"/>
-          <a:chOff x="0" y="0"/>
-          <a:chExt cx="0" cy="0"/>
-        </a:xfrm>
-      </p:grpSpPr>
-      <p:sp>
-        <p:nvSpPr>
-          <p:cNvPr id="2" name="1 Título"/>
-          <p:cNvSpPr>
-            <a:spLocks noGrp="1"/>
-          </p:cNvSpPr>
-          <p:nvPr>
-            <p:ph type="title"/>
-          </p:nvPr>
-        </p:nvSpPr>
-        <p:spPr>
-          <a:xfrm>
-            <a:off x="457200" y="1196752"/>
-            <a:ext cx="8229600" cy="504056"/>
-          </a:xfrm>
-        </p:spPr>
-        <p:txBody>
-          <a:bodyPr>
-            <a:normAutofit fontScale="90000"/>
-          </a:bodyPr>
-          <a:lstStyle/>
-          <a:p>
-            <a:r>
-              <a:rPr lang="es-ES_tradnl" dirty="0" smtClean="0"/>
-              <a:t>¿Qué es Sirius?</a:t>
-            </a:r>
-            <a:endParaRPr lang="es-AR" dirty="0"/>
-          </a:p>
-        </p:txBody>
-      </p:sp>
-      <p:sp>
-        <p:nvSpPr>
-          <p:cNvPr id="3" name="2 Marcador de contenido"/>
-          <p:cNvSpPr>
-            <a:spLocks noGrp="1"/>
-          </p:cNvSpPr>
-          <p:nvPr>
-            <p:ph idx="1"/>
-          </p:nvPr>
-        </p:nvSpPr>
-        <p:spPr>
-          <a:xfrm>
-            <a:off x="457200" y="2060848"/>
-            <a:ext cx="8229600" cy="4392488"/>
-          </a:xfrm>
-        </p:spPr>
-        <p:txBody>
-          <a:bodyPr/>
-          <a:lstStyle/>
-          <a:p>
-            <a:r>
-              <a:rPr lang="es-AR" dirty="0" smtClean="0"/>
-              <a:t>Sirius es una solución de software destinada a brindar soporte a la gestión integral de Proyectos de Organismos No Gubernamentales. </a:t>
-            </a:r>
-            <a:endParaRPr lang="es-AR" dirty="0"/>
-          </a:p>
-        </p:txBody>
-      </p:sp>
-    </p:spTree>
-  </p:cSld>
-  <p:clrMapOvr>
-    <a:masterClrMapping/>
-  </p:clrMapOvr>
 </p:sld>
 </file>
 
@@ -12693,4 +14392,283 @@
     </a:bgFillStyleLst>
   </a:fmtScheme>
 </a:themeOverride>
+</file>
+
+<file path=ppt/theme/themeOverride2.xml><?xml version="1.0" encoding="utf-8"?>
+<a:themeOverride xmlns:a="http://schemas.openxmlformats.org/drawingml/2006/main">
+  <a:clrScheme name="Office">
+    <a:dk1>
+      <a:sysClr val="windowText" lastClr="000000"/>
+    </a:dk1>
+    <a:lt1>
+      <a:sysClr val="window" lastClr="FFFFFF"/>
+    </a:lt1>
+    <a:dk2>
+      <a:srgbClr val="1F497D"/>
+    </a:dk2>
+    <a:lt2>
+      <a:srgbClr val="EEECE1"/>
+    </a:lt2>
+    <a:accent1>
+      <a:srgbClr val="4F81BD"/>
+    </a:accent1>
+    <a:accent2>
+      <a:srgbClr val="C0504D"/>
+    </a:accent2>
+    <a:accent3>
+      <a:srgbClr val="9BBB59"/>
+    </a:accent3>
+    <a:accent4>
+      <a:srgbClr val="8064A2"/>
+    </a:accent4>
+    <a:accent5>
+      <a:srgbClr val="4BACC6"/>
+    </a:accent5>
+    <a:accent6>
+      <a:srgbClr val="F79646"/>
+    </a:accent6>
+    <a:hlink>
+      <a:srgbClr val="0000FF"/>
+    </a:hlink>
+    <a:folHlink>
+      <a:srgbClr val="800080"/>
+    </a:folHlink>
+  </a:clrScheme>
+  <a:fontScheme name="Office">
+    <a:majorFont>
+      <a:latin typeface="Cambria"/>
+      <a:ea typeface=""/>
+      <a:cs typeface=""/>
+      <a:font script="Jpan" typeface="ＭＳ Ｐゴシック"/>
+      <a:font script="Hang" typeface="맑은 고딕"/>
+      <a:font script="Hans" typeface="宋体"/>
+      <a:font script="Hant" typeface="新細明體"/>
+      <a:font script="Arab" typeface="Times New Roman"/>
+      <a:font script="Hebr" typeface="Times New Roman"/>
+      <a:font script="Thai" typeface="Tahoma"/>
+      <a:font script="Ethi" typeface="Nyala"/>
+      <a:font script="Beng" typeface="Vrinda"/>
+      <a:font script="Gujr" typeface="Shruti"/>
+      <a:font script="Khmr" typeface="MoolBoran"/>
+      <a:font script="Knda" typeface="Tunga"/>
+      <a:font script="Guru" typeface="Raavi"/>
+      <a:font script="Cans" typeface="Euphemia"/>
+      <a:font script="Cher" typeface="Plantagenet Cherokee"/>
+      <a:font script="Yiii" typeface="Microsoft Yi Baiti"/>
+      <a:font script="Tibt" typeface="Microsoft Himalaya"/>
+      <a:font script="Thaa" typeface="MV Boli"/>
+      <a:font script="Deva" typeface="Mangal"/>
+      <a:font script="Telu" typeface="Gautami"/>
+      <a:font script="Taml" typeface="Latha"/>
+      <a:font script="Syrc" typeface="Estrangelo Edessa"/>
+      <a:font script="Orya" typeface="Kalinga"/>
+      <a:font script="Mlym" typeface="Kartika"/>
+      <a:font script="Laoo" typeface="DokChampa"/>
+      <a:font script="Sinh" typeface="Iskoola Pota"/>
+      <a:font script="Mong" typeface="Mongolian Baiti"/>
+      <a:font script="Viet" typeface="Times New Roman"/>
+      <a:font script="Uigh" typeface="Microsoft Uighur"/>
+    </a:majorFont>
+    <a:minorFont>
+      <a:latin typeface="Calibri"/>
+      <a:ea typeface=""/>
+      <a:cs typeface=""/>
+      <a:font script="Jpan" typeface="ＭＳ Ｐゴシック"/>
+      <a:font script="Hang" typeface="맑은 고딕"/>
+      <a:font script="Hans" typeface="宋体"/>
+      <a:font script="Hant" typeface="新細明體"/>
+      <a:font script="Arab" typeface="Arial"/>
+      <a:font script="Hebr" typeface="Arial"/>
+      <a:font script="Thai" typeface="Tahoma"/>
+      <a:font script="Ethi" typeface="Nyala"/>
+      <a:font script="Beng" typeface="Vrinda"/>
+      <a:font script="Gujr" typeface="Shruti"/>
+      <a:font script="Khmr" typeface="DaunPenh"/>
+      <a:font script="Knda" typeface="Tunga"/>
+      <a:font script="Guru" typeface="Raavi"/>
+      <a:font script="Cans" typeface="Euphemia"/>
+      <a:font script="Cher" typeface="Plantagenet Cherokee"/>
+      <a:font script="Yiii" typeface="Microsoft Yi Baiti"/>
+      <a:font script="Tibt" typeface="Microsoft Himalaya"/>
+      <a:font script="Thaa" typeface="MV Boli"/>
+      <a:font script="Deva" typeface="Mangal"/>
+      <a:font script="Telu" typeface="Gautami"/>
+      <a:font script="Taml" typeface="Latha"/>
+      <a:font script="Syrc" typeface="Estrangelo Edessa"/>
+      <a:font script="Orya" typeface="Kalinga"/>
+      <a:font script="Mlym" typeface="Kartika"/>
+      <a:font script="Laoo" typeface="DokChampa"/>
+      <a:font script="Sinh" typeface="Iskoola Pota"/>
+      <a:font script="Mong" typeface="Mongolian Baiti"/>
+      <a:font script="Viet" typeface="Arial"/>
+      <a:font script="Uigh" typeface="Microsoft Uighur"/>
+    </a:minorFont>
+  </a:fontScheme>
+  <a:fmtScheme name="Office">
+    <a:fillStyleLst>
+      <a:solidFill>
+        <a:schemeClr val="phClr"/>
+      </a:solidFill>
+      <a:gradFill rotWithShape="1">
+        <a:gsLst>
+          <a:gs pos="0">
+            <a:schemeClr val="phClr">
+              <a:tint val="50000"/>
+              <a:satMod val="300000"/>
+            </a:schemeClr>
+          </a:gs>
+          <a:gs pos="35000">
+            <a:schemeClr val="phClr">
+              <a:tint val="37000"/>
+              <a:satMod val="300000"/>
+            </a:schemeClr>
+          </a:gs>
+          <a:gs pos="100000">
+            <a:schemeClr val="phClr">
+              <a:tint val="15000"/>
+              <a:satMod val="350000"/>
+            </a:schemeClr>
+          </a:gs>
+        </a:gsLst>
+        <a:lin ang="16200000" scaled="1"/>
+      </a:gradFill>
+      <a:gradFill rotWithShape="1">
+        <a:gsLst>
+          <a:gs pos="0">
+            <a:schemeClr val="phClr">
+              <a:shade val="51000"/>
+              <a:satMod val="130000"/>
+            </a:schemeClr>
+          </a:gs>
+          <a:gs pos="80000">
+            <a:schemeClr val="phClr">
+              <a:shade val="93000"/>
+              <a:satMod val="130000"/>
+            </a:schemeClr>
+          </a:gs>
+          <a:gs pos="100000">
+            <a:schemeClr val="phClr">
+              <a:shade val="94000"/>
+              <a:satMod val="135000"/>
+            </a:schemeClr>
+          </a:gs>
+        </a:gsLst>
+        <a:lin ang="16200000" scaled="0"/>
+      </a:gradFill>
+    </a:fillStyleLst>
+    <a:lnStyleLst>
+      <a:ln w="9525" cap="flat" cmpd="sng" algn="ctr">
+        <a:solidFill>
+          <a:schemeClr val="phClr">
+            <a:shade val="95000"/>
+            <a:satMod val="105000"/>
+          </a:schemeClr>
+        </a:solidFill>
+        <a:prstDash val="solid"/>
+      </a:ln>
+      <a:ln w="25400" cap="flat" cmpd="sng" algn="ctr">
+        <a:solidFill>
+          <a:schemeClr val="phClr"/>
+        </a:solidFill>
+        <a:prstDash val="solid"/>
+      </a:ln>
+      <a:ln w="38100" cap="flat" cmpd="sng" algn="ctr">
+        <a:solidFill>
+          <a:schemeClr val="phClr"/>
+        </a:solidFill>
+        <a:prstDash val="solid"/>
+      </a:ln>
+    </a:lnStyleLst>
+    <a:effectStyleLst>
+      <a:effectStyle>
+        <a:effectLst>
+          <a:outerShdw blurRad="40000" dist="20000" dir="5400000" rotWithShape="0">
+            <a:srgbClr val="000000">
+              <a:alpha val="38000"/>
+            </a:srgbClr>
+          </a:outerShdw>
+        </a:effectLst>
+      </a:effectStyle>
+      <a:effectStyle>
+        <a:effectLst>
+          <a:outerShdw blurRad="40000" dist="23000" dir="5400000" rotWithShape="0">
+            <a:srgbClr val="000000">
+              <a:alpha val="35000"/>
+            </a:srgbClr>
+          </a:outerShdw>
+        </a:effectLst>
+      </a:effectStyle>
+      <a:effectStyle>
+        <a:effectLst>
+          <a:outerShdw blurRad="40000" dist="23000" dir="5400000" rotWithShape="0">
+            <a:srgbClr val="000000">
+              <a:alpha val="35000"/>
+            </a:srgbClr>
+          </a:outerShdw>
+        </a:effectLst>
+        <a:scene3d>
+          <a:camera prst="orthographicFront">
+            <a:rot lat="0" lon="0" rev="0"/>
+          </a:camera>
+          <a:lightRig rig="threePt" dir="t">
+            <a:rot lat="0" lon="0" rev="1200000"/>
+          </a:lightRig>
+        </a:scene3d>
+        <a:sp3d>
+          <a:bevelT w="63500" h="25400"/>
+        </a:sp3d>
+      </a:effectStyle>
+    </a:effectStyleLst>
+    <a:bgFillStyleLst>
+      <a:solidFill>
+        <a:schemeClr val="phClr"/>
+      </a:solidFill>
+      <a:gradFill rotWithShape="1">
+        <a:gsLst>
+          <a:gs pos="0">
+            <a:schemeClr val="phClr">
+              <a:tint val="40000"/>
+              <a:satMod val="350000"/>
+            </a:schemeClr>
+          </a:gs>
+          <a:gs pos="40000">
+            <a:schemeClr val="phClr">
+              <a:tint val="45000"/>
+              <a:shade val="99000"/>
+              <a:satMod val="350000"/>
+            </a:schemeClr>
+          </a:gs>
+          <a:gs pos="100000">
+            <a:schemeClr val="phClr">
+              <a:shade val="20000"/>
+              <a:satMod val="255000"/>
+            </a:schemeClr>
+          </a:gs>
+        </a:gsLst>
+        <a:path path="circle">
+          <a:fillToRect l="50000" t="-80000" r="50000" b="180000"/>
+        </a:path>
+      </a:gradFill>
+      <a:gradFill rotWithShape="1">
+        <a:gsLst>
+          <a:gs pos="0">
+            <a:schemeClr val="phClr">
+              <a:tint val="80000"/>
+              <a:satMod val="300000"/>
+            </a:schemeClr>
+          </a:gs>
+          <a:gs pos="100000">
+            <a:schemeClr val="phClr">
+              <a:shade val="30000"/>
+              <a:satMod val="200000"/>
+            </a:schemeClr>
+          </a:gs>
+        </a:gsLst>
+        <a:path path="circle">
+          <a:fillToRect l="50000" t="50000" r="50000" b="50000"/>
+        </a:path>
+      </a:gradFill>
+    </a:bgFillStyleLst>
+  </a:fmtScheme>
+</a:themeOverride>
 </file>